--- a/報告資料/期末報告Python_Movie_RecommerSystem.pptx
+++ b/報告資料/期末報告Python_Movie_RecommerSystem.pptx
@@ -6091,8 +6091,8 @@
         </p:blipFill>
         <p:spPr>
           <a:xfrm>
-            <a:off x="1392087" y="1514457"/>
-            <a:ext cx="3005686" cy="2287711"/>
+            <a:off x="272102" y="3099488"/>
+            <a:ext cx="1889163" cy="1437894"/>
           </a:xfrm>
           <a:prstGeom prst="rect">
             <a:avLst/>
@@ -6121,8 +6121,8 @@
         </p:blipFill>
         <p:spPr>
           <a:xfrm>
-            <a:off x="116338" y="3839377"/>
-            <a:ext cx="5557184" cy="2068733"/>
+            <a:off x="2259483" y="3213191"/>
+            <a:ext cx="3646151" cy="1357326"/>
           </a:xfrm>
           <a:prstGeom prst="rect">
             <a:avLst/>
@@ -6363,6 +6363,25 @@
                 <a:latin typeface="Adobe 黑体 Std R" panose="020B0400000000000000" pitchFamily="34" charset="-128"/>
                 <a:ea typeface="Adobe 黑体 Std R" panose="020B0400000000000000" pitchFamily="34" charset="-128"/>
               </a:rPr>
+              <a:t>Sorted</a:t>
+            </a:r>
+            <a:r>
+              <a:rPr lang="en-US" altLang="zh-TW" sz="2000" b="0" dirty="0">
+                <a:solidFill>
+                  <a:schemeClr val="tx2"/>
+                </a:solidFill>
+                <a:effectLst/>
+                <a:latin typeface="Consolas" panose="020B0609020204030204" pitchFamily="49" charset="0"/>
+                <a:ea typeface="Adobe 黑体 Std R" panose="020B0400000000000000" pitchFamily="34" charset="-128"/>
+              </a:rPr>
+              <a:t> </a:t>
+            </a:r>
+            <a:r>
+              <a:rPr lang="en-US" altLang="zh-TW" sz="2000" b="0" dirty="0">
+                <a:effectLst/>
+                <a:latin typeface="Adobe 黑体 Std R" panose="020B0400000000000000" pitchFamily="34" charset="-128"/>
+                <a:ea typeface="Adobe 黑体 Std R" panose="020B0400000000000000" pitchFamily="34" charset="-128"/>
+              </a:rPr>
               <a:t>Cosine Similarity</a:t>
             </a:r>
             <a:endParaRPr lang="en-US" altLang="zh-TW" sz="1600" b="1" i="0" dirty="0">
@@ -6437,13 +6456,41 @@
                 <a:latin typeface="Adobe 黑体 Std R" panose="020B0400000000000000" pitchFamily="34" charset="-128"/>
                 <a:ea typeface="Adobe 黑体 Std R" panose="020B0400000000000000" pitchFamily="34" charset="-128"/>
               </a:rPr>
-              <a:t>Sorted</a:t>
-            </a:r>
-            <a:endParaRPr lang="en-US" altLang="zh-TW" sz="1600" b="1" i="0" dirty="0">
+              <a:t>Sorted Weighted Rating</a:t>
+            </a:r>
+            <a:endParaRPr lang="en-US" altLang="zh-TW" sz="2000" b="0" dirty="0">
               <a:solidFill>
-                <a:schemeClr val="tx2">
-                  <a:lumMod val="90000"/>
-                </a:schemeClr>
+                <a:schemeClr val="tx2"/>
+              </a:solidFill>
+              <a:effectLst/>
+              <a:latin typeface="Consolas" panose="020B0609020204030204" pitchFamily="49" charset="0"/>
+            </a:endParaRPr>
+          </a:p>
+          <a:p>
+            <a:pPr algn="ctr"/>
+            <a:r>
+              <a:rPr lang="en-US" altLang="zh-TW" sz="1600" b="0" dirty="0">
+                <a:solidFill>
+                  <a:schemeClr val="tx2"/>
+                </a:solidFill>
+                <a:effectLst/>
+                <a:latin typeface="Consolas" panose="020B0609020204030204" pitchFamily="49" charset="0"/>
+              </a:rPr>
+              <a:t>IMDB formula of weighted rating (WR)(</a:t>
+            </a:r>
+            <a:r>
+              <a:rPr lang="en-US" altLang="zh-TW" sz="1600" b="0" i="0" dirty="0">
+                <a:solidFill>
+                  <a:schemeClr val="tx2"/>
+                </a:solidFill>
+                <a:effectLst/>
+                <a:latin typeface="arial" panose="020B0604020202020204" pitchFamily="34" charset="0"/>
+              </a:rPr>
+              <a:t> from 1 to 10)</a:t>
+            </a:r>
+            <a:endParaRPr lang="en-US" altLang="zh-TW" sz="1600" b="0" dirty="0">
+              <a:solidFill>
+                <a:schemeClr val="tx2"/>
               </a:solidFill>
               <a:effectLst/>
               <a:latin typeface="Adobe 黑体 Std R" panose="020B0400000000000000" pitchFamily="34" charset="-128"/>
@@ -6559,8 +6606,8 @@
         </p:nvSpPr>
         <p:spPr>
           <a:xfrm>
-            <a:off x="-153070" y="5882924"/>
-            <a:ext cx="6096000" cy="276999"/>
+            <a:off x="1641541" y="2984992"/>
+            <a:ext cx="4454459" cy="276999"/>
           </a:xfrm>
           <a:prstGeom prst="rect">
             <a:avLst/>
@@ -6602,6 +6649,36 @@
           </a:p>
         </p:txBody>
       </p:sp>
+      <p:pic>
+        <p:nvPicPr>
+          <p:cNvPr id="5" name="圖片 4">
+            <a:extLst>
+              <a:ext uri="{FF2B5EF4-FFF2-40B4-BE49-F238E27FC236}">
+                <a16:creationId xmlns:a16="http://schemas.microsoft.com/office/drawing/2014/main" id="{1726D401-D4FF-4F7D-A402-B377B848EABD}"/>
+              </a:ext>
+            </a:extLst>
+          </p:cNvPr>
+          <p:cNvPicPr>
+            <a:picLocks noChangeAspect="1"/>
+          </p:cNvPicPr>
+          <p:nvPr/>
+        </p:nvPicPr>
+        <p:blipFill>
+          <a:blip r:embed="rId4"/>
+          <a:stretch>
+            <a:fillRect/>
+          </a:stretch>
+        </p:blipFill>
+        <p:spPr>
+          <a:xfrm>
+            <a:off x="2247558" y="5028123"/>
+            <a:ext cx="3658076" cy="1508864"/>
+          </a:xfrm>
+          <a:prstGeom prst="rect">
+            <a:avLst/>
+          </a:prstGeom>
+        </p:spPr>
+      </p:pic>
     </p:spTree>
     <p:extLst>
       <p:ext uri="{BB962C8B-B14F-4D97-AF65-F5344CB8AC3E}">
@@ -7044,7 +7121,7 @@
         </p:nvSpPr>
         <p:spPr>
           <a:xfrm>
-            <a:off x="1883303" y="2575303"/>
+            <a:off x="1598507" y="2550690"/>
             <a:ext cx="1828800" cy="810705"/>
           </a:xfrm>
           <a:prstGeom prst="roundRect">
@@ -7229,7 +7306,7 @@
         </p:blipFill>
         <p:spPr>
           <a:xfrm>
-            <a:off x="452621" y="2579078"/>
+            <a:off x="167825" y="2557861"/>
             <a:ext cx="687140" cy="687140"/>
           </a:xfrm>
           <a:prstGeom prst="rect">
@@ -7268,7 +7345,7 @@
         </p:blipFill>
         <p:spPr>
           <a:xfrm rot="1292930">
-            <a:off x="1175043" y="2668972"/>
+            <a:off x="890247" y="2647755"/>
             <a:ext cx="616575" cy="616575"/>
           </a:xfrm>
           <a:prstGeom prst="rect">
@@ -7371,9 +7448,9 @@
           <p:nvPr/>
         </p:nvCxnSpPr>
         <p:spPr>
-          <a:xfrm flipV="1">
-            <a:off x="3712103" y="2971880"/>
-            <a:ext cx="2018176" cy="8776"/>
+          <a:xfrm>
+            <a:off x="3427307" y="2956043"/>
+            <a:ext cx="2302972" cy="15837"/>
           </a:xfrm>
           <a:prstGeom prst="straightConnector1">
             <a:avLst/>
@@ -7712,6 +7789,53 @@
               </a:rPr>
               <a:t>Estimate Scores)</a:t>
             </a:r>
+          </a:p>
+        </p:txBody>
+      </p:sp>
+      <p:sp>
+        <p:nvSpPr>
+          <p:cNvPr id="19" name="文字方塊 18">
+            <a:extLst>
+              <a:ext uri="{FF2B5EF4-FFF2-40B4-BE49-F238E27FC236}">
+                <a16:creationId xmlns:a16="http://schemas.microsoft.com/office/drawing/2014/main" id="{676D328A-1492-4F80-8BC3-1C75AAD5C3D3}"/>
+              </a:ext>
+            </a:extLst>
+          </p:cNvPr>
+          <p:cNvSpPr txBox="1"/>
+          <p:nvPr/>
+        </p:nvSpPr>
+        <p:spPr>
+          <a:xfrm>
+            <a:off x="2965350" y="2694586"/>
+            <a:ext cx="3222129" cy="307777"/>
+          </a:xfrm>
+          <a:prstGeom prst="rect">
+            <a:avLst/>
+          </a:prstGeom>
+          <a:noFill/>
+        </p:spPr>
+        <p:txBody>
+          <a:bodyPr wrap="square">
+            <a:spAutoFit/>
+          </a:bodyPr>
+          <a:lstStyle/>
+          <a:p>
+            <a:pPr algn="ctr"/>
+            <a:r>
+              <a:rPr lang="en-US" altLang="zh-TW" sz="1400" dirty="0">
+                <a:latin typeface="Adobe 黑体 Std R" panose="020B0400000000000000" pitchFamily="34" charset="-128"/>
+                <a:ea typeface="Adobe 黑体 Std R" panose="020B0400000000000000" pitchFamily="34" charset="-128"/>
+              </a:rPr>
+              <a:t>Sorted Cosine Similarity</a:t>
+            </a:r>
+            <a:endParaRPr lang="en-US" altLang="zh-TW" sz="1100" b="0" dirty="0">
+              <a:solidFill>
+                <a:srgbClr val="CEB6F4"/>
+              </a:solidFill>
+              <a:effectLst/>
+              <a:latin typeface="Adobe 黑体 Std R" panose="020B0400000000000000" pitchFamily="34" charset="-128"/>
+              <a:ea typeface="Adobe 黑体 Std R" panose="020B0400000000000000" pitchFamily="34" charset="-128"/>
+            </a:endParaRPr>
           </a:p>
         </p:txBody>
       </p:sp>

--- a/報告資料/期末報告Python_Movie_RecommerSystem.pptx
+++ b/報告資料/期末報告Python_Movie_RecommerSystem.pptx
@@ -9,17 +9,19 @@
     <p:sldId id="257" r:id="rId3"/>
     <p:sldId id="261" r:id="rId4"/>
     <p:sldId id="269" r:id="rId5"/>
-    <p:sldId id="270" r:id="rId6"/>
-    <p:sldId id="271" r:id="rId7"/>
-    <p:sldId id="268" r:id="rId8"/>
-    <p:sldId id="259" r:id="rId9"/>
-    <p:sldId id="260" r:id="rId10"/>
-    <p:sldId id="262" r:id="rId11"/>
-    <p:sldId id="263" r:id="rId12"/>
-    <p:sldId id="264" r:id="rId13"/>
-    <p:sldId id="265" r:id="rId14"/>
-    <p:sldId id="266" r:id="rId15"/>
-    <p:sldId id="267" r:id="rId16"/>
+    <p:sldId id="272" r:id="rId6"/>
+    <p:sldId id="270" r:id="rId7"/>
+    <p:sldId id="271" r:id="rId8"/>
+    <p:sldId id="273" r:id="rId9"/>
+    <p:sldId id="268" r:id="rId10"/>
+    <p:sldId id="259" r:id="rId11"/>
+    <p:sldId id="260" r:id="rId12"/>
+    <p:sldId id="262" r:id="rId13"/>
+    <p:sldId id="263" r:id="rId14"/>
+    <p:sldId id="264" r:id="rId15"/>
+    <p:sldId id="266" r:id="rId16"/>
+    <p:sldId id="265" r:id="rId17"/>
+    <p:sldId id="267" r:id="rId18"/>
   </p:sldIdLst>
   <p:sldSz cx="12192000" cy="6858000"/>
   <p:notesSz cx="6858000" cy="9144000"/>
@@ -3356,7 +3358,7 @@
         </p:nvSpPr>
         <p:spPr>
           <a:xfrm>
-            <a:off x="1495187" y="310853"/>
+            <a:off x="739463" y="321013"/>
             <a:ext cx="7690549" cy="1012343"/>
           </a:xfrm>
         </p:spPr>
@@ -3372,49 +3374,11 @@
                 <a:latin typeface="Adobe 黑体 Std R" panose="020B0400000000000000" pitchFamily="34" charset="-128"/>
                 <a:ea typeface="Adobe 黑体 Std R" panose="020B0400000000000000" pitchFamily="34" charset="-128"/>
               </a:rPr>
-              <a:t>PyQt6 </a:t>
-            </a:r>
-            <a:r>
-              <a:rPr lang="en-US" altLang="zh-TW" sz="5400" b="0" i="0" u="none" strike="noStrike" baseline="0" dirty="0">
-                <a:solidFill>
-                  <a:schemeClr val="tx2">
-                    <a:lumMod val="90000"/>
-                  </a:schemeClr>
-                </a:solidFill>
-                <a:latin typeface="Adobe 黑体 Std R" panose="020B0400000000000000" pitchFamily="34" charset="-128"/>
-                <a:ea typeface="Adobe 黑体 Std R" panose="020B0400000000000000" pitchFamily="34" charset="-128"/>
-              </a:rPr>
-              <a:t>– </a:t>
-            </a:r>
-            <a:r>
-              <a:rPr lang="en-US" altLang="zh-TW" sz="5400" dirty="0">
-                <a:solidFill>
-                  <a:schemeClr val="tx2">
-                    <a:lumMod val="90000"/>
-                  </a:schemeClr>
-                </a:solidFill>
-                <a:latin typeface="Adobe 黑体 Std R" panose="020B0400000000000000" pitchFamily="34" charset="-128"/>
-                <a:ea typeface="Adobe 黑体 Std R" panose="020B0400000000000000" pitchFamily="34" charset="-128"/>
-              </a:rPr>
-              <a:t>H</a:t>
-            </a:r>
-            <a:r>
-              <a:rPr lang="en-US" altLang="zh-TW" sz="5400" b="0" i="0" u="none" strike="noStrike" baseline="0" dirty="0">
-                <a:solidFill>
-                  <a:schemeClr val="tx2">
-                    <a:lumMod val="90000"/>
-                  </a:schemeClr>
-                </a:solidFill>
-                <a:latin typeface="Adobe 黑体 Std R" panose="020B0400000000000000" pitchFamily="34" charset="-128"/>
-                <a:ea typeface="Adobe 黑体 Std R" panose="020B0400000000000000" pitchFamily="34" charset="-128"/>
-              </a:rPr>
-              <a:t>ome Page</a:t>
+              <a:t>System Architecture</a:t>
             </a:r>
             <a:endParaRPr lang="zh-TW" altLang="en-US" sz="11500" dirty="0">
               <a:solidFill>
-                <a:schemeClr val="tx2">
-                  <a:lumMod val="90000"/>
-                </a:schemeClr>
+                <a:schemeClr val="tx2"/>
               </a:solidFill>
               <a:latin typeface="Adobe 黑体 Std R" panose="020B0400000000000000" pitchFamily="34" charset="-128"/>
               <a:ea typeface="Adobe 黑体 Std R" panose="020B0400000000000000" pitchFamily="34" charset="-128"/>
@@ -3436,7 +3400,7 @@
         </p:nvSpPr>
         <p:spPr>
           <a:xfrm>
-            <a:off x="1384617" y="310853"/>
+            <a:off x="628893" y="321013"/>
             <a:ext cx="45719" cy="933855"/>
           </a:xfrm>
           <a:prstGeom prst="roundRect">
@@ -3473,10 +3437,10 @@
       </p:sp>
       <p:pic>
         <p:nvPicPr>
-          <p:cNvPr id="7" name="圖片 6" descr="一張含有 文字 的圖片&#10;&#10;自動產生的描述">
+          <p:cNvPr id="20" name="圖片 19">
             <a:extLst>
               <a:ext uri="{FF2B5EF4-FFF2-40B4-BE49-F238E27FC236}">
-                <a16:creationId xmlns:a16="http://schemas.microsoft.com/office/drawing/2014/main" id="{F4DF5176-5971-4774-86DE-7B6E0C3820F8}"/>
+                <a16:creationId xmlns:a16="http://schemas.microsoft.com/office/drawing/2014/main" id="{BCB50928-1F29-4D80-975B-0591E3710A60}"/>
               </a:ext>
             </a:extLst>
           </p:cNvPr>
@@ -3485,7 +3449,7 @@
           </p:cNvPicPr>
           <p:nvPr/>
         </p:nvPicPr>
-        <p:blipFill>
+        <p:blipFill rotWithShape="1">
           <a:blip r:embed="rId2">
             <a:extLst>
               <a:ext uri="{28A0092B-C50C-407E-A947-70E740481C1C}">
@@ -3493,24 +3457,119 @@
               </a:ext>
             </a:extLst>
           </a:blip>
-          <a:stretch>
-            <a:fillRect/>
-          </a:stretch>
+          <a:srcRect b="59204"/>
+          <a:stretch/>
         </p:blipFill>
         <p:spPr>
           <a:xfrm>
-            <a:off x="1384617" y="1557695"/>
-            <a:ext cx="9422765" cy="5300305"/>
+            <a:off x="1489298" y="2159108"/>
+            <a:ext cx="9355871" cy="3124091"/>
           </a:xfrm>
           <a:prstGeom prst="rect">
             <a:avLst/>
           </a:prstGeom>
         </p:spPr>
       </p:pic>
+      <p:sp>
+        <p:nvSpPr>
+          <p:cNvPr id="18" name="矩形 17">
+            <a:extLst>
+              <a:ext uri="{FF2B5EF4-FFF2-40B4-BE49-F238E27FC236}">
+                <a16:creationId xmlns:a16="http://schemas.microsoft.com/office/drawing/2014/main" id="{F8E12EEF-03F9-4171-B114-A71C33F53CBB}"/>
+              </a:ext>
+            </a:extLst>
+          </p:cNvPr>
+          <p:cNvSpPr/>
+          <p:nvPr/>
+        </p:nvSpPr>
+        <p:spPr>
+          <a:xfrm>
+            <a:off x="6228193" y="4850130"/>
+            <a:ext cx="1428361" cy="433069"/>
+          </a:xfrm>
+          <a:prstGeom prst="rect">
+            <a:avLst/>
+          </a:prstGeom>
+          <a:solidFill>
+            <a:schemeClr val="tx1"/>
+          </a:solidFill>
+          <a:ln>
+            <a:solidFill>
+              <a:schemeClr val="tx1"/>
+            </a:solidFill>
+          </a:ln>
+        </p:spPr>
+        <p:style>
+          <a:lnRef idx="2">
+            <a:schemeClr val="accent1">
+              <a:shade val="50000"/>
+            </a:schemeClr>
+          </a:lnRef>
+          <a:fillRef idx="1">
+            <a:schemeClr val="accent1"/>
+          </a:fillRef>
+          <a:effectRef idx="0">
+            <a:schemeClr val="accent1"/>
+          </a:effectRef>
+          <a:fontRef idx="minor">
+            <a:schemeClr val="lt1"/>
+          </a:fontRef>
+        </p:style>
+        <p:txBody>
+          <a:bodyPr rtlCol="0" anchor="ctr"/>
+          <a:lstStyle/>
+          <a:p>
+            <a:pPr algn="ctr"/>
+            <a:endParaRPr lang="zh-TW" altLang="en-US"/>
+          </a:p>
+        </p:txBody>
+      </p:sp>
+      <p:sp>
+        <p:nvSpPr>
+          <p:cNvPr id="7" name="文字方塊 6">
+            <a:extLst>
+              <a:ext uri="{FF2B5EF4-FFF2-40B4-BE49-F238E27FC236}">
+                <a16:creationId xmlns:a16="http://schemas.microsoft.com/office/drawing/2014/main" id="{1C7B8506-6618-4100-8378-842B7B6DA002}"/>
+              </a:ext>
+            </a:extLst>
+          </p:cNvPr>
+          <p:cNvSpPr txBox="1"/>
+          <p:nvPr/>
+        </p:nvSpPr>
+        <p:spPr>
+          <a:xfrm>
+            <a:off x="11476641" y="6411194"/>
+            <a:ext cx="444352" cy="369332"/>
+          </a:xfrm>
+          <a:prstGeom prst="rect">
+            <a:avLst/>
+          </a:prstGeom>
+          <a:noFill/>
+        </p:spPr>
+        <p:txBody>
+          <a:bodyPr wrap="none" rtlCol="0">
+            <a:spAutoFit/>
+          </a:bodyPr>
+          <a:lstStyle/>
+          <a:p>
+            <a:r>
+              <a:rPr lang="en-US" altLang="zh-TW" dirty="0">
+                <a:latin typeface="Adobe 黑体 Std R" panose="020B0400000000000000" pitchFamily="34" charset="-128"/>
+                <a:ea typeface="Adobe 黑体 Std R" panose="020B0400000000000000" pitchFamily="34" charset="-128"/>
+              </a:rPr>
+              <a:t>10</a:t>
+            </a:r>
+            <a:endParaRPr lang="zh-TW" altLang="en-US" dirty="0">
+              <a:latin typeface="Adobe 黑体 Std R" panose="020B0400000000000000" pitchFamily="34" charset="-128"/>
+              <a:ea typeface="Adobe 黑体 Std R" panose="020B0400000000000000" pitchFamily="34" charset="-128"/>
+            </a:endParaRPr>
+          </a:p>
+        </p:txBody>
+      </p:sp>
     </p:spTree>
     <p:extLst>
       <p:ext uri="{BB962C8B-B14F-4D97-AF65-F5344CB8AC3E}">
-        <p14:creationId xmlns:p14="http://schemas.microsoft.com/office/powerpoint/2010/main" val="3326525695"/>
+        <p14:creationId xmlns:p14="http://schemas.microsoft.com/office/powerpoint/2010/main" val="1624831721"/>
       </p:ext>
     </p:extLst>
   </p:cSld>
@@ -3567,7 +3626,7 @@
         </p:nvSpPr>
         <p:spPr>
           <a:xfrm>
-            <a:off x="1495187" y="310853"/>
+            <a:off x="739463" y="321013"/>
             <a:ext cx="7690549" cy="1012343"/>
           </a:xfrm>
         </p:spPr>
@@ -3579,53 +3638,28 @@
           <a:p>
             <a:pPr algn="l"/>
             <a:r>
-              <a:rPr lang="en-US" altLang="zh-TW" sz="5400" b="0" i="0" u="none" strike="noStrike" baseline="0" dirty="0">
-                <a:latin typeface="Adobe 黑体 Std R" panose="020B0400000000000000" pitchFamily="34" charset="-128"/>
-                <a:ea typeface="Adobe 黑体 Std R" panose="020B0400000000000000" pitchFamily="34" charset="-128"/>
-              </a:rPr>
-              <a:t>PyQt6 </a:t>
-            </a:r>
-            <a:r>
-              <a:rPr lang="en-US" altLang="zh-TW" sz="5400" b="0" i="0" u="none" strike="noStrike" baseline="0" dirty="0">
-                <a:solidFill>
-                  <a:schemeClr val="tx2">
-                    <a:lumMod val="90000"/>
-                  </a:schemeClr>
-                </a:solidFill>
-                <a:latin typeface="Adobe 黑体 Std R" panose="020B0400000000000000" pitchFamily="34" charset="-128"/>
-                <a:ea typeface="Adobe 黑体 Std R" panose="020B0400000000000000" pitchFamily="34" charset="-128"/>
-              </a:rPr>
-              <a:t>– </a:t>
-            </a:r>
-            <a:r>
               <a:rPr lang="en-US" altLang="zh-TW" sz="5400" dirty="0">
                 <a:solidFill>
-                  <a:schemeClr val="tx2">
-                    <a:lumMod val="90000"/>
-                  </a:schemeClr>
+                  <a:schemeClr val="tx2"/>
                 </a:solidFill>
                 <a:latin typeface="Adobe 黑体 Std R" panose="020B0400000000000000" pitchFamily="34" charset="-128"/>
                 <a:ea typeface="Adobe 黑体 Std R" panose="020B0400000000000000" pitchFamily="34" charset="-128"/>
               </a:rPr>
-              <a:t>Video</a:t>
-            </a:r>
-            <a:r>
-              <a:rPr lang="en-US" altLang="zh-TW" sz="5400" b="0" i="0" u="none" strike="noStrike" baseline="0" dirty="0">
+              <a:t>RS</a:t>
+            </a:r>
+            <a:r>
+              <a:rPr lang="zh-TW" altLang="en-US" sz="5400" dirty="0">
                 <a:solidFill>
-                  <a:schemeClr val="tx2">
-                    <a:lumMod val="90000"/>
-                  </a:schemeClr>
+                  <a:schemeClr val="tx2"/>
                 </a:solidFill>
                 <a:latin typeface="Adobe 黑体 Std R" panose="020B0400000000000000" pitchFamily="34" charset="-128"/>
                 <a:ea typeface="Adobe 黑体 Std R" panose="020B0400000000000000" pitchFamily="34" charset="-128"/>
               </a:rPr>
-              <a:t> Page</a:t>
+              <a:t> </a:t>
             </a:r>
             <a:endParaRPr lang="zh-TW" altLang="en-US" sz="11500" dirty="0">
               <a:solidFill>
-                <a:schemeClr val="tx2">
-                  <a:lumMod val="90000"/>
-                </a:schemeClr>
+                <a:schemeClr val="tx2"/>
               </a:solidFill>
               <a:latin typeface="Adobe 黑体 Std R" panose="020B0400000000000000" pitchFamily="34" charset="-128"/>
               <a:ea typeface="Adobe 黑体 Std R" panose="020B0400000000000000" pitchFamily="34" charset="-128"/>
@@ -3647,7 +3681,7 @@
         </p:nvSpPr>
         <p:spPr>
           <a:xfrm>
-            <a:off x="1384617" y="310853"/>
+            <a:off x="628893" y="321013"/>
             <a:ext cx="45719" cy="933855"/>
           </a:xfrm>
           <a:prstGeom prst="roundRect">
@@ -3684,10 +3718,10 @@
       </p:sp>
       <p:pic>
         <p:nvPicPr>
-          <p:cNvPr id="5" name="圖片 4" descr="一張含有 文字, 螢幕擷取畫面, 黑色 的圖片&#10;&#10;自動產生的描述">
+          <p:cNvPr id="9" name="圖片 8">
             <a:extLst>
               <a:ext uri="{FF2B5EF4-FFF2-40B4-BE49-F238E27FC236}">
-                <a16:creationId xmlns:a16="http://schemas.microsoft.com/office/drawing/2014/main" id="{61447875-22E5-4AB4-B94D-C736BB99F207}"/>
+                <a16:creationId xmlns:a16="http://schemas.microsoft.com/office/drawing/2014/main" id="{E78F777A-89EA-402F-A3DE-6DF52CD4F1F4}"/>
               </a:ext>
             </a:extLst>
           </p:cNvPr>
@@ -3697,31 +3731,67 @@
           <p:nvPr/>
         </p:nvPicPr>
         <p:blipFill>
-          <a:blip r:embed="rId2">
-            <a:extLst>
-              <a:ext uri="{28A0092B-C50C-407E-A947-70E740481C1C}">
-                <a14:useLocalDpi xmlns:a14="http://schemas.microsoft.com/office/drawing/2010/main" val="0"/>
-              </a:ext>
-            </a:extLst>
-          </a:blip>
+          <a:blip r:embed="rId2"/>
           <a:stretch>
             <a:fillRect/>
           </a:stretch>
         </p:blipFill>
         <p:spPr>
           <a:xfrm>
-            <a:off x="1384618" y="1498936"/>
-            <a:ext cx="9527225" cy="5359064"/>
+            <a:off x="2121285" y="321013"/>
+            <a:ext cx="9441822" cy="5769582"/>
           </a:xfrm>
           <a:prstGeom prst="rect">
             <a:avLst/>
           </a:prstGeom>
         </p:spPr>
       </p:pic>
+      <p:sp>
+        <p:nvSpPr>
+          <p:cNvPr id="5" name="文字方塊 4">
+            <a:extLst>
+              <a:ext uri="{FF2B5EF4-FFF2-40B4-BE49-F238E27FC236}">
+                <a16:creationId xmlns:a16="http://schemas.microsoft.com/office/drawing/2014/main" id="{0BE13FC0-6036-4D5D-9131-7AA78607497A}"/>
+              </a:ext>
+            </a:extLst>
+          </p:cNvPr>
+          <p:cNvSpPr txBox="1"/>
+          <p:nvPr/>
+        </p:nvSpPr>
+        <p:spPr>
+          <a:xfrm>
+            <a:off x="11476641" y="6411194"/>
+            <a:ext cx="444352" cy="369332"/>
+          </a:xfrm>
+          <a:prstGeom prst="rect">
+            <a:avLst/>
+          </a:prstGeom>
+          <a:noFill/>
+        </p:spPr>
+        <p:txBody>
+          <a:bodyPr wrap="none" rtlCol="0">
+            <a:spAutoFit/>
+          </a:bodyPr>
+          <a:lstStyle/>
+          <a:p>
+            <a:r>
+              <a:rPr lang="en-US" altLang="zh-TW" dirty="0">
+                <a:latin typeface="Adobe 黑体 Std R" panose="020B0400000000000000" pitchFamily="34" charset="-128"/>
+                <a:ea typeface="Adobe 黑体 Std R" panose="020B0400000000000000" pitchFamily="34" charset="-128"/>
+              </a:rPr>
+              <a:t>11</a:t>
+            </a:r>
+            <a:endParaRPr lang="zh-TW" altLang="en-US" dirty="0">
+              <a:latin typeface="Adobe 黑体 Std R" panose="020B0400000000000000" pitchFamily="34" charset="-128"/>
+              <a:ea typeface="Adobe 黑体 Std R" panose="020B0400000000000000" pitchFamily="34" charset="-128"/>
+            </a:endParaRPr>
+          </a:p>
+        </p:txBody>
+      </p:sp>
     </p:spTree>
     <p:extLst>
       <p:ext uri="{BB962C8B-B14F-4D97-AF65-F5344CB8AC3E}">
-        <p14:creationId xmlns:p14="http://schemas.microsoft.com/office/powerpoint/2010/main" val="3489292648"/>
+        <p14:creationId xmlns:p14="http://schemas.microsoft.com/office/powerpoint/2010/main" val="16516634"/>
       </p:ext>
     </p:extLst>
   </p:cSld>
@@ -3818,7 +3888,19 @@
                 <a:latin typeface="Adobe 黑体 Std R" panose="020B0400000000000000" pitchFamily="34" charset="-128"/>
                 <a:ea typeface="Adobe 黑体 Std R" panose="020B0400000000000000" pitchFamily="34" charset="-128"/>
               </a:rPr>
-              <a:t>Account</a:t>
+              <a:t>H</a:t>
+            </a:r>
+            <a:r>
+              <a:rPr lang="en-US" altLang="zh-TW" sz="5400" b="0" i="0" u="none" strike="noStrike" baseline="0" dirty="0">
+                <a:solidFill>
+                  <a:schemeClr val="tx2">
+                    <a:lumMod val="90000"/>
+                  </a:schemeClr>
+                </a:solidFill>
+                <a:latin typeface="Adobe 黑体 Std R" panose="020B0400000000000000" pitchFamily="34" charset="-128"/>
+                <a:ea typeface="Adobe 黑体 Std R" panose="020B0400000000000000" pitchFamily="34" charset="-128"/>
+              </a:rPr>
+              <a:t>ome Page</a:t>
             </a:r>
             <a:endParaRPr lang="zh-TW" altLang="en-US" sz="11500" dirty="0">
               <a:solidFill>
@@ -3883,10 +3965,10 @@
       </p:sp>
       <p:pic>
         <p:nvPicPr>
-          <p:cNvPr id="5" name="圖片 4" descr="一張含有 文字, 螢幕擷取畫面, 黑色 的圖片&#10;&#10;自動產生的描述">
+          <p:cNvPr id="7" name="圖片 6" descr="一張含有 文字 的圖片&#10;&#10;自動產生的描述">
             <a:extLst>
               <a:ext uri="{FF2B5EF4-FFF2-40B4-BE49-F238E27FC236}">
-                <a16:creationId xmlns:a16="http://schemas.microsoft.com/office/drawing/2014/main" id="{61447875-22E5-4AB4-B94D-C736BB99F207}"/>
+                <a16:creationId xmlns:a16="http://schemas.microsoft.com/office/drawing/2014/main" id="{F4DF5176-5971-4774-86DE-7B6E0C3820F8}"/>
               </a:ext>
             </a:extLst>
           </p:cNvPr>
@@ -3895,7 +3977,7 @@
           </p:cNvPicPr>
           <p:nvPr/>
         </p:nvPicPr>
-        <p:blipFill rotWithShape="1">
+        <p:blipFill>
           <a:blip r:embed="rId2">
             <a:extLst>
               <a:ext uri="{28A0092B-C50C-407E-A947-70E740481C1C}">
@@ -3903,23 +3985,66 @@
               </a:ext>
             </a:extLst>
           </a:blip>
-          <a:srcRect l="86456" b="69767"/>
-          <a:stretch/>
+          <a:stretch>
+            <a:fillRect/>
+          </a:stretch>
         </p:blipFill>
         <p:spPr>
           <a:xfrm>
-            <a:off x="4378960" y="1987224"/>
-            <a:ext cx="3434080" cy="4311976"/>
+            <a:off x="1384617" y="1557695"/>
+            <a:ext cx="9422765" cy="5300305"/>
           </a:xfrm>
           <a:prstGeom prst="rect">
             <a:avLst/>
           </a:prstGeom>
         </p:spPr>
       </p:pic>
+      <p:sp>
+        <p:nvSpPr>
+          <p:cNvPr id="5" name="文字方塊 4">
+            <a:extLst>
+              <a:ext uri="{FF2B5EF4-FFF2-40B4-BE49-F238E27FC236}">
+                <a16:creationId xmlns:a16="http://schemas.microsoft.com/office/drawing/2014/main" id="{08DEF679-9A65-4B1E-A4C8-A335D183D885}"/>
+              </a:ext>
+            </a:extLst>
+          </p:cNvPr>
+          <p:cNvSpPr txBox="1"/>
+          <p:nvPr/>
+        </p:nvSpPr>
+        <p:spPr>
+          <a:xfrm>
+            <a:off x="11476641" y="6411194"/>
+            <a:ext cx="444352" cy="369332"/>
+          </a:xfrm>
+          <a:prstGeom prst="rect">
+            <a:avLst/>
+          </a:prstGeom>
+          <a:noFill/>
+        </p:spPr>
+        <p:txBody>
+          <a:bodyPr wrap="none" rtlCol="0">
+            <a:spAutoFit/>
+          </a:bodyPr>
+          <a:lstStyle/>
+          <a:p>
+            <a:r>
+              <a:rPr lang="en-US" altLang="zh-TW" dirty="0">
+                <a:latin typeface="Adobe 黑体 Std R" panose="020B0400000000000000" pitchFamily="34" charset="-128"/>
+                <a:ea typeface="Adobe 黑体 Std R" panose="020B0400000000000000" pitchFamily="34" charset="-128"/>
+              </a:rPr>
+              <a:t>12</a:t>
+            </a:r>
+            <a:endParaRPr lang="zh-TW" altLang="en-US" dirty="0">
+              <a:latin typeface="Adobe 黑体 Std R" panose="020B0400000000000000" pitchFamily="34" charset="-128"/>
+              <a:ea typeface="Adobe 黑体 Std R" panose="020B0400000000000000" pitchFamily="34" charset="-128"/>
+            </a:endParaRPr>
+          </a:p>
+        </p:txBody>
+      </p:sp>
     </p:spTree>
     <p:extLst>
       <p:ext uri="{BB962C8B-B14F-4D97-AF65-F5344CB8AC3E}">
-        <p14:creationId xmlns:p14="http://schemas.microsoft.com/office/powerpoint/2010/main" val="2554308271"/>
+        <p14:creationId xmlns:p14="http://schemas.microsoft.com/office/powerpoint/2010/main" val="3326525695"/>
       </p:ext>
     </p:extLst>
   </p:cSld>
@@ -3976,7 +4101,7 @@
         </p:nvSpPr>
         <p:spPr>
           <a:xfrm>
-            <a:off x="739463" y="321013"/>
+            <a:off x="1495187" y="310853"/>
             <a:ext cx="7690549" cy="1012343"/>
           </a:xfrm>
         </p:spPr>
@@ -3992,11 +4117,49 @@
                 <a:latin typeface="Adobe 黑体 Std R" panose="020B0400000000000000" pitchFamily="34" charset="-128"/>
                 <a:ea typeface="Adobe 黑体 Std R" panose="020B0400000000000000" pitchFamily="34" charset="-128"/>
               </a:rPr>
-              <a:t>Contributions</a:t>
+              <a:t>PyQt6 </a:t>
+            </a:r>
+            <a:r>
+              <a:rPr lang="en-US" altLang="zh-TW" sz="5400" b="0" i="0" u="none" strike="noStrike" baseline="0" dirty="0">
+                <a:solidFill>
+                  <a:schemeClr val="tx2">
+                    <a:lumMod val="90000"/>
+                  </a:schemeClr>
+                </a:solidFill>
+                <a:latin typeface="Adobe 黑体 Std R" panose="020B0400000000000000" pitchFamily="34" charset="-128"/>
+                <a:ea typeface="Adobe 黑体 Std R" panose="020B0400000000000000" pitchFamily="34" charset="-128"/>
+              </a:rPr>
+              <a:t>– </a:t>
+            </a:r>
+            <a:r>
+              <a:rPr lang="en-US" altLang="zh-TW" sz="5400" dirty="0">
+                <a:solidFill>
+                  <a:schemeClr val="tx2">
+                    <a:lumMod val="90000"/>
+                  </a:schemeClr>
+                </a:solidFill>
+                <a:latin typeface="Adobe 黑体 Std R" panose="020B0400000000000000" pitchFamily="34" charset="-128"/>
+                <a:ea typeface="Adobe 黑体 Std R" panose="020B0400000000000000" pitchFamily="34" charset="-128"/>
+              </a:rPr>
+              <a:t>Video</a:t>
+            </a:r>
+            <a:r>
+              <a:rPr lang="en-US" altLang="zh-TW" sz="5400" b="0" i="0" u="none" strike="noStrike" baseline="0" dirty="0">
+                <a:solidFill>
+                  <a:schemeClr val="tx2">
+                    <a:lumMod val="90000"/>
+                  </a:schemeClr>
+                </a:solidFill>
+                <a:latin typeface="Adobe 黑体 Std R" panose="020B0400000000000000" pitchFamily="34" charset="-128"/>
+                <a:ea typeface="Adobe 黑体 Std R" panose="020B0400000000000000" pitchFamily="34" charset="-128"/>
+              </a:rPr>
+              <a:t> Page</a:t>
             </a:r>
             <a:endParaRPr lang="zh-TW" altLang="en-US" sz="11500" dirty="0">
               <a:solidFill>
-                <a:schemeClr val="tx2"/>
+                <a:schemeClr val="tx2">
+                  <a:lumMod val="90000"/>
+                </a:schemeClr>
               </a:solidFill>
               <a:latin typeface="Adobe 黑体 Std R" panose="020B0400000000000000" pitchFamily="34" charset="-128"/>
               <a:ea typeface="Adobe 黑体 Std R" panose="020B0400000000000000" pitchFamily="34" charset="-128"/>
@@ -4018,7 +4181,7 @@
         </p:nvSpPr>
         <p:spPr>
           <a:xfrm>
-            <a:off x="628893" y="321013"/>
+            <a:off x="1384617" y="310853"/>
             <a:ext cx="45719" cy="933855"/>
           </a:xfrm>
           <a:prstGeom prst="roundRect">
@@ -4053,295 +4216,88 @@
           </a:p>
         </p:txBody>
       </p:sp>
-      <p:sp>
-        <p:nvSpPr>
-          <p:cNvPr id="7" name="副標題 2">
+      <p:pic>
+        <p:nvPicPr>
+          <p:cNvPr id="5" name="圖片 4" descr="一張含有 文字, 螢幕擷取畫面, 黑色 的圖片&#10;&#10;自動產生的描述">
             <a:extLst>
               <a:ext uri="{FF2B5EF4-FFF2-40B4-BE49-F238E27FC236}">
-                <a16:creationId xmlns:a16="http://schemas.microsoft.com/office/drawing/2014/main" id="{3A14210A-4321-402C-9F5B-A68B6B9267CA}"/>
+                <a16:creationId xmlns:a16="http://schemas.microsoft.com/office/drawing/2014/main" id="{61447875-22E5-4AB4-B94D-C736BB99F207}"/>
               </a:ext>
             </a:extLst>
           </p:cNvPr>
-          <p:cNvSpPr>
-            <a:spLocks noGrp="1"/>
-          </p:cNvSpPr>
-          <p:nvPr>
-            <p:ph type="subTitle" idx="1"/>
-          </p:nvPr>
-        </p:nvSpPr>
-        <p:spPr>
-          <a:xfrm>
-            <a:off x="628893" y="1646177"/>
-            <a:ext cx="11061759" cy="4537807"/>
-          </a:xfrm>
-        </p:spPr>
-        <p:txBody>
-          <a:bodyPr anchor="t">
-            <a:normAutofit/>
+          <p:cNvPicPr>
+            <a:picLocks noChangeAspect="1"/>
+          </p:cNvPicPr>
+          <p:nvPr/>
+        </p:nvPicPr>
+        <p:blipFill>
+          <a:blip r:embed="rId2">
+            <a:extLst>
+              <a:ext uri="{28A0092B-C50C-407E-A947-70E740481C1C}">
+                <a14:useLocalDpi xmlns:a14="http://schemas.microsoft.com/office/drawing/2010/main" val="0"/>
+              </a:ext>
+            </a:extLst>
+          </a:blip>
+          <a:stretch>
+            <a:fillRect/>
+          </a:stretch>
+        </p:blipFill>
+        <p:spPr>
+          <a:xfrm>
+            <a:off x="1384618" y="1498936"/>
+            <a:ext cx="9527225" cy="5359064"/>
+          </a:xfrm>
+          <a:prstGeom prst="rect">
+            <a:avLst/>
+          </a:prstGeom>
+        </p:spPr>
+      </p:pic>
+      <p:sp>
+        <p:nvSpPr>
+          <p:cNvPr id="7" name="文字方塊 6">
+            <a:extLst>
+              <a:ext uri="{FF2B5EF4-FFF2-40B4-BE49-F238E27FC236}">
+                <a16:creationId xmlns:a16="http://schemas.microsoft.com/office/drawing/2014/main" id="{466494F7-B29F-47C7-B243-4198DC937323}"/>
+              </a:ext>
+            </a:extLst>
+          </p:cNvPr>
+          <p:cNvSpPr txBox="1"/>
+          <p:nvPr/>
+        </p:nvSpPr>
+        <p:spPr>
+          <a:xfrm>
+            <a:off x="11476641" y="6411194"/>
+            <a:ext cx="444352" cy="369332"/>
+          </a:xfrm>
+          <a:prstGeom prst="rect">
+            <a:avLst/>
+          </a:prstGeom>
+          <a:noFill/>
+        </p:spPr>
+        <p:txBody>
+          <a:bodyPr wrap="none" rtlCol="0">
+            <a:spAutoFit/>
           </a:bodyPr>
           <a:lstStyle/>
           <a:p>
-            <a:pPr algn="l"/>
-            <a:r>
-              <a:rPr lang="en-US" altLang="zh-TW" sz="2000" dirty="0">
-                <a:solidFill>
-                  <a:schemeClr val="accent2">
-                    <a:lumMod val="40000"/>
-                    <a:lumOff val="60000"/>
-                  </a:schemeClr>
-                </a:solidFill>
-                <a:latin typeface="Adobe 黑体 Std R" panose="020B0400000000000000" pitchFamily="34" charset="-128"/>
-                <a:ea typeface="Adobe 黑体 Std R" panose="020B0400000000000000" pitchFamily="34" charset="-128"/>
-              </a:rPr>
-              <a:t>◆</a:t>
-            </a:r>
-            <a:r>
-              <a:rPr lang="en-US" altLang="zh-TW" sz="2000" dirty="0">
-                <a:solidFill>
-                  <a:schemeClr val="tx2"/>
-                </a:solidFill>
-                <a:latin typeface="Adobe 黑体 Std R" panose="020B0400000000000000" pitchFamily="34" charset="-128"/>
-                <a:ea typeface="Adobe 黑体 Std R" panose="020B0400000000000000" pitchFamily="34" charset="-128"/>
-              </a:rPr>
-              <a:t>106360101 </a:t>
-            </a:r>
-            <a:r>
-              <a:rPr lang="zh-TW" altLang="en-US" sz="2000" dirty="0">
-                <a:solidFill>
-                  <a:schemeClr val="tx2"/>
-                </a:solidFill>
-                <a:latin typeface="Adobe 黑体 Std R" panose="020B0400000000000000" pitchFamily="34" charset="-128"/>
-                <a:ea typeface="Adobe 黑体 Std R" panose="020B0400000000000000" pitchFamily="34" charset="-128"/>
-              </a:rPr>
-              <a:t>謝尚泓 電子四甲</a:t>
-            </a:r>
-            <a:endParaRPr lang="en-US" altLang="zh-TW" sz="2000" dirty="0">
-              <a:solidFill>
-                <a:schemeClr val="tx2"/>
-              </a:solidFill>
+            <a:r>
+              <a:rPr lang="en-US" altLang="zh-TW" dirty="0">
+                <a:latin typeface="Adobe 黑体 Std R" panose="020B0400000000000000" pitchFamily="34" charset="-128"/>
+                <a:ea typeface="Adobe 黑体 Std R" panose="020B0400000000000000" pitchFamily="34" charset="-128"/>
+              </a:rPr>
+              <a:t>13</a:t>
+            </a:r>
+            <a:endParaRPr lang="zh-TW" altLang="en-US" dirty="0">
               <a:latin typeface="Adobe 黑体 Std R" panose="020B0400000000000000" pitchFamily="34" charset="-128"/>
               <a:ea typeface="Adobe 黑体 Std R" panose="020B0400000000000000" pitchFamily="34" charset="-128"/>
             </a:endParaRPr>
           </a:p>
-          <a:p>
-            <a:pPr algn="l"/>
-            <a:r>
-              <a:rPr lang="en-US" altLang="zh-TW" sz="2000" dirty="0">
-                <a:solidFill>
-                  <a:schemeClr val="tx2"/>
-                </a:solidFill>
-                <a:latin typeface="Adobe 黑体 Std R" panose="020B0400000000000000" pitchFamily="34" charset="-128"/>
-                <a:ea typeface="Adobe 黑体 Std R" panose="020B0400000000000000" pitchFamily="34" charset="-128"/>
-              </a:rPr>
-              <a:t>     </a:t>
-            </a:r>
-            <a:r>
-              <a:rPr lang="zh-TW" altLang="en-US" sz="2000" dirty="0">
-                <a:solidFill>
-                  <a:schemeClr val="tx2"/>
-                </a:solidFill>
-                <a:latin typeface="Adobe 黑体 Std R" panose="020B0400000000000000" pitchFamily="34" charset="-128"/>
-                <a:ea typeface="Adobe 黑体 Std R" panose="020B0400000000000000" pitchFamily="34" charset="-128"/>
-              </a:rPr>
-              <a:t>後端、</a:t>
-            </a:r>
-            <a:r>
-              <a:rPr lang="en-US" altLang="zh-TW" sz="2000" dirty="0">
-                <a:solidFill>
-                  <a:schemeClr val="tx2"/>
-                </a:solidFill>
-                <a:latin typeface="Adobe 黑体 Std R" panose="020B0400000000000000" pitchFamily="34" charset="-128"/>
-                <a:ea typeface="Adobe 黑体 Std R" panose="020B0400000000000000" pitchFamily="34" charset="-128"/>
-              </a:rPr>
-              <a:t>Socket</a:t>
-            </a:r>
-            <a:r>
-              <a:rPr lang="zh-TW" altLang="en-US" sz="2000" dirty="0">
-                <a:solidFill>
-                  <a:schemeClr val="tx2"/>
-                </a:solidFill>
-                <a:latin typeface="Adobe 黑体 Std R" panose="020B0400000000000000" pitchFamily="34" charset="-128"/>
-                <a:ea typeface="Adobe 黑体 Std R" panose="020B0400000000000000" pitchFamily="34" charset="-128"/>
-              </a:rPr>
-              <a:t>、</a:t>
-            </a:r>
-            <a:r>
-              <a:rPr lang="en-US" altLang="zh-TW" sz="2000" dirty="0">
-                <a:solidFill>
-                  <a:schemeClr val="tx2"/>
-                </a:solidFill>
-                <a:latin typeface="Adobe 黑体 Std R" panose="020B0400000000000000" pitchFamily="34" charset="-128"/>
-                <a:ea typeface="Adobe 黑体 Std R" panose="020B0400000000000000" pitchFamily="34" charset="-128"/>
-              </a:rPr>
-              <a:t>Database</a:t>
-            </a:r>
-            <a:r>
-              <a:rPr lang="zh-TW" altLang="en-US" sz="2000" dirty="0">
-                <a:solidFill>
-                  <a:schemeClr val="tx2"/>
-                </a:solidFill>
-                <a:latin typeface="Adobe 黑体 Std R" panose="020B0400000000000000" pitchFamily="34" charset="-128"/>
-                <a:ea typeface="Adobe 黑体 Std R" panose="020B0400000000000000" pitchFamily="34" charset="-128"/>
-              </a:rPr>
-              <a:t>、前後端整合</a:t>
-            </a:r>
-            <a:endParaRPr lang="en-US" altLang="zh-TW" sz="2000" dirty="0">
-              <a:solidFill>
-                <a:schemeClr val="tx2"/>
-              </a:solidFill>
-              <a:latin typeface="Adobe 黑体 Std R" panose="020B0400000000000000" pitchFamily="34" charset="-128"/>
-              <a:ea typeface="Adobe 黑体 Std R" panose="020B0400000000000000" pitchFamily="34" charset="-128"/>
-            </a:endParaRPr>
-          </a:p>
-          <a:p>
-            <a:pPr algn="l"/>
-            <a:endParaRPr lang="en-US" altLang="zh-TW" sz="2000" dirty="0">
-              <a:solidFill>
-                <a:schemeClr val="tx2"/>
-              </a:solidFill>
-              <a:latin typeface="Adobe 黑体 Std R" panose="020B0400000000000000" pitchFamily="34" charset="-128"/>
-              <a:ea typeface="Adobe 黑体 Std R" panose="020B0400000000000000" pitchFamily="34" charset="-128"/>
-            </a:endParaRPr>
-          </a:p>
-          <a:p>
-            <a:pPr algn="l"/>
-            <a:endParaRPr lang="en-US" altLang="zh-TW" sz="2000" dirty="0">
-              <a:solidFill>
-                <a:schemeClr val="tx2"/>
-              </a:solidFill>
-              <a:latin typeface="Adobe 黑体 Std R" panose="020B0400000000000000" pitchFamily="34" charset="-128"/>
-              <a:ea typeface="Adobe 黑体 Std R" panose="020B0400000000000000" pitchFamily="34" charset="-128"/>
-            </a:endParaRPr>
-          </a:p>
-          <a:p>
-            <a:pPr algn="l"/>
-            <a:r>
-              <a:rPr lang="en-US" altLang="zh-TW" sz="2000" dirty="0">
-                <a:solidFill>
-                  <a:schemeClr val="accent2">
-                    <a:lumMod val="40000"/>
-                    <a:lumOff val="60000"/>
-                  </a:schemeClr>
-                </a:solidFill>
-                <a:latin typeface="Adobe 黑体 Std R" panose="020B0400000000000000" pitchFamily="34" charset="-128"/>
-                <a:ea typeface="Adobe 黑体 Std R" panose="020B0400000000000000" pitchFamily="34" charset="-128"/>
-              </a:rPr>
-              <a:t>◆ </a:t>
-            </a:r>
-            <a:r>
-              <a:rPr lang="en-US" altLang="zh-TW" sz="2000" dirty="0">
-                <a:solidFill>
-                  <a:schemeClr val="tx2"/>
-                </a:solidFill>
-                <a:latin typeface="Adobe 黑体 Std R" panose="020B0400000000000000" pitchFamily="34" charset="-128"/>
-                <a:ea typeface="Adobe 黑体 Std R" panose="020B0400000000000000" pitchFamily="34" charset="-128"/>
-              </a:rPr>
-              <a:t>106360130</a:t>
-            </a:r>
-            <a:r>
-              <a:rPr lang="zh-TW" altLang="en-US" sz="2000" dirty="0">
-                <a:solidFill>
-                  <a:schemeClr val="tx2"/>
-                </a:solidFill>
-                <a:latin typeface="Adobe 黑体 Std R" panose="020B0400000000000000" pitchFamily="34" charset="-128"/>
-                <a:ea typeface="Adobe 黑体 Std R" panose="020B0400000000000000" pitchFamily="34" charset="-128"/>
-              </a:rPr>
-              <a:t> 陳良葳 電子四甲</a:t>
-            </a:r>
-            <a:endParaRPr lang="en-US" altLang="zh-TW" sz="2000" dirty="0">
-              <a:solidFill>
-                <a:schemeClr val="tx2"/>
-              </a:solidFill>
-              <a:latin typeface="Adobe 黑体 Std R" panose="020B0400000000000000" pitchFamily="34" charset="-128"/>
-              <a:ea typeface="Adobe 黑体 Std R" panose="020B0400000000000000" pitchFamily="34" charset="-128"/>
-            </a:endParaRPr>
-          </a:p>
-          <a:p>
-            <a:pPr algn="l"/>
-            <a:r>
-              <a:rPr lang="en-US" altLang="zh-TW" sz="2000" dirty="0">
-                <a:solidFill>
-                  <a:schemeClr val="tx2"/>
-                </a:solidFill>
-                <a:latin typeface="Adobe 黑体 Std R" panose="020B0400000000000000" pitchFamily="34" charset="-128"/>
-                <a:ea typeface="Adobe 黑体 Std R" panose="020B0400000000000000" pitchFamily="34" charset="-128"/>
-              </a:rPr>
-              <a:t>      </a:t>
-            </a:r>
-            <a:r>
-              <a:rPr lang="zh-TW" altLang="en-US" sz="2000" dirty="0">
-                <a:solidFill>
-                  <a:schemeClr val="tx2"/>
-                </a:solidFill>
-                <a:latin typeface="Adobe 黑体 Std R" panose="020B0400000000000000" pitchFamily="34" charset="-128"/>
-                <a:ea typeface="Adobe 黑体 Std R" panose="020B0400000000000000" pitchFamily="34" charset="-128"/>
-              </a:rPr>
-              <a:t>前端、</a:t>
-            </a:r>
-            <a:r>
-              <a:rPr lang="en-US" altLang="zh-TW" sz="2000" dirty="0">
-                <a:solidFill>
-                  <a:schemeClr val="tx2"/>
-                </a:solidFill>
-                <a:latin typeface="Adobe 黑体 Std R" panose="020B0400000000000000" pitchFamily="34" charset="-128"/>
-                <a:ea typeface="Adobe 黑体 Std R" panose="020B0400000000000000" pitchFamily="34" charset="-128"/>
-              </a:rPr>
-              <a:t>PyQt6</a:t>
-            </a:r>
-            <a:r>
-              <a:rPr lang="zh-TW" altLang="en-US" sz="2000" dirty="0">
-                <a:solidFill>
-                  <a:schemeClr val="tx2"/>
-                </a:solidFill>
-                <a:latin typeface="Adobe 黑体 Std R" panose="020B0400000000000000" pitchFamily="34" charset="-128"/>
-                <a:ea typeface="Adobe 黑体 Std R" panose="020B0400000000000000" pitchFamily="34" charset="-128"/>
-              </a:rPr>
-              <a:t>、</a:t>
-            </a:r>
-            <a:r>
-              <a:rPr lang="en-US" altLang="zh-TW" sz="2000" dirty="0">
-                <a:solidFill>
-                  <a:schemeClr val="tx2"/>
-                </a:solidFill>
-                <a:latin typeface="Adobe 黑体 Std R" panose="020B0400000000000000" pitchFamily="34" charset="-128"/>
-                <a:ea typeface="Adobe 黑体 Std R" panose="020B0400000000000000" pitchFamily="34" charset="-128"/>
-              </a:rPr>
-              <a:t>UI</a:t>
-            </a:r>
-            <a:r>
-              <a:rPr lang="zh-TW" altLang="en-US" sz="2000" dirty="0">
-                <a:solidFill>
-                  <a:schemeClr val="tx2"/>
-                </a:solidFill>
-                <a:latin typeface="Adobe 黑体 Std R" panose="020B0400000000000000" pitchFamily="34" charset="-128"/>
-                <a:ea typeface="Adobe 黑体 Std R" panose="020B0400000000000000" pitchFamily="34" charset="-128"/>
-              </a:rPr>
-              <a:t>、前後端整合</a:t>
-            </a:r>
-            <a:endParaRPr lang="en-US" altLang="zh-TW" sz="2000" dirty="0">
-              <a:solidFill>
-                <a:schemeClr val="tx2"/>
-              </a:solidFill>
-              <a:latin typeface="Adobe 黑体 Std R" panose="020B0400000000000000" pitchFamily="34" charset="-128"/>
-              <a:ea typeface="Adobe 黑体 Std R" panose="020B0400000000000000" pitchFamily="34" charset="-128"/>
-            </a:endParaRPr>
-          </a:p>
-          <a:p>
-            <a:pPr algn="l"/>
-            <a:endParaRPr lang="zh-TW" altLang="en-US" sz="2000" dirty="0">
-              <a:solidFill>
-                <a:schemeClr val="tx2"/>
-              </a:solidFill>
-              <a:latin typeface="Adobe 黑体 Std R" panose="020B0400000000000000" pitchFamily="34" charset="-128"/>
-              <a:ea typeface="Adobe 黑体 Std R" panose="020B0400000000000000" pitchFamily="34" charset="-128"/>
-            </a:endParaRPr>
-          </a:p>
         </p:txBody>
       </p:sp>
     </p:spTree>
     <p:extLst>
       <p:ext uri="{BB962C8B-B14F-4D97-AF65-F5344CB8AC3E}">
-        <p14:creationId xmlns:p14="http://schemas.microsoft.com/office/powerpoint/2010/main" val="2775820975"/>
+        <p14:creationId xmlns:p14="http://schemas.microsoft.com/office/powerpoint/2010/main" val="3489292648"/>
       </p:ext>
     </p:extLst>
   </p:cSld>
@@ -4382,6 +4338,246 @@
       </p:grpSpPr>
       <p:sp>
         <p:nvSpPr>
+          <p:cNvPr id="2" name="標題 1">
+            <a:extLst>
+              <a:ext uri="{FF2B5EF4-FFF2-40B4-BE49-F238E27FC236}">
+                <a16:creationId xmlns:a16="http://schemas.microsoft.com/office/drawing/2014/main" id="{78E40BCE-5B5D-4B68-93B0-A1D9218F9B99}"/>
+              </a:ext>
+            </a:extLst>
+          </p:cNvPr>
+          <p:cNvSpPr>
+            <a:spLocks noGrp="1"/>
+          </p:cNvSpPr>
+          <p:nvPr>
+            <p:ph type="ctrTitle"/>
+          </p:nvPr>
+        </p:nvSpPr>
+        <p:spPr>
+          <a:xfrm>
+            <a:off x="1495187" y="310853"/>
+            <a:ext cx="7690549" cy="1012343"/>
+          </a:xfrm>
+        </p:spPr>
+        <p:txBody>
+          <a:bodyPr anchor="b">
+            <a:noAutofit/>
+          </a:bodyPr>
+          <a:lstStyle/>
+          <a:p>
+            <a:pPr algn="l"/>
+            <a:r>
+              <a:rPr lang="en-US" altLang="zh-TW" sz="5400" b="0" i="0" u="none" strike="noStrike" baseline="0" dirty="0">
+                <a:latin typeface="Adobe 黑体 Std R" panose="020B0400000000000000" pitchFamily="34" charset="-128"/>
+                <a:ea typeface="Adobe 黑体 Std R" panose="020B0400000000000000" pitchFamily="34" charset="-128"/>
+              </a:rPr>
+              <a:t>PyQt6 </a:t>
+            </a:r>
+            <a:r>
+              <a:rPr lang="en-US" altLang="zh-TW" sz="5400" b="0" i="0" u="none" strike="noStrike" baseline="0" dirty="0">
+                <a:solidFill>
+                  <a:schemeClr val="tx2">
+                    <a:lumMod val="90000"/>
+                  </a:schemeClr>
+                </a:solidFill>
+                <a:latin typeface="Adobe 黑体 Std R" panose="020B0400000000000000" pitchFamily="34" charset="-128"/>
+                <a:ea typeface="Adobe 黑体 Std R" panose="020B0400000000000000" pitchFamily="34" charset="-128"/>
+              </a:rPr>
+              <a:t>– </a:t>
+            </a:r>
+            <a:r>
+              <a:rPr lang="en-US" altLang="zh-TW" sz="5400" dirty="0">
+                <a:solidFill>
+                  <a:schemeClr val="tx2">
+                    <a:lumMod val="90000"/>
+                  </a:schemeClr>
+                </a:solidFill>
+                <a:latin typeface="Adobe 黑体 Std R" panose="020B0400000000000000" pitchFamily="34" charset="-128"/>
+                <a:ea typeface="Adobe 黑体 Std R" panose="020B0400000000000000" pitchFamily="34" charset="-128"/>
+              </a:rPr>
+              <a:t>Account</a:t>
+            </a:r>
+            <a:endParaRPr lang="zh-TW" altLang="en-US" sz="11500" dirty="0">
+              <a:solidFill>
+                <a:schemeClr val="tx2">
+                  <a:lumMod val="90000"/>
+                </a:schemeClr>
+              </a:solidFill>
+              <a:latin typeface="Adobe 黑体 Std R" panose="020B0400000000000000" pitchFamily="34" charset="-128"/>
+              <a:ea typeface="Adobe 黑体 Std R" panose="020B0400000000000000" pitchFamily="34" charset="-128"/>
+            </a:endParaRPr>
+          </a:p>
+        </p:txBody>
+      </p:sp>
+      <p:sp>
+        <p:nvSpPr>
+          <p:cNvPr id="6" name="矩形: 圓角 5">
+            <a:extLst>
+              <a:ext uri="{FF2B5EF4-FFF2-40B4-BE49-F238E27FC236}">
+                <a16:creationId xmlns:a16="http://schemas.microsoft.com/office/drawing/2014/main" id="{53EBDDEB-FB97-4AAF-83F4-907E8E332E6A}"/>
+              </a:ext>
+            </a:extLst>
+          </p:cNvPr>
+          <p:cNvSpPr/>
+          <p:nvPr/>
+        </p:nvSpPr>
+        <p:spPr>
+          <a:xfrm>
+            <a:off x="1384617" y="310853"/>
+            <a:ext cx="45719" cy="933855"/>
+          </a:xfrm>
+          <a:prstGeom prst="roundRect">
+            <a:avLst/>
+          </a:prstGeom>
+          <a:solidFill>
+            <a:srgbClr val="9765E9"/>
+          </a:solidFill>
+        </p:spPr>
+        <p:style>
+          <a:lnRef idx="2">
+            <a:schemeClr val="accent1">
+              <a:shade val="50000"/>
+            </a:schemeClr>
+          </a:lnRef>
+          <a:fillRef idx="1">
+            <a:schemeClr val="accent1"/>
+          </a:fillRef>
+          <a:effectRef idx="0">
+            <a:schemeClr val="accent1"/>
+          </a:effectRef>
+          <a:fontRef idx="minor">
+            <a:schemeClr val="lt1"/>
+          </a:fontRef>
+        </p:style>
+        <p:txBody>
+          <a:bodyPr rtlCol="0" anchor="ctr"/>
+          <a:lstStyle/>
+          <a:p>
+            <a:pPr algn="ctr"/>
+            <a:endParaRPr lang="zh-TW" altLang="en-US"/>
+          </a:p>
+        </p:txBody>
+      </p:sp>
+      <p:pic>
+        <p:nvPicPr>
+          <p:cNvPr id="5" name="圖片 4" descr="一張含有 文字, 螢幕擷取畫面, 黑色 的圖片&#10;&#10;自動產生的描述">
+            <a:extLst>
+              <a:ext uri="{FF2B5EF4-FFF2-40B4-BE49-F238E27FC236}">
+                <a16:creationId xmlns:a16="http://schemas.microsoft.com/office/drawing/2014/main" id="{61447875-22E5-4AB4-B94D-C736BB99F207}"/>
+              </a:ext>
+            </a:extLst>
+          </p:cNvPr>
+          <p:cNvPicPr>
+            <a:picLocks noChangeAspect="1"/>
+          </p:cNvPicPr>
+          <p:nvPr/>
+        </p:nvPicPr>
+        <p:blipFill rotWithShape="1">
+          <a:blip r:embed="rId2">
+            <a:extLst>
+              <a:ext uri="{28A0092B-C50C-407E-A947-70E740481C1C}">
+                <a14:useLocalDpi xmlns:a14="http://schemas.microsoft.com/office/drawing/2010/main" val="0"/>
+              </a:ext>
+            </a:extLst>
+          </a:blip>
+          <a:srcRect l="86456" b="69767"/>
+          <a:stretch/>
+        </p:blipFill>
+        <p:spPr>
+          <a:xfrm>
+            <a:off x="4378960" y="1987224"/>
+            <a:ext cx="3434080" cy="4311976"/>
+          </a:xfrm>
+          <a:prstGeom prst="rect">
+            <a:avLst/>
+          </a:prstGeom>
+        </p:spPr>
+      </p:pic>
+      <p:sp>
+        <p:nvSpPr>
+          <p:cNvPr id="7" name="文字方塊 6">
+            <a:extLst>
+              <a:ext uri="{FF2B5EF4-FFF2-40B4-BE49-F238E27FC236}">
+                <a16:creationId xmlns:a16="http://schemas.microsoft.com/office/drawing/2014/main" id="{A0B5279A-E817-4EA2-9DE1-D11583D8DF6B}"/>
+              </a:ext>
+            </a:extLst>
+          </p:cNvPr>
+          <p:cNvSpPr txBox="1"/>
+          <p:nvPr/>
+        </p:nvSpPr>
+        <p:spPr>
+          <a:xfrm>
+            <a:off x="11476641" y="6411194"/>
+            <a:ext cx="444352" cy="369332"/>
+          </a:xfrm>
+          <a:prstGeom prst="rect">
+            <a:avLst/>
+          </a:prstGeom>
+          <a:noFill/>
+        </p:spPr>
+        <p:txBody>
+          <a:bodyPr wrap="none" rtlCol="0">
+            <a:spAutoFit/>
+          </a:bodyPr>
+          <a:lstStyle/>
+          <a:p>
+            <a:r>
+              <a:rPr lang="en-US" altLang="zh-TW" dirty="0">
+                <a:latin typeface="Adobe 黑体 Std R" panose="020B0400000000000000" pitchFamily="34" charset="-128"/>
+                <a:ea typeface="Adobe 黑体 Std R" panose="020B0400000000000000" pitchFamily="34" charset="-128"/>
+              </a:rPr>
+              <a:t>14</a:t>
+            </a:r>
+            <a:endParaRPr lang="zh-TW" altLang="en-US" dirty="0">
+              <a:latin typeface="Adobe 黑体 Std R" panose="020B0400000000000000" pitchFamily="34" charset="-128"/>
+              <a:ea typeface="Adobe 黑体 Std R" panose="020B0400000000000000" pitchFamily="34" charset="-128"/>
+            </a:endParaRPr>
+          </a:p>
+        </p:txBody>
+      </p:sp>
+    </p:spTree>
+    <p:extLst>
+      <p:ext uri="{BB962C8B-B14F-4D97-AF65-F5344CB8AC3E}">
+        <p14:creationId xmlns:p14="http://schemas.microsoft.com/office/powerpoint/2010/main" val="2554308271"/>
+      </p:ext>
+    </p:extLst>
+  </p:cSld>
+  <p:clrMapOvr>
+    <a:masterClrMapping/>
+  </p:clrMapOvr>
+  <mc:AlternateContent xmlns:mc="http://schemas.openxmlformats.org/markup-compatibility/2006" xmlns:p14="http://schemas.microsoft.com/office/powerpoint/2010/main">
+    <mc:Choice Requires="p14">
+      <p:transition spd="med" p14:dur="700">
+        <p:fade/>
+      </p:transition>
+    </mc:Choice>
+    <mc:Fallback xmlns="">
+      <p:transition spd="med">
+        <p:fade/>
+      </p:transition>
+    </mc:Fallback>
+  </mc:AlternateContent>
+</p:sld>
+</file>
+
+<file path=ppt/slides/slide15.xml><?xml version="1.0" encoding="utf-8"?>
+<p:sld xmlns:a="http://schemas.openxmlformats.org/drawingml/2006/main" xmlns:r="http://schemas.openxmlformats.org/officeDocument/2006/relationships" xmlns:p="http://schemas.openxmlformats.org/presentationml/2006/main">
+  <p:cSld>
+    <p:spTree>
+      <p:nvGrpSpPr>
+        <p:cNvPr id="1" name=""/>
+        <p:cNvGrpSpPr/>
+        <p:nvPr/>
+      </p:nvGrpSpPr>
+      <p:grpSpPr>
+        <a:xfrm>
+          <a:off x="0" y="0"/>
+          <a:ext cx="0" cy="0"/>
+          <a:chOff x="0" y="0"/>
+          <a:chExt cx="0" cy="0"/>
+        </a:xfrm>
+      </p:grpSpPr>
+      <p:sp>
+        <p:nvSpPr>
           <p:cNvPr id="8" name="標題 1">
             <a:extLst>
               <a:ext uri="{FF2B5EF4-FFF2-40B4-BE49-F238E27FC236}">
@@ -4507,6 +4703,48 @@
               <a:solidFill>
                 <a:srgbClr val="CEB6F4"/>
               </a:solidFill>
+              <a:latin typeface="Adobe 黑体 Std R" panose="020B0400000000000000" pitchFamily="34" charset="-128"/>
+              <a:ea typeface="Adobe 黑体 Std R" panose="020B0400000000000000" pitchFamily="34" charset="-128"/>
+            </a:endParaRPr>
+          </a:p>
+        </p:txBody>
+      </p:sp>
+      <p:sp>
+        <p:nvSpPr>
+          <p:cNvPr id="4" name="文字方塊 3">
+            <a:extLst>
+              <a:ext uri="{FF2B5EF4-FFF2-40B4-BE49-F238E27FC236}">
+                <a16:creationId xmlns:a16="http://schemas.microsoft.com/office/drawing/2014/main" id="{D062A125-C576-4F97-86E9-7F7D414D2819}"/>
+              </a:ext>
+            </a:extLst>
+          </p:cNvPr>
+          <p:cNvSpPr txBox="1"/>
+          <p:nvPr/>
+        </p:nvSpPr>
+        <p:spPr>
+          <a:xfrm>
+            <a:off x="11476641" y="6411194"/>
+            <a:ext cx="444352" cy="369332"/>
+          </a:xfrm>
+          <a:prstGeom prst="rect">
+            <a:avLst/>
+          </a:prstGeom>
+          <a:noFill/>
+        </p:spPr>
+        <p:txBody>
+          <a:bodyPr wrap="none" rtlCol="0">
+            <a:spAutoFit/>
+          </a:bodyPr>
+          <a:lstStyle/>
+          <a:p>
+            <a:r>
+              <a:rPr lang="en-US" altLang="zh-TW" dirty="0">
+                <a:latin typeface="Adobe 黑体 Std R" panose="020B0400000000000000" pitchFamily="34" charset="-128"/>
+                <a:ea typeface="Adobe 黑体 Std R" panose="020B0400000000000000" pitchFamily="34" charset="-128"/>
+              </a:rPr>
+              <a:t>15</a:t>
+            </a:r>
+            <a:endParaRPr lang="zh-TW" altLang="en-US" dirty="0">
               <a:latin typeface="Adobe 黑体 Std R" panose="020B0400000000000000" pitchFamily="34" charset="-128"/>
               <a:ea typeface="Adobe 黑体 Std R" panose="020B0400000000000000" pitchFamily="34" charset="-128"/>
             </a:endParaRPr>
@@ -4538,7 +4776,471 @@
 </p:sld>
 </file>
 
-<file path=ppt/slides/slide15.xml><?xml version="1.0" encoding="utf-8"?>
+<file path=ppt/slides/slide16.xml><?xml version="1.0" encoding="utf-8"?>
+<p:sld xmlns:a="http://schemas.openxmlformats.org/drawingml/2006/main" xmlns:r="http://schemas.openxmlformats.org/officeDocument/2006/relationships" xmlns:p="http://schemas.openxmlformats.org/presentationml/2006/main">
+  <p:cSld>
+    <p:spTree>
+      <p:nvGrpSpPr>
+        <p:cNvPr id="1" name=""/>
+        <p:cNvGrpSpPr/>
+        <p:nvPr/>
+      </p:nvGrpSpPr>
+      <p:grpSpPr>
+        <a:xfrm>
+          <a:off x="0" y="0"/>
+          <a:ext cx="0" cy="0"/>
+          <a:chOff x="0" y="0"/>
+          <a:chExt cx="0" cy="0"/>
+        </a:xfrm>
+      </p:grpSpPr>
+      <p:sp>
+        <p:nvSpPr>
+          <p:cNvPr id="2" name="標題 1">
+            <a:extLst>
+              <a:ext uri="{FF2B5EF4-FFF2-40B4-BE49-F238E27FC236}">
+                <a16:creationId xmlns:a16="http://schemas.microsoft.com/office/drawing/2014/main" id="{78E40BCE-5B5D-4B68-93B0-A1D9218F9B99}"/>
+              </a:ext>
+            </a:extLst>
+          </p:cNvPr>
+          <p:cNvSpPr>
+            <a:spLocks noGrp="1"/>
+          </p:cNvSpPr>
+          <p:nvPr>
+            <p:ph type="ctrTitle"/>
+          </p:nvPr>
+        </p:nvSpPr>
+        <p:spPr>
+          <a:xfrm>
+            <a:off x="739463" y="321013"/>
+            <a:ext cx="7690549" cy="1012343"/>
+          </a:xfrm>
+        </p:spPr>
+        <p:txBody>
+          <a:bodyPr anchor="b">
+            <a:noAutofit/>
+          </a:bodyPr>
+          <a:lstStyle/>
+          <a:p>
+            <a:pPr algn="l"/>
+            <a:r>
+              <a:rPr lang="en-US" altLang="zh-TW" sz="5400" b="0" i="0" u="none" strike="noStrike" baseline="0" dirty="0">
+                <a:latin typeface="Adobe 黑体 Std R" panose="020B0400000000000000" pitchFamily="34" charset="-128"/>
+                <a:ea typeface="Adobe 黑体 Std R" panose="020B0400000000000000" pitchFamily="34" charset="-128"/>
+              </a:rPr>
+              <a:t>Contributions</a:t>
+            </a:r>
+            <a:endParaRPr lang="zh-TW" altLang="en-US" sz="11500" dirty="0">
+              <a:solidFill>
+                <a:schemeClr val="tx2"/>
+              </a:solidFill>
+              <a:latin typeface="Adobe 黑体 Std R" panose="020B0400000000000000" pitchFamily="34" charset="-128"/>
+              <a:ea typeface="Adobe 黑体 Std R" panose="020B0400000000000000" pitchFamily="34" charset="-128"/>
+            </a:endParaRPr>
+          </a:p>
+        </p:txBody>
+      </p:sp>
+      <p:sp>
+        <p:nvSpPr>
+          <p:cNvPr id="6" name="矩形: 圓角 5">
+            <a:extLst>
+              <a:ext uri="{FF2B5EF4-FFF2-40B4-BE49-F238E27FC236}">
+                <a16:creationId xmlns:a16="http://schemas.microsoft.com/office/drawing/2014/main" id="{53EBDDEB-FB97-4AAF-83F4-907E8E332E6A}"/>
+              </a:ext>
+            </a:extLst>
+          </p:cNvPr>
+          <p:cNvSpPr/>
+          <p:nvPr/>
+        </p:nvSpPr>
+        <p:spPr>
+          <a:xfrm>
+            <a:off x="628893" y="321013"/>
+            <a:ext cx="45719" cy="933855"/>
+          </a:xfrm>
+          <a:prstGeom prst="roundRect">
+            <a:avLst/>
+          </a:prstGeom>
+          <a:solidFill>
+            <a:srgbClr val="9765E9"/>
+          </a:solidFill>
+        </p:spPr>
+        <p:style>
+          <a:lnRef idx="2">
+            <a:schemeClr val="accent1">
+              <a:shade val="50000"/>
+            </a:schemeClr>
+          </a:lnRef>
+          <a:fillRef idx="1">
+            <a:schemeClr val="accent1"/>
+          </a:fillRef>
+          <a:effectRef idx="0">
+            <a:schemeClr val="accent1"/>
+          </a:effectRef>
+          <a:fontRef idx="minor">
+            <a:schemeClr val="lt1"/>
+          </a:fontRef>
+        </p:style>
+        <p:txBody>
+          <a:bodyPr rtlCol="0" anchor="ctr"/>
+          <a:lstStyle/>
+          <a:p>
+            <a:pPr algn="ctr"/>
+            <a:endParaRPr lang="zh-TW" altLang="en-US"/>
+          </a:p>
+        </p:txBody>
+      </p:sp>
+      <p:sp>
+        <p:nvSpPr>
+          <p:cNvPr id="7" name="副標題 2">
+            <a:extLst>
+              <a:ext uri="{FF2B5EF4-FFF2-40B4-BE49-F238E27FC236}">
+                <a16:creationId xmlns:a16="http://schemas.microsoft.com/office/drawing/2014/main" id="{3A14210A-4321-402C-9F5B-A68B6B9267CA}"/>
+              </a:ext>
+            </a:extLst>
+          </p:cNvPr>
+          <p:cNvSpPr>
+            <a:spLocks noGrp="1"/>
+          </p:cNvSpPr>
+          <p:nvPr>
+            <p:ph type="subTitle" idx="1"/>
+          </p:nvPr>
+        </p:nvSpPr>
+        <p:spPr>
+          <a:xfrm>
+            <a:off x="628893" y="1646177"/>
+            <a:ext cx="11061759" cy="4537807"/>
+          </a:xfrm>
+        </p:spPr>
+        <p:txBody>
+          <a:bodyPr anchor="t">
+            <a:normAutofit/>
+          </a:bodyPr>
+          <a:lstStyle/>
+          <a:p>
+            <a:pPr algn="l"/>
+            <a:r>
+              <a:rPr lang="en-US" altLang="zh-TW" sz="2000" dirty="0">
+                <a:solidFill>
+                  <a:schemeClr val="accent2">
+                    <a:lumMod val="40000"/>
+                    <a:lumOff val="60000"/>
+                  </a:schemeClr>
+                </a:solidFill>
+                <a:latin typeface="Adobe 黑体 Std R" panose="020B0400000000000000" pitchFamily="34" charset="-128"/>
+                <a:ea typeface="Adobe 黑体 Std R" panose="020B0400000000000000" pitchFamily="34" charset="-128"/>
+              </a:rPr>
+              <a:t>◆</a:t>
+            </a:r>
+            <a:r>
+              <a:rPr lang="en-US" altLang="zh-TW" sz="2000" dirty="0">
+                <a:solidFill>
+                  <a:schemeClr val="tx2"/>
+                </a:solidFill>
+                <a:latin typeface="Adobe 黑体 Std R" panose="020B0400000000000000" pitchFamily="34" charset="-128"/>
+                <a:ea typeface="Adobe 黑体 Std R" panose="020B0400000000000000" pitchFamily="34" charset="-128"/>
+              </a:rPr>
+              <a:t>106360101 </a:t>
+            </a:r>
+            <a:r>
+              <a:rPr lang="zh-TW" altLang="en-US" sz="2000" dirty="0">
+                <a:solidFill>
+                  <a:schemeClr val="tx2"/>
+                </a:solidFill>
+                <a:latin typeface="Adobe 黑体 Std R" panose="020B0400000000000000" pitchFamily="34" charset="-128"/>
+                <a:ea typeface="Adobe 黑体 Std R" panose="020B0400000000000000" pitchFamily="34" charset="-128"/>
+              </a:rPr>
+              <a:t>謝尚泓 電子四甲</a:t>
+            </a:r>
+            <a:endParaRPr lang="en-US" altLang="zh-TW" sz="2000" dirty="0">
+              <a:solidFill>
+                <a:schemeClr val="tx2"/>
+              </a:solidFill>
+              <a:latin typeface="Adobe 黑体 Std R" panose="020B0400000000000000" pitchFamily="34" charset="-128"/>
+              <a:ea typeface="Adobe 黑体 Std R" panose="020B0400000000000000" pitchFamily="34" charset="-128"/>
+            </a:endParaRPr>
+          </a:p>
+          <a:p>
+            <a:pPr algn="l"/>
+            <a:r>
+              <a:rPr lang="en-US" altLang="zh-TW" sz="2000" dirty="0">
+                <a:solidFill>
+                  <a:schemeClr val="tx2"/>
+                </a:solidFill>
+                <a:latin typeface="Adobe 黑体 Std R" panose="020B0400000000000000" pitchFamily="34" charset="-128"/>
+                <a:ea typeface="Adobe 黑体 Std R" panose="020B0400000000000000" pitchFamily="34" charset="-128"/>
+              </a:rPr>
+              <a:t>     </a:t>
+            </a:r>
+            <a:r>
+              <a:rPr lang="zh-TW" altLang="en-US" sz="2000" dirty="0">
+                <a:solidFill>
+                  <a:schemeClr val="tx2"/>
+                </a:solidFill>
+                <a:latin typeface="Adobe 黑体 Std R" panose="020B0400000000000000" pitchFamily="34" charset="-128"/>
+                <a:ea typeface="Adobe 黑体 Std R" panose="020B0400000000000000" pitchFamily="34" charset="-128"/>
+              </a:rPr>
+              <a:t>後端、</a:t>
+            </a:r>
+            <a:r>
+              <a:rPr lang="en-US" altLang="zh-TW" sz="2000" dirty="0">
+                <a:solidFill>
+                  <a:schemeClr val="tx2"/>
+                </a:solidFill>
+                <a:latin typeface="Adobe 黑体 Std R" panose="020B0400000000000000" pitchFamily="34" charset="-128"/>
+                <a:ea typeface="Adobe 黑体 Std R" panose="020B0400000000000000" pitchFamily="34" charset="-128"/>
+              </a:rPr>
+              <a:t>Socket</a:t>
+            </a:r>
+            <a:r>
+              <a:rPr lang="zh-TW" altLang="en-US" sz="2000" dirty="0">
+                <a:solidFill>
+                  <a:schemeClr val="tx2"/>
+                </a:solidFill>
+                <a:latin typeface="Adobe 黑体 Std R" panose="020B0400000000000000" pitchFamily="34" charset="-128"/>
+                <a:ea typeface="Adobe 黑体 Std R" panose="020B0400000000000000" pitchFamily="34" charset="-128"/>
+              </a:rPr>
+              <a:t>、</a:t>
+            </a:r>
+            <a:r>
+              <a:rPr lang="en-US" altLang="zh-TW" sz="2000" dirty="0">
+                <a:solidFill>
+                  <a:schemeClr val="tx2"/>
+                </a:solidFill>
+                <a:latin typeface="Adobe 黑体 Std R" panose="020B0400000000000000" pitchFamily="34" charset="-128"/>
+                <a:ea typeface="Adobe 黑体 Std R" panose="020B0400000000000000" pitchFamily="34" charset="-128"/>
+              </a:rPr>
+              <a:t>Database</a:t>
+            </a:r>
+            <a:r>
+              <a:rPr lang="zh-TW" altLang="en-US" sz="2000" dirty="0">
+                <a:solidFill>
+                  <a:schemeClr val="tx2"/>
+                </a:solidFill>
+                <a:latin typeface="Adobe 黑体 Std R" panose="020B0400000000000000" pitchFamily="34" charset="-128"/>
+                <a:ea typeface="Adobe 黑体 Std R" panose="020B0400000000000000" pitchFamily="34" charset="-128"/>
+              </a:rPr>
+              <a:t>、前後端整合</a:t>
+            </a:r>
+            <a:endParaRPr lang="en-US" altLang="zh-TW" sz="2000" dirty="0">
+              <a:solidFill>
+                <a:schemeClr val="tx2"/>
+              </a:solidFill>
+              <a:latin typeface="Adobe 黑体 Std R" panose="020B0400000000000000" pitchFamily="34" charset="-128"/>
+              <a:ea typeface="Adobe 黑体 Std R" panose="020B0400000000000000" pitchFamily="34" charset="-128"/>
+            </a:endParaRPr>
+          </a:p>
+          <a:p>
+            <a:pPr algn="l"/>
+            <a:endParaRPr lang="en-US" altLang="zh-TW" sz="2000" dirty="0">
+              <a:solidFill>
+                <a:schemeClr val="tx2"/>
+              </a:solidFill>
+              <a:latin typeface="Adobe 黑体 Std R" panose="020B0400000000000000" pitchFamily="34" charset="-128"/>
+              <a:ea typeface="Adobe 黑体 Std R" panose="020B0400000000000000" pitchFamily="34" charset="-128"/>
+            </a:endParaRPr>
+          </a:p>
+          <a:p>
+            <a:pPr algn="l"/>
+            <a:endParaRPr lang="en-US" altLang="zh-TW" sz="2000" dirty="0">
+              <a:solidFill>
+                <a:schemeClr val="tx2"/>
+              </a:solidFill>
+              <a:latin typeface="Adobe 黑体 Std R" panose="020B0400000000000000" pitchFamily="34" charset="-128"/>
+              <a:ea typeface="Adobe 黑体 Std R" panose="020B0400000000000000" pitchFamily="34" charset="-128"/>
+            </a:endParaRPr>
+          </a:p>
+          <a:p>
+            <a:pPr algn="l"/>
+            <a:r>
+              <a:rPr lang="en-US" altLang="zh-TW" sz="2000" dirty="0">
+                <a:solidFill>
+                  <a:schemeClr val="accent2">
+                    <a:lumMod val="40000"/>
+                    <a:lumOff val="60000"/>
+                  </a:schemeClr>
+                </a:solidFill>
+                <a:latin typeface="Adobe 黑体 Std R" panose="020B0400000000000000" pitchFamily="34" charset="-128"/>
+                <a:ea typeface="Adobe 黑体 Std R" panose="020B0400000000000000" pitchFamily="34" charset="-128"/>
+              </a:rPr>
+              <a:t>◆ </a:t>
+            </a:r>
+            <a:r>
+              <a:rPr lang="en-US" altLang="zh-TW" sz="2000" dirty="0">
+                <a:solidFill>
+                  <a:schemeClr val="tx2"/>
+                </a:solidFill>
+                <a:latin typeface="Adobe 黑体 Std R" panose="020B0400000000000000" pitchFamily="34" charset="-128"/>
+                <a:ea typeface="Adobe 黑体 Std R" panose="020B0400000000000000" pitchFamily="34" charset="-128"/>
+              </a:rPr>
+              <a:t>106360130</a:t>
+            </a:r>
+            <a:r>
+              <a:rPr lang="zh-TW" altLang="en-US" sz="2000" dirty="0">
+                <a:solidFill>
+                  <a:schemeClr val="tx2"/>
+                </a:solidFill>
+                <a:latin typeface="Adobe 黑体 Std R" panose="020B0400000000000000" pitchFamily="34" charset="-128"/>
+                <a:ea typeface="Adobe 黑体 Std R" panose="020B0400000000000000" pitchFamily="34" charset="-128"/>
+              </a:rPr>
+              <a:t> 陳良葳 電子四甲</a:t>
+            </a:r>
+            <a:endParaRPr lang="en-US" altLang="zh-TW" sz="2000" dirty="0">
+              <a:solidFill>
+                <a:schemeClr val="tx2"/>
+              </a:solidFill>
+              <a:latin typeface="Adobe 黑体 Std R" panose="020B0400000000000000" pitchFamily="34" charset="-128"/>
+              <a:ea typeface="Adobe 黑体 Std R" panose="020B0400000000000000" pitchFamily="34" charset="-128"/>
+            </a:endParaRPr>
+          </a:p>
+          <a:p>
+            <a:pPr algn="l"/>
+            <a:r>
+              <a:rPr lang="en-US" altLang="zh-TW" sz="2000" dirty="0">
+                <a:solidFill>
+                  <a:schemeClr val="tx2"/>
+                </a:solidFill>
+                <a:latin typeface="Adobe 黑体 Std R" panose="020B0400000000000000" pitchFamily="34" charset="-128"/>
+                <a:ea typeface="Adobe 黑体 Std R" panose="020B0400000000000000" pitchFamily="34" charset="-128"/>
+              </a:rPr>
+              <a:t>      </a:t>
+            </a:r>
+            <a:r>
+              <a:rPr lang="zh-TW" altLang="en-US" sz="2000" dirty="0">
+                <a:solidFill>
+                  <a:schemeClr val="tx2"/>
+                </a:solidFill>
+                <a:latin typeface="Adobe 黑体 Std R" panose="020B0400000000000000" pitchFamily="34" charset="-128"/>
+                <a:ea typeface="Adobe 黑体 Std R" panose="020B0400000000000000" pitchFamily="34" charset="-128"/>
+              </a:rPr>
+              <a:t>前端、</a:t>
+            </a:r>
+            <a:r>
+              <a:rPr lang="en-US" altLang="zh-TW" sz="2000" dirty="0">
+                <a:solidFill>
+                  <a:schemeClr val="tx2"/>
+                </a:solidFill>
+                <a:latin typeface="Adobe 黑体 Std R" panose="020B0400000000000000" pitchFamily="34" charset="-128"/>
+                <a:ea typeface="Adobe 黑体 Std R" panose="020B0400000000000000" pitchFamily="34" charset="-128"/>
+              </a:rPr>
+              <a:t>PyQt6</a:t>
+            </a:r>
+            <a:r>
+              <a:rPr lang="zh-TW" altLang="en-US" sz="2000" dirty="0">
+                <a:solidFill>
+                  <a:schemeClr val="tx2"/>
+                </a:solidFill>
+                <a:latin typeface="Adobe 黑体 Std R" panose="020B0400000000000000" pitchFamily="34" charset="-128"/>
+                <a:ea typeface="Adobe 黑体 Std R" panose="020B0400000000000000" pitchFamily="34" charset="-128"/>
+              </a:rPr>
+              <a:t>、</a:t>
+            </a:r>
+            <a:r>
+              <a:rPr lang="en-US" altLang="zh-TW" sz="2000" dirty="0">
+                <a:solidFill>
+                  <a:schemeClr val="tx2"/>
+                </a:solidFill>
+                <a:latin typeface="Adobe 黑体 Std R" panose="020B0400000000000000" pitchFamily="34" charset="-128"/>
+                <a:ea typeface="Adobe 黑体 Std R" panose="020B0400000000000000" pitchFamily="34" charset="-128"/>
+              </a:rPr>
+              <a:t>UI</a:t>
+            </a:r>
+            <a:r>
+              <a:rPr lang="zh-TW" altLang="en-US" sz="2000" dirty="0">
+                <a:solidFill>
+                  <a:schemeClr val="tx2"/>
+                </a:solidFill>
+                <a:latin typeface="Adobe 黑体 Std R" panose="020B0400000000000000" pitchFamily="34" charset="-128"/>
+                <a:ea typeface="Adobe 黑体 Std R" panose="020B0400000000000000" pitchFamily="34" charset="-128"/>
+              </a:rPr>
+              <a:t>、前後端整合</a:t>
+            </a:r>
+            <a:endParaRPr lang="en-US" altLang="zh-TW" sz="2000" dirty="0">
+              <a:solidFill>
+                <a:schemeClr val="tx2"/>
+              </a:solidFill>
+              <a:latin typeface="Adobe 黑体 Std R" panose="020B0400000000000000" pitchFamily="34" charset="-128"/>
+              <a:ea typeface="Adobe 黑体 Std R" panose="020B0400000000000000" pitchFamily="34" charset="-128"/>
+            </a:endParaRPr>
+          </a:p>
+          <a:p>
+            <a:pPr algn="l"/>
+            <a:endParaRPr lang="zh-TW" altLang="en-US" sz="2000" dirty="0">
+              <a:solidFill>
+                <a:schemeClr val="tx2"/>
+              </a:solidFill>
+              <a:latin typeface="Adobe 黑体 Std R" panose="020B0400000000000000" pitchFamily="34" charset="-128"/>
+              <a:ea typeface="Adobe 黑体 Std R" panose="020B0400000000000000" pitchFamily="34" charset="-128"/>
+            </a:endParaRPr>
+          </a:p>
+        </p:txBody>
+      </p:sp>
+      <p:sp>
+        <p:nvSpPr>
+          <p:cNvPr id="5" name="文字方塊 4">
+            <a:extLst>
+              <a:ext uri="{FF2B5EF4-FFF2-40B4-BE49-F238E27FC236}">
+                <a16:creationId xmlns:a16="http://schemas.microsoft.com/office/drawing/2014/main" id="{8432626C-AF75-497E-8734-6C77B17F5692}"/>
+              </a:ext>
+            </a:extLst>
+          </p:cNvPr>
+          <p:cNvSpPr txBox="1"/>
+          <p:nvPr/>
+        </p:nvSpPr>
+        <p:spPr>
+          <a:xfrm>
+            <a:off x="11476641" y="6411194"/>
+            <a:ext cx="444352" cy="369332"/>
+          </a:xfrm>
+          <a:prstGeom prst="rect">
+            <a:avLst/>
+          </a:prstGeom>
+          <a:noFill/>
+        </p:spPr>
+        <p:txBody>
+          <a:bodyPr wrap="none" rtlCol="0">
+            <a:spAutoFit/>
+          </a:bodyPr>
+          <a:lstStyle/>
+          <a:p>
+            <a:r>
+              <a:rPr lang="en-US" altLang="zh-TW" dirty="0">
+                <a:latin typeface="Adobe 黑体 Std R" panose="020B0400000000000000" pitchFamily="34" charset="-128"/>
+                <a:ea typeface="Adobe 黑体 Std R" panose="020B0400000000000000" pitchFamily="34" charset="-128"/>
+              </a:rPr>
+              <a:t>16</a:t>
+            </a:r>
+            <a:endParaRPr lang="zh-TW" altLang="en-US" dirty="0">
+              <a:latin typeface="Adobe 黑体 Std R" panose="020B0400000000000000" pitchFamily="34" charset="-128"/>
+              <a:ea typeface="Adobe 黑体 Std R" panose="020B0400000000000000" pitchFamily="34" charset="-128"/>
+            </a:endParaRPr>
+          </a:p>
+        </p:txBody>
+      </p:sp>
+    </p:spTree>
+    <p:extLst>
+      <p:ext uri="{BB962C8B-B14F-4D97-AF65-F5344CB8AC3E}">
+        <p14:creationId xmlns:p14="http://schemas.microsoft.com/office/powerpoint/2010/main" val="2775820975"/>
+      </p:ext>
+    </p:extLst>
+  </p:cSld>
+  <p:clrMapOvr>
+    <a:masterClrMapping/>
+  </p:clrMapOvr>
+  <mc:AlternateContent xmlns:mc="http://schemas.openxmlformats.org/markup-compatibility/2006" xmlns:p14="http://schemas.microsoft.com/office/powerpoint/2010/main">
+    <mc:Choice Requires="p14">
+      <p:transition spd="med" p14:dur="700">
+        <p:fade/>
+      </p:transition>
+    </mc:Choice>
+    <mc:Fallback xmlns="">
+      <p:transition spd="med">
+        <p:fade/>
+      </p:transition>
+    </mc:Fallback>
+  </mc:AlternateContent>
+</p:sld>
+</file>
+
+<file path=ppt/slides/slide17.xml><?xml version="1.0" encoding="utf-8"?>
 <p:sld xmlns:a="http://schemas.openxmlformats.org/drawingml/2006/main" xmlns:r="http://schemas.openxmlformats.org/officeDocument/2006/relationships" xmlns:p="http://schemas.openxmlformats.org/presentationml/2006/main">
   <p:cSld>
     <p:spTree>
@@ -5019,6 +5721,48 @@
           </a:p>
         </p:txBody>
       </p:sp>
+      <p:sp>
+        <p:nvSpPr>
+          <p:cNvPr id="7" name="文字方塊 6">
+            <a:extLst>
+              <a:ext uri="{FF2B5EF4-FFF2-40B4-BE49-F238E27FC236}">
+                <a16:creationId xmlns:a16="http://schemas.microsoft.com/office/drawing/2014/main" id="{6FAAD913-3D93-4364-B12F-6EE7F4E7E1DA}"/>
+              </a:ext>
+            </a:extLst>
+          </p:cNvPr>
+          <p:cNvSpPr txBox="1"/>
+          <p:nvPr/>
+        </p:nvSpPr>
+        <p:spPr>
+          <a:xfrm>
+            <a:off x="11476641" y="6411194"/>
+            <a:ext cx="444352" cy="369332"/>
+          </a:xfrm>
+          <a:prstGeom prst="rect">
+            <a:avLst/>
+          </a:prstGeom>
+          <a:noFill/>
+        </p:spPr>
+        <p:txBody>
+          <a:bodyPr wrap="none" rtlCol="0">
+            <a:spAutoFit/>
+          </a:bodyPr>
+          <a:lstStyle/>
+          <a:p>
+            <a:r>
+              <a:rPr lang="en-US" altLang="zh-TW" dirty="0">
+                <a:latin typeface="Adobe 黑体 Std R" panose="020B0400000000000000" pitchFamily="34" charset="-128"/>
+                <a:ea typeface="Adobe 黑体 Std R" panose="020B0400000000000000" pitchFamily="34" charset="-128"/>
+              </a:rPr>
+              <a:t>17</a:t>
+            </a:r>
+            <a:endParaRPr lang="zh-TW" altLang="en-US" dirty="0">
+              <a:latin typeface="Adobe 黑体 Std R" panose="020B0400000000000000" pitchFamily="34" charset="-128"/>
+              <a:ea typeface="Adobe 黑体 Std R" panose="020B0400000000000000" pitchFamily="34" charset="-128"/>
+            </a:endParaRPr>
+          </a:p>
+        </p:txBody>
+      </p:sp>
     </p:spTree>
     <p:extLst>
       <p:ext uri="{BB962C8B-B14F-4D97-AF65-F5344CB8AC3E}">
@@ -5210,6 +5954,48 @@
               <a:solidFill>
                 <a:schemeClr val="tx2"/>
               </a:solidFill>
+              <a:latin typeface="Adobe 黑体 Std R" panose="020B0400000000000000" pitchFamily="34" charset="-128"/>
+              <a:ea typeface="Adobe 黑体 Std R" panose="020B0400000000000000" pitchFamily="34" charset="-128"/>
+            </a:endParaRPr>
+          </a:p>
+        </p:txBody>
+      </p:sp>
+      <p:sp>
+        <p:nvSpPr>
+          <p:cNvPr id="5" name="文字方塊 4">
+            <a:extLst>
+              <a:ext uri="{FF2B5EF4-FFF2-40B4-BE49-F238E27FC236}">
+                <a16:creationId xmlns:a16="http://schemas.microsoft.com/office/drawing/2014/main" id="{13C92893-45DA-4EEC-91A9-5EE72995FC20}"/>
+              </a:ext>
+            </a:extLst>
+          </p:cNvPr>
+          <p:cNvSpPr txBox="1"/>
+          <p:nvPr/>
+        </p:nvSpPr>
+        <p:spPr>
+          <a:xfrm>
+            <a:off x="11476641" y="6411194"/>
+            <a:ext cx="314510" cy="369332"/>
+          </a:xfrm>
+          <a:prstGeom prst="rect">
+            <a:avLst/>
+          </a:prstGeom>
+          <a:noFill/>
+        </p:spPr>
+        <p:txBody>
+          <a:bodyPr wrap="none" rtlCol="0">
+            <a:spAutoFit/>
+          </a:bodyPr>
+          <a:lstStyle/>
+          <a:p>
+            <a:r>
+              <a:rPr lang="en-US" altLang="zh-TW" dirty="0">
+                <a:latin typeface="Adobe 黑体 Std R" panose="020B0400000000000000" pitchFamily="34" charset="-128"/>
+                <a:ea typeface="Adobe 黑体 Std R" panose="020B0400000000000000" pitchFamily="34" charset="-128"/>
+              </a:rPr>
+              <a:t>2</a:t>
+            </a:r>
+            <a:endParaRPr lang="zh-TW" altLang="en-US" dirty="0">
               <a:latin typeface="Adobe 黑体 Std R" panose="020B0400000000000000" pitchFamily="34" charset="-128"/>
               <a:ea typeface="Adobe 黑体 Std R" panose="020B0400000000000000" pitchFamily="34" charset="-128"/>
             </a:endParaRPr>
@@ -5932,6 +6718,48 @@
           </a:fontRef>
         </p:style>
       </p:cxnSp>
+      <p:sp>
+        <p:nvSpPr>
+          <p:cNvPr id="17" name="文字方塊 16">
+            <a:extLst>
+              <a:ext uri="{FF2B5EF4-FFF2-40B4-BE49-F238E27FC236}">
+                <a16:creationId xmlns:a16="http://schemas.microsoft.com/office/drawing/2014/main" id="{1A61038F-0EBD-48DD-8A6C-604080E971F2}"/>
+              </a:ext>
+            </a:extLst>
+          </p:cNvPr>
+          <p:cNvSpPr txBox="1"/>
+          <p:nvPr/>
+        </p:nvSpPr>
+        <p:spPr>
+          <a:xfrm>
+            <a:off x="11476641" y="6411194"/>
+            <a:ext cx="314510" cy="369332"/>
+          </a:xfrm>
+          <a:prstGeom prst="rect">
+            <a:avLst/>
+          </a:prstGeom>
+          <a:noFill/>
+        </p:spPr>
+        <p:txBody>
+          <a:bodyPr wrap="none" rtlCol="0">
+            <a:spAutoFit/>
+          </a:bodyPr>
+          <a:lstStyle/>
+          <a:p>
+            <a:r>
+              <a:rPr lang="en-US" altLang="zh-TW" dirty="0">
+                <a:latin typeface="Adobe 黑体 Std R" panose="020B0400000000000000" pitchFamily="34" charset="-128"/>
+                <a:ea typeface="Adobe 黑体 Std R" panose="020B0400000000000000" pitchFamily="34" charset="-128"/>
+              </a:rPr>
+              <a:t>3</a:t>
+            </a:r>
+            <a:endParaRPr lang="zh-TW" altLang="en-US" dirty="0">
+              <a:latin typeface="Adobe 黑体 Std R" panose="020B0400000000000000" pitchFamily="34" charset="-128"/>
+              <a:ea typeface="Adobe 黑体 Std R" panose="020B0400000000000000" pitchFamily="34" charset="-128"/>
+            </a:endParaRPr>
+          </a:p>
+        </p:txBody>
+      </p:sp>
     </p:spTree>
     <p:extLst>
       <p:ext uri="{BB962C8B-B14F-4D97-AF65-F5344CB8AC3E}">
@@ -6679,6 +7507,48 @@
           </a:prstGeom>
         </p:spPr>
       </p:pic>
+      <p:sp>
+        <p:nvSpPr>
+          <p:cNvPr id="15" name="文字方塊 14">
+            <a:extLst>
+              <a:ext uri="{FF2B5EF4-FFF2-40B4-BE49-F238E27FC236}">
+                <a16:creationId xmlns:a16="http://schemas.microsoft.com/office/drawing/2014/main" id="{C163FD2B-4F47-4EC0-84E2-3C47AF6B0EC6}"/>
+              </a:ext>
+            </a:extLst>
+          </p:cNvPr>
+          <p:cNvSpPr txBox="1"/>
+          <p:nvPr/>
+        </p:nvSpPr>
+        <p:spPr>
+          <a:xfrm>
+            <a:off x="11476641" y="6411194"/>
+            <a:ext cx="314510" cy="369332"/>
+          </a:xfrm>
+          <a:prstGeom prst="rect">
+            <a:avLst/>
+          </a:prstGeom>
+          <a:noFill/>
+        </p:spPr>
+        <p:txBody>
+          <a:bodyPr wrap="none" rtlCol="0">
+            <a:spAutoFit/>
+          </a:bodyPr>
+          <a:lstStyle/>
+          <a:p>
+            <a:r>
+              <a:rPr lang="en-US" altLang="zh-TW" dirty="0">
+                <a:latin typeface="Adobe 黑体 Std R" panose="020B0400000000000000" pitchFamily="34" charset="-128"/>
+                <a:ea typeface="Adobe 黑体 Std R" panose="020B0400000000000000" pitchFamily="34" charset="-128"/>
+              </a:rPr>
+              <a:t>4</a:t>
+            </a:r>
+            <a:endParaRPr lang="zh-TW" altLang="en-US" dirty="0">
+              <a:latin typeface="Adobe 黑体 Std R" panose="020B0400000000000000" pitchFamily="34" charset="-128"/>
+              <a:ea typeface="Adobe 黑体 Std R" panose="020B0400000000000000" pitchFamily="34" charset="-128"/>
+            </a:endParaRPr>
+          </a:p>
+        </p:txBody>
+      </p:sp>
     </p:spTree>
     <p:extLst>
       <p:ext uri="{BB962C8B-B14F-4D97-AF65-F5344CB8AC3E}">
@@ -6721,157 +7591,12 @@
           <a:chExt cx="0" cy="0"/>
         </a:xfrm>
       </p:grpSpPr>
-      <p:sp>
-        <p:nvSpPr>
-          <p:cNvPr id="2" name="標題 1">
-            <a:extLst>
-              <a:ext uri="{FF2B5EF4-FFF2-40B4-BE49-F238E27FC236}">
-                <a16:creationId xmlns:a16="http://schemas.microsoft.com/office/drawing/2014/main" id="{78E40BCE-5B5D-4B68-93B0-A1D9218F9B99}"/>
-              </a:ext>
-            </a:extLst>
-          </p:cNvPr>
-          <p:cNvSpPr>
-            <a:spLocks noGrp="1"/>
-          </p:cNvSpPr>
-          <p:nvPr>
-            <p:ph type="ctrTitle"/>
-          </p:nvPr>
-        </p:nvSpPr>
-        <p:spPr>
-          <a:xfrm>
-            <a:off x="739463" y="321013"/>
-            <a:ext cx="7690549" cy="1012343"/>
-          </a:xfrm>
-        </p:spPr>
-        <p:txBody>
-          <a:bodyPr anchor="b">
-            <a:noAutofit/>
-          </a:bodyPr>
-          <a:lstStyle/>
-          <a:p>
-            <a:pPr algn="l"/>
-            <a:r>
-              <a:rPr lang="en-US" altLang="zh-TW" sz="5400" b="0" i="0" u="none" strike="noStrike" baseline="0" dirty="0">
-                <a:latin typeface="Adobe 黑体 Std R" panose="020B0400000000000000" pitchFamily="34" charset="-128"/>
-                <a:ea typeface="Adobe 黑体 Std R" panose="020B0400000000000000" pitchFamily="34" charset="-128"/>
-              </a:rPr>
-              <a:t>Collaborative Filtering</a:t>
-            </a:r>
-            <a:endParaRPr lang="zh-TW" altLang="en-US" sz="11500" dirty="0">
-              <a:solidFill>
-                <a:schemeClr val="tx2"/>
-              </a:solidFill>
-              <a:latin typeface="Adobe 黑体 Std R" panose="020B0400000000000000" pitchFamily="34" charset="-128"/>
-              <a:ea typeface="Adobe 黑体 Std R" panose="020B0400000000000000" pitchFamily="34" charset="-128"/>
-            </a:endParaRPr>
-          </a:p>
-        </p:txBody>
-      </p:sp>
-      <p:sp>
-        <p:nvSpPr>
-          <p:cNvPr id="6" name="矩形: 圓角 5">
-            <a:extLst>
-              <a:ext uri="{FF2B5EF4-FFF2-40B4-BE49-F238E27FC236}">
-                <a16:creationId xmlns:a16="http://schemas.microsoft.com/office/drawing/2014/main" id="{53EBDDEB-FB97-4AAF-83F4-907E8E332E6A}"/>
-              </a:ext>
-            </a:extLst>
-          </p:cNvPr>
-          <p:cNvSpPr/>
-          <p:nvPr/>
-        </p:nvSpPr>
-        <p:spPr>
-          <a:xfrm>
-            <a:off x="628893" y="321013"/>
-            <a:ext cx="45719" cy="933855"/>
-          </a:xfrm>
-          <a:prstGeom prst="roundRect">
-            <a:avLst/>
-          </a:prstGeom>
-          <a:solidFill>
-            <a:srgbClr val="9765E9"/>
-          </a:solidFill>
-        </p:spPr>
-        <p:style>
-          <a:lnRef idx="2">
-            <a:schemeClr val="accent1">
-              <a:shade val="50000"/>
-            </a:schemeClr>
-          </a:lnRef>
-          <a:fillRef idx="1">
-            <a:schemeClr val="accent1"/>
-          </a:fillRef>
-          <a:effectRef idx="0">
-            <a:schemeClr val="accent1"/>
-          </a:effectRef>
-          <a:fontRef idx="minor">
-            <a:schemeClr val="lt1"/>
-          </a:fontRef>
-        </p:style>
-        <p:txBody>
-          <a:bodyPr rtlCol="0" anchor="ctr"/>
-          <a:lstStyle/>
-          <a:p>
-            <a:pPr algn="ctr"/>
-            <a:endParaRPr lang="zh-TW" altLang="en-US"/>
-          </a:p>
-        </p:txBody>
-      </p:sp>
-      <p:sp>
-        <p:nvSpPr>
-          <p:cNvPr id="4" name="文字方塊 3">
-            <a:extLst>
-              <a:ext uri="{FF2B5EF4-FFF2-40B4-BE49-F238E27FC236}">
-                <a16:creationId xmlns:a16="http://schemas.microsoft.com/office/drawing/2014/main" id="{A3041F23-BB2A-4884-AD1E-31300FE37EC3}"/>
-              </a:ext>
-            </a:extLst>
-          </p:cNvPr>
-          <p:cNvSpPr txBox="1"/>
-          <p:nvPr/>
-        </p:nvSpPr>
-        <p:spPr>
-          <a:xfrm>
-            <a:off x="6998862" y="1812053"/>
-            <a:ext cx="3021832" cy="461665"/>
-          </a:xfrm>
-          <a:prstGeom prst="rect">
-            <a:avLst/>
-          </a:prstGeom>
-          <a:noFill/>
-        </p:spPr>
-        <p:txBody>
-          <a:bodyPr wrap="square">
-            <a:spAutoFit/>
-          </a:bodyPr>
-          <a:lstStyle/>
-          <a:p>
-            <a:r>
-              <a:rPr lang="en-US" altLang="zh-TW" sz="2400" dirty="0">
-                <a:latin typeface="Adobe 黑体 Std R" panose="020B0400000000000000" pitchFamily="34" charset="-128"/>
-                <a:ea typeface="Adobe 黑体 Std R" panose="020B0400000000000000" pitchFamily="34" charset="-128"/>
-              </a:rPr>
-              <a:t>SVD</a:t>
-            </a:r>
-            <a:r>
-              <a:rPr lang="zh-TW" altLang="en-US" sz="2400" b="0" i="0" dirty="0">
-                <a:effectLst/>
-                <a:latin typeface="Adobe 黑体 Std R" panose="020B0400000000000000" pitchFamily="34" charset="-128"/>
-                <a:ea typeface="Adobe 黑体 Std R" panose="020B0400000000000000" pitchFamily="34" charset="-128"/>
-              </a:rPr>
-              <a:t>對矩陣進行拆分</a:t>
-            </a:r>
-            <a:endParaRPr lang="zh-TW" altLang="en-US" sz="2400" dirty="0">
-              <a:latin typeface="Adobe 黑体 Std R" panose="020B0400000000000000" pitchFamily="34" charset="-128"/>
-              <a:ea typeface="Adobe 黑体 Std R" panose="020B0400000000000000" pitchFamily="34" charset="-128"/>
-            </a:endParaRPr>
-          </a:p>
-        </p:txBody>
-      </p:sp>
       <p:pic>
         <p:nvPicPr>
-          <p:cNvPr id="8" name="圖片 7">
+          <p:cNvPr id="10" name="圖片 9">
             <a:extLst>
               <a:ext uri="{FF2B5EF4-FFF2-40B4-BE49-F238E27FC236}">
-                <a16:creationId xmlns:a16="http://schemas.microsoft.com/office/drawing/2014/main" id="{90D0FF43-5AA1-4B7D-8A87-E14D477450FA}"/>
+                <a16:creationId xmlns:a16="http://schemas.microsoft.com/office/drawing/2014/main" id="{D361A6A2-F3B6-44F0-BE4A-FF1EB674C5AD}"/>
               </a:ext>
             </a:extLst>
           </p:cNvPr>
@@ -6888,20 +7613,167 @@
         </p:blipFill>
         <p:spPr>
           <a:xfrm>
-            <a:off x="373878" y="2676175"/>
-            <a:ext cx="5291723" cy="3611504"/>
+            <a:off x="1724344" y="4985464"/>
+            <a:ext cx="9000876" cy="1822072"/>
           </a:xfrm>
           <a:prstGeom prst="rect">
             <a:avLst/>
           </a:prstGeom>
         </p:spPr>
       </p:pic>
+      <p:sp>
+        <p:nvSpPr>
+          <p:cNvPr id="20" name="文字方塊 19">
+            <a:extLst>
+              <a:ext uri="{FF2B5EF4-FFF2-40B4-BE49-F238E27FC236}">
+                <a16:creationId xmlns:a16="http://schemas.microsoft.com/office/drawing/2014/main" id="{1A9ABAF0-F28F-49D4-A6CC-7CD8D1130D4C}"/>
+              </a:ext>
+            </a:extLst>
+          </p:cNvPr>
+          <p:cNvSpPr txBox="1"/>
+          <p:nvPr/>
+        </p:nvSpPr>
+        <p:spPr>
+          <a:xfrm>
+            <a:off x="3023648" y="93188"/>
+            <a:ext cx="6141562" cy="369332"/>
+          </a:xfrm>
+          <a:prstGeom prst="rect">
+            <a:avLst/>
+          </a:prstGeom>
+          <a:noFill/>
+        </p:spPr>
+        <p:txBody>
+          <a:bodyPr wrap="square">
+            <a:spAutoFit/>
+          </a:bodyPr>
+          <a:lstStyle/>
+          <a:p>
+            <a:pPr algn="ctr"/>
+            <a:r>
+              <a:rPr lang="en-US" altLang="zh-TW" sz="1800" b="0" dirty="0">
+                <a:effectLst/>
+                <a:latin typeface="Adobe 黑体 Std R" panose="020B0400000000000000" pitchFamily="34" charset="-128"/>
+                <a:ea typeface="Adobe 黑体 Std R" panose="020B0400000000000000" pitchFamily="34" charset="-128"/>
+              </a:rPr>
+              <a:t>Sorted</a:t>
+            </a:r>
+            <a:r>
+              <a:rPr lang="en-US" altLang="zh-TW" sz="1800" b="0" dirty="0">
+                <a:solidFill>
+                  <a:schemeClr val="tx2"/>
+                </a:solidFill>
+                <a:effectLst/>
+                <a:latin typeface="Consolas" panose="020B0609020204030204" pitchFamily="49" charset="0"/>
+                <a:ea typeface="Adobe 黑体 Std R" panose="020B0400000000000000" pitchFamily="34" charset="-128"/>
+              </a:rPr>
+              <a:t> </a:t>
+            </a:r>
+            <a:r>
+              <a:rPr lang="en-US" altLang="zh-TW" sz="1800" b="0" dirty="0">
+                <a:effectLst/>
+                <a:latin typeface="Adobe 黑体 Std R" panose="020B0400000000000000" pitchFamily="34" charset="-128"/>
+                <a:ea typeface="Adobe 黑体 Std R" panose="020B0400000000000000" pitchFamily="34" charset="-128"/>
+              </a:rPr>
+              <a:t>Cosine Similarity</a:t>
+            </a:r>
+            <a:endParaRPr lang="en-US" altLang="zh-TW" sz="1400" b="1" i="0" dirty="0">
+              <a:solidFill>
+                <a:schemeClr val="tx2">
+                  <a:lumMod val="90000"/>
+                </a:schemeClr>
+              </a:solidFill>
+              <a:effectLst/>
+              <a:latin typeface="Adobe 黑体 Std R" panose="020B0400000000000000" pitchFamily="34" charset="-128"/>
+              <a:ea typeface="Adobe 黑体 Std R" panose="020B0400000000000000" pitchFamily="34" charset="-128"/>
+            </a:endParaRPr>
+          </a:p>
+        </p:txBody>
+      </p:sp>
+      <p:sp>
+        <p:nvSpPr>
+          <p:cNvPr id="21" name="文字方塊 20">
+            <a:extLst>
+              <a:ext uri="{FF2B5EF4-FFF2-40B4-BE49-F238E27FC236}">
+                <a16:creationId xmlns:a16="http://schemas.microsoft.com/office/drawing/2014/main" id="{98DAE493-A0ED-40C7-86A5-A5DD5529660F}"/>
+              </a:ext>
+            </a:extLst>
+          </p:cNvPr>
+          <p:cNvSpPr txBox="1"/>
+          <p:nvPr/>
+        </p:nvSpPr>
+        <p:spPr>
+          <a:xfrm>
+            <a:off x="2117496" y="4357045"/>
+            <a:ext cx="7953865" cy="646331"/>
+          </a:xfrm>
+          <a:prstGeom prst="rect">
+            <a:avLst/>
+          </a:prstGeom>
+          <a:noFill/>
+        </p:spPr>
+        <p:txBody>
+          <a:bodyPr wrap="square">
+            <a:spAutoFit/>
+          </a:bodyPr>
+          <a:lstStyle/>
+          <a:p>
+            <a:pPr algn="ctr"/>
+            <a:r>
+              <a:rPr lang="en-US" altLang="zh-TW" b="0" dirty="0">
+                <a:effectLst/>
+                <a:latin typeface="Adobe 黑体 Std R" panose="020B0400000000000000" pitchFamily="34" charset="-128"/>
+                <a:ea typeface="Adobe 黑体 Std R" panose="020B0400000000000000" pitchFamily="34" charset="-128"/>
+              </a:rPr>
+              <a:t>Sorted Weighted Rating</a:t>
+            </a:r>
+            <a:endParaRPr lang="en-US" altLang="zh-TW" b="0" dirty="0">
+              <a:solidFill>
+                <a:schemeClr val="tx2"/>
+              </a:solidFill>
+              <a:effectLst/>
+              <a:latin typeface="Consolas" panose="020B0609020204030204" pitchFamily="49" charset="0"/>
+            </a:endParaRPr>
+          </a:p>
+          <a:p>
+            <a:pPr algn="ctr"/>
+            <a:r>
+              <a:rPr lang="en-US" altLang="zh-TW" b="0" dirty="0">
+                <a:solidFill>
+                  <a:schemeClr val="tx2"/>
+                </a:solidFill>
+                <a:effectLst/>
+                <a:latin typeface="Consolas" panose="020B0609020204030204" pitchFamily="49" charset="0"/>
+              </a:rPr>
+              <a:t>IMDB formula of weighted rating (WR)(</a:t>
+            </a:r>
+            <a:r>
+              <a:rPr lang="en-US" altLang="zh-TW" b="0" i="0" dirty="0">
+                <a:solidFill>
+                  <a:schemeClr val="tx2"/>
+                </a:solidFill>
+                <a:effectLst/>
+                <a:latin typeface="arial" panose="020B0604020202020204" pitchFamily="34" charset="0"/>
+              </a:rPr>
+              <a:t> from 1 to 10)</a:t>
+            </a:r>
+            <a:endParaRPr lang="en-US" altLang="zh-TW" b="0" dirty="0">
+              <a:solidFill>
+                <a:schemeClr val="tx2"/>
+              </a:solidFill>
+              <a:effectLst/>
+              <a:latin typeface="Adobe 黑体 Std R" panose="020B0400000000000000" pitchFamily="34" charset="-128"/>
+              <a:ea typeface="Adobe 黑体 Std R" panose="020B0400000000000000" pitchFamily="34" charset="-128"/>
+            </a:endParaRPr>
+          </a:p>
+        </p:txBody>
+      </p:sp>
       <p:pic>
         <p:nvPicPr>
-          <p:cNvPr id="10" name="圖片 9">
+          <p:cNvPr id="25" name="圖片 24">
             <a:extLst>
               <a:ext uri="{FF2B5EF4-FFF2-40B4-BE49-F238E27FC236}">
-                <a16:creationId xmlns:a16="http://schemas.microsoft.com/office/drawing/2014/main" id="{2337ACDA-D8A3-4A42-9F98-A7312301CB10}"/>
+                <a16:creationId xmlns:a16="http://schemas.microsoft.com/office/drawing/2014/main" id="{3C85E5FD-393C-4B9A-A928-B13F1118A8F5}"/>
               </a:ext>
             </a:extLst>
           </p:cNvPr>
@@ -6918,48 +7790,60 @@
         </p:blipFill>
         <p:spPr>
           <a:xfrm>
-            <a:off x="5974526" y="2327383"/>
-            <a:ext cx="5413054" cy="2779676"/>
+            <a:off x="2917143" y="462520"/>
+            <a:ext cx="6357714" cy="3641723"/>
           </a:xfrm>
           <a:prstGeom prst="rect">
             <a:avLst/>
           </a:prstGeom>
         </p:spPr>
       </p:pic>
-      <p:pic>
-        <p:nvPicPr>
-          <p:cNvPr id="12" name="圖片 11">
+      <p:sp>
+        <p:nvSpPr>
+          <p:cNvPr id="27" name="文字方塊 26">
             <a:extLst>
               <a:ext uri="{FF2B5EF4-FFF2-40B4-BE49-F238E27FC236}">
-                <a16:creationId xmlns:a16="http://schemas.microsoft.com/office/drawing/2014/main" id="{3FF5E94D-423A-41D6-AB5F-AE9F054FF484}"/>
+                <a16:creationId xmlns:a16="http://schemas.microsoft.com/office/drawing/2014/main" id="{85D5B803-213D-4B8C-9240-6867DC4FFF3D}"/>
               </a:ext>
             </a:extLst>
           </p:cNvPr>
-          <p:cNvPicPr>
-            <a:picLocks noChangeAspect="1"/>
-          </p:cNvPicPr>
+          <p:cNvSpPr txBox="1"/>
           <p:nvPr/>
-        </p:nvPicPr>
-        <p:blipFill>
-          <a:blip r:embed="rId4"/>
-          <a:stretch>
-            <a:fillRect/>
-          </a:stretch>
-        </p:blipFill>
-        <p:spPr>
-          <a:xfrm>
-            <a:off x="5974526" y="5160724"/>
-            <a:ext cx="5414495" cy="1504027"/>
+        </p:nvSpPr>
+        <p:spPr>
+          <a:xfrm>
+            <a:off x="11476641" y="6411194"/>
+            <a:ext cx="314510" cy="369332"/>
           </a:xfrm>
           <a:prstGeom prst="rect">
             <a:avLst/>
           </a:prstGeom>
-        </p:spPr>
-      </p:pic>
+          <a:noFill/>
+        </p:spPr>
+        <p:txBody>
+          <a:bodyPr wrap="none" rtlCol="0">
+            <a:spAutoFit/>
+          </a:bodyPr>
+          <a:lstStyle/>
+          <a:p>
+            <a:r>
+              <a:rPr lang="en-US" altLang="zh-TW" dirty="0">
+                <a:latin typeface="Adobe 黑体 Std R" panose="020B0400000000000000" pitchFamily="34" charset="-128"/>
+                <a:ea typeface="Adobe 黑体 Std R" panose="020B0400000000000000" pitchFamily="34" charset="-128"/>
+              </a:rPr>
+              <a:t>5</a:t>
+            </a:r>
+            <a:endParaRPr lang="zh-TW" altLang="en-US" dirty="0">
+              <a:latin typeface="Adobe 黑体 Std R" panose="020B0400000000000000" pitchFamily="34" charset="-128"/>
+              <a:ea typeface="Adobe 黑体 Std R" panose="020B0400000000000000" pitchFamily="34" charset="-128"/>
+            </a:endParaRPr>
+          </a:p>
+        </p:txBody>
+      </p:sp>
     </p:spTree>
     <p:extLst>
       <p:ext uri="{BB962C8B-B14F-4D97-AF65-F5344CB8AC3E}">
-        <p14:creationId xmlns:p14="http://schemas.microsoft.com/office/powerpoint/2010/main" val="4102902815"/>
+        <p14:creationId xmlns:p14="http://schemas.microsoft.com/office/powerpoint/2010/main" val="3003694382"/>
       </p:ext>
     </p:extLst>
   </p:cSld>
@@ -7017,7 +7901,7 @@
         <p:spPr>
           <a:xfrm>
             <a:off x="739463" y="321013"/>
-            <a:ext cx="8498805" cy="1012343"/>
+            <a:ext cx="7690549" cy="1012343"/>
           </a:xfrm>
         </p:spPr>
         <p:txBody>
@@ -7032,21 +7916,7 @@
                 <a:latin typeface="Adobe 黑体 Std R" panose="020B0400000000000000" pitchFamily="34" charset="-128"/>
                 <a:ea typeface="Adobe 黑体 Std R" panose="020B0400000000000000" pitchFamily="34" charset="-128"/>
               </a:rPr>
-              <a:t>Hybrid Approach</a:t>
-            </a:r>
-            <a:r>
-              <a:rPr lang="zh-TW" altLang="en-US" sz="5400" b="0" i="0" u="none" strike="noStrike" baseline="0" dirty="0">
-                <a:latin typeface="Adobe 黑体 Std R" panose="020B0400000000000000" pitchFamily="34" charset="-128"/>
-                <a:ea typeface="Adobe 黑体 Std R" panose="020B0400000000000000" pitchFamily="34" charset="-128"/>
-              </a:rPr>
-              <a:t> </a:t>
-            </a:r>
-            <a:r>
-              <a:rPr lang="en-US" altLang="zh-TW" sz="5400" b="0" i="0" u="none" strike="noStrike" baseline="0" dirty="0">
-                <a:latin typeface="Adobe 黑体 Std R" panose="020B0400000000000000" pitchFamily="34" charset="-128"/>
-                <a:ea typeface="Adobe 黑体 Std R" panose="020B0400000000000000" pitchFamily="34" charset="-128"/>
-              </a:rPr>
-              <a:t>(Cascade)</a:t>
+              <a:t>Collaborative Filtering</a:t>
             </a:r>
             <a:endParaRPr lang="zh-TW" altLang="en-US" sz="11500" dirty="0">
               <a:solidFill>
@@ -7109,139 +7979,60 @@
       </p:sp>
       <p:sp>
         <p:nvSpPr>
-          <p:cNvPr id="15" name="矩形: 圓角 14">
+          <p:cNvPr id="4" name="文字方塊 3">
             <a:extLst>
               <a:ext uri="{FF2B5EF4-FFF2-40B4-BE49-F238E27FC236}">
-                <a16:creationId xmlns:a16="http://schemas.microsoft.com/office/drawing/2014/main" id="{76F88673-22EE-4057-8454-2CB4D9F1FEE7}"/>
+                <a16:creationId xmlns:a16="http://schemas.microsoft.com/office/drawing/2014/main" id="{A3041F23-BB2A-4884-AD1E-31300FE37EC3}"/>
               </a:ext>
             </a:extLst>
           </p:cNvPr>
-          <p:cNvSpPr/>
+          <p:cNvSpPr txBox="1"/>
           <p:nvPr/>
         </p:nvSpPr>
         <p:spPr>
           <a:xfrm>
-            <a:off x="1598507" y="2550690"/>
-            <a:ext cx="1828800" cy="810705"/>
-          </a:xfrm>
-          <a:prstGeom prst="roundRect">
+            <a:off x="6998862" y="1812053"/>
+            <a:ext cx="3021832" cy="461665"/>
+          </a:xfrm>
+          <a:prstGeom prst="rect">
             <a:avLst/>
           </a:prstGeom>
-          <a:solidFill>
-            <a:schemeClr val="bg1"/>
-          </a:solidFill>
-          <a:ln w="57150">
-            <a:solidFill>
-              <a:schemeClr val="accent1">
-                <a:lumMod val="40000"/>
-                <a:lumOff val="60000"/>
-              </a:schemeClr>
-            </a:solidFill>
-          </a:ln>
-        </p:spPr>
-        <p:style>
-          <a:lnRef idx="2">
-            <a:schemeClr val="accent1">
-              <a:shade val="50000"/>
-            </a:schemeClr>
-          </a:lnRef>
-          <a:fillRef idx="1">
-            <a:schemeClr val="accent1"/>
-          </a:fillRef>
-          <a:effectRef idx="0">
-            <a:schemeClr val="accent1"/>
-          </a:effectRef>
-          <a:fontRef idx="minor">
-            <a:schemeClr val="lt1"/>
-          </a:fontRef>
-        </p:style>
-        <p:txBody>
-          <a:bodyPr rtlCol="0" anchor="ctr"/>
-          <a:lstStyle/>
-          <a:p>
-            <a:pPr algn="ctr"/>
-            <a:r>
-              <a:rPr lang="en-US" altLang="zh-TW" dirty="0"/>
-              <a:t>Content Based</a:t>
-            </a:r>
-            <a:endParaRPr lang="zh-TW" altLang="en-US" dirty="0"/>
-          </a:p>
-        </p:txBody>
-      </p:sp>
-      <p:sp>
-        <p:nvSpPr>
-          <p:cNvPr id="16" name="矩形: 圓角 15">
-            <a:extLst>
-              <a:ext uri="{FF2B5EF4-FFF2-40B4-BE49-F238E27FC236}">
-                <a16:creationId xmlns:a16="http://schemas.microsoft.com/office/drawing/2014/main" id="{0394D59A-C473-46BF-AFCB-AACA74860067}"/>
-              </a:ext>
-            </a:extLst>
-          </p:cNvPr>
-          <p:cNvSpPr/>
-          <p:nvPr/>
-        </p:nvSpPr>
-        <p:spPr>
-          <a:xfrm>
-            <a:off x="4861442" y="4343480"/>
-            <a:ext cx="2652074" cy="810705"/>
-          </a:xfrm>
-          <a:prstGeom prst="roundRect">
-            <a:avLst/>
-          </a:prstGeom>
-          <a:solidFill>
-            <a:schemeClr val="bg1"/>
-          </a:solidFill>
-          <a:ln w="57150">
-            <a:solidFill>
-              <a:schemeClr val="accent1">
-                <a:lumMod val="40000"/>
-                <a:lumOff val="60000"/>
-              </a:schemeClr>
-            </a:solidFill>
-          </a:ln>
-        </p:spPr>
-        <p:style>
-          <a:lnRef idx="2">
-            <a:schemeClr val="accent1">
-              <a:shade val="50000"/>
-            </a:schemeClr>
-          </a:lnRef>
-          <a:fillRef idx="1">
-            <a:schemeClr val="accent1"/>
-          </a:fillRef>
-          <a:effectRef idx="0">
-            <a:schemeClr val="accent1"/>
-          </a:effectRef>
-          <a:fontRef idx="minor">
-            <a:schemeClr val="lt1"/>
-          </a:fontRef>
-        </p:style>
-        <p:txBody>
-          <a:bodyPr rtlCol="0" anchor="ctr"/>
-          <a:lstStyle/>
-          <a:p>
-            <a:pPr algn="ctr"/>
-            <a:r>
-              <a:rPr lang="en-US" altLang="zh-TW" dirty="0"/>
-              <a:t>Model Based</a:t>
-            </a:r>
-          </a:p>
-          <a:p>
-            <a:pPr algn="ctr"/>
-            <a:r>
-              <a:rPr lang="en-US" altLang="zh-TW" dirty="0"/>
-              <a:t>Collaborative Filtering</a:t>
-            </a:r>
-            <a:endParaRPr lang="zh-TW" altLang="en-US" dirty="0"/>
+          <a:noFill/>
+        </p:spPr>
+        <p:txBody>
+          <a:bodyPr wrap="square">
+            <a:spAutoFit/>
+          </a:bodyPr>
+          <a:lstStyle/>
+          <a:p>
+            <a:r>
+              <a:rPr lang="en-US" altLang="zh-TW" sz="2400" dirty="0">
+                <a:latin typeface="Adobe 黑体 Std R" panose="020B0400000000000000" pitchFamily="34" charset="-128"/>
+                <a:ea typeface="Adobe 黑体 Std R" panose="020B0400000000000000" pitchFamily="34" charset="-128"/>
+              </a:rPr>
+              <a:t>SVD</a:t>
+            </a:r>
+            <a:r>
+              <a:rPr lang="zh-TW" altLang="en-US" sz="2400" b="0" i="0" dirty="0">
+                <a:effectLst/>
+                <a:latin typeface="Adobe 黑体 Std R" panose="020B0400000000000000" pitchFamily="34" charset="-128"/>
+                <a:ea typeface="Adobe 黑体 Std R" panose="020B0400000000000000" pitchFamily="34" charset="-128"/>
+              </a:rPr>
+              <a:t>對矩陣進行拆分</a:t>
+            </a:r>
+            <a:endParaRPr lang="zh-TW" altLang="en-US" sz="2400" dirty="0">
+              <a:latin typeface="Adobe 黑体 Std R" panose="020B0400000000000000" pitchFamily="34" charset="-128"/>
+              <a:ea typeface="Adobe 黑体 Std R" panose="020B0400000000000000" pitchFamily="34" charset="-128"/>
+            </a:endParaRPr>
           </a:p>
         </p:txBody>
       </p:sp>
       <p:pic>
         <p:nvPicPr>
-          <p:cNvPr id="18" name="圖形 17" descr="連線 以實心填滿">
+          <p:cNvPr id="8" name="圖片 7">
             <a:extLst>
               <a:ext uri="{FF2B5EF4-FFF2-40B4-BE49-F238E27FC236}">
-                <a16:creationId xmlns:a16="http://schemas.microsoft.com/office/drawing/2014/main" id="{D88A9E86-F93F-441F-8DD3-2C0AC6A54884}"/>
+                <a16:creationId xmlns:a16="http://schemas.microsoft.com/office/drawing/2014/main" id="{90D0FF43-5AA1-4B7D-8A87-E14D477450FA}"/>
               </a:ext>
             </a:extLst>
           </p:cNvPr>
@@ -7251,24 +8042,15 @@
           <p:nvPr/>
         </p:nvPicPr>
         <p:blipFill>
-          <a:blip r:embed="rId2">
-            <a:extLst>
-              <a:ext uri="{28A0092B-C50C-407E-A947-70E740481C1C}">
-                <a14:useLocalDpi xmlns:a14="http://schemas.microsoft.com/office/drawing/2010/main" val="0"/>
-              </a:ext>
-              <a:ext uri="{96DAC541-7B7A-43D3-8B79-37D633B846F1}">
-                <asvg:svgBlip xmlns:asvg="http://schemas.microsoft.com/office/drawing/2016/SVG/main" r:embed="rId3"/>
-              </a:ext>
-            </a:extLst>
-          </a:blip>
+          <a:blip r:embed="rId2"/>
           <a:stretch>
             <a:fillRect/>
           </a:stretch>
         </p:blipFill>
         <p:spPr>
           <a:xfrm>
-            <a:off x="3851380" y="4333110"/>
-            <a:ext cx="914400" cy="914400"/>
+            <a:off x="373878" y="2676175"/>
+            <a:ext cx="5291723" cy="3611504"/>
           </a:xfrm>
           <a:prstGeom prst="rect">
             <a:avLst/>
@@ -7277,10 +8059,10 @@
       </p:pic>
       <p:pic>
         <p:nvPicPr>
-          <p:cNvPr id="20" name="圖形 19" descr="場記板 以實心填滿">
+          <p:cNvPr id="10" name="圖片 9">
             <a:extLst>
               <a:ext uri="{FF2B5EF4-FFF2-40B4-BE49-F238E27FC236}">
-                <a16:creationId xmlns:a16="http://schemas.microsoft.com/office/drawing/2014/main" id="{8D5B5185-9303-4FBB-9E40-57F2D6E2E4C9}"/>
+                <a16:creationId xmlns:a16="http://schemas.microsoft.com/office/drawing/2014/main" id="{2337ACDA-D8A3-4A42-9F98-A7312301CB10}"/>
               </a:ext>
             </a:extLst>
           </p:cNvPr>
@@ -7290,24 +8072,15 @@
           <p:nvPr/>
         </p:nvPicPr>
         <p:blipFill>
-          <a:blip r:embed="rId4">
-            <a:extLst>
-              <a:ext uri="{28A0092B-C50C-407E-A947-70E740481C1C}">
-                <a14:useLocalDpi xmlns:a14="http://schemas.microsoft.com/office/drawing/2010/main" val="0"/>
-              </a:ext>
-              <a:ext uri="{96DAC541-7B7A-43D3-8B79-37D633B846F1}">
-                <asvg:svgBlip xmlns:asvg="http://schemas.microsoft.com/office/drawing/2016/SVG/main" r:embed="rId5"/>
-              </a:ext>
-            </a:extLst>
-          </a:blip>
+          <a:blip r:embed="rId3"/>
           <a:stretch>
             <a:fillRect/>
           </a:stretch>
         </p:blipFill>
         <p:spPr>
           <a:xfrm>
-            <a:off x="167825" y="2557861"/>
-            <a:ext cx="687140" cy="687140"/>
+            <a:off x="5974526" y="2327383"/>
+            <a:ext cx="5413054" cy="2779676"/>
           </a:xfrm>
           <a:prstGeom prst="rect">
             <a:avLst/>
@@ -7316,10 +8089,10 @@
       </p:pic>
       <p:pic>
         <p:nvPicPr>
-          <p:cNvPr id="22" name="圖形 21" descr="影片膠片 以實心填滿">
+          <p:cNvPr id="12" name="圖片 11">
             <a:extLst>
               <a:ext uri="{FF2B5EF4-FFF2-40B4-BE49-F238E27FC236}">
-                <a16:creationId xmlns:a16="http://schemas.microsoft.com/office/drawing/2014/main" id="{AEE247DE-0632-4DEB-AE65-29B0D81056CE}"/>
+                <a16:creationId xmlns:a16="http://schemas.microsoft.com/office/drawing/2014/main" id="{3FF5E94D-423A-41D6-AB5F-AE9F054FF484}"/>
               </a:ext>
             </a:extLst>
           </p:cNvPr>
@@ -7329,212 +8102,27 @@
           <p:nvPr/>
         </p:nvPicPr>
         <p:blipFill>
-          <a:blip r:embed="rId6">
-            <a:extLst>
-              <a:ext uri="{28A0092B-C50C-407E-A947-70E740481C1C}">
-                <a14:useLocalDpi xmlns:a14="http://schemas.microsoft.com/office/drawing/2010/main" val="0"/>
-              </a:ext>
-              <a:ext uri="{96DAC541-7B7A-43D3-8B79-37D633B846F1}">
-                <asvg:svgBlip xmlns:asvg="http://schemas.microsoft.com/office/drawing/2016/SVG/main" r:embed="rId7"/>
-              </a:ext>
-            </a:extLst>
-          </a:blip>
+          <a:blip r:embed="rId4"/>
           <a:stretch>
             <a:fillRect/>
           </a:stretch>
         </p:blipFill>
         <p:spPr>
-          <a:xfrm rot="1292930">
-            <a:off x="890247" y="2647755"/>
-            <a:ext cx="616575" cy="616575"/>
+          <a:xfrm>
+            <a:off x="5974526" y="5160724"/>
+            <a:ext cx="5414495" cy="1504027"/>
           </a:xfrm>
           <a:prstGeom prst="rect">
             <a:avLst/>
           </a:prstGeom>
         </p:spPr>
       </p:pic>
-      <p:pic>
-        <p:nvPicPr>
-          <p:cNvPr id="24" name="圖形 23" descr="優先順序 以實心填滿">
+      <p:sp>
+        <p:nvSpPr>
+          <p:cNvPr id="9" name="文字方塊 8">
             <a:extLst>
               <a:ext uri="{FF2B5EF4-FFF2-40B4-BE49-F238E27FC236}">
-                <a16:creationId xmlns:a16="http://schemas.microsoft.com/office/drawing/2014/main" id="{4C4A6D08-6D96-4B3E-A1F7-56F8D9934A08}"/>
-              </a:ext>
-            </a:extLst>
-          </p:cNvPr>
-          <p:cNvPicPr>
-            <a:picLocks noChangeAspect="1"/>
-          </p:cNvPicPr>
-          <p:nvPr/>
-        </p:nvPicPr>
-        <p:blipFill>
-          <a:blip r:embed="rId8">
-            <a:extLst>
-              <a:ext uri="{28A0092B-C50C-407E-A947-70E740481C1C}">
-                <a14:useLocalDpi xmlns:a14="http://schemas.microsoft.com/office/drawing/2010/main" val="0"/>
-              </a:ext>
-              <a:ext uri="{96DAC541-7B7A-43D3-8B79-37D633B846F1}">
-                <asvg:svgBlip xmlns:asvg="http://schemas.microsoft.com/office/drawing/2016/SVG/main" r:embed="rId9"/>
-              </a:ext>
-            </a:extLst>
-          </a:blip>
-          <a:stretch>
-            <a:fillRect/>
-          </a:stretch>
-        </p:blipFill>
-        <p:spPr>
-          <a:xfrm>
-            <a:off x="8222131" y="4754765"/>
-            <a:ext cx="914400" cy="914400"/>
-          </a:xfrm>
-          <a:prstGeom prst="rect">
-            <a:avLst/>
-          </a:prstGeom>
-        </p:spPr>
-      </p:pic>
-      <p:pic>
-        <p:nvPicPr>
-          <p:cNvPr id="26" name="圖形 25" descr="夾紙板 (打勾) 以實心填滿">
-            <a:extLst>
-              <a:ext uri="{FF2B5EF4-FFF2-40B4-BE49-F238E27FC236}">
-                <a16:creationId xmlns:a16="http://schemas.microsoft.com/office/drawing/2014/main" id="{A7711BBF-C1E7-4E21-AF07-92CE22D389A6}"/>
-              </a:ext>
-            </a:extLst>
-          </p:cNvPr>
-          <p:cNvPicPr>
-            <a:picLocks noChangeAspect="1"/>
-          </p:cNvPicPr>
-          <p:nvPr/>
-        </p:nvPicPr>
-        <p:blipFill>
-          <a:blip r:embed="rId10">
-            <a:extLst>
-              <a:ext uri="{28A0092B-C50C-407E-A947-70E740481C1C}">
-                <a14:useLocalDpi xmlns:a14="http://schemas.microsoft.com/office/drawing/2010/main" val="0"/>
-              </a:ext>
-              <a:ext uri="{96DAC541-7B7A-43D3-8B79-37D633B846F1}">
-                <asvg:svgBlip xmlns:asvg="http://schemas.microsoft.com/office/drawing/2016/SVG/main" r:embed="rId11"/>
-              </a:ext>
-            </a:extLst>
-          </a:blip>
-          <a:stretch>
-            <a:fillRect/>
-          </a:stretch>
-        </p:blipFill>
-        <p:spPr>
-          <a:xfrm>
-            <a:off x="10372716" y="4291632"/>
-            <a:ext cx="914400" cy="914400"/>
-          </a:xfrm>
-          <a:prstGeom prst="rect">
-            <a:avLst/>
-          </a:prstGeom>
-        </p:spPr>
-      </p:pic>
-      <p:cxnSp>
-        <p:nvCxnSpPr>
-          <p:cNvPr id="28" name="直線單箭頭接點 27">
-            <a:extLst>
-              <a:ext uri="{FF2B5EF4-FFF2-40B4-BE49-F238E27FC236}">
-                <a16:creationId xmlns:a16="http://schemas.microsoft.com/office/drawing/2014/main" id="{F911CF3D-BDFD-4E6E-BCE5-5B8E2CD22E4F}"/>
-              </a:ext>
-            </a:extLst>
-          </p:cNvPr>
-          <p:cNvCxnSpPr>
-            <a:cxnSpLocks/>
-            <a:stCxn id="15" idx="3"/>
-            <a:endCxn id="35" idx="1"/>
-          </p:cNvCxnSpPr>
-          <p:nvPr/>
-        </p:nvCxnSpPr>
-        <p:spPr>
-          <a:xfrm>
-            <a:off x="3427307" y="2956043"/>
-            <a:ext cx="2302972" cy="15837"/>
-          </a:xfrm>
-          <a:prstGeom prst="straightConnector1">
-            <a:avLst/>
-          </a:prstGeom>
-          <a:ln w="38100">
-            <a:solidFill>
-              <a:schemeClr val="accent1">
-                <a:lumMod val="20000"/>
-                <a:lumOff val="80000"/>
-              </a:schemeClr>
-            </a:solidFill>
-            <a:tailEnd type="triangle"/>
-          </a:ln>
-        </p:spPr>
-        <p:style>
-          <a:lnRef idx="1">
-            <a:schemeClr val="accent1"/>
-          </a:lnRef>
-          <a:fillRef idx="0">
-            <a:schemeClr val="accent1"/>
-          </a:fillRef>
-          <a:effectRef idx="0">
-            <a:schemeClr val="accent1"/>
-          </a:effectRef>
-          <a:fontRef idx="minor">
-            <a:schemeClr val="tx1"/>
-          </a:fontRef>
-        </p:style>
-      </p:cxnSp>
-      <p:cxnSp>
-        <p:nvCxnSpPr>
-          <p:cNvPr id="29" name="直線單箭頭接點 28">
-            <a:extLst>
-              <a:ext uri="{FF2B5EF4-FFF2-40B4-BE49-F238E27FC236}">
-                <a16:creationId xmlns:a16="http://schemas.microsoft.com/office/drawing/2014/main" id="{DC0E1534-8F26-4B97-A90B-D3B2C02D4D7B}"/>
-              </a:ext>
-            </a:extLst>
-          </p:cNvPr>
-          <p:cNvCxnSpPr>
-            <a:cxnSpLocks/>
-            <a:stCxn id="16" idx="3"/>
-            <a:endCxn id="26" idx="1"/>
-          </p:cNvCxnSpPr>
-          <p:nvPr/>
-        </p:nvCxnSpPr>
-        <p:spPr>
-          <a:xfrm flipV="1">
-            <a:off x="7513516" y="4748832"/>
-            <a:ext cx="2859200" cy="1"/>
-          </a:xfrm>
-          <a:prstGeom prst="straightConnector1">
-            <a:avLst/>
-          </a:prstGeom>
-          <a:ln w="38100">
-            <a:solidFill>
-              <a:schemeClr val="accent1">
-                <a:lumMod val="20000"/>
-                <a:lumOff val="80000"/>
-              </a:schemeClr>
-            </a:solidFill>
-            <a:tailEnd type="triangle"/>
-          </a:ln>
-        </p:spPr>
-        <p:style>
-          <a:lnRef idx="1">
-            <a:schemeClr val="accent1"/>
-          </a:lnRef>
-          <a:fillRef idx="0">
-            <a:schemeClr val="accent1"/>
-          </a:fillRef>
-          <a:effectRef idx="0">
-            <a:schemeClr val="accent1"/>
-          </a:effectRef>
-          <a:fontRef idx="minor">
-            <a:schemeClr val="tx1"/>
-          </a:fontRef>
-        </p:style>
-      </p:cxnSp>
-      <p:sp>
-        <p:nvSpPr>
-          <p:cNvPr id="31" name="文字方塊 30">
-            <a:extLst>
-              <a:ext uri="{FF2B5EF4-FFF2-40B4-BE49-F238E27FC236}">
-                <a16:creationId xmlns:a16="http://schemas.microsoft.com/office/drawing/2014/main" id="{74D1DBAD-9219-4645-9F6B-9B6B21ABE1DC}"/>
+                <a16:creationId xmlns:a16="http://schemas.microsoft.com/office/drawing/2014/main" id="{8B738F56-BAC0-48B4-9FC4-67215892016E}"/>
               </a:ext>
             </a:extLst>
           </p:cNvPr>
@@ -7543,8 +8131,8 @@
         </p:nvSpPr>
         <p:spPr>
           <a:xfrm>
-            <a:off x="3143840" y="1834054"/>
-            <a:ext cx="6094428" cy="646331"/>
+            <a:off x="11476641" y="6411194"/>
+            <a:ext cx="314510" cy="369332"/>
           </a:xfrm>
           <a:prstGeom prst="rect">
             <a:avLst/>
@@ -7552,287 +8140,19 @@
           <a:noFill/>
         </p:spPr>
         <p:txBody>
-          <a:bodyPr wrap="square">
+          <a:bodyPr wrap="none" rtlCol="0">
             <a:spAutoFit/>
           </a:bodyPr>
           <a:lstStyle/>
           <a:p>
-            <a:pPr algn="ctr"/>
-            <a:r>
-              <a:rPr lang="en-US" altLang="zh-TW" dirty="0"/>
-              <a:t>A preliminary </a:t>
-            </a:r>
-          </a:p>
-          <a:p>
-            <a:pPr algn="ctr"/>
-            <a:r>
-              <a:rPr lang="en-US" altLang="zh-TW" dirty="0"/>
-              <a:t>output list of recommendations</a:t>
-            </a:r>
-            <a:endParaRPr lang="zh-TW" altLang="en-US" dirty="0"/>
-          </a:p>
-        </p:txBody>
-      </p:sp>
-      <p:pic>
-        <p:nvPicPr>
-          <p:cNvPr id="35" name="圖形 34" descr="夾紙板 (打勾) 以實心填滿">
-            <a:extLst>
-              <a:ext uri="{FF2B5EF4-FFF2-40B4-BE49-F238E27FC236}">
-                <a16:creationId xmlns:a16="http://schemas.microsoft.com/office/drawing/2014/main" id="{2E799A76-7E30-44B6-A512-C5C8C0AC5019}"/>
-              </a:ext>
-            </a:extLst>
-          </p:cNvPr>
-          <p:cNvPicPr>
-            <a:picLocks noChangeAspect="1"/>
-          </p:cNvPicPr>
-          <p:nvPr/>
-        </p:nvPicPr>
-        <p:blipFill>
-          <a:blip r:embed="rId12">
-            <a:extLst>
-              <a:ext uri="{28A0092B-C50C-407E-A947-70E740481C1C}">
-                <a14:useLocalDpi xmlns:a14="http://schemas.microsoft.com/office/drawing/2010/main" val="0"/>
-              </a:ext>
-              <a:ext uri="{96DAC541-7B7A-43D3-8B79-37D633B846F1}">
-                <asvg:svgBlip xmlns:asvg="http://schemas.microsoft.com/office/drawing/2016/SVG/main" r:embed="rId13"/>
-              </a:ext>
-            </a:extLst>
-          </a:blip>
-          <a:stretch>
-            <a:fillRect/>
-          </a:stretch>
-        </p:blipFill>
-        <p:spPr>
-          <a:xfrm>
-            <a:off x="5730279" y="2514680"/>
-            <a:ext cx="914400" cy="914400"/>
-          </a:xfrm>
-          <a:prstGeom prst="rect">
-            <a:avLst/>
-          </a:prstGeom>
-        </p:spPr>
-      </p:pic>
-      <p:sp>
-        <p:nvSpPr>
-          <p:cNvPr id="38" name="文字方塊 37">
-            <a:extLst>
-              <a:ext uri="{FF2B5EF4-FFF2-40B4-BE49-F238E27FC236}">
-                <a16:creationId xmlns:a16="http://schemas.microsoft.com/office/drawing/2014/main" id="{9697067F-D85B-4E7D-9FCF-0AE0E19FEE0E}"/>
-              </a:ext>
-            </a:extLst>
-          </p:cNvPr>
-          <p:cNvSpPr txBox="1"/>
-          <p:nvPr/>
-        </p:nvSpPr>
-        <p:spPr>
-          <a:xfrm>
-            <a:off x="9726675" y="5195662"/>
-            <a:ext cx="2206481" cy="646331"/>
-          </a:xfrm>
-          <a:prstGeom prst="rect">
-            <a:avLst/>
-          </a:prstGeom>
-          <a:noFill/>
-        </p:spPr>
-        <p:txBody>
-          <a:bodyPr wrap="square">
-            <a:spAutoFit/>
-          </a:bodyPr>
-          <a:lstStyle/>
-          <a:p>
-            <a:pPr algn="ctr"/>
-            <a:r>
-              <a:rPr lang="en-US" altLang="zh-TW" dirty="0"/>
-              <a:t>Refined</a:t>
-            </a:r>
-          </a:p>
-          <a:p>
-            <a:pPr algn="ctr"/>
-            <a:r>
-              <a:rPr lang="en-US" altLang="zh-TW" dirty="0"/>
-              <a:t>Recommendations</a:t>
-            </a:r>
-            <a:endParaRPr lang="zh-TW" altLang="en-US" dirty="0"/>
-          </a:p>
-        </p:txBody>
-      </p:sp>
-      <p:cxnSp>
-        <p:nvCxnSpPr>
-          <p:cNvPr id="39" name="直線單箭頭接點 38">
-            <a:extLst>
-              <a:ext uri="{FF2B5EF4-FFF2-40B4-BE49-F238E27FC236}">
-                <a16:creationId xmlns:a16="http://schemas.microsoft.com/office/drawing/2014/main" id="{C1F3ADA8-9192-4663-898B-1D7EF318322D}"/>
-              </a:ext>
-            </a:extLst>
-          </p:cNvPr>
-          <p:cNvCxnSpPr>
-            <a:cxnSpLocks/>
-            <a:stCxn id="35" idx="2"/>
-            <a:endCxn id="16" idx="0"/>
-          </p:cNvCxnSpPr>
-          <p:nvPr/>
-        </p:nvCxnSpPr>
-        <p:spPr>
-          <a:xfrm>
-            <a:off x="6187479" y="3429080"/>
-            <a:ext cx="0" cy="914400"/>
-          </a:xfrm>
-          <a:prstGeom prst="straightConnector1">
-            <a:avLst/>
-          </a:prstGeom>
-          <a:ln w="38100">
-            <a:solidFill>
-              <a:schemeClr val="accent1">
-                <a:lumMod val="20000"/>
-                <a:lumOff val="80000"/>
-              </a:schemeClr>
-            </a:solidFill>
-            <a:tailEnd type="triangle"/>
-          </a:ln>
-        </p:spPr>
-        <p:style>
-          <a:lnRef idx="1">
-            <a:schemeClr val="accent1"/>
-          </a:lnRef>
-          <a:fillRef idx="0">
-            <a:schemeClr val="accent1"/>
-          </a:fillRef>
-          <a:effectRef idx="0">
-            <a:schemeClr val="accent1"/>
-          </a:effectRef>
-          <a:fontRef idx="minor">
-            <a:schemeClr val="tx1"/>
-          </a:fontRef>
-        </p:style>
-      </p:cxnSp>
-      <p:sp>
-        <p:nvSpPr>
-          <p:cNvPr id="46" name="文字方塊 45">
-            <a:extLst>
-              <a:ext uri="{FF2B5EF4-FFF2-40B4-BE49-F238E27FC236}">
-                <a16:creationId xmlns:a16="http://schemas.microsoft.com/office/drawing/2014/main" id="{D9A5143B-4E60-4E10-87BD-0E69C08D5BD2}"/>
-              </a:ext>
-            </a:extLst>
-          </p:cNvPr>
-          <p:cNvSpPr txBox="1"/>
-          <p:nvPr/>
-        </p:nvSpPr>
-        <p:spPr>
-          <a:xfrm>
-            <a:off x="7609178" y="3928536"/>
-            <a:ext cx="2403654" cy="861774"/>
-          </a:xfrm>
-          <a:prstGeom prst="rect">
-            <a:avLst/>
-          </a:prstGeom>
-          <a:noFill/>
-        </p:spPr>
-        <p:txBody>
-          <a:bodyPr wrap="square">
-            <a:spAutoFit/>
-          </a:bodyPr>
-          <a:lstStyle/>
-          <a:p>
-            <a:pPr algn="ctr"/>
             <a:r>
               <a:rPr lang="en-US" altLang="zh-TW" dirty="0">
                 <a:latin typeface="Adobe 黑体 Std R" panose="020B0400000000000000" pitchFamily="34" charset="-128"/>
                 <a:ea typeface="Adobe 黑体 Std R" panose="020B0400000000000000" pitchFamily="34" charset="-128"/>
               </a:rPr>
-              <a:t>Further Sorting</a:t>
-            </a:r>
-          </a:p>
-          <a:p>
-            <a:pPr algn="ctr"/>
-            <a:r>
-              <a:rPr lang="en-US" altLang="zh-TW" dirty="0">
-                <a:latin typeface="Adobe 黑体 Std R" panose="020B0400000000000000" pitchFamily="34" charset="-128"/>
-                <a:ea typeface="Adobe 黑体 Std R" panose="020B0400000000000000" pitchFamily="34" charset="-128"/>
-              </a:rPr>
-              <a:t>Based on</a:t>
-            </a:r>
-            <a:r>
-              <a:rPr lang="zh-TW" altLang="en-US" dirty="0">
-                <a:latin typeface="Adobe 黑体 Std R" panose="020B0400000000000000" pitchFamily="34" charset="-128"/>
-                <a:ea typeface="Adobe 黑体 Std R" panose="020B0400000000000000" pitchFamily="34" charset="-128"/>
-              </a:rPr>
-              <a:t> </a:t>
-            </a:r>
-            <a:r>
-              <a:rPr lang="en-US" altLang="zh-TW" dirty="0">
-                <a:latin typeface="Adobe 黑体 Std R" panose="020B0400000000000000" pitchFamily="34" charset="-128"/>
-                <a:ea typeface="Adobe 黑体 Std R" panose="020B0400000000000000" pitchFamily="34" charset="-128"/>
-              </a:rPr>
-              <a:t>Predictions</a:t>
-            </a:r>
-          </a:p>
-          <a:p>
-            <a:pPr algn="ctr"/>
-            <a:r>
-              <a:rPr lang="en-US" altLang="zh-TW" sz="1400" dirty="0">
-                <a:solidFill>
-                  <a:srgbClr val="CEB6F4"/>
-                </a:solidFill>
-                <a:latin typeface="Adobe 黑体 Std R" panose="020B0400000000000000" pitchFamily="34" charset="-128"/>
-                <a:ea typeface="Adobe 黑体 Std R" panose="020B0400000000000000" pitchFamily="34" charset="-128"/>
-              </a:rPr>
-              <a:t>(SVD - </a:t>
-            </a:r>
-            <a:r>
-              <a:rPr lang="en-US" altLang="zh-TW" sz="1400" b="0" dirty="0">
-                <a:solidFill>
-                  <a:srgbClr val="CEB6F4"/>
-                </a:solidFill>
-                <a:effectLst/>
-                <a:latin typeface="Adobe 黑体 Std R" panose="020B0400000000000000" pitchFamily="34" charset="-128"/>
-                <a:ea typeface="Adobe 黑体 Std R" panose="020B0400000000000000" pitchFamily="34" charset="-128"/>
-              </a:rPr>
-              <a:t>Estimate Scores)</a:t>
-            </a:r>
-          </a:p>
-        </p:txBody>
-      </p:sp>
-      <p:sp>
-        <p:nvSpPr>
-          <p:cNvPr id="19" name="文字方塊 18">
-            <a:extLst>
-              <a:ext uri="{FF2B5EF4-FFF2-40B4-BE49-F238E27FC236}">
-                <a16:creationId xmlns:a16="http://schemas.microsoft.com/office/drawing/2014/main" id="{676D328A-1492-4F80-8BC3-1C75AAD5C3D3}"/>
-              </a:ext>
-            </a:extLst>
-          </p:cNvPr>
-          <p:cNvSpPr txBox="1"/>
-          <p:nvPr/>
-        </p:nvSpPr>
-        <p:spPr>
-          <a:xfrm>
-            <a:off x="2965350" y="2694586"/>
-            <a:ext cx="3222129" cy="307777"/>
-          </a:xfrm>
-          <a:prstGeom prst="rect">
-            <a:avLst/>
-          </a:prstGeom>
-          <a:noFill/>
-        </p:spPr>
-        <p:txBody>
-          <a:bodyPr wrap="square">
-            <a:spAutoFit/>
-          </a:bodyPr>
-          <a:lstStyle/>
-          <a:p>
-            <a:pPr algn="ctr"/>
-            <a:r>
-              <a:rPr lang="en-US" altLang="zh-TW" sz="1400" dirty="0">
-                <a:latin typeface="Adobe 黑体 Std R" panose="020B0400000000000000" pitchFamily="34" charset="-128"/>
-                <a:ea typeface="Adobe 黑体 Std R" panose="020B0400000000000000" pitchFamily="34" charset="-128"/>
-              </a:rPr>
-              <a:t>Sorted Cosine Similarity</a:t>
-            </a:r>
-            <a:endParaRPr lang="en-US" altLang="zh-TW" sz="1100" b="0" dirty="0">
-              <a:solidFill>
-                <a:srgbClr val="CEB6F4"/>
-              </a:solidFill>
-              <a:effectLst/>
+              <a:t>6</a:t>
+            </a:r>
+            <a:endParaRPr lang="zh-TW" altLang="en-US" dirty="0">
               <a:latin typeface="Adobe 黑体 Std R" panose="020B0400000000000000" pitchFamily="34" charset="-128"/>
               <a:ea typeface="Adobe 黑体 Std R" panose="020B0400000000000000" pitchFamily="34" charset="-128"/>
             </a:endParaRPr>
@@ -7842,7 +8162,7 @@
     </p:spTree>
     <p:extLst>
       <p:ext uri="{BB962C8B-B14F-4D97-AF65-F5344CB8AC3E}">
-        <p14:creationId xmlns:p14="http://schemas.microsoft.com/office/powerpoint/2010/main" val="2073006211"/>
+        <p14:creationId xmlns:p14="http://schemas.microsoft.com/office/powerpoint/2010/main" val="4102902815"/>
       </p:ext>
     </p:extLst>
   </p:cSld>
@@ -7900,7 +8220,7 @@
         <p:spPr>
           <a:xfrm>
             <a:off x="739463" y="321013"/>
-            <a:ext cx="7690549" cy="1012343"/>
+            <a:ext cx="8498805" cy="1012343"/>
           </a:xfrm>
         </p:spPr>
         <p:txBody>
@@ -7911,14 +8231,25 @@
           <a:p>
             <a:pPr algn="l"/>
             <a:r>
-              <a:rPr lang="en-US" altLang="zh-TW" sz="5400" dirty="0">
-                <a:solidFill>
-                  <a:schemeClr val="tx2"/>
-                </a:solidFill>
-                <a:latin typeface="Adobe 黑体 Std R" panose="020B0400000000000000" pitchFamily="34" charset="-128"/>
-                <a:ea typeface="Adobe 黑体 Std R" panose="020B0400000000000000" pitchFamily="34" charset="-128"/>
-              </a:rPr>
-              <a:t>The Movie Dataset</a:t>
+              <a:rPr lang="en-US" altLang="zh-TW" sz="5400" b="0" i="0" u="none" strike="noStrike" baseline="0" dirty="0">
+                <a:latin typeface="Adobe 黑体 Std R" panose="020B0400000000000000" pitchFamily="34" charset="-128"/>
+                <a:ea typeface="Adobe 黑体 Std R" panose="020B0400000000000000" pitchFamily="34" charset="-128"/>
+              </a:rPr>
+              <a:t>Hybrid Approach</a:t>
+            </a:r>
+            <a:r>
+              <a:rPr lang="zh-TW" altLang="en-US" sz="5400" b="0" i="0" u="none" strike="noStrike" baseline="0" dirty="0">
+                <a:latin typeface="Adobe 黑体 Std R" panose="020B0400000000000000" pitchFamily="34" charset="-128"/>
+                <a:ea typeface="Adobe 黑体 Std R" panose="020B0400000000000000" pitchFamily="34" charset="-128"/>
+              </a:rPr>
+              <a:t> </a:t>
+            </a:r>
+            <a:r>
+              <a:rPr lang="en-US" altLang="zh-TW" sz="5400" b="0" i="0" u="none" strike="noStrike" baseline="0" dirty="0">
+                <a:latin typeface="Adobe 黑体 Std R" panose="020B0400000000000000" pitchFamily="34" charset="-128"/>
+                <a:ea typeface="Adobe 黑体 Std R" panose="020B0400000000000000" pitchFamily="34" charset="-128"/>
+              </a:rPr>
+              <a:t>(Cascade)</a:t>
             </a:r>
             <a:endParaRPr lang="zh-TW" altLang="en-US" sz="11500" dirty="0">
               <a:solidFill>
@@ -7981,97 +8312,139 @@
       </p:sp>
       <p:sp>
         <p:nvSpPr>
-          <p:cNvPr id="7" name="文字方塊 6">
+          <p:cNvPr id="15" name="矩形: 圓角 14">
             <a:extLst>
               <a:ext uri="{FF2B5EF4-FFF2-40B4-BE49-F238E27FC236}">
-                <a16:creationId xmlns:a16="http://schemas.microsoft.com/office/drawing/2014/main" id="{C51A3E71-75D6-468B-A9A8-CC83722B419F}"/>
+                <a16:creationId xmlns:a16="http://schemas.microsoft.com/office/drawing/2014/main" id="{76F88673-22EE-4057-8454-2CB4D9F1FEE7}"/>
               </a:ext>
             </a:extLst>
           </p:cNvPr>
-          <p:cNvSpPr txBox="1"/>
+          <p:cNvSpPr/>
           <p:nvPr/>
         </p:nvSpPr>
         <p:spPr>
           <a:xfrm>
-            <a:off x="662626" y="2351782"/>
-            <a:ext cx="10866747" cy="1077218"/>
-          </a:xfrm>
-          <a:prstGeom prst="rect">
+            <a:off x="1598507" y="2550690"/>
+            <a:ext cx="1828800" cy="810705"/>
+          </a:xfrm>
+          <a:prstGeom prst="roundRect">
             <a:avLst/>
           </a:prstGeom>
-          <a:noFill/>
-        </p:spPr>
-        <p:txBody>
-          <a:bodyPr wrap="square">
-            <a:spAutoFit/>
-          </a:bodyPr>
-          <a:lstStyle/>
-          <a:p>
-            <a:r>
-              <a:rPr lang="en-US" altLang="zh-TW" sz="3200" dirty="0"/>
-              <a:t>Data from:</a:t>
-            </a:r>
-          </a:p>
-          <a:p>
-            <a:r>
-              <a:rPr lang="zh-TW" altLang="en-US" sz="3200" dirty="0"/>
-              <a:t>https://www.kaggle.com/rounakbanik/the-movies-dataset</a:t>
-            </a:r>
-          </a:p>
-        </p:txBody>
-      </p:sp>
-      <p:sp>
-        <p:nvSpPr>
-          <p:cNvPr id="9" name="文字方塊 8">
+          <a:solidFill>
+            <a:schemeClr val="bg1"/>
+          </a:solidFill>
+          <a:ln w="57150">
+            <a:solidFill>
+              <a:schemeClr val="accent1">
+                <a:lumMod val="40000"/>
+                <a:lumOff val="60000"/>
+              </a:schemeClr>
+            </a:solidFill>
+          </a:ln>
+        </p:spPr>
+        <p:style>
+          <a:lnRef idx="2">
+            <a:schemeClr val="accent1">
+              <a:shade val="50000"/>
+            </a:schemeClr>
+          </a:lnRef>
+          <a:fillRef idx="1">
+            <a:schemeClr val="accent1"/>
+          </a:fillRef>
+          <a:effectRef idx="0">
+            <a:schemeClr val="accent1"/>
+          </a:effectRef>
+          <a:fontRef idx="minor">
+            <a:schemeClr val="lt1"/>
+          </a:fontRef>
+        </p:style>
+        <p:txBody>
+          <a:bodyPr rtlCol="0" anchor="ctr"/>
+          <a:lstStyle/>
+          <a:p>
+            <a:pPr algn="ctr"/>
+            <a:r>
+              <a:rPr lang="en-US" altLang="zh-TW" dirty="0"/>
+              <a:t>Content Based</a:t>
+            </a:r>
+            <a:endParaRPr lang="zh-TW" altLang="en-US" dirty="0"/>
+          </a:p>
+        </p:txBody>
+      </p:sp>
+      <p:sp>
+        <p:nvSpPr>
+          <p:cNvPr id="16" name="矩形: 圓角 15">
             <a:extLst>
               <a:ext uri="{FF2B5EF4-FFF2-40B4-BE49-F238E27FC236}">
-                <a16:creationId xmlns:a16="http://schemas.microsoft.com/office/drawing/2014/main" id="{A7EE0707-BC89-45A5-BBBB-0667C38335EF}"/>
+                <a16:creationId xmlns:a16="http://schemas.microsoft.com/office/drawing/2014/main" id="{0394D59A-C473-46BF-AFCB-AACA74860067}"/>
               </a:ext>
             </a:extLst>
           </p:cNvPr>
-          <p:cNvSpPr txBox="1"/>
+          <p:cNvSpPr/>
           <p:nvPr/>
         </p:nvSpPr>
         <p:spPr>
           <a:xfrm>
-            <a:off x="662626" y="3404590"/>
-            <a:ext cx="6094428" cy="369332"/>
-          </a:xfrm>
-          <a:prstGeom prst="rect">
+            <a:off x="4861442" y="4343480"/>
+            <a:ext cx="2652074" cy="810705"/>
+          </a:xfrm>
+          <a:prstGeom prst="roundRect">
             <a:avLst/>
           </a:prstGeom>
-          <a:noFill/>
-        </p:spPr>
-        <p:txBody>
-          <a:bodyPr wrap="square">
-            <a:spAutoFit/>
-          </a:bodyPr>
-          <a:lstStyle/>
-          <a:p>
-            <a:r>
-              <a:rPr lang="en-US" altLang="zh-TW" b="0" i="0" dirty="0">
-                <a:solidFill>
-                  <a:srgbClr val="CEB6F4"/>
-                </a:solidFill>
-                <a:effectLst/>
-                <a:latin typeface="Inter"/>
-              </a:rPr>
-              <a:t>The dataset consists of movies released on or before July 2017</a:t>
-            </a:r>
-            <a:endParaRPr lang="zh-TW" altLang="en-US" dirty="0">
-              <a:solidFill>
-                <a:srgbClr val="CEB6F4"/>
-              </a:solidFill>
-            </a:endParaRPr>
+          <a:solidFill>
+            <a:schemeClr val="bg1"/>
+          </a:solidFill>
+          <a:ln w="57150">
+            <a:solidFill>
+              <a:schemeClr val="accent1">
+                <a:lumMod val="40000"/>
+                <a:lumOff val="60000"/>
+              </a:schemeClr>
+            </a:solidFill>
+          </a:ln>
+        </p:spPr>
+        <p:style>
+          <a:lnRef idx="2">
+            <a:schemeClr val="accent1">
+              <a:shade val="50000"/>
+            </a:schemeClr>
+          </a:lnRef>
+          <a:fillRef idx="1">
+            <a:schemeClr val="accent1"/>
+          </a:fillRef>
+          <a:effectRef idx="0">
+            <a:schemeClr val="accent1"/>
+          </a:effectRef>
+          <a:fontRef idx="minor">
+            <a:schemeClr val="lt1"/>
+          </a:fontRef>
+        </p:style>
+        <p:txBody>
+          <a:bodyPr rtlCol="0" anchor="ctr"/>
+          <a:lstStyle/>
+          <a:p>
+            <a:pPr algn="ctr"/>
+            <a:r>
+              <a:rPr lang="en-US" altLang="zh-TW" dirty="0"/>
+              <a:t>Model Based</a:t>
+            </a:r>
+          </a:p>
+          <a:p>
+            <a:pPr algn="ctr"/>
+            <a:r>
+              <a:rPr lang="en-US" altLang="zh-TW" dirty="0"/>
+              <a:t>Collaborative Filtering</a:t>
+            </a:r>
+            <a:endParaRPr lang="zh-TW" altLang="en-US" dirty="0"/>
           </a:p>
         </p:txBody>
       </p:sp>
       <p:pic>
         <p:nvPicPr>
-          <p:cNvPr id="11" name="圖片 10">
+          <p:cNvPr id="18" name="圖形 17" descr="連線 以實心填滿">
             <a:extLst>
               <a:ext uri="{FF2B5EF4-FFF2-40B4-BE49-F238E27FC236}">
-                <a16:creationId xmlns:a16="http://schemas.microsoft.com/office/drawing/2014/main" id="{450F262D-0C7A-4764-BCBA-CB939509BEC3}"/>
+                <a16:creationId xmlns:a16="http://schemas.microsoft.com/office/drawing/2014/main" id="{D88A9E86-F93F-441F-8DD3-2C0AC6A54884}"/>
               </a:ext>
             </a:extLst>
           </p:cNvPr>
@@ -8081,25 +8454,640 @@
           <p:nvPr/>
         </p:nvPicPr>
         <p:blipFill>
-          <a:blip r:embed="rId2"/>
+          <a:blip r:embed="rId2">
+            <a:extLst>
+              <a:ext uri="{28A0092B-C50C-407E-A947-70E740481C1C}">
+                <a14:useLocalDpi xmlns:a14="http://schemas.microsoft.com/office/drawing/2010/main" val="0"/>
+              </a:ext>
+              <a:ext uri="{96DAC541-7B7A-43D3-8B79-37D633B846F1}">
+                <asvg:svgBlip xmlns:asvg="http://schemas.microsoft.com/office/drawing/2016/SVG/main" r:embed="rId3"/>
+              </a:ext>
+            </a:extLst>
+          </a:blip>
           <a:stretch>
             <a:fillRect/>
           </a:stretch>
         </p:blipFill>
         <p:spPr>
           <a:xfrm>
-            <a:off x="0" y="4872590"/>
-            <a:ext cx="12192000" cy="2092974"/>
+            <a:off x="3851380" y="4333110"/>
+            <a:ext cx="914400" cy="914400"/>
           </a:xfrm>
           <a:prstGeom prst="rect">
             <a:avLst/>
           </a:prstGeom>
         </p:spPr>
       </p:pic>
+      <p:pic>
+        <p:nvPicPr>
+          <p:cNvPr id="20" name="圖形 19" descr="場記板 以實心填滿">
+            <a:extLst>
+              <a:ext uri="{FF2B5EF4-FFF2-40B4-BE49-F238E27FC236}">
+                <a16:creationId xmlns:a16="http://schemas.microsoft.com/office/drawing/2014/main" id="{8D5B5185-9303-4FBB-9E40-57F2D6E2E4C9}"/>
+              </a:ext>
+            </a:extLst>
+          </p:cNvPr>
+          <p:cNvPicPr>
+            <a:picLocks noChangeAspect="1"/>
+          </p:cNvPicPr>
+          <p:nvPr/>
+        </p:nvPicPr>
+        <p:blipFill>
+          <a:blip r:embed="rId4">
+            <a:extLst>
+              <a:ext uri="{28A0092B-C50C-407E-A947-70E740481C1C}">
+                <a14:useLocalDpi xmlns:a14="http://schemas.microsoft.com/office/drawing/2010/main" val="0"/>
+              </a:ext>
+              <a:ext uri="{96DAC541-7B7A-43D3-8B79-37D633B846F1}">
+                <asvg:svgBlip xmlns:asvg="http://schemas.microsoft.com/office/drawing/2016/SVG/main" r:embed="rId5"/>
+              </a:ext>
+            </a:extLst>
+          </a:blip>
+          <a:stretch>
+            <a:fillRect/>
+          </a:stretch>
+        </p:blipFill>
+        <p:spPr>
+          <a:xfrm>
+            <a:off x="167825" y="2557861"/>
+            <a:ext cx="687140" cy="687140"/>
+          </a:xfrm>
+          <a:prstGeom prst="rect">
+            <a:avLst/>
+          </a:prstGeom>
+        </p:spPr>
+      </p:pic>
+      <p:pic>
+        <p:nvPicPr>
+          <p:cNvPr id="22" name="圖形 21" descr="影片膠片 以實心填滿">
+            <a:extLst>
+              <a:ext uri="{FF2B5EF4-FFF2-40B4-BE49-F238E27FC236}">
+                <a16:creationId xmlns:a16="http://schemas.microsoft.com/office/drawing/2014/main" id="{AEE247DE-0632-4DEB-AE65-29B0D81056CE}"/>
+              </a:ext>
+            </a:extLst>
+          </p:cNvPr>
+          <p:cNvPicPr>
+            <a:picLocks noChangeAspect="1"/>
+          </p:cNvPicPr>
+          <p:nvPr/>
+        </p:nvPicPr>
+        <p:blipFill>
+          <a:blip r:embed="rId6">
+            <a:extLst>
+              <a:ext uri="{28A0092B-C50C-407E-A947-70E740481C1C}">
+                <a14:useLocalDpi xmlns:a14="http://schemas.microsoft.com/office/drawing/2010/main" val="0"/>
+              </a:ext>
+              <a:ext uri="{96DAC541-7B7A-43D3-8B79-37D633B846F1}">
+                <asvg:svgBlip xmlns:asvg="http://schemas.microsoft.com/office/drawing/2016/SVG/main" r:embed="rId7"/>
+              </a:ext>
+            </a:extLst>
+          </a:blip>
+          <a:stretch>
+            <a:fillRect/>
+          </a:stretch>
+        </p:blipFill>
+        <p:spPr>
+          <a:xfrm rot="1292930">
+            <a:off x="890247" y="2647755"/>
+            <a:ext cx="616575" cy="616575"/>
+          </a:xfrm>
+          <a:prstGeom prst="rect">
+            <a:avLst/>
+          </a:prstGeom>
+        </p:spPr>
+      </p:pic>
+      <p:pic>
+        <p:nvPicPr>
+          <p:cNvPr id="24" name="圖形 23" descr="優先順序 以實心填滿">
+            <a:extLst>
+              <a:ext uri="{FF2B5EF4-FFF2-40B4-BE49-F238E27FC236}">
+                <a16:creationId xmlns:a16="http://schemas.microsoft.com/office/drawing/2014/main" id="{4C4A6D08-6D96-4B3E-A1F7-56F8D9934A08}"/>
+              </a:ext>
+            </a:extLst>
+          </p:cNvPr>
+          <p:cNvPicPr>
+            <a:picLocks noChangeAspect="1"/>
+          </p:cNvPicPr>
+          <p:nvPr/>
+        </p:nvPicPr>
+        <p:blipFill>
+          <a:blip r:embed="rId8">
+            <a:extLst>
+              <a:ext uri="{28A0092B-C50C-407E-A947-70E740481C1C}">
+                <a14:useLocalDpi xmlns:a14="http://schemas.microsoft.com/office/drawing/2010/main" val="0"/>
+              </a:ext>
+              <a:ext uri="{96DAC541-7B7A-43D3-8B79-37D633B846F1}">
+                <asvg:svgBlip xmlns:asvg="http://schemas.microsoft.com/office/drawing/2016/SVG/main" r:embed="rId9"/>
+              </a:ext>
+            </a:extLst>
+          </a:blip>
+          <a:stretch>
+            <a:fillRect/>
+          </a:stretch>
+        </p:blipFill>
+        <p:spPr>
+          <a:xfrm>
+            <a:off x="8222131" y="4754765"/>
+            <a:ext cx="914400" cy="914400"/>
+          </a:xfrm>
+          <a:prstGeom prst="rect">
+            <a:avLst/>
+          </a:prstGeom>
+        </p:spPr>
+      </p:pic>
+      <p:pic>
+        <p:nvPicPr>
+          <p:cNvPr id="26" name="圖形 25" descr="夾紙板 (打勾) 以實心填滿">
+            <a:extLst>
+              <a:ext uri="{FF2B5EF4-FFF2-40B4-BE49-F238E27FC236}">
+                <a16:creationId xmlns:a16="http://schemas.microsoft.com/office/drawing/2014/main" id="{A7711BBF-C1E7-4E21-AF07-92CE22D389A6}"/>
+              </a:ext>
+            </a:extLst>
+          </p:cNvPr>
+          <p:cNvPicPr>
+            <a:picLocks noChangeAspect="1"/>
+          </p:cNvPicPr>
+          <p:nvPr/>
+        </p:nvPicPr>
+        <p:blipFill>
+          <a:blip r:embed="rId10">
+            <a:extLst>
+              <a:ext uri="{28A0092B-C50C-407E-A947-70E740481C1C}">
+                <a14:useLocalDpi xmlns:a14="http://schemas.microsoft.com/office/drawing/2010/main" val="0"/>
+              </a:ext>
+              <a:ext uri="{96DAC541-7B7A-43D3-8B79-37D633B846F1}">
+                <asvg:svgBlip xmlns:asvg="http://schemas.microsoft.com/office/drawing/2016/SVG/main" r:embed="rId11"/>
+              </a:ext>
+            </a:extLst>
+          </a:blip>
+          <a:stretch>
+            <a:fillRect/>
+          </a:stretch>
+        </p:blipFill>
+        <p:spPr>
+          <a:xfrm>
+            <a:off x="10372716" y="4291632"/>
+            <a:ext cx="914400" cy="914400"/>
+          </a:xfrm>
+          <a:prstGeom prst="rect">
+            <a:avLst/>
+          </a:prstGeom>
+        </p:spPr>
+      </p:pic>
+      <p:cxnSp>
+        <p:nvCxnSpPr>
+          <p:cNvPr id="28" name="直線單箭頭接點 27">
+            <a:extLst>
+              <a:ext uri="{FF2B5EF4-FFF2-40B4-BE49-F238E27FC236}">
+                <a16:creationId xmlns:a16="http://schemas.microsoft.com/office/drawing/2014/main" id="{F911CF3D-BDFD-4E6E-BCE5-5B8E2CD22E4F}"/>
+              </a:ext>
+            </a:extLst>
+          </p:cNvPr>
+          <p:cNvCxnSpPr>
+            <a:cxnSpLocks/>
+            <a:stCxn id="15" idx="3"/>
+            <a:endCxn id="35" idx="1"/>
+          </p:cNvCxnSpPr>
+          <p:nvPr/>
+        </p:nvCxnSpPr>
+        <p:spPr>
+          <a:xfrm>
+            <a:off x="3427307" y="2956043"/>
+            <a:ext cx="2302972" cy="15837"/>
+          </a:xfrm>
+          <a:prstGeom prst="straightConnector1">
+            <a:avLst/>
+          </a:prstGeom>
+          <a:ln w="38100">
+            <a:solidFill>
+              <a:schemeClr val="accent1">
+                <a:lumMod val="20000"/>
+                <a:lumOff val="80000"/>
+              </a:schemeClr>
+            </a:solidFill>
+            <a:tailEnd type="triangle"/>
+          </a:ln>
+        </p:spPr>
+        <p:style>
+          <a:lnRef idx="1">
+            <a:schemeClr val="accent1"/>
+          </a:lnRef>
+          <a:fillRef idx="0">
+            <a:schemeClr val="accent1"/>
+          </a:fillRef>
+          <a:effectRef idx="0">
+            <a:schemeClr val="accent1"/>
+          </a:effectRef>
+          <a:fontRef idx="minor">
+            <a:schemeClr val="tx1"/>
+          </a:fontRef>
+        </p:style>
+      </p:cxnSp>
+      <p:cxnSp>
+        <p:nvCxnSpPr>
+          <p:cNvPr id="29" name="直線單箭頭接點 28">
+            <a:extLst>
+              <a:ext uri="{FF2B5EF4-FFF2-40B4-BE49-F238E27FC236}">
+                <a16:creationId xmlns:a16="http://schemas.microsoft.com/office/drawing/2014/main" id="{DC0E1534-8F26-4B97-A90B-D3B2C02D4D7B}"/>
+              </a:ext>
+            </a:extLst>
+          </p:cNvPr>
+          <p:cNvCxnSpPr>
+            <a:cxnSpLocks/>
+            <a:stCxn id="16" idx="3"/>
+            <a:endCxn id="26" idx="1"/>
+          </p:cNvCxnSpPr>
+          <p:nvPr/>
+        </p:nvCxnSpPr>
+        <p:spPr>
+          <a:xfrm flipV="1">
+            <a:off x="7513516" y="4748832"/>
+            <a:ext cx="2859200" cy="1"/>
+          </a:xfrm>
+          <a:prstGeom prst="straightConnector1">
+            <a:avLst/>
+          </a:prstGeom>
+          <a:ln w="38100">
+            <a:solidFill>
+              <a:schemeClr val="accent1">
+                <a:lumMod val="20000"/>
+                <a:lumOff val="80000"/>
+              </a:schemeClr>
+            </a:solidFill>
+            <a:tailEnd type="triangle"/>
+          </a:ln>
+        </p:spPr>
+        <p:style>
+          <a:lnRef idx="1">
+            <a:schemeClr val="accent1"/>
+          </a:lnRef>
+          <a:fillRef idx="0">
+            <a:schemeClr val="accent1"/>
+          </a:fillRef>
+          <a:effectRef idx="0">
+            <a:schemeClr val="accent1"/>
+          </a:effectRef>
+          <a:fontRef idx="minor">
+            <a:schemeClr val="tx1"/>
+          </a:fontRef>
+        </p:style>
+      </p:cxnSp>
+      <p:sp>
+        <p:nvSpPr>
+          <p:cNvPr id="31" name="文字方塊 30">
+            <a:extLst>
+              <a:ext uri="{FF2B5EF4-FFF2-40B4-BE49-F238E27FC236}">
+                <a16:creationId xmlns:a16="http://schemas.microsoft.com/office/drawing/2014/main" id="{74D1DBAD-9219-4645-9F6B-9B6B21ABE1DC}"/>
+              </a:ext>
+            </a:extLst>
+          </p:cNvPr>
+          <p:cNvSpPr txBox="1"/>
+          <p:nvPr/>
+        </p:nvSpPr>
+        <p:spPr>
+          <a:xfrm>
+            <a:off x="3143840" y="1834054"/>
+            <a:ext cx="6094428" cy="646331"/>
+          </a:xfrm>
+          <a:prstGeom prst="rect">
+            <a:avLst/>
+          </a:prstGeom>
+          <a:noFill/>
+        </p:spPr>
+        <p:txBody>
+          <a:bodyPr wrap="square">
+            <a:spAutoFit/>
+          </a:bodyPr>
+          <a:lstStyle/>
+          <a:p>
+            <a:pPr algn="ctr"/>
+            <a:r>
+              <a:rPr lang="en-US" altLang="zh-TW" dirty="0"/>
+              <a:t>A preliminary </a:t>
+            </a:r>
+          </a:p>
+          <a:p>
+            <a:pPr algn="ctr"/>
+            <a:r>
+              <a:rPr lang="en-US" altLang="zh-TW" dirty="0"/>
+              <a:t>output list of recommendations</a:t>
+            </a:r>
+            <a:endParaRPr lang="zh-TW" altLang="en-US" dirty="0"/>
+          </a:p>
+        </p:txBody>
+      </p:sp>
+      <p:pic>
+        <p:nvPicPr>
+          <p:cNvPr id="35" name="圖形 34" descr="夾紙板 (打勾) 以實心填滿">
+            <a:extLst>
+              <a:ext uri="{FF2B5EF4-FFF2-40B4-BE49-F238E27FC236}">
+                <a16:creationId xmlns:a16="http://schemas.microsoft.com/office/drawing/2014/main" id="{2E799A76-7E30-44B6-A512-C5C8C0AC5019}"/>
+              </a:ext>
+            </a:extLst>
+          </p:cNvPr>
+          <p:cNvPicPr>
+            <a:picLocks noChangeAspect="1"/>
+          </p:cNvPicPr>
+          <p:nvPr/>
+        </p:nvPicPr>
+        <p:blipFill>
+          <a:blip r:embed="rId12">
+            <a:extLst>
+              <a:ext uri="{28A0092B-C50C-407E-A947-70E740481C1C}">
+                <a14:useLocalDpi xmlns:a14="http://schemas.microsoft.com/office/drawing/2010/main" val="0"/>
+              </a:ext>
+              <a:ext uri="{96DAC541-7B7A-43D3-8B79-37D633B846F1}">
+                <asvg:svgBlip xmlns:asvg="http://schemas.microsoft.com/office/drawing/2016/SVG/main" r:embed="rId13"/>
+              </a:ext>
+            </a:extLst>
+          </a:blip>
+          <a:stretch>
+            <a:fillRect/>
+          </a:stretch>
+        </p:blipFill>
+        <p:spPr>
+          <a:xfrm>
+            <a:off x="5730279" y="2514680"/>
+            <a:ext cx="914400" cy="914400"/>
+          </a:xfrm>
+          <a:prstGeom prst="rect">
+            <a:avLst/>
+          </a:prstGeom>
+        </p:spPr>
+      </p:pic>
+      <p:sp>
+        <p:nvSpPr>
+          <p:cNvPr id="38" name="文字方塊 37">
+            <a:extLst>
+              <a:ext uri="{FF2B5EF4-FFF2-40B4-BE49-F238E27FC236}">
+                <a16:creationId xmlns:a16="http://schemas.microsoft.com/office/drawing/2014/main" id="{9697067F-D85B-4E7D-9FCF-0AE0E19FEE0E}"/>
+              </a:ext>
+            </a:extLst>
+          </p:cNvPr>
+          <p:cNvSpPr txBox="1"/>
+          <p:nvPr/>
+        </p:nvSpPr>
+        <p:spPr>
+          <a:xfrm>
+            <a:off x="9726675" y="5195662"/>
+            <a:ext cx="2206481" cy="646331"/>
+          </a:xfrm>
+          <a:prstGeom prst="rect">
+            <a:avLst/>
+          </a:prstGeom>
+          <a:noFill/>
+        </p:spPr>
+        <p:txBody>
+          <a:bodyPr wrap="square">
+            <a:spAutoFit/>
+          </a:bodyPr>
+          <a:lstStyle/>
+          <a:p>
+            <a:pPr algn="ctr"/>
+            <a:r>
+              <a:rPr lang="en-US" altLang="zh-TW" dirty="0"/>
+              <a:t>Refined</a:t>
+            </a:r>
+          </a:p>
+          <a:p>
+            <a:pPr algn="ctr"/>
+            <a:r>
+              <a:rPr lang="en-US" altLang="zh-TW" dirty="0"/>
+              <a:t>Recommendations</a:t>
+            </a:r>
+            <a:endParaRPr lang="zh-TW" altLang="en-US" dirty="0"/>
+          </a:p>
+        </p:txBody>
+      </p:sp>
+      <p:cxnSp>
+        <p:nvCxnSpPr>
+          <p:cNvPr id="39" name="直線單箭頭接點 38">
+            <a:extLst>
+              <a:ext uri="{FF2B5EF4-FFF2-40B4-BE49-F238E27FC236}">
+                <a16:creationId xmlns:a16="http://schemas.microsoft.com/office/drawing/2014/main" id="{C1F3ADA8-9192-4663-898B-1D7EF318322D}"/>
+              </a:ext>
+            </a:extLst>
+          </p:cNvPr>
+          <p:cNvCxnSpPr>
+            <a:cxnSpLocks/>
+            <a:stCxn id="35" idx="2"/>
+            <a:endCxn id="16" idx="0"/>
+          </p:cNvCxnSpPr>
+          <p:nvPr/>
+        </p:nvCxnSpPr>
+        <p:spPr>
+          <a:xfrm>
+            <a:off x="6187479" y="3429080"/>
+            <a:ext cx="0" cy="914400"/>
+          </a:xfrm>
+          <a:prstGeom prst="straightConnector1">
+            <a:avLst/>
+          </a:prstGeom>
+          <a:ln w="38100">
+            <a:solidFill>
+              <a:schemeClr val="accent1">
+                <a:lumMod val="20000"/>
+                <a:lumOff val="80000"/>
+              </a:schemeClr>
+            </a:solidFill>
+            <a:tailEnd type="triangle"/>
+          </a:ln>
+        </p:spPr>
+        <p:style>
+          <a:lnRef idx="1">
+            <a:schemeClr val="accent1"/>
+          </a:lnRef>
+          <a:fillRef idx="0">
+            <a:schemeClr val="accent1"/>
+          </a:fillRef>
+          <a:effectRef idx="0">
+            <a:schemeClr val="accent1"/>
+          </a:effectRef>
+          <a:fontRef idx="minor">
+            <a:schemeClr val="tx1"/>
+          </a:fontRef>
+        </p:style>
+      </p:cxnSp>
+      <p:sp>
+        <p:nvSpPr>
+          <p:cNvPr id="46" name="文字方塊 45">
+            <a:extLst>
+              <a:ext uri="{FF2B5EF4-FFF2-40B4-BE49-F238E27FC236}">
+                <a16:creationId xmlns:a16="http://schemas.microsoft.com/office/drawing/2014/main" id="{D9A5143B-4E60-4E10-87BD-0E69C08D5BD2}"/>
+              </a:ext>
+            </a:extLst>
+          </p:cNvPr>
+          <p:cNvSpPr txBox="1"/>
+          <p:nvPr/>
+        </p:nvSpPr>
+        <p:spPr>
+          <a:xfrm>
+            <a:off x="7609178" y="3928536"/>
+            <a:ext cx="2403654" cy="861774"/>
+          </a:xfrm>
+          <a:prstGeom prst="rect">
+            <a:avLst/>
+          </a:prstGeom>
+          <a:noFill/>
+        </p:spPr>
+        <p:txBody>
+          <a:bodyPr wrap="square">
+            <a:spAutoFit/>
+          </a:bodyPr>
+          <a:lstStyle/>
+          <a:p>
+            <a:pPr algn="ctr"/>
+            <a:r>
+              <a:rPr lang="en-US" altLang="zh-TW" dirty="0">
+                <a:latin typeface="Adobe 黑体 Std R" panose="020B0400000000000000" pitchFamily="34" charset="-128"/>
+                <a:ea typeface="Adobe 黑体 Std R" panose="020B0400000000000000" pitchFamily="34" charset="-128"/>
+              </a:rPr>
+              <a:t>Further Sorting</a:t>
+            </a:r>
+          </a:p>
+          <a:p>
+            <a:pPr algn="ctr"/>
+            <a:r>
+              <a:rPr lang="en-US" altLang="zh-TW" dirty="0">
+                <a:latin typeface="Adobe 黑体 Std R" panose="020B0400000000000000" pitchFamily="34" charset="-128"/>
+                <a:ea typeface="Adobe 黑体 Std R" panose="020B0400000000000000" pitchFamily="34" charset="-128"/>
+              </a:rPr>
+              <a:t>Based on</a:t>
+            </a:r>
+            <a:r>
+              <a:rPr lang="zh-TW" altLang="en-US" dirty="0">
+                <a:latin typeface="Adobe 黑体 Std R" panose="020B0400000000000000" pitchFamily="34" charset="-128"/>
+                <a:ea typeface="Adobe 黑体 Std R" panose="020B0400000000000000" pitchFamily="34" charset="-128"/>
+              </a:rPr>
+              <a:t> </a:t>
+            </a:r>
+            <a:r>
+              <a:rPr lang="en-US" altLang="zh-TW" dirty="0">
+                <a:latin typeface="Adobe 黑体 Std R" panose="020B0400000000000000" pitchFamily="34" charset="-128"/>
+                <a:ea typeface="Adobe 黑体 Std R" panose="020B0400000000000000" pitchFamily="34" charset="-128"/>
+              </a:rPr>
+              <a:t>Predictions</a:t>
+            </a:r>
+          </a:p>
+          <a:p>
+            <a:pPr algn="ctr"/>
+            <a:r>
+              <a:rPr lang="en-US" altLang="zh-TW" sz="1400" dirty="0">
+                <a:solidFill>
+                  <a:srgbClr val="CEB6F4"/>
+                </a:solidFill>
+                <a:latin typeface="Adobe 黑体 Std R" panose="020B0400000000000000" pitchFamily="34" charset="-128"/>
+                <a:ea typeface="Adobe 黑体 Std R" panose="020B0400000000000000" pitchFamily="34" charset="-128"/>
+              </a:rPr>
+              <a:t>(SVD - </a:t>
+            </a:r>
+            <a:r>
+              <a:rPr lang="en-US" altLang="zh-TW" sz="1400" b="0" dirty="0">
+                <a:solidFill>
+                  <a:srgbClr val="CEB6F4"/>
+                </a:solidFill>
+                <a:effectLst/>
+                <a:latin typeface="Adobe 黑体 Std R" panose="020B0400000000000000" pitchFamily="34" charset="-128"/>
+                <a:ea typeface="Adobe 黑体 Std R" panose="020B0400000000000000" pitchFamily="34" charset="-128"/>
+              </a:rPr>
+              <a:t>Estimate Scores)</a:t>
+            </a:r>
+          </a:p>
+        </p:txBody>
+      </p:sp>
+      <p:sp>
+        <p:nvSpPr>
+          <p:cNvPr id="19" name="文字方塊 18">
+            <a:extLst>
+              <a:ext uri="{FF2B5EF4-FFF2-40B4-BE49-F238E27FC236}">
+                <a16:creationId xmlns:a16="http://schemas.microsoft.com/office/drawing/2014/main" id="{676D328A-1492-4F80-8BC3-1C75AAD5C3D3}"/>
+              </a:ext>
+            </a:extLst>
+          </p:cNvPr>
+          <p:cNvSpPr txBox="1"/>
+          <p:nvPr/>
+        </p:nvSpPr>
+        <p:spPr>
+          <a:xfrm>
+            <a:off x="2965350" y="2694586"/>
+            <a:ext cx="3222129" cy="307777"/>
+          </a:xfrm>
+          <a:prstGeom prst="rect">
+            <a:avLst/>
+          </a:prstGeom>
+          <a:noFill/>
+        </p:spPr>
+        <p:txBody>
+          <a:bodyPr wrap="square">
+            <a:spAutoFit/>
+          </a:bodyPr>
+          <a:lstStyle/>
+          <a:p>
+            <a:pPr algn="ctr"/>
+            <a:r>
+              <a:rPr lang="en-US" altLang="zh-TW" sz="1400" dirty="0">
+                <a:latin typeface="Adobe 黑体 Std R" panose="020B0400000000000000" pitchFamily="34" charset="-128"/>
+                <a:ea typeface="Adobe 黑体 Std R" panose="020B0400000000000000" pitchFamily="34" charset="-128"/>
+              </a:rPr>
+              <a:t>Sorted Cosine Similarity</a:t>
+            </a:r>
+            <a:endParaRPr lang="en-US" altLang="zh-TW" sz="1100" b="0" dirty="0">
+              <a:solidFill>
+                <a:srgbClr val="CEB6F4"/>
+              </a:solidFill>
+              <a:effectLst/>
+              <a:latin typeface="Adobe 黑体 Std R" panose="020B0400000000000000" pitchFamily="34" charset="-128"/>
+              <a:ea typeface="Adobe 黑体 Std R" panose="020B0400000000000000" pitchFamily="34" charset="-128"/>
+            </a:endParaRPr>
+          </a:p>
+        </p:txBody>
+      </p:sp>
+      <p:sp>
+        <p:nvSpPr>
+          <p:cNvPr id="23" name="文字方塊 22">
+            <a:extLst>
+              <a:ext uri="{FF2B5EF4-FFF2-40B4-BE49-F238E27FC236}">
+                <a16:creationId xmlns:a16="http://schemas.microsoft.com/office/drawing/2014/main" id="{6BF3B2AA-F096-4703-973B-E599B624FB0A}"/>
+              </a:ext>
+            </a:extLst>
+          </p:cNvPr>
+          <p:cNvSpPr txBox="1"/>
+          <p:nvPr/>
+        </p:nvSpPr>
+        <p:spPr>
+          <a:xfrm>
+            <a:off x="11476641" y="6411194"/>
+            <a:ext cx="314510" cy="369332"/>
+          </a:xfrm>
+          <a:prstGeom prst="rect">
+            <a:avLst/>
+          </a:prstGeom>
+          <a:noFill/>
+        </p:spPr>
+        <p:txBody>
+          <a:bodyPr wrap="none" rtlCol="0">
+            <a:spAutoFit/>
+          </a:bodyPr>
+          <a:lstStyle/>
+          <a:p>
+            <a:r>
+              <a:rPr lang="en-US" altLang="zh-TW" dirty="0">
+                <a:latin typeface="Adobe 黑体 Std R" panose="020B0400000000000000" pitchFamily="34" charset="-128"/>
+                <a:ea typeface="Adobe 黑体 Std R" panose="020B0400000000000000" pitchFamily="34" charset="-128"/>
+              </a:rPr>
+              <a:t>7</a:t>
+            </a:r>
+            <a:endParaRPr lang="zh-TW" altLang="en-US" dirty="0">
+              <a:latin typeface="Adobe 黑体 Std R" panose="020B0400000000000000" pitchFamily="34" charset="-128"/>
+              <a:ea typeface="Adobe 黑体 Std R" panose="020B0400000000000000" pitchFamily="34" charset="-128"/>
+            </a:endParaRPr>
+          </a:p>
+        </p:txBody>
+      </p:sp>
     </p:spTree>
     <p:extLst>
       <p:ext uri="{BB962C8B-B14F-4D97-AF65-F5344CB8AC3E}">
-        <p14:creationId xmlns:p14="http://schemas.microsoft.com/office/powerpoint/2010/main" val="3823831135"/>
+        <p14:creationId xmlns:p14="http://schemas.microsoft.com/office/powerpoint/2010/main" val="2073006211"/>
       </p:ext>
     </p:extLst>
   </p:cSld>
@@ -8140,192 +9128,497 @@
       </p:grpSpPr>
       <p:sp>
         <p:nvSpPr>
-          <p:cNvPr id="2" name="標題 1">
+          <p:cNvPr id="20" name="文字方塊 19">
             <a:extLst>
               <a:ext uri="{FF2B5EF4-FFF2-40B4-BE49-F238E27FC236}">
-                <a16:creationId xmlns:a16="http://schemas.microsoft.com/office/drawing/2014/main" id="{78E40BCE-5B5D-4B68-93B0-A1D9218F9B99}"/>
+                <a16:creationId xmlns:a16="http://schemas.microsoft.com/office/drawing/2014/main" id="{1A9ABAF0-F28F-49D4-A6CC-7CD8D1130D4C}"/>
               </a:ext>
             </a:extLst>
           </p:cNvPr>
-          <p:cNvSpPr>
-            <a:spLocks noGrp="1"/>
-          </p:cNvSpPr>
-          <p:nvPr>
-            <p:ph type="ctrTitle"/>
-          </p:nvPr>
-        </p:nvSpPr>
-        <p:spPr>
-          <a:xfrm>
-            <a:off x="739463" y="321013"/>
-            <a:ext cx="7690549" cy="1012343"/>
-          </a:xfrm>
-        </p:spPr>
-        <p:txBody>
-          <a:bodyPr anchor="b">
-            <a:noAutofit/>
+          <p:cNvSpPr txBox="1"/>
+          <p:nvPr/>
+        </p:nvSpPr>
+        <p:spPr>
+          <a:xfrm>
+            <a:off x="3023648" y="93188"/>
+            <a:ext cx="6141562" cy="369332"/>
+          </a:xfrm>
+          <a:prstGeom prst="rect">
+            <a:avLst/>
+          </a:prstGeom>
+          <a:noFill/>
+        </p:spPr>
+        <p:txBody>
+          <a:bodyPr wrap="square">
+            <a:spAutoFit/>
           </a:bodyPr>
           <a:lstStyle/>
           <a:p>
-            <a:pPr algn="l"/>
-            <a:r>
-              <a:rPr lang="en-US" altLang="zh-TW" sz="5400" b="0" i="0" u="none" strike="noStrike" baseline="0" dirty="0">
-                <a:latin typeface="Adobe 黑体 Std R" panose="020B0400000000000000" pitchFamily="34" charset="-128"/>
-                <a:ea typeface="Adobe 黑体 Std R" panose="020B0400000000000000" pitchFamily="34" charset="-128"/>
-              </a:rPr>
-              <a:t>System Architecture</a:t>
-            </a:r>
-            <a:endParaRPr lang="zh-TW" altLang="en-US" sz="11500" dirty="0">
+            <a:pPr algn="ctr"/>
+            <a:r>
+              <a:rPr lang="en-US" altLang="zh-TW" sz="1800" b="0" i="0" u="none" strike="noStrike" baseline="0" dirty="0">
+                <a:latin typeface="Adobe 黑体 Std R" panose="020B0400000000000000" pitchFamily="34" charset="-128"/>
+                <a:ea typeface="Adobe 黑体 Std R" panose="020B0400000000000000" pitchFamily="34" charset="-128"/>
+              </a:rPr>
+              <a:t>Hybrid Approach</a:t>
+            </a:r>
+            <a:r>
+              <a:rPr lang="zh-TW" altLang="en-US" sz="1800" b="0" i="0" u="none" strike="noStrike" baseline="0" dirty="0">
+                <a:latin typeface="Adobe 黑体 Std R" panose="020B0400000000000000" pitchFamily="34" charset="-128"/>
+                <a:ea typeface="Adobe 黑体 Std R" panose="020B0400000000000000" pitchFamily="34" charset="-128"/>
+              </a:rPr>
+              <a:t> </a:t>
+            </a:r>
+            <a:r>
+              <a:rPr lang="en-US" altLang="zh-TW" sz="1800" b="0" i="0" u="none" strike="noStrike" baseline="0" dirty="0">
+                <a:latin typeface="Adobe 黑体 Std R" panose="020B0400000000000000" pitchFamily="34" charset="-128"/>
+                <a:ea typeface="Adobe 黑体 Std R" panose="020B0400000000000000" pitchFamily="34" charset="-128"/>
+              </a:rPr>
+              <a:t>(Cascade)</a:t>
+            </a:r>
+            <a:endParaRPr lang="en-US" altLang="zh-TW" sz="1400" b="1" i="0" dirty="0">
               <a:solidFill>
-                <a:schemeClr val="tx2"/>
+                <a:schemeClr val="tx2">
+                  <a:lumMod val="90000"/>
+                </a:schemeClr>
               </a:solidFill>
+              <a:effectLst/>
               <a:latin typeface="Adobe 黑体 Std R" panose="020B0400000000000000" pitchFamily="34" charset="-128"/>
               <a:ea typeface="Adobe 黑体 Std R" panose="020B0400000000000000" pitchFamily="34" charset="-128"/>
             </a:endParaRPr>
           </a:p>
         </p:txBody>
       </p:sp>
-      <p:sp>
-        <p:nvSpPr>
-          <p:cNvPr id="6" name="矩形: 圓角 5">
+      <p:grpSp>
+        <p:nvGrpSpPr>
+          <p:cNvPr id="24" name="群組 23">
             <a:extLst>
               <a:ext uri="{FF2B5EF4-FFF2-40B4-BE49-F238E27FC236}">
-                <a16:creationId xmlns:a16="http://schemas.microsoft.com/office/drawing/2014/main" id="{53EBDDEB-FB97-4AAF-83F4-907E8E332E6A}"/>
+                <a16:creationId xmlns:a16="http://schemas.microsoft.com/office/drawing/2014/main" id="{F12D3A85-9A06-45D5-AB3A-7630CF434964}"/>
               </a:ext>
             </a:extLst>
           </p:cNvPr>
-          <p:cNvSpPr/>
+          <p:cNvGrpSpPr/>
           <p:nvPr/>
-        </p:nvSpPr>
-        <p:spPr>
-          <a:xfrm>
-            <a:off x="628893" y="321013"/>
-            <a:ext cx="45719" cy="933855"/>
-          </a:xfrm>
-          <a:prstGeom prst="roundRect">
-            <a:avLst/>
-          </a:prstGeom>
-          <a:solidFill>
-            <a:srgbClr val="9765E9"/>
-          </a:solidFill>
-        </p:spPr>
-        <p:style>
-          <a:lnRef idx="2">
-            <a:schemeClr val="accent1">
-              <a:shade val="50000"/>
-            </a:schemeClr>
-          </a:lnRef>
-          <a:fillRef idx="1">
-            <a:schemeClr val="accent1"/>
-          </a:fillRef>
-          <a:effectRef idx="0">
-            <a:schemeClr val="accent1"/>
-          </a:effectRef>
-          <a:fontRef idx="minor">
-            <a:schemeClr val="lt1"/>
-          </a:fontRef>
-        </p:style>
-        <p:txBody>
-          <a:bodyPr rtlCol="0" anchor="ctr"/>
-          <a:lstStyle/>
-          <a:p>
-            <a:pPr algn="ctr"/>
-            <a:endParaRPr lang="zh-TW" altLang="en-US"/>
-          </a:p>
-        </p:txBody>
-      </p:sp>
-      <p:pic>
-        <p:nvPicPr>
-          <p:cNvPr id="20" name="圖片 19">
+        </p:nvGrpSpPr>
+        <p:grpSpPr>
+          <a:xfrm>
+            <a:off x="312692" y="669303"/>
+            <a:ext cx="11959701" cy="5995448"/>
+            <a:chOff x="190144" y="136000"/>
+            <a:chExt cx="12664503" cy="6383250"/>
+          </a:xfrm>
+        </p:grpSpPr>
+        <p:pic>
+          <p:nvPicPr>
+            <p:cNvPr id="13" name="圖片 12">
+              <a:extLst>
+                <a:ext uri="{FF2B5EF4-FFF2-40B4-BE49-F238E27FC236}">
+                  <a16:creationId xmlns:a16="http://schemas.microsoft.com/office/drawing/2014/main" id="{6EA1E0E5-0564-45D0-B90A-928F0E9C8BDA}"/>
+                </a:ext>
+              </a:extLst>
+            </p:cNvPr>
+            <p:cNvPicPr>
+              <a:picLocks noChangeAspect="1"/>
+            </p:cNvPicPr>
+            <p:nvPr/>
+          </p:nvPicPr>
+          <p:blipFill>
+            <a:blip r:embed="rId2"/>
+            <a:stretch>
+              <a:fillRect/>
+            </a:stretch>
+          </p:blipFill>
+          <p:spPr>
+            <a:xfrm>
+              <a:off x="190144" y="659875"/>
+              <a:ext cx="10075645" cy="5859375"/>
+            </a:xfrm>
+            <a:prstGeom prst="rect">
+              <a:avLst/>
+            </a:prstGeom>
+          </p:spPr>
+        </p:pic>
+        <p:sp>
+          <p:nvSpPr>
+            <p:cNvPr id="14" name="矩形: 圓角 13">
+              <a:extLst>
+                <a:ext uri="{FF2B5EF4-FFF2-40B4-BE49-F238E27FC236}">
+                  <a16:creationId xmlns:a16="http://schemas.microsoft.com/office/drawing/2014/main" id="{5B7A6FD9-A541-4A32-B081-1BFC31D75711}"/>
+                </a:ext>
+              </a:extLst>
+            </p:cNvPr>
+            <p:cNvSpPr/>
+            <p:nvPr/>
+          </p:nvSpPr>
+          <p:spPr>
+            <a:xfrm>
+              <a:off x="9266548" y="1395167"/>
+              <a:ext cx="886120" cy="518474"/>
+            </a:xfrm>
+            <a:prstGeom prst="roundRect">
+              <a:avLst/>
+            </a:prstGeom>
+            <a:noFill/>
+            <a:ln w="28575">
+              <a:solidFill>
+                <a:srgbClr val="FF0000"/>
+              </a:solidFill>
+            </a:ln>
+          </p:spPr>
+          <p:style>
+            <a:lnRef idx="2">
+              <a:schemeClr val="accent1">
+                <a:shade val="50000"/>
+              </a:schemeClr>
+            </a:lnRef>
+            <a:fillRef idx="1">
+              <a:schemeClr val="accent1"/>
+            </a:fillRef>
+            <a:effectRef idx="0">
+              <a:schemeClr val="accent1"/>
+            </a:effectRef>
+            <a:fontRef idx="minor">
+              <a:schemeClr val="lt1"/>
+            </a:fontRef>
+          </p:style>
+          <p:txBody>
+            <a:bodyPr rtlCol="0" anchor="ctr"/>
+            <a:lstStyle/>
+            <a:p>
+              <a:pPr algn="ctr"/>
+              <a:endParaRPr lang="zh-TW" altLang="en-US" dirty="0"/>
+            </a:p>
+          </p:txBody>
+        </p:sp>
+        <p:sp>
+          <p:nvSpPr>
+            <p:cNvPr id="15" name="矩形: 圓角 14">
+              <a:extLst>
+                <a:ext uri="{FF2B5EF4-FFF2-40B4-BE49-F238E27FC236}">
+                  <a16:creationId xmlns:a16="http://schemas.microsoft.com/office/drawing/2014/main" id="{A084F1DA-A3B5-477F-BF69-4D21ABCD9421}"/>
+                </a:ext>
+              </a:extLst>
+            </p:cNvPr>
+            <p:cNvSpPr/>
+            <p:nvPr/>
+          </p:nvSpPr>
+          <p:spPr>
+            <a:xfrm>
+              <a:off x="9266548" y="1913641"/>
+              <a:ext cx="886120" cy="4605609"/>
+            </a:xfrm>
+            <a:prstGeom prst="roundRect">
+              <a:avLst/>
+            </a:prstGeom>
+            <a:noFill/>
+            <a:ln w="28575">
+              <a:solidFill>
+                <a:srgbClr val="FFC000"/>
+              </a:solidFill>
+            </a:ln>
+          </p:spPr>
+          <p:style>
+            <a:lnRef idx="2">
+              <a:schemeClr val="accent1">
+                <a:shade val="50000"/>
+              </a:schemeClr>
+            </a:lnRef>
+            <a:fillRef idx="1">
+              <a:schemeClr val="accent1"/>
+            </a:fillRef>
+            <a:effectRef idx="0">
+              <a:schemeClr val="accent1"/>
+            </a:effectRef>
+            <a:fontRef idx="minor">
+              <a:schemeClr val="lt1"/>
+            </a:fontRef>
+          </p:style>
+          <p:txBody>
+            <a:bodyPr rtlCol="0" anchor="ctr"/>
+            <a:lstStyle/>
+            <a:p>
+              <a:pPr algn="ctr"/>
+              <a:endParaRPr lang="zh-TW" altLang="en-US"/>
+            </a:p>
+          </p:txBody>
+        </p:sp>
+        <p:sp>
+          <p:nvSpPr>
+            <p:cNvPr id="19" name="文字方塊 18">
+              <a:extLst>
+                <a:ext uri="{FF2B5EF4-FFF2-40B4-BE49-F238E27FC236}">
+                  <a16:creationId xmlns:a16="http://schemas.microsoft.com/office/drawing/2014/main" id="{75FC0A0C-8E0B-4808-82AA-50403A784C4C}"/>
+                </a:ext>
+              </a:extLst>
+            </p:cNvPr>
+            <p:cNvSpPr txBox="1"/>
+            <p:nvPr/>
+          </p:nvSpPr>
+          <p:spPr>
+            <a:xfrm>
+              <a:off x="10219280" y="1257760"/>
+              <a:ext cx="2635366" cy="688137"/>
+            </a:xfrm>
+            <a:prstGeom prst="rect">
+              <a:avLst/>
+            </a:prstGeom>
+            <a:noFill/>
+          </p:spPr>
+          <p:txBody>
+            <a:bodyPr wrap="square">
+              <a:spAutoFit/>
+            </a:bodyPr>
+            <a:lstStyle/>
+            <a:p>
+              <a:pPr algn="ctr"/>
+              <a:r>
+                <a:rPr lang="en-US" altLang="zh-TW" sz="1200" dirty="0">
+                  <a:solidFill>
+                    <a:srgbClr val="FF0000"/>
+                  </a:solidFill>
+                  <a:latin typeface="Adobe 黑体 Std R" panose="020B0400000000000000" pitchFamily="34" charset="-128"/>
+                  <a:ea typeface="Adobe 黑体 Std R" panose="020B0400000000000000" pitchFamily="34" charset="-128"/>
+                </a:rPr>
+                <a:t>Keep top-2 preliminary </a:t>
+              </a:r>
+            </a:p>
+            <a:p>
+              <a:pPr algn="ctr"/>
+              <a:r>
+                <a:rPr lang="en-US" altLang="zh-TW" sz="1200" dirty="0">
+                  <a:solidFill>
+                    <a:srgbClr val="FF0000"/>
+                  </a:solidFill>
+                  <a:latin typeface="Adobe 黑体 Std R" panose="020B0400000000000000" pitchFamily="34" charset="-128"/>
+                  <a:ea typeface="Adobe 黑体 Std R" panose="020B0400000000000000" pitchFamily="34" charset="-128"/>
+                </a:rPr>
+                <a:t>Output list of recommendations</a:t>
+              </a:r>
+            </a:p>
+            <a:p>
+              <a:pPr algn="ctr"/>
+              <a:r>
+                <a:rPr lang="en-US" altLang="zh-TW" sz="1200" dirty="0">
+                  <a:solidFill>
+                    <a:srgbClr val="FF0000"/>
+                  </a:solidFill>
+                  <a:latin typeface="Adobe 黑体 Std R" panose="020B0400000000000000" pitchFamily="34" charset="-128"/>
+                  <a:ea typeface="Adobe 黑体 Std R" panose="020B0400000000000000" pitchFamily="34" charset="-128"/>
+                </a:rPr>
+                <a:t>Based on content based filtering</a:t>
+              </a:r>
+              <a:endParaRPr lang="zh-TW" altLang="en-US" sz="1200" dirty="0">
+                <a:solidFill>
+                  <a:srgbClr val="FF0000"/>
+                </a:solidFill>
+                <a:latin typeface="Adobe 黑体 Std R" panose="020B0400000000000000" pitchFamily="34" charset="-128"/>
+                <a:ea typeface="Adobe 黑体 Std R" panose="020B0400000000000000" pitchFamily="34" charset="-128"/>
+              </a:endParaRPr>
+            </a:p>
+          </p:txBody>
+        </p:sp>
+        <p:sp>
+          <p:nvSpPr>
+            <p:cNvPr id="22" name="文字方塊 21">
+              <a:extLst>
+                <a:ext uri="{FF2B5EF4-FFF2-40B4-BE49-F238E27FC236}">
+                  <a16:creationId xmlns:a16="http://schemas.microsoft.com/office/drawing/2014/main" id="{9C58E559-5D26-40D3-B246-80DFDE85D954}"/>
+                </a:ext>
+              </a:extLst>
+            </p:cNvPr>
+            <p:cNvSpPr txBox="1"/>
+            <p:nvPr/>
+          </p:nvSpPr>
+          <p:spPr>
+            <a:xfrm>
+              <a:off x="10219281" y="3688485"/>
+              <a:ext cx="2635366" cy="1277970"/>
+            </a:xfrm>
+            <a:prstGeom prst="rect">
+              <a:avLst/>
+            </a:prstGeom>
+            <a:noFill/>
+          </p:spPr>
+          <p:txBody>
+            <a:bodyPr wrap="square">
+              <a:spAutoFit/>
+            </a:bodyPr>
+            <a:lstStyle/>
+            <a:p>
+              <a:pPr algn="ctr"/>
+              <a:r>
+                <a:rPr lang="en-US" altLang="zh-TW" sz="1200" dirty="0">
+                  <a:solidFill>
+                    <a:srgbClr val="FFC000"/>
+                  </a:solidFill>
+                  <a:latin typeface="Adobe 黑体 Std R" panose="020B0400000000000000" pitchFamily="34" charset="-128"/>
+                  <a:ea typeface="Adobe 黑体 Std R" panose="020B0400000000000000" pitchFamily="34" charset="-128"/>
+                </a:rPr>
+                <a:t>Further sort the </a:t>
+              </a:r>
+            </a:p>
+            <a:p>
+              <a:pPr algn="ctr"/>
+              <a:r>
+                <a:rPr lang="en-US" altLang="zh-TW" sz="1200" dirty="0">
+                  <a:solidFill>
+                    <a:srgbClr val="FFC000"/>
+                  </a:solidFill>
+                  <a:latin typeface="Adobe 黑体 Std R" panose="020B0400000000000000" pitchFamily="34" charset="-128"/>
+                  <a:ea typeface="Adobe 黑体 Std R" panose="020B0400000000000000" pitchFamily="34" charset="-128"/>
+                </a:rPr>
+                <a:t>preliminary output </a:t>
+              </a:r>
+            </a:p>
+            <a:p>
+              <a:pPr algn="ctr"/>
+              <a:r>
+                <a:rPr lang="en-US" altLang="zh-TW" sz="1200" dirty="0">
+                  <a:solidFill>
+                    <a:srgbClr val="FFC000"/>
+                  </a:solidFill>
+                  <a:latin typeface="Adobe 黑体 Std R" panose="020B0400000000000000" pitchFamily="34" charset="-128"/>
+                  <a:ea typeface="Adobe 黑体 Std R" panose="020B0400000000000000" pitchFamily="34" charset="-128"/>
+                </a:rPr>
+                <a:t>Based on</a:t>
+              </a:r>
+              <a:r>
+                <a:rPr lang="zh-TW" altLang="en-US" sz="1200" dirty="0">
+                  <a:solidFill>
+                    <a:srgbClr val="FFC000"/>
+                  </a:solidFill>
+                  <a:latin typeface="Adobe 黑体 Std R" panose="020B0400000000000000" pitchFamily="34" charset="-128"/>
+                  <a:ea typeface="Adobe 黑体 Std R" panose="020B0400000000000000" pitchFamily="34" charset="-128"/>
+                </a:rPr>
+                <a:t> </a:t>
+              </a:r>
+              <a:r>
+                <a:rPr lang="en-US" altLang="zh-TW" sz="1200" dirty="0">
+                  <a:solidFill>
+                    <a:srgbClr val="FFC000"/>
+                  </a:solidFill>
+                  <a:latin typeface="Adobe 黑体 Std R" panose="020B0400000000000000" pitchFamily="34" charset="-128"/>
+                  <a:ea typeface="Adobe 黑体 Std R" panose="020B0400000000000000" pitchFamily="34" charset="-128"/>
+                </a:rPr>
+                <a:t>Predictions</a:t>
+              </a:r>
+            </a:p>
+            <a:p>
+              <a:pPr algn="ctr"/>
+              <a:r>
+                <a:rPr lang="en-US" altLang="zh-TW" sz="1200" dirty="0">
+                  <a:solidFill>
+                    <a:srgbClr val="FFC000"/>
+                  </a:solidFill>
+                  <a:latin typeface="Adobe 黑体 Std R" panose="020B0400000000000000" pitchFamily="34" charset="-128"/>
+                  <a:ea typeface="Adobe 黑体 Std R" panose="020B0400000000000000" pitchFamily="34" charset="-128"/>
+                </a:rPr>
+                <a:t>(collaborative filtering)</a:t>
+              </a:r>
+            </a:p>
+            <a:p>
+              <a:pPr algn="ctr"/>
+              <a:endParaRPr lang="en-US" altLang="zh-TW" sz="1200" dirty="0">
+                <a:solidFill>
+                  <a:srgbClr val="FFC000"/>
+                </a:solidFill>
+                <a:latin typeface="Adobe 黑体 Std R" panose="020B0400000000000000" pitchFamily="34" charset="-128"/>
+                <a:ea typeface="Adobe 黑体 Std R" panose="020B0400000000000000" pitchFamily="34" charset="-128"/>
+              </a:endParaRPr>
+            </a:p>
+            <a:p>
+              <a:pPr algn="ctr"/>
+              <a:r>
+                <a:rPr lang="en-US" altLang="zh-TW" sz="1200" dirty="0">
+                  <a:solidFill>
+                    <a:srgbClr val="FFC000"/>
+                  </a:solidFill>
+                  <a:latin typeface="Adobe 黑体 Std R" panose="020B0400000000000000" pitchFamily="34" charset="-128"/>
+                  <a:ea typeface="Adobe 黑体 Std R" panose="020B0400000000000000" pitchFamily="34" charset="-128"/>
+                </a:rPr>
+                <a:t>The outcome varies by user ID</a:t>
+              </a:r>
+            </a:p>
+          </p:txBody>
+        </p:sp>
+        <p:pic>
+          <p:nvPicPr>
+            <p:cNvPr id="23" name="圖片 22">
+              <a:extLst>
+                <a:ext uri="{FF2B5EF4-FFF2-40B4-BE49-F238E27FC236}">
+                  <a16:creationId xmlns:a16="http://schemas.microsoft.com/office/drawing/2014/main" id="{DCE7286F-4255-4632-B68E-165A7BE03B26}"/>
+                </a:ext>
+              </a:extLst>
+            </p:cNvPr>
+            <p:cNvPicPr>
+              <a:picLocks noChangeAspect="1"/>
+            </p:cNvPicPr>
+            <p:nvPr/>
+          </p:nvPicPr>
+          <p:blipFill>
+            <a:blip r:embed="rId3"/>
+            <a:stretch>
+              <a:fillRect/>
+            </a:stretch>
+          </p:blipFill>
+          <p:spPr>
+            <a:xfrm>
+              <a:off x="190144" y="136000"/>
+              <a:ext cx="2476500" cy="523875"/>
+            </a:xfrm>
+            <a:prstGeom prst="rect">
+              <a:avLst/>
+            </a:prstGeom>
+          </p:spPr>
+        </p:pic>
+      </p:grpSp>
+      <p:sp>
+        <p:nvSpPr>
+          <p:cNvPr id="25" name="文字方塊 24">
             <a:extLst>
               <a:ext uri="{FF2B5EF4-FFF2-40B4-BE49-F238E27FC236}">
-                <a16:creationId xmlns:a16="http://schemas.microsoft.com/office/drawing/2014/main" id="{BCB50928-1F29-4D80-975B-0591E3710A60}"/>
+                <a16:creationId xmlns:a16="http://schemas.microsoft.com/office/drawing/2014/main" id="{CC334416-E594-46E1-A88C-40ABB687F341}"/>
               </a:ext>
             </a:extLst>
           </p:cNvPr>
-          <p:cNvPicPr>
-            <a:picLocks noChangeAspect="1"/>
-          </p:cNvPicPr>
+          <p:cNvSpPr txBox="1"/>
           <p:nvPr/>
-        </p:nvPicPr>
-        <p:blipFill rotWithShape="1">
-          <a:blip r:embed="rId2">
-            <a:extLst>
-              <a:ext uri="{28A0092B-C50C-407E-A947-70E740481C1C}">
-                <a14:useLocalDpi xmlns:a14="http://schemas.microsoft.com/office/drawing/2010/main" val="0"/>
-              </a:ext>
-            </a:extLst>
-          </a:blip>
-          <a:srcRect b="59204"/>
-          <a:stretch/>
-        </p:blipFill>
-        <p:spPr>
-          <a:xfrm>
-            <a:off x="1489298" y="2159108"/>
-            <a:ext cx="9355871" cy="3124091"/>
+        </p:nvSpPr>
+        <p:spPr>
+          <a:xfrm>
+            <a:off x="11476641" y="6411194"/>
+            <a:ext cx="314510" cy="369332"/>
           </a:xfrm>
           <a:prstGeom prst="rect">
             <a:avLst/>
           </a:prstGeom>
-        </p:spPr>
-      </p:pic>
-      <p:sp>
-        <p:nvSpPr>
-          <p:cNvPr id="18" name="矩形 17">
-            <a:extLst>
-              <a:ext uri="{FF2B5EF4-FFF2-40B4-BE49-F238E27FC236}">
-                <a16:creationId xmlns:a16="http://schemas.microsoft.com/office/drawing/2014/main" id="{F8E12EEF-03F9-4171-B114-A71C33F53CBB}"/>
-              </a:ext>
-            </a:extLst>
-          </p:cNvPr>
-          <p:cNvSpPr/>
-          <p:nvPr/>
-        </p:nvSpPr>
-        <p:spPr>
-          <a:xfrm>
-            <a:off x="6228193" y="4850130"/>
-            <a:ext cx="1428361" cy="433069"/>
-          </a:xfrm>
-          <a:prstGeom prst="rect">
-            <a:avLst/>
-          </a:prstGeom>
-          <a:solidFill>
-            <a:schemeClr val="tx1"/>
-          </a:solidFill>
-          <a:ln>
-            <a:solidFill>
-              <a:schemeClr val="tx1"/>
-            </a:solidFill>
-          </a:ln>
-        </p:spPr>
-        <p:style>
-          <a:lnRef idx="2">
-            <a:schemeClr val="accent1">
-              <a:shade val="50000"/>
-            </a:schemeClr>
-          </a:lnRef>
-          <a:fillRef idx="1">
-            <a:schemeClr val="accent1"/>
-          </a:fillRef>
-          <a:effectRef idx="0">
-            <a:schemeClr val="accent1"/>
-          </a:effectRef>
-          <a:fontRef idx="minor">
-            <a:schemeClr val="lt1"/>
-          </a:fontRef>
-        </p:style>
-        <p:txBody>
-          <a:bodyPr rtlCol="0" anchor="ctr"/>
-          <a:lstStyle/>
-          <a:p>
-            <a:pPr algn="ctr"/>
-            <a:endParaRPr lang="zh-TW" altLang="en-US"/>
+          <a:noFill/>
+        </p:spPr>
+        <p:txBody>
+          <a:bodyPr wrap="none" rtlCol="0">
+            <a:spAutoFit/>
+          </a:bodyPr>
+          <a:lstStyle/>
+          <a:p>
+            <a:r>
+              <a:rPr lang="en-US" altLang="zh-TW" dirty="0">
+                <a:latin typeface="Adobe 黑体 Std R" panose="020B0400000000000000" pitchFamily="34" charset="-128"/>
+                <a:ea typeface="Adobe 黑体 Std R" panose="020B0400000000000000" pitchFamily="34" charset="-128"/>
+              </a:rPr>
+              <a:t>8</a:t>
+            </a:r>
+            <a:endParaRPr lang="zh-TW" altLang="en-US" dirty="0">
+              <a:latin typeface="Adobe 黑体 Std R" panose="020B0400000000000000" pitchFamily="34" charset="-128"/>
+              <a:ea typeface="Adobe 黑体 Std R" panose="020B0400000000000000" pitchFamily="34" charset="-128"/>
+            </a:endParaRPr>
           </a:p>
         </p:txBody>
       </p:sp>
     </p:spTree>
     <p:extLst>
       <p:ext uri="{BB962C8B-B14F-4D97-AF65-F5344CB8AC3E}">
-        <p14:creationId xmlns:p14="http://schemas.microsoft.com/office/powerpoint/2010/main" val="1624831721"/>
+        <p14:creationId xmlns:p14="http://schemas.microsoft.com/office/powerpoint/2010/main" val="3794507617"/>
       </p:ext>
     </p:extLst>
   </p:cSld>
@@ -8401,17 +9694,7 @@
                 <a:latin typeface="Adobe 黑体 Std R" panose="020B0400000000000000" pitchFamily="34" charset="-128"/>
                 <a:ea typeface="Adobe 黑体 Std R" panose="020B0400000000000000" pitchFamily="34" charset="-128"/>
               </a:rPr>
-              <a:t>RS</a:t>
-            </a:r>
-            <a:r>
-              <a:rPr lang="zh-TW" altLang="en-US" sz="5400" dirty="0">
-                <a:solidFill>
-                  <a:schemeClr val="tx2"/>
-                </a:solidFill>
-                <a:latin typeface="Adobe 黑体 Std R" panose="020B0400000000000000" pitchFamily="34" charset="-128"/>
-                <a:ea typeface="Adobe 黑体 Std R" panose="020B0400000000000000" pitchFamily="34" charset="-128"/>
-              </a:rPr>
-              <a:t> </a:t>
+              <a:t>The Movie Dataset</a:t>
             </a:r>
             <a:endParaRPr lang="zh-TW" altLang="en-US" sz="11500" dirty="0">
               <a:solidFill>
@@ -8472,12 +9755,99 @@
           </a:p>
         </p:txBody>
       </p:sp>
+      <p:sp>
+        <p:nvSpPr>
+          <p:cNvPr id="7" name="文字方塊 6">
+            <a:extLst>
+              <a:ext uri="{FF2B5EF4-FFF2-40B4-BE49-F238E27FC236}">
+                <a16:creationId xmlns:a16="http://schemas.microsoft.com/office/drawing/2014/main" id="{C51A3E71-75D6-468B-A9A8-CC83722B419F}"/>
+              </a:ext>
+            </a:extLst>
+          </p:cNvPr>
+          <p:cNvSpPr txBox="1"/>
+          <p:nvPr/>
+        </p:nvSpPr>
+        <p:spPr>
+          <a:xfrm>
+            <a:off x="662626" y="2351782"/>
+            <a:ext cx="10866747" cy="1077218"/>
+          </a:xfrm>
+          <a:prstGeom prst="rect">
+            <a:avLst/>
+          </a:prstGeom>
+          <a:noFill/>
+        </p:spPr>
+        <p:txBody>
+          <a:bodyPr wrap="square">
+            <a:spAutoFit/>
+          </a:bodyPr>
+          <a:lstStyle/>
+          <a:p>
+            <a:r>
+              <a:rPr lang="en-US" altLang="zh-TW" sz="3200" dirty="0"/>
+              <a:t>Data from:</a:t>
+            </a:r>
+          </a:p>
+          <a:p>
+            <a:r>
+              <a:rPr lang="zh-TW" altLang="en-US" sz="3200" dirty="0"/>
+              <a:t>https://www.kaggle.com/rounakbanik/the-movies-dataset</a:t>
+            </a:r>
+          </a:p>
+        </p:txBody>
+      </p:sp>
+      <p:sp>
+        <p:nvSpPr>
+          <p:cNvPr id="9" name="文字方塊 8">
+            <a:extLst>
+              <a:ext uri="{FF2B5EF4-FFF2-40B4-BE49-F238E27FC236}">
+                <a16:creationId xmlns:a16="http://schemas.microsoft.com/office/drawing/2014/main" id="{A7EE0707-BC89-45A5-BBBB-0667C38335EF}"/>
+              </a:ext>
+            </a:extLst>
+          </p:cNvPr>
+          <p:cNvSpPr txBox="1"/>
+          <p:nvPr/>
+        </p:nvSpPr>
+        <p:spPr>
+          <a:xfrm>
+            <a:off x="662626" y="3404590"/>
+            <a:ext cx="6094428" cy="369332"/>
+          </a:xfrm>
+          <a:prstGeom prst="rect">
+            <a:avLst/>
+          </a:prstGeom>
+          <a:noFill/>
+        </p:spPr>
+        <p:txBody>
+          <a:bodyPr wrap="square">
+            <a:spAutoFit/>
+          </a:bodyPr>
+          <a:lstStyle/>
+          <a:p>
+            <a:r>
+              <a:rPr lang="en-US" altLang="zh-TW" b="0" i="0" dirty="0">
+                <a:solidFill>
+                  <a:srgbClr val="CEB6F4"/>
+                </a:solidFill>
+                <a:effectLst/>
+                <a:latin typeface="Inter"/>
+              </a:rPr>
+              <a:t>The dataset consists of movies released on or before July 2017</a:t>
+            </a:r>
+            <a:endParaRPr lang="zh-TW" altLang="en-US" dirty="0">
+              <a:solidFill>
+                <a:srgbClr val="CEB6F4"/>
+              </a:solidFill>
+            </a:endParaRPr>
+          </a:p>
+        </p:txBody>
+      </p:sp>
       <p:pic>
         <p:nvPicPr>
-          <p:cNvPr id="9" name="圖片 8">
+          <p:cNvPr id="11" name="圖片 10">
             <a:extLst>
               <a:ext uri="{FF2B5EF4-FFF2-40B4-BE49-F238E27FC236}">
-                <a16:creationId xmlns:a16="http://schemas.microsoft.com/office/drawing/2014/main" id="{E78F777A-89EA-402F-A3DE-6DF52CD4F1F4}"/>
+                <a16:creationId xmlns:a16="http://schemas.microsoft.com/office/drawing/2014/main" id="{450F262D-0C7A-4764-BCBA-CB939509BEC3}"/>
               </a:ext>
             </a:extLst>
           </p:cNvPr>
@@ -8494,18 +9864,60 @@
         </p:blipFill>
         <p:spPr>
           <a:xfrm>
-            <a:off x="2121285" y="321013"/>
-            <a:ext cx="9441822" cy="5769582"/>
+            <a:off x="0" y="4872590"/>
+            <a:ext cx="12192000" cy="2092974"/>
           </a:xfrm>
           <a:prstGeom prst="rect">
             <a:avLst/>
           </a:prstGeom>
         </p:spPr>
       </p:pic>
+      <p:sp>
+        <p:nvSpPr>
+          <p:cNvPr id="8" name="文字方塊 7">
+            <a:extLst>
+              <a:ext uri="{FF2B5EF4-FFF2-40B4-BE49-F238E27FC236}">
+                <a16:creationId xmlns:a16="http://schemas.microsoft.com/office/drawing/2014/main" id="{50DFFB96-660F-4D97-8237-A0DE79BBA48E}"/>
+              </a:ext>
+            </a:extLst>
+          </p:cNvPr>
+          <p:cNvSpPr txBox="1"/>
+          <p:nvPr/>
+        </p:nvSpPr>
+        <p:spPr>
+          <a:xfrm>
+            <a:off x="11476641" y="6411194"/>
+            <a:ext cx="314510" cy="369332"/>
+          </a:xfrm>
+          <a:prstGeom prst="rect">
+            <a:avLst/>
+          </a:prstGeom>
+          <a:noFill/>
+        </p:spPr>
+        <p:txBody>
+          <a:bodyPr wrap="none" rtlCol="0">
+            <a:spAutoFit/>
+          </a:bodyPr>
+          <a:lstStyle/>
+          <a:p>
+            <a:r>
+              <a:rPr lang="en-US" altLang="zh-TW" dirty="0">
+                <a:latin typeface="Adobe 黑体 Std R" panose="020B0400000000000000" pitchFamily="34" charset="-128"/>
+                <a:ea typeface="Adobe 黑体 Std R" panose="020B0400000000000000" pitchFamily="34" charset="-128"/>
+              </a:rPr>
+              <a:t>9</a:t>
+            </a:r>
+            <a:endParaRPr lang="zh-TW" altLang="en-US" dirty="0">
+              <a:latin typeface="Adobe 黑体 Std R" panose="020B0400000000000000" pitchFamily="34" charset="-128"/>
+              <a:ea typeface="Adobe 黑体 Std R" panose="020B0400000000000000" pitchFamily="34" charset="-128"/>
+            </a:endParaRPr>
+          </a:p>
+        </p:txBody>
+      </p:sp>
     </p:spTree>
     <p:extLst>
       <p:ext uri="{BB962C8B-B14F-4D97-AF65-F5344CB8AC3E}">
-        <p14:creationId xmlns:p14="http://schemas.microsoft.com/office/powerpoint/2010/main" val="16516634"/>
+        <p14:creationId xmlns:p14="http://schemas.microsoft.com/office/powerpoint/2010/main" val="3823831135"/>
       </p:ext>
     </p:extLst>
   </p:cSld>

--- a/報告資料/期末報告Python_Movie_RecommerSystem.pptx
+++ b/報告資料/期末報告Python_Movie_RecommerSystem.pptx
@@ -5141,7 +5141,7 @@
                 <a:latin typeface="Adobe 黑体 Std R" panose="020B0400000000000000" pitchFamily="34" charset="-128"/>
                 <a:ea typeface="Adobe 黑体 Std R" panose="020B0400000000000000" pitchFamily="34" charset="-128"/>
               </a:rPr>
-              <a:t>UI</a:t>
+              <a:t>GUI</a:t>
             </a:r>
             <a:r>
               <a:rPr lang="zh-TW" altLang="en-US" sz="2000" dirty="0">

--- a/報告資料/期末報告Python_Movie_RecommerSystem.pptx
+++ b/報告資料/期末報告Python_Movie_RecommerSystem.pptx
@@ -388,7 +388,7 @@
             <a:fld id="{53BEF823-48A5-43FC-BE03-E79964288B41}" type="datetimeFigureOut">
               <a:rPr lang="en-US" smtClean="0"/>
               <a:pPr algn="r"/>
-              <a:t>6/18/2021</a:t>
+              <a:t>6/19/2021</a:t>
             </a:fld>
             <a:endParaRPr lang="en-US" dirty="0"/>
           </a:p>
@@ -563,7 +563,7 @@
             <a:fld id="{53BEF823-48A5-43FC-BE03-E79964288B41}" type="datetimeFigureOut">
               <a:rPr lang="en-US" smtClean="0"/>
               <a:pPr algn="r"/>
-              <a:t>6/18/2021</a:t>
+              <a:t>6/19/2021</a:t>
             </a:fld>
             <a:endParaRPr lang="en-US" dirty="0"/>
           </a:p>
@@ -748,7 +748,7 @@
             <a:fld id="{53BEF823-48A5-43FC-BE03-E79964288B41}" type="datetimeFigureOut">
               <a:rPr lang="en-US" smtClean="0"/>
               <a:pPr algn="r"/>
-              <a:t>6/18/2021</a:t>
+              <a:t>6/19/2021</a:t>
             </a:fld>
             <a:endParaRPr lang="en-US" dirty="0"/>
           </a:p>
@@ -923,7 +923,7 @@
             <a:fld id="{53BEF823-48A5-43FC-BE03-E79964288B41}" type="datetimeFigureOut">
               <a:rPr lang="en-US" smtClean="0"/>
               <a:pPr algn="r"/>
-              <a:t>6/18/2021</a:t>
+              <a:t>6/19/2021</a:t>
             </a:fld>
             <a:endParaRPr lang="en-US" dirty="0"/>
           </a:p>
@@ -1174,7 +1174,7 @@
             <a:fld id="{53BEF823-48A5-43FC-BE03-E79964288B41}" type="datetimeFigureOut">
               <a:rPr lang="en-US" smtClean="0"/>
               <a:pPr algn="r"/>
-              <a:t>6/18/2021</a:t>
+              <a:t>6/19/2021</a:t>
             </a:fld>
             <a:endParaRPr lang="en-US" dirty="0"/>
           </a:p>
@@ -1411,7 +1411,7 @@
             <a:fld id="{53BEF823-48A5-43FC-BE03-E79964288B41}" type="datetimeFigureOut">
               <a:rPr lang="en-US" smtClean="0"/>
               <a:pPr algn="r"/>
-              <a:t>6/18/2021</a:t>
+              <a:t>6/19/2021</a:t>
             </a:fld>
             <a:endParaRPr lang="en-US" dirty="0"/>
           </a:p>
@@ -1783,7 +1783,7 @@
             <a:fld id="{53BEF823-48A5-43FC-BE03-E79964288B41}" type="datetimeFigureOut">
               <a:rPr lang="en-US" smtClean="0"/>
               <a:pPr algn="r"/>
-              <a:t>6/18/2021</a:t>
+              <a:t>6/19/2021</a:t>
             </a:fld>
             <a:endParaRPr lang="en-US" dirty="0"/>
           </a:p>
@@ -1906,7 +1906,7 @@
             <a:fld id="{53BEF823-48A5-43FC-BE03-E79964288B41}" type="datetimeFigureOut">
               <a:rPr lang="en-US" smtClean="0"/>
               <a:pPr algn="r"/>
-              <a:t>6/18/2021</a:t>
+              <a:t>6/19/2021</a:t>
             </a:fld>
             <a:endParaRPr lang="en-US" dirty="0"/>
           </a:p>
@@ -2006,7 +2006,7 @@
             <a:fld id="{53BEF823-48A5-43FC-BE03-E79964288B41}" type="datetimeFigureOut">
               <a:rPr lang="en-US" smtClean="0"/>
               <a:pPr algn="r"/>
-              <a:t>6/18/2021</a:t>
+              <a:t>6/19/2021</a:t>
             </a:fld>
             <a:endParaRPr lang="en-US" dirty="0"/>
           </a:p>
@@ -2288,7 +2288,7 @@
             <a:fld id="{53BEF823-48A5-43FC-BE03-E79964288B41}" type="datetimeFigureOut">
               <a:rPr lang="en-US" smtClean="0"/>
               <a:pPr algn="r"/>
-              <a:t>6/18/2021</a:t>
+              <a:t>6/19/2021</a:t>
             </a:fld>
             <a:endParaRPr lang="en-US" dirty="0"/>
           </a:p>
@@ -2550,7 +2550,7 @@
             <a:fld id="{53BEF823-48A5-43FC-BE03-E79964288B41}" type="datetimeFigureOut">
               <a:rPr lang="en-US" smtClean="0"/>
               <a:pPr algn="r"/>
-              <a:t>6/18/2021</a:t>
+              <a:t>6/19/2021</a:t>
             </a:fld>
             <a:endParaRPr lang="en-US" dirty="0"/>
           </a:p>
@@ -2768,7 +2768,7 @@
             <a:fld id="{53BEF823-48A5-43FC-BE03-E79964288B41}" type="datetimeFigureOut">
               <a:rPr lang="en-US" smtClean="0"/>
               <a:pPr algn="r"/>
-              <a:t>6/18/2021</a:t>
+              <a:t>6/19/2021</a:t>
             </a:fld>
             <a:endParaRPr lang="en-US" dirty="0"/>
           </a:p>
@@ -4375,10 +4375,10 @@
       </p:sp>
       <p:pic>
         <p:nvPicPr>
-          <p:cNvPr id="4" name="圖片 3" descr="一張含有 文字, 監視器, 黑色, 螢幕擷取畫面 的圖片&#10;&#10;自動產生的描述">
+          <p:cNvPr id="5" name="圖片 4">
             <a:extLst>
               <a:ext uri="{FF2B5EF4-FFF2-40B4-BE49-F238E27FC236}">
-                <a16:creationId xmlns:a16="http://schemas.microsoft.com/office/drawing/2014/main" id="{4E4AE825-8596-4F58-8884-E2EF78E4C7B8}"/>
+                <a16:creationId xmlns:a16="http://schemas.microsoft.com/office/drawing/2014/main" id="{E0DABF0D-D1F4-4D92-BB4C-DD46827F4CB0}"/>
               </a:ext>
             </a:extLst>
           </p:cNvPr>
@@ -4401,8 +4401,8 @@
         </p:blipFill>
         <p:spPr>
           <a:xfrm>
-            <a:off x="1384617" y="1691901"/>
-            <a:ext cx="9327063" cy="5166099"/>
+            <a:off x="1407476" y="1450791"/>
+            <a:ext cx="8181888" cy="5365086"/>
           </a:xfrm>
           <a:prstGeom prst="rect">
             <a:avLst/>

--- a/報告資料/期末報告Python_Movie_RecommerSystem.pptx
+++ b/報告資料/期末報告Python_Movie_RecommerSystem.pptx
@@ -5276,7 +5276,7 @@
                 <a:latin typeface="Adobe 黑体 Std R" panose="020B0400000000000000" pitchFamily="34" charset="-128"/>
                 <a:ea typeface="Adobe 黑体 Std R" panose="020B0400000000000000" pitchFamily="34" charset="-128"/>
               </a:rPr>
-              <a:t>、前後端整合</a:t>
+              <a:t>、推薦系統、前後端整合</a:t>
             </a:r>
             <a:endParaRPr lang="en-US" altLang="zh-TW" sz="2000" dirty="0">
               <a:solidFill>

--- a/報告資料/期末報告Python_Movie_RecommerSystem.pptx
+++ b/報告資料/期末報告Python_Movie_RecommerSystem.pptx
@@ -7,18 +7,18 @@
   <p:sldIdLst>
     <p:sldId id="256" r:id="rId2"/>
     <p:sldId id="257" r:id="rId3"/>
-    <p:sldId id="261" r:id="rId4"/>
-    <p:sldId id="269" r:id="rId5"/>
-    <p:sldId id="272" r:id="rId6"/>
-    <p:sldId id="270" r:id="rId7"/>
-    <p:sldId id="271" r:id="rId8"/>
-    <p:sldId id="273" r:id="rId9"/>
-    <p:sldId id="268" r:id="rId10"/>
-    <p:sldId id="259" r:id="rId11"/>
-    <p:sldId id="260" r:id="rId12"/>
-    <p:sldId id="262" r:id="rId13"/>
-    <p:sldId id="263" r:id="rId14"/>
-    <p:sldId id="264" r:id="rId15"/>
+    <p:sldId id="262" r:id="rId4"/>
+    <p:sldId id="263" r:id="rId5"/>
+    <p:sldId id="264" r:id="rId6"/>
+    <p:sldId id="259" r:id="rId7"/>
+    <p:sldId id="260" r:id="rId8"/>
+    <p:sldId id="268" r:id="rId9"/>
+    <p:sldId id="261" r:id="rId10"/>
+    <p:sldId id="269" r:id="rId11"/>
+    <p:sldId id="272" r:id="rId12"/>
+    <p:sldId id="270" r:id="rId13"/>
+    <p:sldId id="271" r:id="rId14"/>
+    <p:sldId id="273" r:id="rId15"/>
     <p:sldId id="266" r:id="rId16"/>
     <p:sldId id="265" r:id="rId17"/>
     <p:sldId id="267" r:id="rId18"/>
@@ -143,6 +143,7 @@
 <file path=ppt/revisionInfo.xml><?xml version="1.0" encoding="utf-8"?>
 <p1510:revInfo xmlns:a="http://schemas.openxmlformats.org/drawingml/2006/main" xmlns:r="http://schemas.openxmlformats.org/officeDocument/2006/relationships" xmlns:p1510="http://schemas.microsoft.com/office/powerpoint/2015/10/main">
   <p1510:revLst>
+    <p1510:client id="{59D8694B-E68E-4256-A32C-06AA420CABDF}" v="3" dt="2021-06-19T12:02:09.102"/>
     <p1510:client id="{E1148309-F924-4E41-9662-EC98BC74992C}" v="4" dt="2021-06-18T14:01:34.927"/>
   </p1510:revLst>
 </p1510:revInfo>
@@ -249,6 +250,237 @@
             <ac:cxnSpMk id="10" creationId="{FE3D3141-1353-4A98-B65D-B4BABBA6F3EC}"/>
           </ac:cxnSpMkLst>
         </pc:cxnChg>
+      </pc:sldChg>
+    </pc:docChg>
+  </pc:docChgLst>
+  <pc:docChgLst>
+    <pc:chgData name="謝尚泓" userId="10a1449e-84f2-4b15-a3e3-ff9bf5a03ee1" providerId="ADAL" clId="{59D8694B-E68E-4256-A32C-06AA420CABDF}"/>
+    <pc:docChg chg="addSld delSld modSld">
+      <pc:chgData name="謝尚泓" userId="10a1449e-84f2-4b15-a3e3-ff9bf5a03ee1" providerId="ADAL" clId="{59D8694B-E68E-4256-A32C-06AA420CABDF}" dt="2021-06-19T12:03:33.451" v="43" actId="20577"/>
+      <pc:docMkLst>
+        <pc:docMk/>
+      </pc:docMkLst>
+      <pc:sldChg chg="del">
+        <pc:chgData name="謝尚泓" userId="10a1449e-84f2-4b15-a3e3-ff9bf5a03ee1" providerId="ADAL" clId="{59D8694B-E68E-4256-A32C-06AA420CABDF}" dt="2021-06-19T12:01:48.968" v="2" actId="2696"/>
+        <pc:sldMkLst>
+          <pc:docMk/>
+          <pc:sldMk cId="1624831721" sldId="259"/>
+        </pc:sldMkLst>
+      </pc:sldChg>
+      <pc:sldChg chg="modSp add mod">
+        <pc:chgData name="謝尚泓" userId="10a1449e-84f2-4b15-a3e3-ff9bf5a03ee1" providerId="ADAL" clId="{59D8694B-E68E-4256-A32C-06AA420CABDF}" dt="2021-06-19T12:02:47.066" v="17" actId="20577"/>
+        <pc:sldMkLst>
+          <pc:docMk/>
+          <pc:sldMk cId="2318518020" sldId="259"/>
+        </pc:sldMkLst>
+        <pc:spChg chg="mod">
+          <ac:chgData name="謝尚泓" userId="10a1449e-84f2-4b15-a3e3-ff9bf5a03ee1" providerId="ADAL" clId="{59D8694B-E68E-4256-A32C-06AA420CABDF}" dt="2021-06-19T12:02:47.066" v="17" actId="20577"/>
+          <ac:spMkLst>
+            <pc:docMk/>
+            <pc:sldMk cId="2318518020" sldId="259"/>
+            <ac:spMk id="7" creationId="{1C7B8506-6618-4100-8378-842B7B6DA002}"/>
+          </ac:spMkLst>
+        </pc:spChg>
+      </pc:sldChg>
+      <pc:sldChg chg="del">
+        <pc:chgData name="謝尚泓" userId="10a1449e-84f2-4b15-a3e3-ff9bf5a03ee1" providerId="ADAL" clId="{59D8694B-E68E-4256-A32C-06AA420CABDF}" dt="2021-06-19T12:01:48.968" v="2" actId="2696"/>
+        <pc:sldMkLst>
+          <pc:docMk/>
+          <pc:sldMk cId="16516634" sldId="260"/>
+        </pc:sldMkLst>
+      </pc:sldChg>
+      <pc:sldChg chg="modSp add mod">
+        <pc:chgData name="謝尚泓" userId="10a1449e-84f2-4b15-a3e3-ff9bf5a03ee1" providerId="ADAL" clId="{59D8694B-E68E-4256-A32C-06AA420CABDF}" dt="2021-06-19T12:02:57.074" v="22" actId="20577"/>
+        <pc:sldMkLst>
+          <pc:docMk/>
+          <pc:sldMk cId="1983485954" sldId="260"/>
+        </pc:sldMkLst>
+        <pc:spChg chg="mod">
+          <ac:chgData name="謝尚泓" userId="10a1449e-84f2-4b15-a3e3-ff9bf5a03ee1" providerId="ADAL" clId="{59D8694B-E68E-4256-A32C-06AA420CABDF}" dt="2021-06-19T12:02:57.074" v="22" actId="20577"/>
+          <ac:spMkLst>
+            <pc:docMk/>
+            <pc:sldMk cId="1983485954" sldId="260"/>
+            <ac:spMk id="5" creationId="{0BE13FC0-6036-4D5D-9131-7AA78607497A}"/>
+          </ac:spMkLst>
+        </pc:spChg>
+      </pc:sldChg>
+      <pc:sldChg chg="modSp mod">
+        <pc:chgData name="謝尚泓" userId="10a1449e-84f2-4b15-a3e3-ff9bf5a03ee1" providerId="ADAL" clId="{59D8694B-E68E-4256-A32C-06AA420CABDF}" dt="2021-06-19T12:03:11.198" v="26" actId="20577"/>
+        <pc:sldMkLst>
+          <pc:docMk/>
+          <pc:sldMk cId="299498175" sldId="261"/>
+        </pc:sldMkLst>
+        <pc:spChg chg="mod">
+          <ac:chgData name="謝尚泓" userId="10a1449e-84f2-4b15-a3e3-ff9bf5a03ee1" providerId="ADAL" clId="{59D8694B-E68E-4256-A32C-06AA420CABDF}" dt="2021-06-19T12:03:11.198" v="26" actId="20577"/>
+          <ac:spMkLst>
+            <pc:docMk/>
+            <pc:sldMk cId="299498175" sldId="261"/>
+            <ac:spMk id="17" creationId="{1A61038F-0EBD-48DD-8A6C-604080E971F2}"/>
+          </ac:spMkLst>
+        </pc:spChg>
+      </pc:sldChg>
+      <pc:sldChg chg="modSp add mod">
+        <pc:chgData name="謝尚泓" userId="10a1449e-84f2-4b15-a3e3-ff9bf5a03ee1" providerId="ADAL" clId="{59D8694B-E68E-4256-A32C-06AA420CABDF}" dt="2021-06-19T12:02:34.183" v="8" actId="20577"/>
+        <pc:sldMkLst>
+          <pc:docMk/>
+          <pc:sldMk cId="350050460" sldId="262"/>
+        </pc:sldMkLst>
+        <pc:spChg chg="mod">
+          <ac:chgData name="謝尚泓" userId="10a1449e-84f2-4b15-a3e3-ff9bf5a03ee1" providerId="ADAL" clId="{59D8694B-E68E-4256-A32C-06AA420CABDF}" dt="2021-06-19T12:02:34.183" v="8" actId="20577"/>
+          <ac:spMkLst>
+            <pc:docMk/>
+            <pc:sldMk cId="350050460" sldId="262"/>
+            <ac:spMk id="5" creationId="{08DEF679-9A65-4B1E-A4C8-A335D183D885}"/>
+          </ac:spMkLst>
+        </pc:spChg>
+      </pc:sldChg>
+      <pc:sldChg chg="del">
+        <pc:chgData name="謝尚泓" userId="10a1449e-84f2-4b15-a3e3-ff9bf5a03ee1" providerId="ADAL" clId="{59D8694B-E68E-4256-A32C-06AA420CABDF}" dt="2021-06-19T12:01:19.247" v="0" actId="2696"/>
+        <pc:sldMkLst>
+          <pc:docMk/>
+          <pc:sldMk cId="3326525695" sldId="262"/>
+        </pc:sldMkLst>
+      </pc:sldChg>
+      <pc:sldChg chg="modSp add mod">
+        <pc:chgData name="謝尚泓" userId="10a1449e-84f2-4b15-a3e3-ff9bf5a03ee1" providerId="ADAL" clId="{59D8694B-E68E-4256-A32C-06AA420CABDF}" dt="2021-06-19T12:02:37.922" v="11" actId="20577"/>
+        <pc:sldMkLst>
+          <pc:docMk/>
+          <pc:sldMk cId="1896164806" sldId="263"/>
+        </pc:sldMkLst>
+        <pc:spChg chg="mod">
+          <ac:chgData name="謝尚泓" userId="10a1449e-84f2-4b15-a3e3-ff9bf5a03ee1" providerId="ADAL" clId="{59D8694B-E68E-4256-A32C-06AA420CABDF}" dt="2021-06-19T12:02:37.922" v="11" actId="20577"/>
+          <ac:spMkLst>
+            <pc:docMk/>
+            <pc:sldMk cId="1896164806" sldId="263"/>
+            <ac:spMk id="7" creationId="{466494F7-B29F-47C7-B243-4198DC937323}"/>
+          </ac:spMkLst>
+        </pc:spChg>
+      </pc:sldChg>
+      <pc:sldChg chg="del">
+        <pc:chgData name="謝尚泓" userId="10a1449e-84f2-4b15-a3e3-ff9bf5a03ee1" providerId="ADAL" clId="{59D8694B-E68E-4256-A32C-06AA420CABDF}" dt="2021-06-19T12:01:19.247" v="0" actId="2696"/>
+        <pc:sldMkLst>
+          <pc:docMk/>
+          <pc:sldMk cId="3489292648" sldId="263"/>
+        </pc:sldMkLst>
+      </pc:sldChg>
+      <pc:sldChg chg="modSp add mod">
+        <pc:chgData name="謝尚泓" userId="10a1449e-84f2-4b15-a3e3-ff9bf5a03ee1" providerId="ADAL" clId="{59D8694B-E68E-4256-A32C-06AA420CABDF}" dt="2021-06-19T12:02:42.091" v="14" actId="20577"/>
+        <pc:sldMkLst>
+          <pc:docMk/>
+          <pc:sldMk cId="379167241" sldId="264"/>
+        </pc:sldMkLst>
+        <pc:spChg chg="mod">
+          <ac:chgData name="謝尚泓" userId="10a1449e-84f2-4b15-a3e3-ff9bf5a03ee1" providerId="ADAL" clId="{59D8694B-E68E-4256-A32C-06AA420CABDF}" dt="2021-06-19T12:02:42.091" v="14" actId="20577"/>
+          <ac:spMkLst>
+            <pc:docMk/>
+            <pc:sldMk cId="379167241" sldId="264"/>
+            <ac:spMk id="7" creationId="{A0B5279A-E817-4EA2-9DE1-D11583D8DF6B}"/>
+          </ac:spMkLst>
+        </pc:spChg>
+      </pc:sldChg>
+      <pc:sldChg chg="del">
+        <pc:chgData name="謝尚泓" userId="10a1449e-84f2-4b15-a3e3-ff9bf5a03ee1" providerId="ADAL" clId="{59D8694B-E68E-4256-A32C-06AA420CABDF}" dt="2021-06-19T12:01:19.247" v="0" actId="2696"/>
+        <pc:sldMkLst>
+          <pc:docMk/>
+          <pc:sldMk cId="2554308271" sldId="264"/>
+        </pc:sldMkLst>
+      </pc:sldChg>
+      <pc:sldChg chg="del">
+        <pc:chgData name="謝尚泓" userId="10a1449e-84f2-4b15-a3e3-ff9bf5a03ee1" providerId="ADAL" clId="{59D8694B-E68E-4256-A32C-06AA420CABDF}" dt="2021-06-19T12:01:56.663" v="4" actId="2696"/>
+        <pc:sldMkLst>
+          <pc:docMk/>
+          <pc:sldMk cId="3823831135" sldId="268"/>
+        </pc:sldMkLst>
+      </pc:sldChg>
+      <pc:sldChg chg="modSp add mod">
+        <pc:chgData name="謝尚泓" userId="10a1449e-84f2-4b15-a3e3-ff9bf5a03ee1" providerId="ADAL" clId="{59D8694B-E68E-4256-A32C-06AA420CABDF}" dt="2021-06-19T12:03:05.342" v="24" actId="20577"/>
+        <pc:sldMkLst>
+          <pc:docMk/>
+          <pc:sldMk cId="3931204909" sldId="268"/>
+        </pc:sldMkLst>
+        <pc:spChg chg="mod">
+          <ac:chgData name="謝尚泓" userId="10a1449e-84f2-4b15-a3e3-ff9bf5a03ee1" providerId="ADAL" clId="{59D8694B-E68E-4256-A32C-06AA420CABDF}" dt="2021-06-19T12:03:05.342" v="24" actId="20577"/>
+          <ac:spMkLst>
+            <pc:docMk/>
+            <pc:sldMk cId="3931204909" sldId="268"/>
+            <ac:spMk id="8" creationId="{50DFFB96-660F-4D97-8237-A0DE79BBA48E}"/>
+          </ac:spMkLst>
+        </pc:spChg>
+      </pc:sldChg>
+      <pc:sldChg chg="modSp mod">
+        <pc:chgData name="謝尚泓" userId="10a1449e-84f2-4b15-a3e3-ff9bf5a03ee1" providerId="ADAL" clId="{59D8694B-E68E-4256-A32C-06AA420CABDF}" dt="2021-06-19T12:03:15.790" v="29" actId="20577"/>
+        <pc:sldMkLst>
+          <pc:docMk/>
+          <pc:sldMk cId="3153007233" sldId="269"/>
+        </pc:sldMkLst>
+        <pc:spChg chg="mod">
+          <ac:chgData name="謝尚泓" userId="10a1449e-84f2-4b15-a3e3-ff9bf5a03ee1" providerId="ADAL" clId="{59D8694B-E68E-4256-A32C-06AA420CABDF}" dt="2021-06-19T12:03:15.790" v="29" actId="20577"/>
+          <ac:spMkLst>
+            <pc:docMk/>
+            <pc:sldMk cId="3153007233" sldId="269"/>
+            <ac:spMk id="15" creationId="{C163FD2B-4F47-4EC0-84E2-3C47AF6B0EC6}"/>
+          </ac:spMkLst>
+        </pc:spChg>
+      </pc:sldChg>
+      <pc:sldChg chg="modSp mod">
+        <pc:chgData name="謝尚泓" userId="10a1449e-84f2-4b15-a3e3-ff9bf5a03ee1" providerId="ADAL" clId="{59D8694B-E68E-4256-A32C-06AA420CABDF}" dt="2021-06-19T12:03:22.262" v="35" actId="20577"/>
+        <pc:sldMkLst>
+          <pc:docMk/>
+          <pc:sldMk cId="4102902815" sldId="270"/>
+        </pc:sldMkLst>
+        <pc:spChg chg="mod">
+          <ac:chgData name="謝尚泓" userId="10a1449e-84f2-4b15-a3e3-ff9bf5a03ee1" providerId="ADAL" clId="{59D8694B-E68E-4256-A32C-06AA420CABDF}" dt="2021-06-19T12:03:22.262" v="35" actId="20577"/>
+          <ac:spMkLst>
+            <pc:docMk/>
+            <pc:sldMk cId="4102902815" sldId="270"/>
+            <ac:spMk id="9" creationId="{8B738F56-BAC0-48B4-9FC4-67215892016E}"/>
+          </ac:spMkLst>
+        </pc:spChg>
+      </pc:sldChg>
+      <pc:sldChg chg="modSp mod">
+        <pc:chgData name="謝尚泓" userId="10a1449e-84f2-4b15-a3e3-ff9bf5a03ee1" providerId="ADAL" clId="{59D8694B-E68E-4256-A32C-06AA420CABDF}" dt="2021-06-19T12:03:25.926" v="38" actId="20577"/>
+        <pc:sldMkLst>
+          <pc:docMk/>
+          <pc:sldMk cId="2073006211" sldId="271"/>
+        </pc:sldMkLst>
+        <pc:spChg chg="mod">
+          <ac:chgData name="謝尚泓" userId="10a1449e-84f2-4b15-a3e3-ff9bf5a03ee1" providerId="ADAL" clId="{59D8694B-E68E-4256-A32C-06AA420CABDF}" dt="2021-06-19T12:03:25.926" v="38" actId="20577"/>
+          <ac:spMkLst>
+            <pc:docMk/>
+            <pc:sldMk cId="2073006211" sldId="271"/>
+            <ac:spMk id="23" creationId="{6BF3B2AA-F096-4703-973B-E599B624FB0A}"/>
+          </ac:spMkLst>
+        </pc:spChg>
+      </pc:sldChg>
+      <pc:sldChg chg="modSp mod">
+        <pc:chgData name="謝尚泓" userId="10a1449e-84f2-4b15-a3e3-ff9bf5a03ee1" providerId="ADAL" clId="{59D8694B-E68E-4256-A32C-06AA420CABDF}" dt="2021-06-19T12:03:18.750" v="32" actId="20577"/>
+        <pc:sldMkLst>
+          <pc:docMk/>
+          <pc:sldMk cId="3003694382" sldId="272"/>
+        </pc:sldMkLst>
+        <pc:spChg chg="mod">
+          <ac:chgData name="謝尚泓" userId="10a1449e-84f2-4b15-a3e3-ff9bf5a03ee1" providerId="ADAL" clId="{59D8694B-E68E-4256-A32C-06AA420CABDF}" dt="2021-06-19T12:03:18.750" v="32" actId="20577"/>
+          <ac:spMkLst>
+            <pc:docMk/>
+            <pc:sldMk cId="3003694382" sldId="272"/>
+            <ac:spMk id="27" creationId="{85D5B803-213D-4B8C-9240-6867DC4FFF3D}"/>
+          </ac:spMkLst>
+        </pc:spChg>
+      </pc:sldChg>
+      <pc:sldChg chg="modSp mod">
+        <pc:chgData name="謝尚泓" userId="10a1449e-84f2-4b15-a3e3-ff9bf5a03ee1" providerId="ADAL" clId="{59D8694B-E68E-4256-A32C-06AA420CABDF}" dt="2021-06-19T12:03:33.451" v="43" actId="20577"/>
+        <pc:sldMkLst>
+          <pc:docMk/>
+          <pc:sldMk cId="3794507617" sldId="273"/>
+        </pc:sldMkLst>
+        <pc:spChg chg="mod">
+          <ac:chgData name="謝尚泓" userId="10a1449e-84f2-4b15-a3e3-ff9bf5a03ee1" providerId="ADAL" clId="{59D8694B-E68E-4256-A32C-06AA420CABDF}" dt="2021-06-19T12:03:33.451" v="43" actId="20577"/>
+          <ac:spMkLst>
+            <pc:docMk/>
+            <pc:sldMk cId="3794507617" sldId="273"/>
+            <ac:spMk id="25" creationId="{CC334416-E594-46E1-A88C-40ABB687F341}"/>
+          </ac:spMkLst>
+        </pc:spChg>
       </pc:sldChg>
     </pc:docChg>
   </pc:docChgLst>
@@ -3489,7 +3721,7 @@
                 <a:latin typeface="Adobe 黑体 Std R" panose="020B0400000000000000" pitchFamily="34" charset="-128"/>
                 <a:ea typeface="Adobe 黑体 Std R" panose="020B0400000000000000" pitchFamily="34" charset="-128"/>
               </a:rPr>
-              <a:t>System Architecture</a:t>
+              <a:t>Content Based Filtering</a:t>
             </a:r>
             <a:endParaRPr lang="zh-TW" altLang="en-US" sz="11500" dirty="0">
               <a:solidFill>
@@ -3552,10 +3784,10 @@
       </p:sp>
       <p:pic>
         <p:nvPicPr>
-          <p:cNvPr id="20" name="圖片 19">
+          <p:cNvPr id="4" name="圖片 3">
             <a:extLst>
               <a:ext uri="{FF2B5EF4-FFF2-40B4-BE49-F238E27FC236}">
-                <a16:creationId xmlns:a16="http://schemas.microsoft.com/office/drawing/2014/main" id="{BCB50928-1F29-4D80-975B-0591E3710A60}"/>
+                <a16:creationId xmlns:a16="http://schemas.microsoft.com/office/drawing/2014/main" id="{268A7006-D92D-4D3D-BB55-6836D504FB5D}"/>
               </a:ext>
             </a:extLst>
           </p:cNvPr>
@@ -3564,33 +3796,58 @@
           </p:cNvPicPr>
           <p:nvPr/>
         </p:nvPicPr>
-        <p:blipFill rotWithShape="1">
-          <a:blip r:embed="rId2">
-            <a:extLst>
-              <a:ext uri="{28A0092B-C50C-407E-A947-70E740481C1C}">
-                <a14:useLocalDpi xmlns:a14="http://schemas.microsoft.com/office/drawing/2010/main" val="0"/>
-              </a:ext>
-            </a:extLst>
-          </a:blip>
-          <a:srcRect b="59204"/>
-          <a:stretch/>
+        <p:blipFill>
+          <a:blip r:embed="rId2"/>
+          <a:stretch>
+            <a:fillRect/>
+          </a:stretch>
         </p:blipFill>
         <p:spPr>
           <a:xfrm>
-            <a:off x="1489298" y="2159108"/>
-            <a:ext cx="9355871" cy="3124091"/>
+            <a:off x="272102" y="3099488"/>
+            <a:ext cx="1889163" cy="1437894"/>
           </a:xfrm>
           <a:prstGeom prst="rect">
             <a:avLst/>
           </a:prstGeom>
         </p:spPr>
       </p:pic>
-      <p:sp>
-        <p:nvSpPr>
-          <p:cNvPr id="18" name="矩形 17">
+      <p:pic>
+        <p:nvPicPr>
+          <p:cNvPr id="8" name="圖片 7">
             <a:extLst>
               <a:ext uri="{FF2B5EF4-FFF2-40B4-BE49-F238E27FC236}">
-                <a16:creationId xmlns:a16="http://schemas.microsoft.com/office/drawing/2014/main" id="{F8E12EEF-03F9-4171-B114-A71C33F53CBB}"/>
+                <a16:creationId xmlns:a16="http://schemas.microsoft.com/office/drawing/2014/main" id="{734EFDC3-D29E-4DBE-B8B3-8634DD8502CF}"/>
+              </a:ext>
+            </a:extLst>
+          </p:cNvPr>
+          <p:cNvPicPr>
+            <a:picLocks noChangeAspect="1"/>
+          </p:cNvPicPr>
+          <p:nvPr/>
+        </p:nvPicPr>
+        <p:blipFill>
+          <a:blip r:embed="rId3"/>
+          <a:stretch>
+            <a:fillRect/>
+          </a:stretch>
+        </p:blipFill>
+        <p:spPr>
+          <a:xfrm>
+            <a:off x="2259483" y="3213191"/>
+            <a:ext cx="3646151" cy="1357326"/>
+          </a:xfrm>
+          <a:prstGeom prst="rect">
+            <a:avLst/>
+          </a:prstGeom>
+        </p:spPr>
+      </p:pic>
+      <p:sp>
+        <p:nvSpPr>
+          <p:cNvPr id="9" name="矩形: 圓角 8">
+            <a:extLst>
+              <a:ext uri="{FF2B5EF4-FFF2-40B4-BE49-F238E27FC236}">
+                <a16:creationId xmlns:a16="http://schemas.microsoft.com/office/drawing/2014/main" id="{08BF8892-B709-46BA-872C-E3CE3DAAAD46}"/>
               </a:ext>
             </a:extLst>
           </p:cNvPr>
@@ -3599,18 +3856,21 @@
         </p:nvSpPr>
         <p:spPr>
           <a:xfrm>
-            <a:off x="6228193" y="4850130"/>
-            <a:ext cx="1428361" cy="433069"/>
-          </a:xfrm>
-          <a:prstGeom prst="rect">
+            <a:off x="6096000" y="1645969"/>
+            <a:ext cx="5812872" cy="1012344"/>
+          </a:xfrm>
+          <a:prstGeom prst="roundRect">
             <a:avLst/>
           </a:prstGeom>
           <a:solidFill>
-            <a:schemeClr val="tx1"/>
+            <a:schemeClr val="bg1"/>
           </a:solidFill>
-          <a:ln>
+          <a:ln w="28575">
             <a:solidFill>
-              <a:schemeClr val="tx1"/>
+              <a:schemeClr val="accent2">
+                <a:lumMod val="40000"/>
+                <a:lumOff val="60000"/>
+              </a:schemeClr>
             </a:solidFill>
           </a:ln>
         </p:spPr>
@@ -3635,16 +3895,422 @@
           <a:lstStyle/>
           <a:p>
             <a:pPr algn="ctr"/>
-            <a:endParaRPr lang="zh-TW" altLang="en-US"/>
-          </a:p>
-        </p:txBody>
-      </p:sp>
-      <p:sp>
-        <p:nvSpPr>
-          <p:cNvPr id="7" name="文字方塊 6">
+            <a:r>
+              <a:rPr lang="zh-TW" altLang="en-US" sz="2000" b="0" dirty="0">
+                <a:effectLst/>
+                <a:latin typeface="Adobe 黑体 Std R" panose="020B0400000000000000" pitchFamily="34" charset="-128"/>
+                <a:ea typeface="Adobe 黑体 Std R" panose="020B0400000000000000" pitchFamily="34" charset="-128"/>
+              </a:rPr>
+              <a:t>文本數據預處理 </a:t>
+            </a:r>
+            <a:r>
+              <a:rPr lang="en-US" altLang="zh-TW" sz="2000" b="0" dirty="0">
+                <a:effectLst/>
+                <a:latin typeface="Adobe 黑体 Std R" panose="020B0400000000000000" pitchFamily="34" charset="-128"/>
+                <a:ea typeface="Adobe 黑体 Std R" panose="020B0400000000000000" pitchFamily="34" charset="-128"/>
+              </a:rPr>
+              <a:t>- </a:t>
+            </a:r>
+            <a:r>
+              <a:rPr lang="zh-TW" altLang="en-US" sz="2000" b="0" dirty="0">
+                <a:effectLst/>
+                <a:latin typeface="Adobe 黑体 Std R" panose="020B0400000000000000" pitchFamily="34" charset="-128"/>
+                <a:ea typeface="Adobe 黑体 Std R" panose="020B0400000000000000" pitchFamily="34" charset="-128"/>
+              </a:rPr>
+              <a:t>詞頻、資訊檢索與文本挖掘</a:t>
+            </a:r>
+            <a:endParaRPr lang="en-US" altLang="zh-TW" sz="2000" b="0" dirty="0">
+              <a:effectLst/>
+              <a:latin typeface="Adobe 黑体 Std R" panose="020B0400000000000000" pitchFamily="34" charset="-128"/>
+              <a:ea typeface="Adobe 黑体 Std R" panose="020B0400000000000000" pitchFamily="34" charset="-128"/>
+            </a:endParaRPr>
+          </a:p>
+          <a:p>
+            <a:pPr algn="ctr"/>
+            <a:r>
+              <a:rPr lang="en-US" altLang="zh-TW" sz="1600" b="0" dirty="0" err="1">
+                <a:solidFill>
+                  <a:schemeClr val="tx2">
+                    <a:lumMod val="90000"/>
+                  </a:schemeClr>
+                </a:solidFill>
+                <a:effectLst/>
+                <a:latin typeface="Adobe 黑体 Std R" panose="020B0400000000000000" pitchFamily="34" charset="-128"/>
+                <a:ea typeface="Adobe 黑体 Std R" panose="020B0400000000000000" pitchFamily="34" charset="-128"/>
+              </a:rPr>
+              <a:t>Sklearn</a:t>
+            </a:r>
+            <a:r>
+              <a:rPr lang="en-US" altLang="zh-TW" sz="1600" b="0" dirty="0">
+                <a:solidFill>
+                  <a:schemeClr val="tx2">
+                    <a:lumMod val="90000"/>
+                  </a:schemeClr>
+                </a:solidFill>
+                <a:effectLst/>
+                <a:latin typeface="Adobe 黑体 Std R" panose="020B0400000000000000" pitchFamily="34" charset="-128"/>
+                <a:ea typeface="Adobe 黑体 Std R" panose="020B0400000000000000" pitchFamily="34" charset="-128"/>
+              </a:rPr>
+              <a:t> – </a:t>
+            </a:r>
+            <a:r>
+              <a:rPr lang="en-US" altLang="zh-TW" sz="1600" b="0" i="0" dirty="0" err="1">
+                <a:solidFill>
+                  <a:schemeClr val="tx2">
+                    <a:lumMod val="90000"/>
+                  </a:schemeClr>
+                </a:solidFill>
+                <a:effectLst/>
+                <a:latin typeface="Adobe 黑体 Std R" panose="020B0400000000000000" pitchFamily="34" charset="-128"/>
+                <a:ea typeface="Adobe 黑体 Std R" panose="020B0400000000000000" pitchFamily="34" charset="-128"/>
+              </a:rPr>
+              <a:t>CountVectorizer</a:t>
+            </a:r>
+            <a:r>
+              <a:rPr lang="zh-TW" altLang="en-US" sz="1600" dirty="0">
+                <a:solidFill>
+                  <a:schemeClr val="tx2">
+                    <a:lumMod val="90000"/>
+                  </a:schemeClr>
+                </a:solidFill>
+                <a:latin typeface="Adobe 黑体 Std R" panose="020B0400000000000000" pitchFamily="34" charset="-128"/>
+                <a:ea typeface="Adobe 黑体 Std R" panose="020B0400000000000000" pitchFamily="34" charset="-128"/>
+              </a:rPr>
+              <a:t>、</a:t>
+            </a:r>
+            <a:r>
+              <a:rPr lang="en-US" altLang="zh-TW" sz="1600" b="0" i="0" dirty="0" err="1">
+                <a:solidFill>
+                  <a:schemeClr val="tx2">
+                    <a:lumMod val="90000"/>
+                  </a:schemeClr>
+                </a:solidFill>
+                <a:effectLst/>
+                <a:latin typeface="Adobe 黑体 Std R" panose="020B0400000000000000" pitchFamily="34" charset="-128"/>
+                <a:ea typeface="Adobe 黑体 Std R" panose="020B0400000000000000" pitchFamily="34" charset="-128"/>
+              </a:rPr>
+              <a:t>TfidfTransformer</a:t>
+            </a:r>
+            <a:r>
+              <a:rPr lang="en-US" altLang="zh-TW" sz="1600" b="0" i="0" dirty="0">
+                <a:solidFill>
+                  <a:schemeClr val="tx2">
+                    <a:lumMod val="90000"/>
+                  </a:schemeClr>
+                </a:solidFill>
+                <a:effectLst/>
+                <a:latin typeface="Adobe 黑体 Std R" panose="020B0400000000000000" pitchFamily="34" charset="-128"/>
+                <a:ea typeface="Adobe 黑体 Std R" panose="020B0400000000000000" pitchFamily="34" charset="-128"/>
+              </a:rPr>
+              <a:t> </a:t>
+            </a:r>
+            <a:endParaRPr lang="en-US" altLang="zh-TW" sz="1600" b="1" i="0" dirty="0">
+              <a:solidFill>
+                <a:schemeClr val="tx2">
+                  <a:lumMod val="90000"/>
+                </a:schemeClr>
+              </a:solidFill>
+              <a:effectLst/>
+              <a:latin typeface="Adobe 黑体 Std R" panose="020B0400000000000000" pitchFamily="34" charset="-128"/>
+              <a:ea typeface="Adobe 黑体 Std R" panose="020B0400000000000000" pitchFamily="34" charset="-128"/>
+            </a:endParaRPr>
+          </a:p>
+        </p:txBody>
+      </p:sp>
+      <p:sp>
+        <p:nvSpPr>
+          <p:cNvPr id="12" name="矩形: 圓角 11">
             <a:extLst>
               <a:ext uri="{FF2B5EF4-FFF2-40B4-BE49-F238E27FC236}">
-                <a16:creationId xmlns:a16="http://schemas.microsoft.com/office/drawing/2014/main" id="{1C7B8506-6618-4100-8378-842B7B6DA002}"/>
+                <a16:creationId xmlns:a16="http://schemas.microsoft.com/office/drawing/2014/main" id="{9BF95477-CB35-4DEF-B5C7-C7E75991C905}"/>
+              </a:ext>
+            </a:extLst>
+          </p:cNvPr>
+          <p:cNvSpPr/>
+          <p:nvPr/>
+        </p:nvSpPr>
+        <p:spPr>
+          <a:xfrm>
+            <a:off x="6096000" y="3444469"/>
+            <a:ext cx="5812872" cy="1012344"/>
+          </a:xfrm>
+          <a:prstGeom prst="roundRect">
+            <a:avLst/>
+          </a:prstGeom>
+          <a:solidFill>
+            <a:schemeClr val="bg1"/>
+          </a:solidFill>
+          <a:ln w="28575">
+            <a:solidFill>
+              <a:schemeClr val="accent2">
+                <a:lumMod val="40000"/>
+                <a:lumOff val="60000"/>
+              </a:schemeClr>
+            </a:solidFill>
+          </a:ln>
+        </p:spPr>
+        <p:style>
+          <a:lnRef idx="2">
+            <a:schemeClr val="accent1">
+              <a:shade val="50000"/>
+            </a:schemeClr>
+          </a:lnRef>
+          <a:fillRef idx="1">
+            <a:schemeClr val="accent1"/>
+          </a:fillRef>
+          <a:effectRef idx="0">
+            <a:schemeClr val="accent1"/>
+          </a:effectRef>
+          <a:fontRef idx="minor">
+            <a:schemeClr val="lt1"/>
+          </a:fontRef>
+        </p:style>
+        <p:txBody>
+          <a:bodyPr rtlCol="0" anchor="ctr"/>
+          <a:lstStyle/>
+          <a:p>
+            <a:pPr algn="ctr"/>
+            <a:r>
+              <a:rPr lang="en-US" altLang="zh-TW" sz="2000" b="0" dirty="0">
+                <a:effectLst/>
+                <a:latin typeface="Adobe 黑体 Std R" panose="020B0400000000000000" pitchFamily="34" charset="-128"/>
+                <a:ea typeface="Adobe 黑体 Std R" panose="020B0400000000000000" pitchFamily="34" charset="-128"/>
+              </a:rPr>
+              <a:t>Sorted</a:t>
+            </a:r>
+            <a:r>
+              <a:rPr lang="en-US" altLang="zh-TW" sz="2000" b="0" dirty="0">
+                <a:solidFill>
+                  <a:schemeClr val="tx2"/>
+                </a:solidFill>
+                <a:effectLst/>
+                <a:latin typeface="Consolas" panose="020B0609020204030204" pitchFamily="49" charset="0"/>
+                <a:ea typeface="Adobe 黑体 Std R" panose="020B0400000000000000" pitchFamily="34" charset="-128"/>
+              </a:rPr>
+              <a:t> </a:t>
+            </a:r>
+            <a:r>
+              <a:rPr lang="en-US" altLang="zh-TW" sz="2000" b="0" dirty="0">
+                <a:effectLst/>
+                <a:latin typeface="Adobe 黑体 Std R" panose="020B0400000000000000" pitchFamily="34" charset="-128"/>
+                <a:ea typeface="Adobe 黑体 Std R" panose="020B0400000000000000" pitchFamily="34" charset="-128"/>
+              </a:rPr>
+              <a:t>Cosine Similarity</a:t>
+            </a:r>
+            <a:endParaRPr lang="en-US" altLang="zh-TW" sz="1600" b="1" i="0" dirty="0">
+              <a:solidFill>
+                <a:schemeClr val="tx2">
+                  <a:lumMod val="90000"/>
+                </a:schemeClr>
+              </a:solidFill>
+              <a:effectLst/>
+              <a:latin typeface="Adobe 黑体 Std R" panose="020B0400000000000000" pitchFamily="34" charset="-128"/>
+              <a:ea typeface="Adobe 黑体 Std R" panose="020B0400000000000000" pitchFamily="34" charset="-128"/>
+            </a:endParaRPr>
+          </a:p>
+        </p:txBody>
+      </p:sp>
+      <p:sp>
+        <p:nvSpPr>
+          <p:cNvPr id="13" name="矩形: 圓角 12">
+            <a:extLst>
+              <a:ext uri="{FF2B5EF4-FFF2-40B4-BE49-F238E27FC236}">
+                <a16:creationId xmlns:a16="http://schemas.microsoft.com/office/drawing/2014/main" id="{D0EA1D8E-0C87-4F4A-8CB0-E16B99541FD2}"/>
+              </a:ext>
+            </a:extLst>
+          </p:cNvPr>
+          <p:cNvSpPr/>
+          <p:nvPr/>
+        </p:nvSpPr>
+        <p:spPr>
+          <a:xfrm>
+            <a:off x="6096000" y="5242969"/>
+            <a:ext cx="5812872" cy="1012344"/>
+          </a:xfrm>
+          <a:prstGeom prst="roundRect">
+            <a:avLst/>
+          </a:prstGeom>
+          <a:solidFill>
+            <a:schemeClr val="bg1"/>
+          </a:solidFill>
+          <a:ln w="28575">
+            <a:solidFill>
+              <a:schemeClr val="accent2">
+                <a:lumMod val="40000"/>
+                <a:lumOff val="60000"/>
+              </a:schemeClr>
+            </a:solidFill>
+          </a:ln>
+        </p:spPr>
+        <p:style>
+          <a:lnRef idx="2">
+            <a:schemeClr val="accent1">
+              <a:shade val="50000"/>
+            </a:schemeClr>
+          </a:lnRef>
+          <a:fillRef idx="1">
+            <a:schemeClr val="accent1"/>
+          </a:fillRef>
+          <a:effectRef idx="0">
+            <a:schemeClr val="accent1"/>
+          </a:effectRef>
+          <a:fontRef idx="minor">
+            <a:schemeClr val="lt1"/>
+          </a:fontRef>
+        </p:style>
+        <p:txBody>
+          <a:bodyPr rtlCol="0" anchor="ctr"/>
+          <a:lstStyle/>
+          <a:p>
+            <a:pPr algn="ctr"/>
+            <a:r>
+              <a:rPr lang="en-US" altLang="zh-TW" sz="2000" b="0" dirty="0">
+                <a:effectLst/>
+                <a:latin typeface="Adobe 黑体 Std R" panose="020B0400000000000000" pitchFamily="34" charset="-128"/>
+                <a:ea typeface="Adobe 黑体 Std R" panose="020B0400000000000000" pitchFamily="34" charset="-128"/>
+              </a:rPr>
+              <a:t>Sorted Weighted Rating</a:t>
+            </a:r>
+            <a:endParaRPr lang="en-US" altLang="zh-TW" sz="2000" b="0" dirty="0">
+              <a:solidFill>
+                <a:schemeClr val="tx2"/>
+              </a:solidFill>
+              <a:effectLst/>
+              <a:latin typeface="Consolas" panose="020B0609020204030204" pitchFamily="49" charset="0"/>
+            </a:endParaRPr>
+          </a:p>
+          <a:p>
+            <a:pPr algn="ctr"/>
+            <a:r>
+              <a:rPr lang="en-US" altLang="zh-TW" sz="1600" b="0" dirty="0">
+                <a:solidFill>
+                  <a:schemeClr val="tx2"/>
+                </a:solidFill>
+                <a:effectLst/>
+                <a:latin typeface="Consolas" panose="020B0609020204030204" pitchFamily="49" charset="0"/>
+              </a:rPr>
+              <a:t>IMDB formula of weighted rating (WR)(</a:t>
+            </a:r>
+            <a:r>
+              <a:rPr lang="en-US" altLang="zh-TW" sz="1600" b="0" i="0" dirty="0">
+                <a:solidFill>
+                  <a:schemeClr val="tx2"/>
+                </a:solidFill>
+                <a:effectLst/>
+                <a:latin typeface="arial" panose="020B0604020202020204" pitchFamily="34" charset="0"/>
+              </a:rPr>
+              <a:t> from 1 to 10)</a:t>
+            </a:r>
+            <a:endParaRPr lang="en-US" altLang="zh-TW" sz="1600" b="0" dirty="0">
+              <a:solidFill>
+                <a:schemeClr val="tx2"/>
+              </a:solidFill>
+              <a:effectLst/>
+              <a:latin typeface="Adobe 黑体 Std R" panose="020B0400000000000000" pitchFamily="34" charset="-128"/>
+              <a:ea typeface="Adobe 黑体 Std R" panose="020B0400000000000000" pitchFamily="34" charset="-128"/>
+            </a:endParaRPr>
+          </a:p>
+        </p:txBody>
+      </p:sp>
+      <p:cxnSp>
+        <p:nvCxnSpPr>
+          <p:cNvPr id="11" name="直線單箭頭接點 10">
+            <a:extLst>
+              <a:ext uri="{FF2B5EF4-FFF2-40B4-BE49-F238E27FC236}">
+                <a16:creationId xmlns:a16="http://schemas.microsoft.com/office/drawing/2014/main" id="{19DCC7F3-B5A7-4179-9A13-7B1231376FB4}"/>
+              </a:ext>
+            </a:extLst>
+          </p:cNvPr>
+          <p:cNvCxnSpPr>
+            <a:stCxn id="9" idx="2"/>
+            <a:endCxn id="12" idx="0"/>
+          </p:cNvCxnSpPr>
+          <p:nvPr/>
+        </p:nvCxnSpPr>
+        <p:spPr>
+          <a:xfrm>
+            <a:off x="9002436" y="2658313"/>
+            <a:ext cx="0" cy="786156"/>
+          </a:xfrm>
+          <a:prstGeom prst="straightConnector1">
+            <a:avLst/>
+          </a:prstGeom>
+          <a:ln w="38100">
+            <a:solidFill>
+              <a:schemeClr val="accent2">
+                <a:lumMod val="40000"/>
+                <a:lumOff val="60000"/>
+              </a:schemeClr>
+            </a:solidFill>
+            <a:tailEnd type="triangle"/>
+          </a:ln>
+        </p:spPr>
+        <p:style>
+          <a:lnRef idx="1">
+            <a:schemeClr val="accent1"/>
+          </a:lnRef>
+          <a:fillRef idx="0">
+            <a:schemeClr val="accent1"/>
+          </a:fillRef>
+          <a:effectRef idx="0">
+            <a:schemeClr val="accent1"/>
+          </a:effectRef>
+          <a:fontRef idx="minor">
+            <a:schemeClr val="tx1"/>
+          </a:fontRef>
+        </p:style>
+      </p:cxnSp>
+      <p:cxnSp>
+        <p:nvCxnSpPr>
+          <p:cNvPr id="16" name="直線單箭頭接點 15">
+            <a:extLst>
+              <a:ext uri="{FF2B5EF4-FFF2-40B4-BE49-F238E27FC236}">
+                <a16:creationId xmlns:a16="http://schemas.microsoft.com/office/drawing/2014/main" id="{492334C6-7D23-4F63-9A42-D7A382BFE4CE}"/>
+              </a:ext>
+            </a:extLst>
+          </p:cNvPr>
+          <p:cNvCxnSpPr/>
+          <p:nvPr/>
+        </p:nvCxnSpPr>
+        <p:spPr>
+          <a:xfrm>
+            <a:off x="9002436" y="4456813"/>
+            <a:ext cx="0" cy="786156"/>
+          </a:xfrm>
+          <a:prstGeom prst="straightConnector1">
+            <a:avLst/>
+          </a:prstGeom>
+          <a:ln w="38100">
+            <a:solidFill>
+              <a:schemeClr val="accent2">
+                <a:lumMod val="40000"/>
+                <a:lumOff val="60000"/>
+              </a:schemeClr>
+            </a:solidFill>
+            <a:tailEnd type="triangle"/>
+          </a:ln>
+        </p:spPr>
+        <p:style>
+          <a:lnRef idx="1">
+            <a:schemeClr val="accent1"/>
+          </a:lnRef>
+          <a:fillRef idx="0">
+            <a:schemeClr val="accent1"/>
+          </a:fillRef>
+          <a:effectRef idx="0">
+            <a:schemeClr val="accent1"/>
+          </a:effectRef>
+          <a:fontRef idx="minor">
+            <a:schemeClr val="tx1"/>
+          </a:fontRef>
+        </p:style>
+      </p:cxnSp>
+      <p:sp>
+        <p:nvSpPr>
+          <p:cNvPr id="19" name="文字方塊 18">
+            <a:extLst>
+              <a:ext uri="{FF2B5EF4-FFF2-40B4-BE49-F238E27FC236}">
+                <a16:creationId xmlns:a16="http://schemas.microsoft.com/office/drawing/2014/main" id="{9FB61E9D-B5B6-420F-903A-B898E750A211}"/>
               </a:ext>
             </a:extLst>
           </p:cNvPr>
@@ -3653,8 +4319,8 @@
         </p:nvSpPr>
         <p:spPr>
           <a:xfrm>
-            <a:off x="11476641" y="6411194"/>
-            <a:ext cx="444352" cy="369332"/>
+            <a:off x="1641541" y="2984992"/>
+            <a:ext cx="4454459" cy="276999"/>
           </a:xfrm>
           <a:prstGeom prst="rect">
             <a:avLst/>
@@ -3662,6 +4328,93 @@
           <a:noFill/>
         </p:spPr>
         <p:txBody>
+          <a:bodyPr wrap="square">
+            <a:spAutoFit/>
+          </a:bodyPr>
+          <a:lstStyle/>
+          <a:p>
+            <a:pPr algn="ctr"/>
+            <a:r>
+              <a:rPr lang="en-US" altLang="zh-TW" sz="1200" b="0" dirty="0">
+                <a:solidFill>
+                  <a:schemeClr val="accent1">
+                    <a:lumMod val="20000"/>
+                    <a:lumOff val="80000"/>
+                  </a:schemeClr>
+                </a:solidFill>
+                <a:effectLst/>
+                <a:latin typeface="Adobe 黑体 Std R" panose="020B0400000000000000" pitchFamily="34" charset="-128"/>
+                <a:ea typeface="Adobe 黑体 Std R" panose="020B0400000000000000" pitchFamily="34" charset="-128"/>
+              </a:rPr>
+              <a:t>Cosine Similarity</a:t>
+            </a:r>
+            <a:endParaRPr lang="en-US" altLang="zh-TW" sz="1050" b="1" i="0" dirty="0">
+              <a:solidFill>
+                <a:schemeClr val="accent1">
+                  <a:lumMod val="20000"/>
+                  <a:lumOff val="80000"/>
+                </a:schemeClr>
+              </a:solidFill>
+              <a:effectLst/>
+              <a:latin typeface="Adobe 黑体 Std R" panose="020B0400000000000000" pitchFamily="34" charset="-128"/>
+              <a:ea typeface="Adobe 黑体 Std R" panose="020B0400000000000000" pitchFamily="34" charset="-128"/>
+            </a:endParaRPr>
+          </a:p>
+        </p:txBody>
+      </p:sp>
+      <p:pic>
+        <p:nvPicPr>
+          <p:cNvPr id="5" name="圖片 4">
+            <a:extLst>
+              <a:ext uri="{FF2B5EF4-FFF2-40B4-BE49-F238E27FC236}">
+                <a16:creationId xmlns:a16="http://schemas.microsoft.com/office/drawing/2014/main" id="{1726D401-D4FF-4F7D-A402-B377B848EABD}"/>
+              </a:ext>
+            </a:extLst>
+          </p:cNvPr>
+          <p:cNvPicPr>
+            <a:picLocks noChangeAspect="1"/>
+          </p:cNvPicPr>
+          <p:nvPr/>
+        </p:nvPicPr>
+        <p:blipFill>
+          <a:blip r:embed="rId4"/>
+          <a:stretch>
+            <a:fillRect/>
+          </a:stretch>
+        </p:blipFill>
+        <p:spPr>
+          <a:xfrm>
+            <a:off x="2247558" y="5028123"/>
+            <a:ext cx="3658076" cy="1508864"/>
+          </a:xfrm>
+          <a:prstGeom prst="rect">
+            <a:avLst/>
+          </a:prstGeom>
+        </p:spPr>
+      </p:pic>
+      <p:sp>
+        <p:nvSpPr>
+          <p:cNvPr id="15" name="文字方塊 14">
+            <a:extLst>
+              <a:ext uri="{FF2B5EF4-FFF2-40B4-BE49-F238E27FC236}">
+                <a16:creationId xmlns:a16="http://schemas.microsoft.com/office/drawing/2014/main" id="{C163FD2B-4F47-4EC0-84E2-3C47AF6B0EC6}"/>
+              </a:ext>
+            </a:extLst>
+          </p:cNvPr>
+          <p:cNvSpPr txBox="1"/>
+          <p:nvPr/>
+        </p:nvSpPr>
+        <p:spPr>
+          <a:xfrm>
+            <a:off x="11476641" y="6411194"/>
+            <a:ext cx="444352" cy="369332"/>
+          </a:xfrm>
+          <a:prstGeom prst="rect">
+            <a:avLst/>
+          </a:prstGeom>
+          <a:noFill/>
+        </p:spPr>
+        <p:txBody>
           <a:bodyPr wrap="none" rtlCol="0">
             <a:spAutoFit/>
           </a:bodyPr>
@@ -3684,7 +4437,7 @@
     </p:spTree>
     <p:extLst>
       <p:ext uri="{BB962C8B-B14F-4D97-AF65-F5344CB8AC3E}">
-        <p14:creationId xmlns:p14="http://schemas.microsoft.com/office/powerpoint/2010/main" val="1624831721"/>
+        <p14:creationId xmlns:p14="http://schemas.microsoft.com/office/powerpoint/2010/main" val="3153007233"/>
       </p:ext>
     </p:extLst>
   </p:cSld>
@@ -3723,120 +4476,12 @@
           <a:chExt cx="0" cy="0"/>
         </a:xfrm>
       </p:grpSpPr>
-      <p:sp>
-        <p:nvSpPr>
-          <p:cNvPr id="2" name="標題 1">
-            <a:extLst>
-              <a:ext uri="{FF2B5EF4-FFF2-40B4-BE49-F238E27FC236}">
-                <a16:creationId xmlns:a16="http://schemas.microsoft.com/office/drawing/2014/main" id="{78E40BCE-5B5D-4B68-93B0-A1D9218F9B99}"/>
-              </a:ext>
-            </a:extLst>
-          </p:cNvPr>
-          <p:cNvSpPr>
-            <a:spLocks noGrp="1"/>
-          </p:cNvSpPr>
-          <p:nvPr>
-            <p:ph type="ctrTitle"/>
-          </p:nvPr>
-        </p:nvSpPr>
-        <p:spPr>
-          <a:xfrm>
-            <a:off x="739463" y="321013"/>
-            <a:ext cx="7690549" cy="1012343"/>
-          </a:xfrm>
-        </p:spPr>
-        <p:txBody>
-          <a:bodyPr anchor="b">
-            <a:noAutofit/>
-          </a:bodyPr>
-          <a:lstStyle/>
-          <a:p>
-            <a:pPr algn="l"/>
-            <a:r>
-              <a:rPr lang="en-US" altLang="zh-TW" sz="5400" dirty="0">
-                <a:solidFill>
-                  <a:schemeClr val="tx2"/>
-                </a:solidFill>
-                <a:latin typeface="Adobe 黑体 Std R" panose="020B0400000000000000" pitchFamily="34" charset="-128"/>
-                <a:ea typeface="Adobe 黑体 Std R" panose="020B0400000000000000" pitchFamily="34" charset="-128"/>
-              </a:rPr>
-              <a:t>RS</a:t>
-            </a:r>
-            <a:r>
-              <a:rPr lang="zh-TW" altLang="en-US" sz="5400" dirty="0">
-                <a:solidFill>
-                  <a:schemeClr val="tx2"/>
-                </a:solidFill>
-                <a:latin typeface="Adobe 黑体 Std R" panose="020B0400000000000000" pitchFamily="34" charset="-128"/>
-                <a:ea typeface="Adobe 黑体 Std R" panose="020B0400000000000000" pitchFamily="34" charset="-128"/>
-              </a:rPr>
-              <a:t> </a:t>
-            </a:r>
-            <a:endParaRPr lang="zh-TW" altLang="en-US" sz="11500" dirty="0">
-              <a:solidFill>
-                <a:schemeClr val="tx2"/>
-              </a:solidFill>
-              <a:latin typeface="Adobe 黑体 Std R" panose="020B0400000000000000" pitchFamily="34" charset="-128"/>
-              <a:ea typeface="Adobe 黑体 Std R" panose="020B0400000000000000" pitchFamily="34" charset="-128"/>
-            </a:endParaRPr>
-          </a:p>
-        </p:txBody>
-      </p:sp>
-      <p:sp>
-        <p:nvSpPr>
-          <p:cNvPr id="6" name="矩形: 圓角 5">
-            <a:extLst>
-              <a:ext uri="{FF2B5EF4-FFF2-40B4-BE49-F238E27FC236}">
-                <a16:creationId xmlns:a16="http://schemas.microsoft.com/office/drawing/2014/main" id="{53EBDDEB-FB97-4AAF-83F4-907E8E332E6A}"/>
-              </a:ext>
-            </a:extLst>
-          </p:cNvPr>
-          <p:cNvSpPr/>
-          <p:nvPr/>
-        </p:nvSpPr>
-        <p:spPr>
-          <a:xfrm>
-            <a:off x="628893" y="321013"/>
-            <a:ext cx="45719" cy="933855"/>
-          </a:xfrm>
-          <a:prstGeom prst="roundRect">
-            <a:avLst/>
-          </a:prstGeom>
-          <a:solidFill>
-            <a:srgbClr val="9765E9"/>
-          </a:solidFill>
-        </p:spPr>
-        <p:style>
-          <a:lnRef idx="2">
-            <a:schemeClr val="accent1">
-              <a:shade val="50000"/>
-            </a:schemeClr>
-          </a:lnRef>
-          <a:fillRef idx="1">
-            <a:schemeClr val="accent1"/>
-          </a:fillRef>
-          <a:effectRef idx="0">
-            <a:schemeClr val="accent1"/>
-          </a:effectRef>
-          <a:fontRef idx="minor">
-            <a:schemeClr val="lt1"/>
-          </a:fontRef>
-        </p:style>
-        <p:txBody>
-          <a:bodyPr rtlCol="0" anchor="ctr"/>
-          <a:lstStyle/>
-          <a:p>
-            <a:pPr algn="ctr"/>
-            <a:endParaRPr lang="zh-TW" altLang="en-US"/>
-          </a:p>
-        </p:txBody>
-      </p:sp>
       <p:pic>
         <p:nvPicPr>
-          <p:cNvPr id="9" name="圖片 8">
+          <p:cNvPr id="10" name="圖片 9">
             <a:extLst>
               <a:ext uri="{FF2B5EF4-FFF2-40B4-BE49-F238E27FC236}">
-                <a16:creationId xmlns:a16="http://schemas.microsoft.com/office/drawing/2014/main" id="{E78F777A-89EA-402F-A3DE-6DF52CD4F1F4}"/>
+                <a16:creationId xmlns:a16="http://schemas.microsoft.com/office/drawing/2014/main" id="{D361A6A2-F3B6-44F0-BE4A-FF1EB674C5AD}"/>
               </a:ext>
             </a:extLst>
           </p:cNvPr>
@@ -3853,8 +4498,8 @@
         </p:blipFill>
         <p:spPr>
           <a:xfrm>
-            <a:off x="2121285" y="321013"/>
-            <a:ext cx="9441822" cy="5769582"/>
+            <a:off x="1724344" y="4985464"/>
+            <a:ext cx="9000876" cy="1822072"/>
           </a:xfrm>
           <a:prstGeom prst="rect">
             <a:avLst/>
@@ -3863,10 +4508,10 @@
       </p:pic>
       <p:sp>
         <p:nvSpPr>
-          <p:cNvPr id="5" name="文字方塊 4">
+          <p:cNvPr id="20" name="文字方塊 19">
             <a:extLst>
               <a:ext uri="{FF2B5EF4-FFF2-40B4-BE49-F238E27FC236}">
-                <a16:creationId xmlns:a16="http://schemas.microsoft.com/office/drawing/2014/main" id="{0BE13FC0-6036-4D5D-9131-7AA78607497A}"/>
+                <a16:creationId xmlns:a16="http://schemas.microsoft.com/office/drawing/2014/main" id="{1A9ABAF0-F28F-49D4-A6CC-7CD8D1130D4C}"/>
               </a:ext>
             </a:extLst>
           </p:cNvPr>
@@ -3875,8 +4520,8 @@
         </p:nvSpPr>
         <p:spPr>
           <a:xfrm>
-            <a:off x="11476641" y="6411194"/>
-            <a:ext cx="444352" cy="369332"/>
+            <a:off x="3023648" y="93188"/>
+            <a:ext cx="6141562" cy="369332"/>
           </a:xfrm>
           <a:prstGeom prst="rect">
             <a:avLst/>
@@ -3884,6 +4529,183 @@
           <a:noFill/>
         </p:spPr>
         <p:txBody>
+          <a:bodyPr wrap="square">
+            <a:spAutoFit/>
+          </a:bodyPr>
+          <a:lstStyle/>
+          <a:p>
+            <a:pPr algn="ctr"/>
+            <a:r>
+              <a:rPr lang="en-US" altLang="zh-TW" sz="1800" b="0" dirty="0">
+                <a:effectLst/>
+                <a:latin typeface="Adobe 黑体 Std R" panose="020B0400000000000000" pitchFamily="34" charset="-128"/>
+                <a:ea typeface="Adobe 黑体 Std R" panose="020B0400000000000000" pitchFamily="34" charset="-128"/>
+              </a:rPr>
+              <a:t>Sorted</a:t>
+            </a:r>
+            <a:r>
+              <a:rPr lang="en-US" altLang="zh-TW" sz="1800" b="0" dirty="0">
+                <a:solidFill>
+                  <a:schemeClr val="tx2"/>
+                </a:solidFill>
+                <a:effectLst/>
+                <a:latin typeface="Consolas" panose="020B0609020204030204" pitchFamily="49" charset="0"/>
+                <a:ea typeface="Adobe 黑体 Std R" panose="020B0400000000000000" pitchFamily="34" charset="-128"/>
+              </a:rPr>
+              <a:t> </a:t>
+            </a:r>
+            <a:r>
+              <a:rPr lang="en-US" altLang="zh-TW" sz="1800" b="0" dirty="0">
+                <a:effectLst/>
+                <a:latin typeface="Adobe 黑体 Std R" panose="020B0400000000000000" pitchFamily="34" charset="-128"/>
+                <a:ea typeface="Adobe 黑体 Std R" panose="020B0400000000000000" pitchFamily="34" charset="-128"/>
+              </a:rPr>
+              <a:t>Cosine Similarity</a:t>
+            </a:r>
+            <a:endParaRPr lang="en-US" altLang="zh-TW" sz="1400" b="1" i="0" dirty="0">
+              <a:solidFill>
+                <a:schemeClr val="tx2">
+                  <a:lumMod val="90000"/>
+                </a:schemeClr>
+              </a:solidFill>
+              <a:effectLst/>
+              <a:latin typeface="Adobe 黑体 Std R" panose="020B0400000000000000" pitchFamily="34" charset="-128"/>
+              <a:ea typeface="Adobe 黑体 Std R" panose="020B0400000000000000" pitchFamily="34" charset="-128"/>
+            </a:endParaRPr>
+          </a:p>
+        </p:txBody>
+      </p:sp>
+      <p:sp>
+        <p:nvSpPr>
+          <p:cNvPr id="21" name="文字方塊 20">
+            <a:extLst>
+              <a:ext uri="{FF2B5EF4-FFF2-40B4-BE49-F238E27FC236}">
+                <a16:creationId xmlns:a16="http://schemas.microsoft.com/office/drawing/2014/main" id="{98DAE493-A0ED-40C7-86A5-A5DD5529660F}"/>
+              </a:ext>
+            </a:extLst>
+          </p:cNvPr>
+          <p:cNvSpPr txBox="1"/>
+          <p:nvPr/>
+        </p:nvSpPr>
+        <p:spPr>
+          <a:xfrm>
+            <a:off x="2117496" y="4357045"/>
+            <a:ext cx="7953865" cy="646331"/>
+          </a:xfrm>
+          <a:prstGeom prst="rect">
+            <a:avLst/>
+          </a:prstGeom>
+          <a:noFill/>
+        </p:spPr>
+        <p:txBody>
+          <a:bodyPr wrap="square">
+            <a:spAutoFit/>
+          </a:bodyPr>
+          <a:lstStyle/>
+          <a:p>
+            <a:pPr algn="ctr"/>
+            <a:r>
+              <a:rPr lang="en-US" altLang="zh-TW" b="0" dirty="0">
+                <a:effectLst/>
+                <a:latin typeface="Adobe 黑体 Std R" panose="020B0400000000000000" pitchFamily="34" charset="-128"/>
+                <a:ea typeface="Adobe 黑体 Std R" panose="020B0400000000000000" pitchFamily="34" charset="-128"/>
+              </a:rPr>
+              <a:t>Sorted Weighted Rating</a:t>
+            </a:r>
+            <a:endParaRPr lang="en-US" altLang="zh-TW" b="0" dirty="0">
+              <a:solidFill>
+                <a:schemeClr val="tx2"/>
+              </a:solidFill>
+              <a:effectLst/>
+              <a:latin typeface="Consolas" panose="020B0609020204030204" pitchFamily="49" charset="0"/>
+            </a:endParaRPr>
+          </a:p>
+          <a:p>
+            <a:pPr algn="ctr"/>
+            <a:r>
+              <a:rPr lang="en-US" altLang="zh-TW" b="0" dirty="0">
+                <a:solidFill>
+                  <a:schemeClr val="tx2"/>
+                </a:solidFill>
+                <a:effectLst/>
+                <a:latin typeface="Consolas" panose="020B0609020204030204" pitchFamily="49" charset="0"/>
+              </a:rPr>
+              <a:t>IMDB formula of weighted rating (WR)(</a:t>
+            </a:r>
+            <a:r>
+              <a:rPr lang="en-US" altLang="zh-TW" b="0" i="0" dirty="0">
+                <a:solidFill>
+                  <a:schemeClr val="tx2"/>
+                </a:solidFill>
+                <a:effectLst/>
+                <a:latin typeface="arial" panose="020B0604020202020204" pitchFamily="34" charset="0"/>
+              </a:rPr>
+              <a:t> from 1 to 10)</a:t>
+            </a:r>
+            <a:endParaRPr lang="en-US" altLang="zh-TW" b="0" dirty="0">
+              <a:solidFill>
+                <a:schemeClr val="tx2"/>
+              </a:solidFill>
+              <a:effectLst/>
+              <a:latin typeface="Adobe 黑体 Std R" panose="020B0400000000000000" pitchFamily="34" charset="-128"/>
+              <a:ea typeface="Adobe 黑体 Std R" panose="020B0400000000000000" pitchFamily="34" charset="-128"/>
+            </a:endParaRPr>
+          </a:p>
+        </p:txBody>
+      </p:sp>
+      <p:pic>
+        <p:nvPicPr>
+          <p:cNvPr id="25" name="圖片 24">
+            <a:extLst>
+              <a:ext uri="{FF2B5EF4-FFF2-40B4-BE49-F238E27FC236}">
+                <a16:creationId xmlns:a16="http://schemas.microsoft.com/office/drawing/2014/main" id="{3C85E5FD-393C-4B9A-A928-B13F1118A8F5}"/>
+              </a:ext>
+            </a:extLst>
+          </p:cNvPr>
+          <p:cNvPicPr>
+            <a:picLocks noChangeAspect="1"/>
+          </p:cNvPicPr>
+          <p:nvPr/>
+        </p:nvPicPr>
+        <p:blipFill>
+          <a:blip r:embed="rId3"/>
+          <a:stretch>
+            <a:fillRect/>
+          </a:stretch>
+        </p:blipFill>
+        <p:spPr>
+          <a:xfrm>
+            <a:off x="2917143" y="462520"/>
+            <a:ext cx="6357714" cy="3641723"/>
+          </a:xfrm>
+          <a:prstGeom prst="rect">
+            <a:avLst/>
+          </a:prstGeom>
+        </p:spPr>
+      </p:pic>
+      <p:sp>
+        <p:nvSpPr>
+          <p:cNvPr id="27" name="文字方塊 26">
+            <a:extLst>
+              <a:ext uri="{FF2B5EF4-FFF2-40B4-BE49-F238E27FC236}">
+                <a16:creationId xmlns:a16="http://schemas.microsoft.com/office/drawing/2014/main" id="{85D5B803-213D-4B8C-9240-6867DC4FFF3D}"/>
+              </a:ext>
+            </a:extLst>
+          </p:cNvPr>
+          <p:cNvSpPr txBox="1"/>
+          <p:nvPr/>
+        </p:nvSpPr>
+        <p:spPr>
+          <a:xfrm>
+            <a:off x="11476641" y="6411194"/>
+            <a:ext cx="444352" cy="369332"/>
+          </a:xfrm>
+          <a:prstGeom prst="rect">
+            <a:avLst/>
+          </a:prstGeom>
+          <a:noFill/>
+        </p:spPr>
+        <p:txBody>
           <a:bodyPr wrap="none" rtlCol="0">
             <a:spAutoFit/>
           </a:bodyPr>
@@ -3906,7 +4728,7 @@
     </p:spTree>
     <p:extLst>
       <p:ext uri="{BB962C8B-B14F-4D97-AF65-F5344CB8AC3E}">
-        <p14:creationId xmlns:p14="http://schemas.microsoft.com/office/powerpoint/2010/main" val="16516634"/>
+        <p14:creationId xmlns:p14="http://schemas.microsoft.com/office/powerpoint/2010/main" val="3003694382"/>
       </p:ext>
     </p:extLst>
   </p:cSld>
@@ -3963,7 +4785,7 @@
         </p:nvSpPr>
         <p:spPr>
           <a:xfrm>
-            <a:off x="1495187" y="310853"/>
+            <a:off x="739463" y="321013"/>
             <a:ext cx="7690549" cy="1012343"/>
           </a:xfrm>
         </p:spPr>
@@ -3979,49 +4801,11 @@
                 <a:latin typeface="Adobe 黑体 Std R" panose="020B0400000000000000" pitchFamily="34" charset="-128"/>
                 <a:ea typeface="Adobe 黑体 Std R" panose="020B0400000000000000" pitchFamily="34" charset="-128"/>
               </a:rPr>
-              <a:t>PyQt6 </a:t>
-            </a:r>
-            <a:r>
-              <a:rPr lang="en-US" altLang="zh-TW" sz="5400" b="0" i="0" u="none" strike="noStrike" baseline="0" dirty="0">
-                <a:solidFill>
-                  <a:schemeClr val="tx2">
-                    <a:lumMod val="90000"/>
-                  </a:schemeClr>
-                </a:solidFill>
-                <a:latin typeface="Adobe 黑体 Std R" panose="020B0400000000000000" pitchFamily="34" charset="-128"/>
-                <a:ea typeface="Adobe 黑体 Std R" panose="020B0400000000000000" pitchFamily="34" charset="-128"/>
-              </a:rPr>
-              <a:t>– </a:t>
-            </a:r>
-            <a:r>
-              <a:rPr lang="en-US" altLang="zh-TW" sz="5400" dirty="0">
-                <a:solidFill>
-                  <a:schemeClr val="tx2">
-                    <a:lumMod val="90000"/>
-                  </a:schemeClr>
-                </a:solidFill>
-                <a:latin typeface="Adobe 黑体 Std R" panose="020B0400000000000000" pitchFamily="34" charset="-128"/>
-                <a:ea typeface="Adobe 黑体 Std R" panose="020B0400000000000000" pitchFamily="34" charset="-128"/>
-              </a:rPr>
-              <a:t>H</a:t>
-            </a:r>
-            <a:r>
-              <a:rPr lang="en-US" altLang="zh-TW" sz="5400" b="0" i="0" u="none" strike="noStrike" baseline="0" dirty="0">
-                <a:solidFill>
-                  <a:schemeClr val="tx2">
-                    <a:lumMod val="90000"/>
-                  </a:schemeClr>
-                </a:solidFill>
-                <a:latin typeface="Adobe 黑体 Std R" panose="020B0400000000000000" pitchFamily="34" charset="-128"/>
-                <a:ea typeface="Adobe 黑体 Std R" panose="020B0400000000000000" pitchFamily="34" charset="-128"/>
-              </a:rPr>
-              <a:t>ome Page</a:t>
+              <a:t>Collaborative Filtering</a:t>
             </a:r>
             <a:endParaRPr lang="zh-TW" altLang="en-US" sz="11500" dirty="0">
               <a:solidFill>
-                <a:schemeClr val="tx2">
-                  <a:lumMod val="90000"/>
-                </a:schemeClr>
+                <a:schemeClr val="tx2"/>
               </a:solidFill>
               <a:latin typeface="Adobe 黑体 Std R" panose="020B0400000000000000" pitchFamily="34" charset="-128"/>
               <a:ea typeface="Adobe 黑体 Std R" panose="020B0400000000000000" pitchFamily="34" charset="-128"/>
@@ -4043,7 +4827,7 @@
         </p:nvSpPr>
         <p:spPr>
           <a:xfrm>
-            <a:off x="1384617" y="310853"/>
+            <a:off x="628893" y="321013"/>
             <a:ext cx="45719" cy="933855"/>
           </a:xfrm>
           <a:prstGeom prst="roundRect">
@@ -4080,10 +4864,10 @@
       </p:sp>
       <p:sp>
         <p:nvSpPr>
-          <p:cNvPr id="5" name="文字方塊 4">
+          <p:cNvPr id="4" name="文字方塊 3">
             <a:extLst>
               <a:ext uri="{FF2B5EF4-FFF2-40B4-BE49-F238E27FC236}">
-                <a16:creationId xmlns:a16="http://schemas.microsoft.com/office/drawing/2014/main" id="{08DEF679-9A65-4B1E-A4C8-A335D183D885}"/>
+                <a16:creationId xmlns:a16="http://schemas.microsoft.com/office/drawing/2014/main" id="{A3041F23-BB2A-4884-AD1E-31300FE37EC3}"/>
               </a:ext>
             </a:extLst>
           </p:cNvPr>
@@ -4092,8 +4876,8 @@
         </p:nvSpPr>
         <p:spPr>
           <a:xfrm>
-            <a:off x="11476641" y="6411194"/>
-            <a:ext cx="444352" cy="369332"/>
+            <a:off x="6998862" y="1812053"/>
+            <a:ext cx="3021832" cy="461665"/>
           </a:xfrm>
           <a:prstGeom prst="rect">
             <a:avLst/>
@@ -4101,19 +4885,27 @@
           <a:noFill/>
         </p:spPr>
         <p:txBody>
-          <a:bodyPr wrap="none" rtlCol="0">
+          <a:bodyPr wrap="square">
             <a:spAutoFit/>
           </a:bodyPr>
           <a:lstStyle/>
           <a:p>
             <a:r>
-              <a:rPr lang="en-US" altLang="zh-TW" dirty="0">
-                <a:latin typeface="Adobe 黑体 Std R" panose="020B0400000000000000" pitchFamily="34" charset="-128"/>
-                <a:ea typeface="Adobe 黑体 Std R" panose="020B0400000000000000" pitchFamily="34" charset="-128"/>
-              </a:rPr>
-              <a:t>12</a:t>
-            </a:r>
-            <a:endParaRPr lang="zh-TW" altLang="en-US" dirty="0">
+              <a:rPr lang="en-US" altLang="zh-TW" sz="2400" dirty="0">
+                <a:latin typeface="Adobe 黑体 Std R" panose="020B0400000000000000" pitchFamily="34" charset="-128"/>
+                <a:ea typeface="Adobe 黑体 Std R" panose="020B0400000000000000" pitchFamily="34" charset="-128"/>
+              </a:rPr>
+              <a:t>SVD</a:t>
+            </a:r>
+            <a:r>
+              <a:rPr lang="zh-TW" altLang="en-US" sz="2400" b="0" i="0" dirty="0">
+                <a:effectLst/>
+                <a:latin typeface="Adobe 黑体 Std R" panose="020B0400000000000000" pitchFamily="34" charset="-128"/>
+                <a:ea typeface="Adobe 黑体 Std R" panose="020B0400000000000000" pitchFamily="34" charset="-128"/>
+              </a:rPr>
+              <a:t>對矩陣進行拆分</a:t>
+            </a:r>
+            <a:endParaRPr lang="zh-TW" altLang="en-US" sz="2400" dirty="0">
               <a:latin typeface="Adobe 黑体 Std R" panose="020B0400000000000000" pitchFamily="34" charset="-128"/>
               <a:ea typeface="Adobe 黑体 Std R" panose="020B0400000000000000" pitchFamily="34" charset="-128"/>
             </a:endParaRPr>
@@ -4122,10 +4914,10 @@
       </p:sp>
       <p:pic>
         <p:nvPicPr>
-          <p:cNvPr id="4" name="圖片 3" descr="一張含有 文字, 螢幕擷取畫面, 電子用品 的圖片&#10;&#10;自動產生的描述">
+          <p:cNvPr id="8" name="圖片 7">
             <a:extLst>
               <a:ext uri="{FF2B5EF4-FFF2-40B4-BE49-F238E27FC236}">
-                <a16:creationId xmlns:a16="http://schemas.microsoft.com/office/drawing/2014/main" id="{2A09B06C-AA8E-489A-9F95-5764CDF4C06D}"/>
+                <a16:creationId xmlns:a16="http://schemas.microsoft.com/office/drawing/2014/main" id="{90D0FF43-5AA1-4B7D-8A87-E14D477450FA}"/>
               </a:ext>
             </a:extLst>
           </p:cNvPr>
@@ -4135,31 +4927,127 @@
           <p:nvPr/>
         </p:nvPicPr>
         <p:blipFill>
-          <a:blip r:embed="rId2">
-            <a:extLst>
-              <a:ext uri="{28A0092B-C50C-407E-A947-70E740481C1C}">
-                <a14:useLocalDpi xmlns:a14="http://schemas.microsoft.com/office/drawing/2010/main" val="0"/>
-              </a:ext>
-            </a:extLst>
-          </a:blip>
+          <a:blip r:embed="rId2"/>
           <a:stretch>
             <a:fillRect/>
           </a:stretch>
         </p:blipFill>
         <p:spPr>
           <a:xfrm>
-            <a:off x="1384617" y="1742716"/>
-            <a:ext cx="9163977" cy="5115284"/>
+            <a:off x="373878" y="2676175"/>
+            <a:ext cx="5291723" cy="3611504"/>
           </a:xfrm>
           <a:prstGeom prst="rect">
             <a:avLst/>
           </a:prstGeom>
         </p:spPr>
       </p:pic>
+      <p:pic>
+        <p:nvPicPr>
+          <p:cNvPr id="10" name="圖片 9">
+            <a:extLst>
+              <a:ext uri="{FF2B5EF4-FFF2-40B4-BE49-F238E27FC236}">
+                <a16:creationId xmlns:a16="http://schemas.microsoft.com/office/drawing/2014/main" id="{2337ACDA-D8A3-4A42-9F98-A7312301CB10}"/>
+              </a:ext>
+            </a:extLst>
+          </p:cNvPr>
+          <p:cNvPicPr>
+            <a:picLocks noChangeAspect="1"/>
+          </p:cNvPicPr>
+          <p:nvPr/>
+        </p:nvPicPr>
+        <p:blipFill>
+          <a:blip r:embed="rId3"/>
+          <a:stretch>
+            <a:fillRect/>
+          </a:stretch>
+        </p:blipFill>
+        <p:spPr>
+          <a:xfrm>
+            <a:off x="5974526" y="2327383"/>
+            <a:ext cx="5413054" cy="2779676"/>
+          </a:xfrm>
+          <a:prstGeom prst="rect">
+            <a:avLst/>
+          </a:prstGeom>
+        </p:spPr>
+      </p:pic>
+      <p:pic>
+        <p:nvPicPr>
+          <p:cNvPr id="12" name="圖片 11">
+            <a:extLst>
+              <a:ext uri="{FF2B5EF4-FFF2-40B4-BE49-F238E27FC236}">
+                <a16:creationId xmlns:a16="http://schemas.microsoft.com/office/drawing/2014/main" id="{3FF5E94D-423A-41D6-AB5F-AE9F054FF484}"/>
+              </a:ext>
+            </a:extLst>
+          </p:cNvPr>
+          <p:cNvPicPr>
+            <a:picLocks noChangeAspect="1"/>
+          </p:cNvPicPr>
+          <p:nvPr/>
+        </p:nvPicPr>
+        <p:blipFill>
+          <a:blip r:embed="rId4"/>
+          <a:stretch>
+            <a:fillRect/>
+          </a:stretch>
+        </p:blipFill>
+        <p:spPr>
+          <a:xfrm>
+            <a:off x="5974526" y="5160724"/>
+            <a:ext cx="5414495" cy="1504027"/>
+          </a:xfrm>
+          <a:prstGeom prst="rect">
+            <a:avLst/>
+          </a:prstGeom>
+        </p:spPr>
+      </p:pic>
+      <p:sp>
+        <p:nvSpPr>
+          <p:cNvPr id="9" name="文字方塊 8">
+            <a:extLst>
+              <a:ext uri="{FF2B5EF4-FFF2-40B4-BE49-F238E27FC236}">
+                <a16:creationId xmlns:a16="http://schemas.microsoft.com/office/drawing/2014/main" id="{8B738F56-BAC0-48B4-9FC4-67215892016E}"/>
+              </a:ext>
+            </a:extLst>
+          </p:cNvPr>
+          <p:cNvSpPr txBox="1"/>
+          <p:nvPr/>
+        </p:nvSpPr>
+        <p:spPr>
+          <a:xfrm>
+            <a:off x="11476641" y="6411194"/>
+            <a:ext cx="444352" cy="369332"/>
+          </a:xfrm>
+          <a:prstGeom prst="rect">
+            <a:avLst/>
+          </a:prstGeom>
+          <a:noFill/>
+        </p:spPr>
+        <p:txBody>
+          <a:bodyPr wrap="none" rtlCol="0">
+            <a:spAutoFit/>
+          </a:bodyPr>
+          <a:lstStyle/>
+          <a:p>
+            <a:r>
+              <a:rPr lang="en-US" altLang="zh-TW" dirty="0">
+                <a:latin typeface="Adobe 黑体 Std R" panose="020B0400000000000000" pitchFamily="34" charset="-128"/>
+                <a:ea typeface="Adobe 黑体 Std R" panose="020B0400000000000000" pitchFamily="34" charset="-128"/>
+              </a:rPr>
+              <a:t>12</a:t>
+            </a:r>
+            <a:endParaRPr lang="zh-TW" altLang="en-US" dirty="0">
+              <a:latin typeface="Adobe 黑体 Std R" panose="020B0400000000000000" pitchFamily="34" charset="-128"/>
+              <a:ea typeface="Adobe 黑体 Std R" panose="020B0400000000000000" pitchFamily="34" charset="-128"/>
+            </a:endParaRPr>
+          </a:p>
+        </p:txBody>
+      </p:sp>
     </p:spTree>
     <p:extLst>
       <p:ext uri="{BB962C8B-B14F-4D97-AF65-F5344CB8AC3E}">
-        <p14:creationId xmlns:p14="http://schemas.microsoft.com/office/powerpoint/2010/main" val="3326525695"/>
+        <p14:creationId xmlns:p14="http://schemas.microsoft.com/office/powerpoint/2010/main" val="4102902815"/>
       </p:ext>
     </p:extLst>
   </p:cSld>
@@ -4216,8 +5104,8 @@
         </p:nvSpPr>
         <p:spPr>
           <a:xfrm>
-            <a:off x="1495187" y="310853"/>
-            <a:ext cx="7690549" cy="1012343"/>
+            <a:off x="739463" y="321013"/>
+            <a:ext cx="8498805" cy="1012343"/>
           </a:xfrm>
         </p:spPr>
         <p:txBody>
@@ -4232,49 +5120,25 @@
                 <a:latin typeface="Adobe 黑体 Std R" panose="020B0400000000000000" pitchFamily="34" charset="-128"/>
                 <a:ea typeface="Adobe 黑体 Std R" panose="020B0400000000000000" pitchFamily="34" charset="-128"/>
               </a:rPr>
-              <a:t>PyQt6 </a:t>
+              <a:t>Hybrid Approach</a:t>
+            </a:r>
+            <a:r>
+              <a:rPr lang="zh-TW" altLang="en-US" sz="5400" b="0" i="0" u="none" strike="noStrike" baseline="0" dirty="0">
+                <a:latin typeface="Adobe 黑体 Std R" panose="020B0400000000000000" pitchFamily="34" charset="-128"/>
+                <a:ea typeface="Adobe 黑体 Std R" panose="020B0400000000000000" pitchFamily="34" charset="-128"/>
+              </a:rPr>
+              <a:t> </a:t>
             </a:r>
             <a:r>
               <a:rPr lang="en-US" altLang="zh-TW" sz="5400" b="0" i="0" u="none" strike="noStrike" baseline="0" dirty="0">
-                <a:solidFill>
-                  <a:schemeClr val="tx2">
-                    <a:lumMod val="90000"/>
-                  </a:schemeClr>
-                </a:solidFill>
-                <a:latin typeface="Adobe 黑体 Std R" panose="020B0400000000000000" pitchFamily="34" charset="-128"/>
-                <a:ea typeface="Adobe 黑体 Std R" panose="020B0400000000000000" pitchFamily="34" charset="-128"/>
-              </a:rPr>
-              <a:t>– </a:t>
-            </a:r>
-            <a:r>
-              <a:rPr lang="en-US" altLang="zh-TW" sz="5400" dirty="0">
-                <a:solidFill>
-                  <a:schemeClr val="tx2">
-                    <a:lumMod val="90000"/>
-                  </a:schemeClr>
-                </a:solidFill>
-                <a:latin typeface="Adobe 黑体 Std R" panose="020B0400000000000000" pitchFamily="34" charset="-128"/>
-                <a:ea typeface="Adobe 黑体 Std R" panose="020B0400000000000000" pitchFamily="34" charset="-128"/>
-              </a:rPr>
-              <a:t>Video</a:t>
-            </a:r>
-            <a:r>
-              <a:rPr lang="en-US" altLang="zh-TW" sz="5400" b="0" i="0" u="none" strike="noStrike" baseline="0" dirty="0">
-                <a:solidFill>
-                  <a:schemeClr val="tx2">
-                    <a:lumMod val="90000"/>
-                  </a:schemeClr>
-                </a:solidFill>
-                <a:latin typeface="Adobe 黑体 Std R" panose="020B0400000000000000" pitchFamily="34" charset="-128"/>
-                <a:ea typeface="Adobe 黑体 Std R" panose="020B0400000000000000" pitchFamily="34" charset="-128"/>
-              </a:rPr>
-              <a:t> Page</a:t>
+                <a:latin typeface="Adobe 黑体 Std R" panose="020B0400000000000000" pitchFamily="34" charset="-128"/>
+                <a:ea typeface="Adobe 黑体 Std R" panose="020B0400000000000000" pitchFamily="34" charset="-128"/>
+              </a:rPr>
+              <a:t>(Cascade)</a:t>
             </a:r>
             <a:endParaRPr lang="zh-TW" altLang="en-US" sz="11500" dirty="0">
               <a:solidFill>
-                <a:schemeClr val="tx2">
-                  <a:lumMod val="90000"/>
-                </a:schemeClr>
+                <a:schemeClr val="tx2"/>
               </a:solidFill>
               <a:latin typeface="Adobe 黑体 Std R" panose="020B0400000000000000" pitchFamily="34" charset="-128"/>
               <a:ea typeface="Adobe 黑体 Std R" panose="020B0400000000000000" pitchFamily="34" charset="-128"/>
@@ -4296,7 +5160,7 @@
         </p:nvSpPr>
         <p:spPr>
           <a:xfrm>
-            <a:off x="1384617" y="310853"/>
+            <a:off x="628893" y="321013"/>
             <a:ext cx="45719" cy="933855"/>
           </a:xfrm>
           <a:prstGeom prst="roundRect">
@@ -4333,52 +5197,139 @@
       </p:sp>
       <p:sp>
         <p:nvSpPr>
-          <p:cNvPr id="7" name="文字方塊 6">
+          <p:cNvPr id="15" name="矩形: 圓角 14">
             <a:extLst>
               <a:ext uri="{FF2B5EF4-FFF2-40B4-BE49-F238E27FC236}">
-                <a16:creationId xmlns:a16="http://schemas.microsoft.com/office/drawing/2014/main" id="{466494F7-B29F-47C7-B243-4198DC937323}"/>
+                <a16:creationId xmlns:a16="http://schemas.microsoft.com/office/drawing/2014/main" id="{76F88673-22EE-4057-8454-2CB4D9F1FEE7}"/>
               </a:ext>
             </a:extLst>
           </p:cNvPr>
-          <p:cNvSpPr txBox="1"/>
+          <p:cNvSpPr/>
           <p:nvPr/>
         </p:nvSpPr>
         <p:spPr>
           <a:xfrm>
-            <a:off x="11476641" y="6411194"/>
-            <a:ext cx="444352" cy="369332"/>
-          </a:xfrm>
-          <a:prstGeom prst="rect">
+            <a:off x="1598507" y="2550690"/>
+            <a:ext cx="1828800" cy="810705"/>
+          </a:xfrm>
+          <a:prstGeom prst="roundRect">
             <a:avLst/>
           </a:prstGeom>
-          <a:noFill/>
-        </p:spPr>
-        <p:txBody>
-          <a:bodyPr wrap="none" rtlCol="0">
-            <a:spAutoFit/>
-          </a:bodyPr>
-          <a:lstStyle/>
-          <a:p>
-            <a:r>
-              <a:rPr lang="en-US" altLang="zh-TW" dirty="0">
-                <a:latin typeface="Adobe 黑体 Std R" panose="020B0400000000000000" pitchFamily="34" charset="-128"/>
-                <a:ea typeface="Adobe 黑体 Std R" panose="020B0400000000000000" pitchFamily="34" charset="-128"/>
-              </a:rPr>
-              <a:t>13</a:t>
-            </a:r>
-            <a:endParaRPr lang="zh-TW" altLang="en-US" dirty="0">
-              <a:latin typeface="Adobe 黑体 Std R" panose="020B0400000000000000" pitchFamily="34" charset="-128"/>
-              <a:ea typeface="Adobe 黑体 Std R" panose="020B0400000000000000" pitchFamily="34" charset="-128"/>
-            </a:endParaRPr>
+          <a:solidFill>
+            <a:schemeClr val="bg1"/>
+          </a:solidFill>
+          <a:ln w="57150">
+            <a:solidFill>
+              <a:schemeClr val="accent1">
+                <a:lumMod val="40000"/>
+                <a:lumOff val="60000"/>
+              </a:schemeClr>
+            </a:solidFill>
+          </a:ln>
+        </p:spPr>
+        <p:style>
+          <a:lnRef idx="2">
+            <a:schemeClr val="accent1">
+              <a:shade val="50000"/>
+            </a:schemeClr>
+          </a:lnRef>
+          <a:fillRef idx="1">
+            <a:schemeClr val="accent1"/>
+          </a:fillRef>
+          <a:effectRef idx="0">
+            <a:schemeClr val="accent1"/>
+          </a:effectRef>
+          <a:fontRef idx="minor">
+            <a:schemeClr val="lt1"/>
+          </a:fontRef>
+        </p:style>
+        <p:txBody>
+          <a:bodyPr rtlCol="0" anchor="ctr"/>
+          <a:lstStyle/>
+          <a:p>
+            <a:pPr algn="ctr"/>
+            <a:r>
+              <a:rPr lang="en-US" altLang="zh-TW" dirty="0"/>
+              <a:t>Content Based</a:t>
+            </a:r>
+            <a:endParaRPr lang="zh-TW" altLang="en-US" dirty="0"/>
+          </a:p>
+        </p:txBody>
+      </p:sp>
+      <p:sp>
+        <p:nvSpPr>
+          <p:cNvPr id="16" name="矩形: 圓角 15">
+            <a:extLst>
+              <a:ext uri="{FF2B5EF4-FFF2-40B4-BE49-F238E27FC236}">
+                <a16:creationId xmlns:a16="http://schemas.microsoft.com/office/drawing/2014/main" id="{0394D59A-C473-46BF-AFCB-AACA74860067}"/>
+              </a:ext>
+            </a:extLst>
+          </p:cNvPr>
+          <p:cNvSpPr/>
+          <p:nvPr/>
+        </p:nvSpPr>
+        <p:spPr>
+          <a:xfrm>
+            <a:off x="4861442" y="4343480"/>
+            <a:ext cx="2652074" cy="810705"/>
+          </a:xfrm>
+          <a:prstGeom prst="roundRect">
+            <a:avLst/>
+          </a:prstGeom>
+          <a:solidFill>
+            <a:schemeClr val="bg1"/>
+          </a:solidFill>
+          <a:ln w="57150">
+            <a:solidFill>
+              <a:schemeClr val="accent1">
+                <a:lumMod val="40000"/>
+                <a:lumOff val="60000"/>
+              </a:schemeClr>
+            </a:solidFill>
+          </a:ln>
+        </p:spPr>
+        <p:style>
+          <a:lnRef idx="2">
+            <a:schemeClr val="accent1">
+              <a:shade val="50000"/>
+            </a:schemeClr>
+          </a:lnRef>
+          <a:fillRef idx="1">
+            <a:schemeClr val="accent1"/>
+          </a:fillRef>
+          <a:effectRef idx="0">
+            <a:schemeClr val="accent1"/>
+          </a:effectRef>
+          <a:fontRef idx="minor">
+            <a:schemeClr val="lt1"/>
+          </a:fontRef>
+        </p:style>
+        <p:txBody>
+          <a:bodyPr rtlCol="0" anchor="ctr"/>
+          <a:lstStyle/>
+          <a:p>
+            <a:pPr algn="ctr"/>
+            <a:r>
+              <a:rPr lang="en-US" altLang="zh-TW" dirty="0"/>
+              <a:t>Model Based</a:t>
+            </a:r>
+          </a:p>
+          <a:p>
+            <a:pPr algn="ctr"/>
+            <a:r>
+              <a:rPr lang="en-US" altLang="zh-TW" dirty="0"/>
+              <a:t>Collaborative Filtering</a:t>
+            </a:r>
+            <a:endParaRPr lang="zh-TW" altLang="en-US" dirty="0"/>
           </a:p>
         </p:txBody>
       </p:sp>
       <p:pic>
         <p:nvPicPr>
-          <p:cNvPr id="5" name="圖片 4">
+          <p:cNvPr id="18" name="圖形 17" descr="連線 以實心填滿">
             <a:extLst>
               <a:ext uri="{FF2B5EF4-FFF2-40B4-BE49-F238E27FC236}">
-                <a16:creationId xmlns:a16="http://schemas.microsoft.com/office/drawing/2014/main" id="{E0DABF0D-D1F4-4D92-BB4C-DD46827F4CB0}"/>
+                <a16:creationId xmlns:a16="http://schemas.microsoft.com/office/drawing/2014/main" id="{D88A9E86-F93F-441F-8DD3-2C0AC6A54884}"/>
               </a:ext>
             </a:extLst>
           </p:cNvPr>
@@ -4393,6 +5344,9 @@
               <a:ext uri="{28A0092B-C50C-407E-A947-70E740481C1C}">
                 <a14:useLocalDpi xmlns:a14="http://schemas.microsoft.com/office/drawing/2010/main" val="0"/>
               </a:ext>
+              <a:ext uri="{96DAC541-7B7A-43D3-8B79-37D633B846F1}">
+                <asvg:svgBlip xmlns:asvg="http://schemas.microsoft.com/office/drawing/2016/SVG/main" r:embed="rId3"/>
+              </a:ext>
             </a:extLst>
           </a:blip>
           <a:stretch>
@@ -4401,18 +5355,624 @@
         </p:blipFill>
         <p:spPr>
           <a:xfrm>
-            <a:off x="1407476" y="1450791"/>
-            <a:ext cx="8181888" cy="5365086"/>
+            <a:off x="3851380" y="4333110"/>
+            <a:ext cx="914400" cy="914400"/>
           </a:xfrm>
           <a:prstGeom prst="rect">
             <a:avLst/>
           </a:prstGeom>
         </p:spPr>
       </p:pic>
+      <p:pic>
+        <p:nvPicPr>
+          <p:cNvPr id="20" name="圖形 19" descr="場記板 以實心填滿">
+            <a:extLst>
+              <a:ext uri="{FF2B5EF4-FFF2-40B4-BE49-F238E27FC236}">
+                <a16:creationId xmlns:a16="http://schemas.microsoft.com/office/drawing/2014/main" id="{8D5B5185-9303-4FBB-9E40-57F2D6E2E4C9}"/>
+              </a:ext>
+            </a:extLst>
+          </p:cNvPr>
+          <p:cNvPicPr>
+            <a:picLocks noChangeAspect="1"/>
+          </p:cNvPicPr>
+          <p:nvPr/>
+        </p:nvPicPr>
+        <p:blipFill>
+          <a:blip r:embed="rId4">
+            <a:extLst>
+              <a:ext uri="{28A0092B-C50C-407E-A947-70E740481C1C}">
+                <a14:useLocalDpi xmlns:a14="http://schemas.microsoft.com/office/drawing/2010/main" val="0"/>
+              </a:ext>
+              <a:ext uri="{96DAC541-7B7A-43D3-8B79-37D633B846F1}">
+                <asvg:svgBlip xmlns:asvg="http://schemas.microsoft.com/office/drawing/2016/SVG/main" r:embed="rId5"/>
+              </a:ext>
+            </a:extLst>
+          </a:blip>
+          <a:stretch>
+            <a:fillRect/>
+          </a:stretch>
+        </p:blipFill>
+        <p:spPr>
+          <a:xfrm>
+            <a:off x="167825" y="2557861"/>
+            <a:ext cx="687140" cy="687140"/>
+          </a:xfrm>
+          <a:prstGeom prst="rect">
+            <a:avLst/>
+          </a:prstGeom>
+        </p:spPr>
+      </p:pic>
+      <p:pic>
+        <p:nvPicPr>
+          <p:cNvPr id="22" name="圖形 21" descr="影片膠片 以實心填滿">
+            <a:extLst>
+              <a:ext uri="{FF2B5EF4-FFF2-40B4-BE49-F238E27FC236}">
+                <a16:creationId xmlns:a16="http://schemas.microsoft.com/office/drawing/2014/main" id="{AEE247DE-0632-4DEB-AE65-29B0D81056CE}"/>
+              </a:ext>
+            </a:extLst>
+          </p:cNvPr>
+          <p:cNvPicPr>
+            <a:picLocks noChangeAspect="1"/>
+          </p:cNvPicPr>
+          <p:nvPr/>
+        </p:nvPicPr>
+        <p:blipFill>
+          <a:blip r:embed="rId6">
+            <a:extLst>
+              <a:ext uri="{28A0092B-C50C-407E-A947-70E740481C1C}">
+                <a14:useLocalDpi xmlns:a14="http://schemas.microsoft.com/office/drawing/2010/main" val="0"/>
+              </a:ext>
+              <a:ext uri="{96DAC541-7B7A-43D3-8B79-37D633B846F1}">
+                <asvg:svgBlip xmlns:asvg="http://schemas.microsoft.com/office/drawing/2016/SVG/main" r:embed="rId7"/>
+              </a:ext>
+            </a:extLst>
+          </a:blip>
+          <a:stretch>
+            <a:fillRect/>
+          </a:stretch>
+        </p:blipFill>
+        <p:spPr>
+          <a:xfrm rot="1292930">
+            <a:off x="890247" y="2647755"/>
+            <a:ext cx="616575" cy="616575"/>
+          </a:xfrm>
+          <a:prstGeom prst="rect">
+            <a:avLst/>
+          </a:prstGeom>
+        </p:spPr>
+      </p:pic>
+      <p:pic>
+        <p:nvPicPr>
+          <p:cNvPr id="24" name="圖形 23" descr="優先順序 以實心填滿">
+            <a:extLst>
+              <a:ext uri="{FF2B5EF4-FFF2-40B4-BE49-F238E27FC236}">
+                <a16:creationId xmlns:a16="http://schemas.microsoft.com/office/drawing/2014/main" id="{4C4A6D08-6D96-4B3E-A1F7-56F8D9934A08}"/>
+              </a:ext>
+            </a:extLst>
+          </p:cNvPr>
+          <p:cNvPicPr>
+            <a:picLocks noChangeAspect="1"/>
+          </p:cNvPicPr>
+          <p:nvPr/>
+        </p:nvPicPr>
+        <p:blipFill>
+          <a:blip r:embed="rId8">
+            <a:extLst>
+              <a:ext uri="{28A0092B-C50C-407E-A947-70E740481C1C}">
+                <a14:useLocalDpi xmlns:a14="http://schemas.microsoft.com/office/drawing/2010/main" val="0"/>
+              </a:ext>
+              <a:ext uri="{96DAC541-7B7A-43D3-8B79-37D633B846F1}">
+                <asvg:svgBlip xmlns:asvg="http://schemas.microsoft.com/office/drawing/2016/SVG/main" r:embed="rId9"/>
+              </a:ext>
+            </a:extLst>
+          </a:blip>
+          <a:stretch>
+            <a:fillRect/>
+          </a:stretch>
+        </p:blipFill>
+        <p:spPr>
+          <a:xfrm>
+            <a:off x="8222131" y="4754765"/>
+            <a:ext cx="914400" cy="914400"/>
+          </a:xfrm>
+          <a:prstGeom prst="rect">
+            <a:avLst/>
+          </a:prstGeom>
+        </p:spPr>
+      </p:pic>
+      <p:pic>
+        <p:nvPicPr>
+          <p:cNvPr id="26" name="圖形 25" descr="夾紙板 (打勾) 以實心填滿">
+            <a:extLst>
+              <a:ext uri="{FF2B5EF4-FFF2-40B4-BE49-F238E27FC236}">
+                <a16:creationId xmlns:a16="http://schemas.microsoft.com/office/drawing/2014/main" id="{A7711BBF-C1E7-4E21-AF07-92CE22D389A6}"/>
+              </a:ext>
+            </a:extLst>
+          </p:cNvPr>
+          <p:cNvPicPr>
+            <a:picLocks noChangeAspect="1"/>
+          </p:cNvPicPr>
+          <p:nvPr/>
+        </p:nvPicPr>
+        <p:blipFill>
+          <a:blip r:embed="rId10">
+            <a:extLst>
+              <a:ext uri="{28A0092B-C50C-407E-A947-70E740481C1C}">
+                <a14:useLocalDpi xmlns:a14="http://schemas.microsoft.com/office/drawing/2010/main" val="0"/>
+              </a:ext>
+              <a:ext uri="{96DAC541-7B7A-43D3-8B79-37D633B846F1}">
+                <asvg:svgBlip xmlns:asvg="http://schemas.microsoft.com/office/drawing/2016/SVG/main" r:embed="rId11"/>
+              </a:ext>
+            </a:extLst>
+          </a:blip>
+          <a:stretch>
+            <a:fillRect/>
+          </a:stretch>
+        </p:blipFill>
+        <p:spPr>
+          <a:xfrm>
+            <a:off x="10372716" y="4291632"/>
+            <a:ext cx="914400" cy="914400"/>
+          </a:xfrm>
+          <a:prstGeom prst="rect">
+            <a:avLst/>
+          </a:prstGeom>
+        </p:spPr>
+      </p:pic>
+      <p:cxnSp>
+        <p:nvCxnSpPr>
+          <p:cNvPr id="28" name="直線單箭頭接點 27">
+            <a:extLst>
+              <a:ext uri="{FF2B5EF4-FFF2-40B4-BE49-F238E27FC236}">
+                <a16:creationId xmlns:a16="http://schemas.microsoft.com/office/drawing/2014/main" id="{F911CF3D-BDFD-4E6E-BCE5-5B8E2CD22E4F}"/>
+              </a:ext>
+            </a:extLst>
+          </p:cNvPr>
+          <p:cNvCxnSpPr>
+            <a:cxnSpLocks/>
+            <a:stCxn id="15" idx="3"/>
+            <a:endCxn id="35" idx="1"/>
+          </p:cNvCxnSpPr>
+          <p:nvPr/>
+        </p:nvCxnSpPr>
+        <p:spPr>
+          <a:xfrm>
+            <a:off x="3427307" y="2956043"/>
+            <a:ext cx="2302972" cy="15837"/>
+          </a:xfrm>
+          <a:prstGeom prst="straightConnector1">
+            <a:avLst/>
+          </a:prstGeom>
+          <a:ln w="38100">
+            <a:solidFill>
+              <a:schemeClr val="accent1">
+                <a:lumMod val="20000"/>
+                <a:lumOff val="80000"/>
+              </a:schemeClr>
+            </a:solidFill>
+            <a:tailEnd type="triangle"/>
+          </a:ln>
+        </p:spPr>
+        <p:style>
+          <a:lnRef idx="1">
+            <a:schemeClr val="accent1"/>
+          </a:lnRef>
+          <a:fillRef idx="0">
+            <a:schemeClr val="accent1"/>
+          </a:fillRef>
+          <a:effectRef idx="0">
+            <a:schemeClr val="accent1"/>
+          </a:effectRef>
+          <a:fontRef idx="minor">
+            <a:schemeClr val="tx1"/>
+          </a:fontRef>
+        </p:style>
+      </p:cxnSp>
+      <p:cxnSp>
+        <p:nvCxnSpPr>
+          <p:cNvPr id="29" name="直線單箭頭接點 28">
+            <a:extLst>
+              <a:ext uri="{FF2B5EF4-FFF2-40B4-BE49-F238E27FC236}">
+                <a16:creationId xmlns:a16="http://schemas.microsoft.com/office/drawing/2014/main" id="{DC0E1534-8F26-4B97-A90B-D3B2C02D4D7B}"/>
+              </a:ext>
+            </a:extLst>
+          </p:cNvPr>
+          <p:cNvCxnSpPr>
+            <a:cxnSpLocks/>
+            <a:stCxn id="16" idx="3"/>
+            <a:endCxn id="26" idx="1"/>
+          </p:cNvCxnSpPr>
+          <p:nvPr/>
+        </p:nvCxnSpPr>
+        <p:spPr>
+          <a:xfrm flipV="1">
+            <a:off x="7513516" y="4748832"/>
+            <a:ext cx="2859200" cy="1"/>
+          </a:xfrm>
+          <a:prstGeom prst="straightConnector1">
+            <a:avLst/>
+          </a:prstGeom>
+          <a:ln w="38100">
+            <a:solidFill>
+              <a:schemeClr val="accent1">
+                <a:lumMod val="20000"/>
+                <a:lumOff val="80000"/>
+              </a:schemeClr>
+            </a:solidFill>
+            <a:tailEnd type="triangle"/>
+          </a:ln>
+        </p:spPr>
+        <p:style>
+          <a:lnRef idx="1">
+            <a:schemeClr val="accent1"/>
+          </a:lnRef>
+          <a:fillRef idx="0">
+            <a:schemeClr val="accent1"/>
+          </a:fillRef>
+          <a:effectRef idx="0">
+            <a:schemeClr val="accent1"/>
+          </a:effectRef>
+          <a:fontRef idx="minor">
+            <a:schemeClr val="tx1"/>
+          </a:fontRef>
+        </p:style>
+      </p:cxnSp>
+      <p:sp>
+        <p:nvSpPr>
+          <p:cNvPr id="31" name="文字方塊 30">
+            <a:extLst>
+              <a:ext uri="{FF2B5EF4-FFF2-40B4-BE49-F238E27FC236}">
+                <a16:creationId xmlns:a16="http://schemas.microsoft.com/office/drawing/2014/main" id="{74D1DBAD-9219-4645-9F6B-9B6B21ABE1DC}"/>
+              </a:ext>
+            </a:extLst>
+          </p:cNvPr>
+          <p:cNvSpPr txBox="1"/>
+          <p:nvPr/>
+        </p:nvSpPr>
+        <p:spPr>
+          <a:xfrm>
+            <a:off x="3143840" y="1834054"/>
+            <a:ext cx="6094428" cy="646331"/>
+          </a:xfrm>
+          <a:prstGeom prst="rect">
+            <a:avLst/>
+          </a:prstGeom>
+          <a:noFill/>
+        </p:spPr>
+        <p:txBody>
+          <a:bodyPr wrap="square">
+            <a:spAutoFit/>
+          </a:bodyPr>
+          <a:lstStyle/>
+          <a:p>
+            <a:pPr algn="ctr"/>
+            <a:r>
+              <a:rPr lang="en-US" altLang="zh-TW" dirty="0"/>
+              <a:t>A preliminary </a:t>
+            </a:r>
+          </a:p>
+          <a:p>
+            <a:pPr algn="ctr"/>
+            <a:r>
+              <a:rPr lang="en-US" altLang="zh-TW" dirty="0"/>
+              <a:t>output list of recommendations</a:t>
+            </a:r>
+            <a:endParaRPr lang="zh-TW" altLang="en-US" dirty="0"/>
+          </a:p>
+        </p:txBody>
+      </p:sp>
+      <p:pic>
+        <p:nvPicPr>
+          <p:cNvPr id="35" name="圖形 34" descr="夾紙板 (打勾) 以實心填滿">
+            <a:extLst>
+              <a:ext uri="{FF2B5EF4-FFF2-40B4-BE49-F238E27FC236}">
+                <a16:creationId xmlns:a16="http://schemas.microsoft.com/office/drawing/2014/main" id="{2E799A76-7E30-44B6-A512-C5C8C0AC5019}"/>
+              </a:ext>
+            </a:extLst>
+          </p:cNvPr>
+          <p:cNvPicPr>
+            <a:picLocks noChangeAspect="1"/>
+          </p:cNvPicPr>
+          <p:nvPr/>
+        </p:nvPicPr>
+        <p:blipFill>
+          <a:blip r:embed="rId12">
+            <a:extLst>
+              <a:ext uri="{28A0092B-C50C-407E-A947-70E740481C1C}">
+                <a14:useLocalDpi xmlns:a14="http://schemas.microsoft.com/office/drawing/2010/main" val="0"/>
+              </a:ext>
+              <a:ext uri="{96DAC541-7B7A-43D3-8B79-37D633B846F1}">
+                <asvg:svgBlip xmlns:asvg="http://schemas.microsoft.com/office/drawing/2016/SVG/main" r:embed="rId13"/>
+              </a:ext>
+            </a:extLst>
+          </a:blip>
+          <a:stretch>
+            <a:fillRect/>
+          </a:stretch>
+        </p:blipFill>
+        <p:spPr>
+          <a:xfrm>
+            <a:off x="5730279" y="2514680"/>
+            <a:ext cx="914400" cy="914400"/>
+          </a:xfrm>
+          <a:prstGeom prst="rect">
+            <a:avLst/>
+          </a:prstGeom>
+        </p:spPr>
+      </p:pic>
+      <p:sp>
+        <p:nvSpPr>
+          <p:cNvPr id="38" name="文字方塊 37">
+            <a:extLst>
+              <a:ext uri="{FF2B5EF4-FFF2-40B4-BE49-F238E27FC236}">
+                <a16:creationId xmlns:a16="http://schemas.microsoft.com/office/drawing/2014/main" id="{9697067F-D85B-4E7D-9FCF-0AE0E19FEE0E}"/>
+              </a:ext>
+            </a:extLst>
+          </p:cNvPr>
+          <p:cNvSpPr txBox="1"/>
+          <p:nvPr/>
+        </p:nvSpPr>
+        <p:spPr>
+          <a:xfrm>
+            <a:off x="9726675" y="5195662"/>
+            <a:ext cx="2206481" cy="646331"/>
+          </a:xfrm>
+          <a:prstGeom prst="rect">
+            <a:avLst/>
+          </a:prstGeom>
+          <a:noFill/>
+        </p:spPr>
+        <p:txBody>
+          <a:bodyPr wrap="square">
+            <a:spAutoFit/>
+          </a:bodyPr>
+          <a:lstStyle/>
+          <a:p>
+            <a:pPr algn="ctr"/>
+            <a:r>
+              <a:rPr lang="en-US" altLang="zh-TW" dirty="0"/>
+              <a:t>Refined</a:t>
+            </a:r>
+          </a:p>
+          <a:p>
+            <a:pPr algn="ctr"/>
+            <a:r>
+              <a:rPr lang="en-US" altLang="zh-TW" dirty="0"/>
+              <a:t>Recommendations</a:t>
+            </a:r>
+            <a:endParaRPr lang="zh-TW" altLang="en-US" dirty="0"/>
+          </a:p>
+        </p:txBody>
+      </p:sp>
+      <p:cxnSp>
+        <p:nvCxnSpPr>
+          <p:cNvPr id="39" name="直線單箭頭接點 38">
+            <a:extLst>
+              <a:ext uri="{FF2B5EF4-FFF2-40B4-BE49-F238E27FC236}">
+                <a16:creationId xmlns:a16="http://schemas.microsoft.com/office/drawing/2014/main" id="{C1F3ADA8-9192-4663-898B-1D7EF318322D}"/>
+              </a:ext>
+            </a:extLst>
+          </p:cNvPr>
+          <p:cNvCxnSpPr>
+            <a:cxnSpLocks/>
+            <a:stCxn id="35" idx="2"/>
+            <a:endCxn id="16" idx="0"/>
+          </p:cNvCxnSpPr>
+          <p:nvPr/>
+        </p:nvCxnSpPr>
+        <p:spPr>
+          <a:xfrm>
+            <a:off x="6187479" y="3429080"/>
+            <a:ext cx="0" cy="914400"/>
+          </a:xfrm>
+          <a:prstGeom prst="straightConnector1">
+            <a:avLst/>
+          </a:prstGeom>
+          <a:ln w="38100">
+            <a:solidFill>
+              <a:schemeClr val="accent1">
+                <a:lumMod val="20000"/>
+                <a:lumOff val="80000"/>
+              </a:schemeClr>
+            </a:solidFill>
+            <a:tailEnd type="triangle"/>
+          </a:ln>
+        </p:spPr>
+        <p:style>
+          <a:lnRef idx="1">
+            <a:schemeClr val="accent1"/>
+          </a:lnRef>
+          <a:fillRef idx="0">
+            <a:schemeClr val="accent1"/>
+          </a:fillRef>
+          <a:effectRef idx="0">
+            <a:schemeClr val="accent1"/>
+          </a:effectRef>
+          <a:fontRef idx="minor">
+            <a:schemeClr val="tx1"/>
+          </a:fontRef>
+        </p:style>
+      </p:cxnSp>
+      <p:sp>
+        <p:nvSpPr>
+          <p:cNvPr id="46" name="文字方塊 45">
+            <a:extLst>
+              <a:ext uri="{FF2B5EF4-FFF2-40B4-BE49-F238E27FC236}">
+                <a16:creationId xmlns:a16="http://schemas.microsoft.com/office/drawing/2014/main" id="{D9A5143B-4E60-4E10-87BD-0E69C08D5BD2}"/>
+              </a:ext>
+            </a:extLst>
+          </p:cNvPr>
+          <p:cNvSpPr txBox="1"/>
+          <p:nvPr/>
+        </p:nvSpPr>
+        <p:spPr>
+          <a:xfrm>
+            <a:off x="7609178" y="3928536"/>
+            <a:ext cx="2403654" cy="861774"/>
+          </a:xfrm>
+          <a:prstGeom prst="rect">
+            <a:avLst/>
+          </a:prstGeom>
+          <a:noFill/>
+        </p:spPr>
+        <p:txBody>
+          <a:bodyPr wrap="square">
+            <a:spAutoFit/>
+          </a:bodyPr>
+          <a:lstStyle/>
+          <a:p>
+            <a:pPr algn="ctr"/>
+            <a:r>
+              <a:rPr lang="en-US" altLang="zh-TW" dirty="0">
+                <a:latin typeface="Adobe 黑体 Std R" panose="020B0400000000000000" pitchFamily="34" charset="-128"/>
+                <a:ea typeface="Adobe 黑体 Std R" panose="020B0400000000000000" pitchFamily="34" charset="-128"/>
+              </a:rPr>
+              <a:t>Further Sorting</a:t>
+            </a:r>
+          </a:p>
+          <a:p>
+            <a:pPr algn="ctr"/>
+            <a:r>
+              <a:rPr lang="en-US" altLang="zh-TW" dirty="0">
+                <a:latin typeface="Adobe 黑体 Std R" panose="020B0400000000000000" pitchFamily="34" charset="-128"/>
+                <a:ea typeface="Adobe 黑体 Std R" panose="020B0400000000000000" pitchFamily="34" charset="-128"/>
+              </a:rPr>
+              <a:t>Based on</a:t>
+            </a:r>
+            <a:r>
+              <a:rPr lang="zh-TW" altLang="en-US" dirty="0">
+                <a:latin typeface="Adobe 黑体 Std R" panose="020B0400000000000000" pitchFamily="34" charset="-128"/>
+                <a:ea typeface="Adobe 黑体 Std R" panose="020B0400000000000000" pitchFamily="34" charset="-128"/>
+              </a:rPr>
+              <a:t> </a:t>
+            </a:r>
+            <a:r>
+              <a:rPr lang="en-US" altLang="zh-TW" dirty="0">
+                <a:latin typeface="Adobe 黑体 Std R" panose="020B0400000000000000" pitchFamily="34" charset="-128"/>
+                <a:ea typeface="Adobe 黑体 Std R" panose="020B0400000000000000" pitchFamily="34" charset="-128"/>
+              </a:rPr>
+              <a:t>Predictions</a:t>
+            </a:r>
+          </a:p>
+          <a:p>
+            <a:pPr algn="ctr"/>
+            <a:r>
+              <a:rPr lang="en-US" altLang="zh-TW" sz="1400" dirty="0">
+                <a:solidFill>
+                  <a:srgbClr val="CEB6F4"/>
+                </a:solidFill>
+                <a:latin typeface="Adobe 黑体 Std R" panose="020B0400000000000000" pitchFamily="34" charset="-128"/>
+                <a:ea typeface="Adobe 黑体 Std R" panose="020B0400000000000000" pitchFamily="34" charset="-128"/>
+              </a:rPr>
+              <a:t>(SVD - </a:t>
+            </a:r>
+            <a:r>
+              <a:rPr lang="en-US" altLang="zh-TW" sz="1400" b="0" dirty="0">
+                <a:solidFill>
+                  <a:srgbClr val="CEB6F4"/>
+                </a:solidFill>
+                <a:effectLst/>
+                <a:latin typeface="Adobe 黑体 Std R" panose="020B0400000000000000" pitchFamily="34" charset="-128"/>
+                <a:ea typeface="Adobe 黑体 Std R" panose="020B0400000000000000" pitchFamily="34" charset="-128"/>
+              </a:rPr>
+              <a:t>Estimate Scores)</a:t>
+            </a:r>
+          </a:p>
+        </p:txBody>
+      </p:sp>
+      <p:sp>
+        <p:nvSpPr>
+          <p:cNvPr id="19" name="文字方塊 18">
+            <a:extLst>
+              <a:ext uri="{FF2B5EF4-FFF2-40B4-BE49-F238E27FC236}">
+                <a16:creationId xmlns:a16="http://schemas.microsoft.com/office/drawing/2014/main" id="{676D328A-1492-4F80-8BC3-1C75AAD5C3D3}"/>
+              </a:ext>
+            </a:extLst>
+          </p:cNvPr>
+          <p:cNvSpPr txBox="1"/>
+          <p:nvPr/>
+        </p:nvSpPr>
+        <p:spPr>
+          <a:xfrm>
+            <a:off x="2965350" y="2694586"/>
+            <a:ext cx="3222129" cy="307777"/>
+          </a:xfrm>
+          <a:prstGeom prst="rect">
+            <a:avLst/>
+          </a:prstGeom>
+          <a:noFill/>
+        </p:spPr>
+        <p:txBody>
+          <a:bodyPr wrap="square">
+            <a:spAutoFit/>
+          </a:bodyPr>
+          <a:lstStyle/>
+          <a:p>
+            <a:pPr algn="ctr"/>
+            <a:r>
+              <a:rPr lang="en-US" altLang="zh-TW" sz="1400" dirty="0">
+                <a:latin typeface="Adobe 黑体 Std R" panose="020B0400000000000000" pitchFamily="34" charset="-128"/>
+                <a:ea typeface="Adobe 黑体 Std R" panose="020B0400000000000000" pitchFamily="34" charset="-128"/>
+              </a:rPr>
+              <a:t>Sorted Cosine Similarity</a:t>
+            </a:r>
+            <a:endParaRPr lang="en-US" altLang="zh-TW" sz="1100" b="0" dirty="0">
+              <a:solidFill>
+                <a:srgbClr val="CEB6F4"/>
+              </a:solidFill>
+              <a:effectLst/>
+              <a:latin typeface="Adobe 黑体 Std R" panose="020B0400000000000000" pitchFamily="34" charset="-128"/>
+              <a:ea typeface="Adobe 黑体 Std R" panose="020B0400000000000000" pitchFamily="34" charset="-128"/>
+            </a:endParaRPr>
+          </a:p>
+        </p:txBody>
+      </p:sp>
+      <p:sp>
+        <p:nvSpPr>
+          <p:cNvPr id="23" name="文字方塊 22">
+            <a:extLst>
+              <a:ext uri="{FF2B5EF4-FFF2-40B4-BE49-F238E27FC236}">
+                <a16:creationId xmlns:a16="http://schemas.microsoft.com/office/drawing/2014/main" id="{6BF3B2AA-F096-4703-973B-E599B624FB0A}"/>
+              </a:ext>
+            </a:extLst>
+          </p:cNvPr>
+          <p:cNvSpPr txBox="1"/>
+          <p:nvPr/>
+        </p:nvSpPr>
+        <p:spPr>
+          <a:xfrm>
+            <a:off x="11476641" y="6411194"/>
+            <a:ext cx="444352" cy="369332"/>
+          </a:xfrm>
+          <a:prstGeom prst="rect">
+            <a:avLst/>
+          </a:prstGeom>
+          <a:noFill/>
+        </p:spPr>
+        <p:txBody>
+          <a:bodyPr wrap="none" rtlCol="0">
+            <a:spAutoFit/>
+          </a:bodyPr>
+          <a:lstStyle/>
+          <a:p>
+            <a:r>
+              <a:rPr lang="en-US" altLang="zh-TW" dirty="0">
+                <a:latin typeface="Adobe 黑体 Std R" panose="020B0400000000000000" pitchFamily="34" charset="-128"/>
+                <a:ea typeface="Adobe 黑体 Std R" panose="020B0400000000000000" pitchFamily="34" charset="-128"/>
+              </a:rPr>
+              <a:t>13</a:t>
+            </a:r>
+            <a:endParaRPr lang="zh-TW" altLang="en-US" dirty="0">
+              <a:latin typeface="Adobe 黑体 Std R" panose="020B0400000000000000" pitchFamily="34" charset="-128"/>
+              <a:ea typeface="Adobe 黑体 Std R" panose="020B0400000000000000" pitchFamily="34" charset="-128"/>
+            </a:endParaRPr>
+          </a:p>
+        </p:txBody>
+      </p:sp>
     </p:spTree>
     <p:extLst>
       <p:ext uri="{BB962C8B-B14F-4D97-AF65-F5344CB8AC3E}">
-        <p14:creationId xmlns:p14="http://schemas.microsoft.com/office/powerpoint/2010/main" val="3489292648"/>
+        <p14:creationId xmlns:p14="http://schemas.microsoft.com/office/powerpoint/2010/main" val="2073006211"/>
       </p:ext>
     </p:extLst>
   </p:cSld>
@@ -4453,131 +6013,457 @@
       </p:grpSpPr>
       <p:sp>
         <p:nvSpPr>
-          <p:cNvPr id="2" name="標題 1">
+          <p:cNvPr id="20" name="文字方塊 19">
             <a:extLst>
               <a:ext uri="{FF2B5EF4-FFF2-40B4-BE49-F238E27FC236}">
-                <a16:creationId xmlns:a16="http://schemas.microsoft.com/office/drawing/2014/main" id="{78E40BCE-5B5D-4B68-93B0-A1D9218F9B99}"/>
+                <a16:creationId xmlns:a16="http://schemas.microsoft.com/office/drawing/2014/main" id="{1A9ABAF0-F28F-49D4-A6CC-7CD8D1130D4C}"/>
               </a:ext>
             </a:extLst>
           </p:cNvPr>
-          <p:cNvSpPr>
-            <a:spLocks noGrp="1"/>
-          </p:cNvSpPr>
-          <p:nvPr>
-            <p:ph type="ctrTitle"/>
-          </p:nvPr>
-        </p:nvSpPr>
-        <p:spPr>
-          <a:xfrm>
-            <a:off x="1495187" y="310853"/>
-            <a:ext cx="7690549" cy="1012343"/>
-          </a:xfrm>
-        </p:spPr>
-        <p:txBody>
-          <a:bodyPr anchor="b">
-            <a:noAutofit/>
+          <p:cNvSpPr txBox="1"/>
+          <p:nvPr/>
+        </p:nvSpPr>
+        <p:spPr>
+          <a:xfrm>
+            <a:off x="3023648" y="93188"/>
+            <a:ext cx="6141562" cy="369332"/>
+          </a:xfrm>
+          <a:prstGeom prst="rect">
+            <a:avLst/>
+          </a:prstGeom>
+          <a:noFill/>
+        </p:spPr>
+        <p:txBody>
+          <a:bodyPr wrap="square">
+            <a:spAutoFit/>
           </a:bodyPr>
           <a:lstStyle/>
           <a:p>
-            <a:pPr algn="l"/>
-            <a:r>
-              <a:rPr lang="en-US" altLang="zh-TW" sz="5400" b="0" i="0" u="none" strike="noStrike" baseline="0" dirty="0">
-                <a:latin typeface="Adobe 黑体 Std R" panose="020B0400000000000000" pitchFamily="34" charset="-128"/>
-                <a:ea typeface="Adobe 黑体 Std R" panose="020B0400000000000000" pitchFamily="34" charset="-128"/>
-              </a:rPr>
-              <a:t>PyQt6 </a:t>
-            </a:r>
-            <a:r>
-              <a:rPr lang="en-US" altLang="zh-TW" sz="5400" b="0" i="0" u="none" strike="noStrike" baseline="0" dirty="0">
-                <a:solidFill>
-                  <a:schemeClr val="tx2">
-                    <a:lumMod val="90000"/>
-                  </a:schemeClr>
-                </a:solidFill>
-                <a:latin typeface="Adobe 黑体 Std R" panose="020B0400000000000000" pitchFamily="34" charset="-128"/>
-                <a:ea typeface="Adobe 黑体 Std R" panose="020B0400000000000000" pitchFamily="34" charset="-128"/>
-              </a:rPr>
-              <a:t>– </a:t>
-            </a:r>
-            <a:r>
-              <a:rPr lang="en-US" altLang="zh-TW" sz="5400" dirty="0">
-                <a:solidFill>
-                  <a:schemeClr val="tx2">
-                    <a:lumMod val="90000"/>
-                  </a:schemeClr>
-                </a:solidFill>
-                <a:latin typeface="Adobe 黑体 Std R" panose="020B0400000000000000" pitchFamily="34" charset="-128"/>
-                <a:ea typeface="Adobe 黑体 Std R" panose="020B0400000000000000" pitchFamily="34" charset="-128"/>
-              </a:rPr>
-              <a:t>Account</a:t>
-            </a:r>
-            <a:endParaRPr lang="zh-TW" altLang="en-US" sz="11500" dirty="0">
+            <a:pPr algn="ctr"/>
+            <a:r>
+              <a:rPr lang="en-US" altLang="zh-TW" sz="1800" b="0" i="0" u="none" strike="noStrike" baseline="0" dirty="0">
+                <a:latin typeface="Adobe 黑体 Std R" panose="020B0400000000000000" pitchFamily="34" charset="-128"/>
+                <a:ea typeface="Adobe 黑体 Std R" panose="020B0400000000000000" pitchFamily="34" charset="-128"/>
+              </a:rPr>
+              <a:t>Hybrid Approach</a:t>
+            </a:r>
+            <a:r>
+              <a:rPr lang="zh-TW" altLang="en-US" sz="1800" b="0" i="0" u="none" strike="noStrike" baseline="0" dirty="0">
+                <a:latin typeface="Adobe 黑体 Std R" panose="020B0400000000000000" pitchFamily="34" charset="-128"/>
+                <a:ea typeface="Adobe 黑体 Std R" panose="020B0400000000000000" pitchFamily="34" charset="-128"/>
+              </a:rPr>
+              <a:t> </a:t>
+            </a:r>
+            <a:r>
+              <a:rPr lang="en-US" altLang="zh-TW" sz="1800" b="0" i="0" u="none" strike="noStrike" baseline="0" dirty="0">
+                <a:latin typeface="Adobe 黑体 Std R" panose="020B0400000000000000" pitchFamily="34" charset="-128"/>
+                <a:ea typeface="Adobe 黑体 Std R" panose="020B0400000000000000" pitchFamily="34" charset="-128"/>
+              </a:rPr>
+              <a:t>(Cascade)</a:t>
+            </a:r>
+            <a:endParaRPr lang="en-US" altLang="zh-TW" sz="1400" b="1" i="0" dirty="0">
               <a:solidFill>
                 <a:schemeClr val="tx2">
                   <a:lumMod val="90000"/>
                 </a:schemeClr>
               </a:solidFill>
+              <a:effectLst/>
               <a:latin typeface="Adobe 黑体 Std R" panose="020B0400000000000000" pitchFamily="34" charset="-128"/>
               <a:ea typeface="Adobe 黑体 Std R" panose="020B0400000000000000" pitchFamily="34" charset="-128"/>
             </a:endParaRPr>
           </a:p>
         </p:txBody>
       </p:sp>
-      <p:sp>
-        <p:nvSpPr>
-          <p:cNvPr id="6" name="矩形: 圓角 5">
+      <p:grpSp>
+        <p:nvGrpSpPr>
+          <p:cNvPr id="24" name="群組 23">
             <a:extLst>
               <a:ext uri="{FF2B5EF4-FFF2-40B4-BE49-F238E27FC236}">
-                <a16:creationId xmlns:a16="http://schemas.microsoft.com/office/drawing/2014/main" id="{53EBDDEB-FB97-4AAF-83F4-907E8E332E6A}"/>
+                <a16:creationId xmlns:a16="http://schemas.microsoft.com/office/drawing/2014/main" id="{F12D3A85-9A06-45D5-AB3A-7630CF434964}"/>
               </a:ext>
             </a:extLst>
           </p:cNvPr>
-          <p:cNvSpPr/>
+          <p:cNvGrpSpPr/>
           <p:nvPr/>
-        </p:nvSpPr>
-        <p:spPr>
-          <a:xfrm>
-            <a:off x="1384617" y="310853"/>
-            <a:ext cx="45719" cy="933855"/>
-          </a:xfrm>
-          <a:prstGeom prst="roundRect">
-            <a:avLst/>
-          </a:prstGeom>
-          <a:solidFill>
-            <a:srgbClr val="9765E9"/>
-          </a:solidFill>
-        </p:spPr>
-        <p:style>
-          <a:lnRef idx="2">
-            <a:schemeClr val="accent1">
-              <a:shade val="50000"/>
-            </a:schemeClr>
-          </a:lnRef>
-          <a:fillRef idx="1">
-            <a:schemeClr val="accent1"/>
-          </a:fillRef>
-          <a:effectRef idx="0">
-            <a:schemeClr val="accent1"/>
-          </a:effectRef>
-          <a:fontRef idx="minor">
-            <a:schemeClr val="lt1"/>
-          </a:fontRef>
-        </p:style>
-        <p:txBody>
-          <a:bodyPr rtlCol="0" anchor="ctr"/>
-          <a:lstStyle/>
-          <a:p>
-            <a:pPr algn="ctr"/>
-            <a:endParaRPr lang="zh-TW" altLang="en-US"/>
-          </a:p>
-        </p:txBody>
-      </p:sp>
-      <p:sp>
-        <p:nvSpPr>
-          <p:cNvPr id="7" name="文字方塊 6">
+        </p:nvGrpSpPr>
+        <p:grpSpPr>
+          <a:xfrm>
+            <a:off x="312692" y="669303"/>
+            <a:ext cx="11959701" cy="5995448"/>
+            <a:chOff x="190144" y="136000"/>
+            <a:chExt cx="12664503" cy="6383250"/>
+          </a:xfrm>
+        </p:grpSpPr>
+        <p:pic>
+          <p:nvPicPr>
+            <p:cNvPr id="13" name="圖片 12">
+              <a:extLst>
+                <a:ext uri="{FF2B5EF4-FFF2-40B4-BE49-F238E27FC236}">
+                  <a16:creationId xmlns:a16="http://schemas.microsoft.com/office/drawing/2014/main" id="{6EA1E0E5-0564-45D0-B90A-928F0E9C8BDA}"/>
+                </a:ext>
+              </a:extLst>
+            </p:cNvPr>
+            <p:cNvPicPr>
+              <a:picLocks noChangeAspect="1"/>
+            </p:cNvPicPr>
+            <p:nvPr/>
+          </p:nvPicPr>
+          <p:blipFill>
+            <a:blip r:embed="rId2"/>
+            <a:stretch>
+              <a:fillRect/>
+            </a:stretch>
+          </p:blipFill>
+          <p:spPr>
+            <a:xfrm>
+              <a:off x="190144" y="659875"/>
+              <a:ext cx="10075645" cy="5859375"/>
+            </a:xfrm>
+            <a:prstGeom prst="rect">
+              <a:avLst/>
+            </a:prstGeom>
+          </p:spPr>
+        </p:pic>
+        <p:sp>
+          <p:nvSpPr>
+            <p:cNvPr id="14" name="矩形: 圓角 13">
+              <a:extLst>
+                <a:ext uri="{FF2B5EF4-FFF2-40B4-BE49-F238E27FC236}">
+                  <a16:creationId xmlns:a16="http://schemas.microsoft.com/office/drawing/2014/main" id="{5B7A6FD9-A541-4A32-B081-1BFC31D75711}"/>
+                </a:ext>
+              </a:extLst>
+            </p:cNvPr>
+            <p:cNvSpPr/>
+            <p:nvPr/>
+          </p:nvSpPr>
+          <p:spPr>
+            <a:xfrm>
+              <a:off x="9266548" y="1395167"/>
+              <a:ext cx="886120" cy="518474"/>
+            </a:xfrm>
+            <a:prstGeom prst="roundRect">
+              <a:avLst/>
+            </a:prstGeom>
+            <a:noFill/>
+            <a:ln w="28575">
+              <a:solidFill>
+                <a:srgbClr val="FF0000"/>
+              </a:solidFill>
+            </a:ln>
+          </p:spPr>
+          <p:style>
+            <a:lnRef idx="2">
+              <a:schemeClr val="accent1">
+                <a:shade val="50000"/>
+              </a:schemeClr>
+            </a:lnRef>
+            <a:fillRef idx="1">
+              <a:schemeClr val="accent1"/>
+            </a:fillRef>
+            <a:effectRef idx="0">
+              <a:schemeClr val="accent1"/>
+            </a:effectRef>
+            <a:fontRef idx="minor">
+              <a:schemeClr val="lt1"/>
+            </a:fontRef>
+          </p:style>
+          <p:txBody>
+            <a:bodyPr rtlCol="0" anchor="ctr"/>
+            <a:lstStyle/>
+            <a:p>
+              <a:pPr algn="ctr"/>
+              <a:endParaRPr lang="zh-TW" altLang="en-US" dirty="0"/>
+            </a:p>
+          </p:txBody>
+        </p:sp>
+        <p:sp>
+          <p:nvSpPr>
+            <p:cNvPr id="15" name="矩形: 圓角 14">
+              <a:extLst>
+                <a:ext uri="{FF2B5EF4-FFF2-40B4-BE49-F238E27FC236}">
+                  <a16:creationId xmlns:a16="http://schemas.microsoft.com/office/drawing/2014/main" id="{A084F1DA-A3B5-477F-BF69-4D21ABCD9421}"/>
+                </a:ext>
+              </a:extLst>
+            </p:cNvPr>
+            <p:cNvSpPr/>
+            <p:nvPr/>
+          </p:nvSpPr>
+          <p:spPr>
+            <a:xfrm>
+              <a:off x="9266548" y="1913641"/>
+              <a:ext cx="886120" cy="4605609"/>
+            </a:xfrm>
+            <a:prstGeom prst="roundRect">
+              <a:avLst/>
+            </a:prstGeom>
+            <a:noFill/>
+            <a:ln w="28575">
+              <a:solidFill>
+                <a:srgbClr val="FFC000"/>
+              </a:solidFill>
+            </a:ln>
+          </p:spPr>
+          <p:style>
+            <a:lnRef idx="2">
+              <a:schemeClr val="accent1">
+                <a:shade val="50000"/>
+              </a:schemeClr>
+            </a:lnRef>
+            <a:fillRef idx="1">
+              <a:schemeClr val="accent1"/>
+            </a:fillRef>
+            <a:effectRef idx="0">
+              <a:schemeClr val="accent1"/>
+            </a:effectRef>
+            <a:fontRef idx="minor">
+              <a:schemeClr val="lt1"/>
+            </a:fontRef>
+          </p:style>
+          <p:txBody>
+            <a:bodyPr rtlCol="0" anchor="ctr"/>
+            <a:lstStyle/>
+            <a:p>
+              <a:pPr algn="ctr"/>
+              <a:endParaRPr lang="zh-TW" altLang="en-US"/>
+            </a:p>
+          </p:txBody>
+        </p:sp>
+        <p:sp>
+          <p:nvSpPr>
+            <p:cNvPr id="19" name="文字方塊 18">
+              <a:extLst>
+                <a:ext uri="{FF2B5EF4-FFF2-40B4-BE49-F238E27FC236}">
+                  <a16:creationId xmlns:a16="http://schemas.microsoft.com/office/drawing/2014/main" id="{75FC0A0C-8E0B-4808-82AA-50403A784C4C}"/>
+                </a:ext>
+              </a:extLst>
+            </p:cNvPr>
+            <p:cNvSpPr txBox="1"/>
+            <p:nvPr/>
+          </p:nvSpPr>
+          <p:spPr>
+            <a:xfrm>
+              <a:off x="10219280" y="1257760"/>
+              <a:ext cx="2635366" cy="688137"/>
+            </a:xfrm>
+            <a:prstGeom prst="rect">
+              <a:avLst/>
+            </a:prstGeom>
+            <a:noFill/>
+          </p:spPr>
+          <p:txBody>
+            <a:bodyPr wrap="square">
+              <a:spAutoFit/>
+            </a:bodyPr>
+            <a:lstStyle/>
+            <a:p>
+              <a:pPr algn="ctr"/>
+              <a:r>
+                <a:rPr lang="en-US" altLang="zh-TW" sz="1200" dirty="0">
+                  <a:solidFill>
+                    <a:srgbClr val="FF0000"/>
+                  </a:solidFill>
+                  <a:latin typeface="Adobe 黑体 Std R" panose="020B0400000000000000" pitchFamily="34" charset="-128"/>
+                  <a:ea typeface="Adobe 黑体 Std R" panose="020B0400000000000000" pitchFamily="34" charset="-128"/>
+                </a:rPr>
+                <a:t>Keep top-2 preliminary </a:t>
+              </a:r>
+            </a:p>
+            <a:p>
+              <a:pPr algn="ctr"/>
+              <a:r>
+                <a:rPr lang="en-US" altLang="zh-TW" sz="1200" dirty="0">
+                  <a:solidFill>
+                    <a:srgbClr val="FF0000"/>
+                  </a:solidFill>
+                  <a:latin typeface="Adobe 黑体 Std R" panose="020B0400000000000000" pitchFamily="34" charset="-128"/>
+                  <a:ea typeface="Adobe 黑体 Std R" panose="020B0400000000000000" pitchFamily="34" charset="-128"/>
+                </a:rPr>
+                <a:t>Output list of recommendations</a:t>
+              </a:r>
+            </a:p>
+            <a:p>
+              <a:pPr algn="ctr"/>
+              <a:r>
+                <a:rPr lang="en-US" altLang="zh-TW" sz="1200" dirty="0">
+                  <a:solidFill>
+                    <a:srgbClr val="FF0000"/>
+                  </a:solidFill>
+                  <a:latin typeface="Adobe 黑体 Std R" panose="020B0400000000000000" pitchFamily="34" charset="-128"/>
+                  <a:ea typeface="Adobe 黑体 Std R" panose="020B0400000000000000" pitchFamily="34" charset="-128"/>
+                </a:rPr>
+                <a:t>Based on content based filtering</a:t>
+              </a:r>
+              <a:endParaRPr lang="zh-TW" altLang="en-US" sz="1200" dirty="0">
+                <a:solidFill>
+                  <a:srgbClr val="FF0000"/>
+                </a:solidFill>
+                <a:latin typeface="Adobe 黑体 Std R" panose="020B0400000000000000" pitchFamily="34" charset="-128"/>
+                <a:ea typeface="Adobe 黑体 Std R" panose="020B0400000000000000" pitchFamily="34" charset="-128"/>
+              </a:endParaRPr>
+            </a:p>
+          </p:txBody>
+        </p:sp>
+        <p:sp>
+          <p:nvSpPr>
+            <p:cNvPr id="22" name="文字方塊 21">
+              <a:extLst>
+                <a:ext uri="{FF2B5EF4-FFF2-40B4-BE49-F238E27FC236}">
+                  <a16:creationId xmlns:a16="http://schemas.microsoft.com/office/drawing/2014/main" id="{9C58E559-5D26-40D3-B246-80DFDE85D954}"/>
+                </a:ext>
+              </a:extLst>
+            </p:cNvPr>
+            <p:cNvSpPr txBox="1"/>
+            <p:nvPr/>
+          </p:nvSpPr>
+          <p:spPr>
+            <a:xfrm>
+              <a:off x="10219281" y="3688485"/>
+              <a:ext cx="2635366" cy="1277970"/>
+            </a:xfrm>
+            <a:prstGeom prst="rect">
+              <a:avLst/>
+            </a:prstGeom>
+            <a:noFill/>
+          </p:spPr>
+          <p:txBody>
+            <a:bodyPr wrap="square">
+              <a:spAutoFit/>
+            </a:bodyPr>
+            <a:lstStyle/>
+            <a:p>
+              <a:pPr algn="ctr"/>
+              <a:r>
+                <a:rPr lang="en-US" altLang="zh-TW" sz="1200" dirty="0">
+                  <a:solidFill>
+                    <a:srgbClr val="FFC000"/>
+                  </a:solidFill>
+                  <a:latin typeface="Adobe 黑体 Std R" panose="020B0400000000000000" pitchFamily="34" charset="-128"/>
+                  <a:ea typeface="Adobe 黑体 Std R" panose="020B0400000000000000" pitchFamily="34" charset="-128"/>
+                </a:rPr>
+                <a:t>Further sort the </a:t>
+              </a:r>
+            </a:p>
+            <a:p>
+              <a:pPr algn="ctr"/>
+              <a:r>
+                <a:rPr lang="en-US" altLang="zh-TW" sz="1200" dirty="0">
+                  <a:solidFill>
+                    <a:srgbClr val="FFC000"/>
+                  </a:solidFill>
+                  <a:latin typeface="Adobe 黑体 Std R" panose="020B0400000000000000" pitchFamily="34" charset="-128"/>
+                  <a:ea typeface="Adobe 黑体 Std R" panose="020B0400000000000000" pitchFamily="34" charset="-128"/>
+                </a:rPr>
+                <a:t>preliminary output </a:t>
+              </a:r>
+            </a:p>
+            <a:p>
+              <a:pPr algn="ctr"/>
+              <a:r>
+                <a:rPr lang="en-US" altLang="zh-TW" sz="1200" dirty="0">
+                  <a:solidFill>
+                    <a:srgbClr val="FFC000"/>
+                  </a:solidFill>
+                  <a:latin typeface="Adobe 黑体 Std R" panose="020B0400000000000000" pitchFamily="34" charset="-128"/>
+                  <a:ea typeface="Adobe 黑体 Std R" panose="020B0400000000000000" pitchFamily="34" charset="-128"/>
+                </a:rPr>
+                <a:t>Based on</a:t>
+              </a:r>
+              <a:r>
+                <a:rPr lang="zh-TW" altLang="en-US" sz="1200" dirty="0">
+                  <a:solidFill>
+                    <a:srgbClr val="FFC000"/>
+                  </a:solidFill>
+                  <a:latin typeface="Adobe 黑体 Std R" panose="020B0400000000000000" pitchFamily="34" charset="-128"/>
+                  <a:ea typeface="Adobe 黑体 Std R" panose="020B0400000000000000" pitchFamily="34" charset="-128"/>
+                </a:rPr>
+                <a:t> </a:t>
+              </a:r>
+              <a:r>
+                <a:rPr lang="en-US" altLang="zh-TW" sz="1200" dirty="0">
+                  <a:solidFill>
+                    <a:srgbClr val="FFC000"/>
+                  </a:solidFill>
+                  <a:latin typeface="Adobe 黑体 Std R" panose="020B0400000000000000" pitchFamily="34" charset="-128"/>
+                  <a:ea typeface="Adobe 黑体 Std R" panose="020B0400000000000000" pitchFamily="34" charset="-128"/>
+                </a:rPr>
+                <a:t>Predictions</a:t>
+              </a:r>
+            </a:p>
+            <a:p>
+              <a:pPr algn="ctr"/>
+              <a:r>
+                <a:rPr lang="en-US" altLang="zh-TW" sz="1200" dirty="0">
+                  <a:solidFill>
+                    <a:srgbClr val="FFC000"/>
+                  </a:solidFill>
+                  <a:latin typeface="Adobe 黑体 Std R" panose="020B0400000000000000" pitchFamily="34" charset="-128"/>
+                  <a:ea typeface="Adobe 黑体 Std R" panose="020B0400000000000000" pitchFamily="34" charset="-128"/>
+                </a:rPr>
+                <a:t>(collaborative filtering)</a:t>
+              </a:r>
+            </a:p>
+            <a:p>
+              <a:pPr algn="ctr"/>
+              <a:endParaRPr lang="en-US" altLang="zh-TW" sz="1200" dirty="0">
+                <a:solidFill>
+                  <a:srgbClr val="FFC000"/>
+                </a:solidFill>
+                <a:latin typeface="Adobe 黑体 Std R" panose="020B0400000000000000" pitchFamily="34" charset="-128"/>
+                <a:ea typeface="Adobe 黑体 Std R" panose="020B0400000000000000" pitchFamily="34" charset="-128"/>
+              </a:endParaRPr>
+            </a:p>
+            <a:p>
+              <a:pPr algn="ctr"/>
+              <a:r>
+                <a:rPr lang="en-US" altLang="zh-TW" sz="1200" dirty="0">
+                  <a:solidFill>
+                    <a:srgbClr val="FFC000"/>
+                  </a:solidFill>
+                  <a:latin typeface="Adobe 黑体 Std R" panose="020B0400000000000000" pitchFamily="34" charset="-128"/>
+                  <a:ea typeface="Adobe 黑体 Std R" panose="020B0400000000000000" pitchFamily="34" charset="-128"/>
+                </a:rPr>
+                <a:t>The outcome varies by user ID</a:t>
+              </a:r>
+            </a:p>
+          </p:txBody>
+        </p:sp>
+        <p:pic>
+          <p:nvPicPr>
+            <p:cNvPr id="23" name="圖片 22">
+              <a:extLst>
+                <a:ext uri="{FF2B5EF4-FFF2-40B4-BE49-F238E27FC236}">
+                  <a16:creationId xmlns:a16="http://schemas.microsoft.com/office/drawing/2014/main" id="{DCE7286F-4255-4632-B68E-165A7BE03B26}"/>
+                </a:ext>
+              </a:extLst>
+            </p:cNvPr>
+            <p:cNvPicPr>
+              <a:picLocks noChangeAspect="1"/>
+            </p:cNvPicPr>
+            <p:nvPr/>
+          </p:nvPicPr>
+          <p:blipFill>
+            <a:blip r:embed="rId3"/>
+            <a:stretch>
+              <a:fillRect/>
+            </a:stretch>
+          </p:blipFill>
+          <p:spPr>
+            <a:xfrm>
+              <a:off x="190144" y="136000"/>
+              <a:ext cx="2476500" cy="523875"/>
+            </a:xfrm>
+            <a:prstGeom prst="rect">
+              <a:avLst/>
+            </a:prstGeom>
+          </p:spPr>
+        </p:pic>
+      </p:grpSp>
+      <p:sp>
+        <p:nvSpPr>
+          <p:cNvPr id="25" name="文字方塊 24">
             <a:extLst>
               <a:ext uri="{FF2B5EF4-FFF2-40B4-BE49-F238E27FC236}">
-                <a16:creationId xmlns:a16="http://schemas.microsoft.com/office/drawing/2014/main" id="{A0B5279A-E817-4EA2-9DE1-D11583D8DF6B}"/>
+                <a16:creationId xmlns:a16="http://schemas.microsoft.com/office/drawing/2014/main" id="{CC334416-E594-46E1-A88C-40ABB687F341}"/>
               </a:ext>
             </a:extLst>
           </p:cNvPr>
@@ -4614,188 +6500,10 @@
           </a:p>
         </p:txBody>
       </p:sp>
-      <p:pic>
-        <p:nvPicPr>
-          <p:cNvPr id="4" name="圖片 3" descr="一張含有 文字 的圖片&#10;&#10;自動產生的描述">
-            <a:extLst>
-              <a:ext uri="{FF2B5EF4-FFF2-40B4-BE49-F238E27FC236}">
-                <a16:creationId xmlns:a16="http://schemas.microsoft.com/office/drawing/2014/main" id="{D1290639-2DAA-4412-BA66-338E42AE6E88}"/>
-              </a:ext>
-            </a:extLst>
-          </p:cNvPr>
-          <p:cNvPicPr>
-            <a:picLocks noChangeAspect="1"/>
-          </p:cNvPicPr>
-          <p:nvPr/>
-        </p:nvPicPr>
-        <p:blipFill>
-          <a:blip r:embed="rId2">
-            <a:extLst>
-              <a:ext uri="{28A0092B-C50C-407E-A947-70E740481C1C}">
-                <a14:useLocalDpi xmlns:a14="http://schemas.microsoft.com/office/drawing/2010/main" val="0"/>
-              </a:ext>
-            </a:extLst>
-          </a:blip>
-          <a:stretch>
-            <a:fillRect/>
-          </a:stretch>
-        </p:blipFill>
-        <p:spPr>
-          <a:xfrm>
-            <a:off x="1288934" y="1905429"/>
-            <a:ext cx="8920295" cy="4952571"/>
-          </a:xfrm>
-          <a:prstGeom prst="rect">
-            <a:avLst/>
-          </a:prstGeom>
-        </p:spPr>
-      </p:pic>
-      <p:pic>
-        <p:nvPicPr>
-          <p:cNvPr id="8" name="圖片 7" descr="一張含有 文字 的圖片&#10;&#10;自動產生的描述">
-            <a:extLst>
-              <a:ext uri="{FF2B5EF4-FFF2-40B4-BE49-F238E27FC236}">
-                <a16:creationId xmlns:a16="http://schemas.microsoft.com/office/drawing/2014/main" id="{D681BEFF-E3E3-4C5F-A801-67F15D2D7C4B}"/>
-              </a:ext>
-            </a:extLst>
-          </p:cNvPr>
-          <p:cNvPicPr>
-            <a:picLocks noChangeAspect="1"/>
-          </p:cNvPicPr>
-          <p:nvPr/>
-        </p:nvPicPr>
-        <p:blipFill rotWithShape="1">
-          <a:blip r:embed="rId2">
-            <a:extLst>
-              <a:ext uri="{28A0092B-C50C-407E-A947-70E740481C1C}">
-                <a14:useLocalDpi xmlns:a14="http://schemas.microsoft.com/office/drawing/2010/main" val="0"/>
-              </a:ext>
-            </a:extLst>
-          </a:blip>
-          <a:srcRect l="80960" b="52852"/>
-          <a:stretch/>
-        </p:blipFill>
-        <p:spPr>
-          <a:xfrm>
-            <a:off x="4298623" y="1672843"/>
-            <a:ext cx="2875175" cy="3952972"/>
-          </a:xfrm>
-          <a:prstGeom prst="rect">
-            <a:avLst/>
-          </a:prstGeom>
-          <a:ln w="57150">
-            <a:solidFill>
-              <a:srgbClr val="FFC000"/>
-            </a:solidFill>
-          </a:ln>
-        </p:spPr>
-      </p:pic>
-      <p:cxnSp>
-        <p:nvCxnSpPr>
-          <p:cNvPr id="10" name="直線單箭頭接點 9">
-            <a:extLst>
-              <a:ext uri="{FF2B5EF4-FFF2-40B4-BE49-F238E27FC236}">
-                <a16:creationId xmlns:a16="http://schemas.microsoft.com/office/drawing/2014/main" id="{FE3D3141-1353-4A98-B65D-B4BABBA6F3EC}"/>
-              </a:ext>
-            </a:extLst>
-          </p:cNvPr>
-          <p:cNvCxnSpPr>
-            <a:cxnSpLocks/>
-          </p:cNvCxnSpPr>
-          <p:nvPr/>
-        </p:nvCxnSpPr>
-        <p:spPr>
-          <a:xfrm flipH="1" flipV="1">
-            <a:off x="7296347" y="3165048"/>
-            <a:ext cx="1253764" cy="263952"/>
-          </a:xfrm>
-          <a:prstGeom prst="straightConnector1">
-            <a:avLst/>
-          </a:prstGeom>
-          <a:ln w="76200">
-            <a:tailEnd type="triangle"/>
-          </a:ln>
-        </p:spPr>
-        <p:style>
-          <a:lnRef idx="1">
-            <a:schemeClr val="accent4"/>
-          </a:lnRef>
-          <a:fillRef idx="0">
-            <a:schemeClr val="accent4"/>
-          </a:fillRef>
-          <a:effectRef idx="0">
-            <a:schemeClr val="accent4"/>
-          </a:effectRef>
-          <a:fontRef idx="minor">
-            <a:schemeClr val="tx1"/>
-          </a:fontRef>
-        </p:style>
-      </p:cxnSp>
-      <p:sp>
-        <p:nvSpPr>
-          <p:cNvPr id="12" name="矩形: 圓角 11">
-            <a:extLst>
-              <a:ext uri="{FF2B5EF4-FFF2-40B4-BE49-F238E27FC236}">
-                <a16:creationId xmlns:a16="http://schemas.microsoft.com/office/drawing/2014/main" id="{F41B1304-BBD4-4A90-93AD-C01FA5E78C9C}"/>
-              </a:ext>
-            </a:extLst>
-          </p:cNvPr>
-          <p:cNvSpPr/>
-          <p:nvPr/>
-        </p:nvSpPr>
-        <p:spPr>
-          <a:xfrm>
-            <a:off x="8550111" y="2422689"/>
-            <a:ext cx="1659118" cy="1838226"/>
-          </a:xfrm>
-          <a:prstGeom prst="roundRect">
-            <a:avLst/>
-          </a:prstGeom>
-          <a:noFill/>
-          <a:ln w="38100">
-            <a:solidFill>
-              <a:srgbClr val="FFC000"/>
-            </a:solidFill>
-          </a:ln>
-        </p:spPr>
-        <p:style>
-          <a:lnRef idx="2">
-            <a:schemeClr val="accent1">
-              <a:shade val="50000"/>
-            </a:schemeClr>
-          </a:lnRef>
-          <a:fillRef idx="1">
-            <a:schemeClr val="accent1"/>
-          </a:fillRef>
-          <a:effectRef idx="0">
-            <a:schemeClr val="accent1"/>
-          </a:effectRef>
-          <a:fontRef idx="minor">
-            <a:schemeClr val="lt1"/>
-          </a:fontRef>
-        </p:style>
-        <p:txBody>
-          <a:bodyPr rtlCol="0" anchor="ctr"/>
-          <a:lstStyle/>
-          <a:p>
-            <a:pPr algn="ctr"/>
-            <a:endParaRPr lang="zh-TW" altLang="en-US">
-              <a:ln>
-                <a:solidFill>
-                  <a:schemeClr val="bg2">
-                    <a:lumMod val="75000"/>
-                  </a:schemeClr>
-                </a:solidFill>
-              </a:ln>
-              <a:noFill/>
-            </a:endParaRPr>
-          </a:p>
-        </p:txBody>
-      </p:sp>
     </p:spTree>
     <p:extLst>
       <p:ext uri="{BB962C8B-B14F-4D97-AF65-F5344CB8AC3E}">
-        <p14:creationId xmlns:p14="http://schemas.microsoft.com/office/powerpoint/2010/main" val="2554308271"/>
+        <p14:creationId xmlns:p14="http://schemas.microsoft.com/office/powerpoint/2010/main" val="3794507617"/>
       </p:ext>
     </p:extLst>
   </p:cSld>
@@ -6286,6 +7994,1684 @@
 </file>
 
 <file path=ppt/slides/slide3.xml><?xml version="1.0" encoding="utf-8"?>
+<p:sld xmlns:a="http://schemas.openxmlformats.org/drawingml/2006/main" xmlns:r="http://schemas.openxmlformats.org/officeDocument/2006/relationships" xmlns:p="http://schemas.openxmlformats.org/presentationml/2006/main">
+  <p:cSld>
+    <p:spTree>
+      <p:nvGrpSpPr>
+        <p:cNvPr id="1" name=""/>
+        <p:cNvGrpSpPr/>
+        <p:nvPr/>
+      </p:nvGrpSpPr>
+      <p:grpSpPr>
+        <a:xfrm>
+          <a:off x="0" y="0"/>
+          <a:ext cx="0" cy="0"/>
+          <a:chOff x="0" y="0"/>
+          <a:chExt cx="0" cy="0"/>
+        </a:xfrm>
+      </p:grpSpPr>
+      <p:sp>
+        <p:nvSpPr>
+          <p:cNvPr id="2" name="標題 1">
+            <a:extLst>
+              <a:ext uri="{FF2B5EF4-FFF2-40B4-BE49-F238E27FC236}">
+                <a16:creationId xmlns:a16="http://schemas.microsoft.com/office/drawing/2014/main" id="{78E40BCE-5B5D-4B68-93B0-A1D9218F9B99}"/>
+              </a:ext>
+            </a:extLst>
+          </p:cNvPr>
+          <p:cNvSpPr>
+            <a:spLocks noGrp="1"/>
+          </p:cNvSpPr>
+          <p:nvPr>
+            <p:ph type="ctrTitle"/>
+          </p:nvPr>
+        </p:nvSpPr>
+        <p:spPr>
+          <a:xfrm>
+            <a:off x="1495187" y="310853"/>
+            <a:ext cx="7690549" cy="1012343"/>
+          </a:xfrm>
+        </p:spPr>
+        <p:txBody>
+          <a:bodyPr anchor="b">
+            <a:noAutofit/>
+          </a:bodyPr>
+          <a:lstStyle/>
+          <a:p>
+            <a:pPr algn="l"/>
+            <a:r>
+              <a:rPr lang="en-US" altLang="zh-TW" sz="5400" b="0" i="0" u="none" strike="noStrike" baseline="0" dirty="0">
+                <a:latin typeface="Adobe 黑体 Std R" panose="020B0400000000000000" pitchFamily="34" charset="-128"/>
+                <a:ea typeface="Adobe 黑体 Std R" panose="020B0400000000000000" pitchFamily="34" charset="-128"/>
+              </a:rPr>
+              <a:t>PyQt6 </a:t>
+            </a:r>
+            <a:r>
+              <a:rPr lang="en-US" altLang="zh-TW" sz="5400" b="0" i="0" u="none" strike="noStrike" baseline="0" dirty="0">
+                <a:solidFill>
+                  <a:schemeClr val="tx2">
+                    <a:lumMod val="90000"/>
+                  </a:schemeClr>
+                </a:solidFill>
+                <a:latin typeface="Adobe 黑体 Std R" panose="020B0400000000000000" pitchFamily="34" charset="-128"/>
+                <a:ea typeface="Adobe 黑体 Std R" panose="020B0400000000000000" pitchFamily="34" charset="-128"/>
+              </a:rPr>
+              <a:t>– </a:t>
+            </a:r>
+            <a:r>
+              <a:rPr lang="en-US" altLang="zh-TW" sz="5400" dirty="0">
+                <a:solidFill>
+                  <a:schemeClr val="tx2">
+                    <a:lumMod val="90000"/>
+                  </a:schemeClr>
+                </a:solidFill>
+                <a:latin typeface="Adobe 黑体 Std R" panose="020B0400000000000000" pitchFamily="34" charset="-128"/>
+                <a:ea typeface="Adobe 黑体 Std R" panose="020B0400000000000000" pitchFamily="34" charset="-128"/>
+              </a:rPr>
+              <a:t>H</a:t>
+            </a:r>
+            <a:r>
+              <a:rPr lang="en-US" altLang="zh-TW" sz="5400" b="0" i="0" u="none" strike="noStrike" baseline="0" dirty="0">
+                <a:solidFill>
+                  <a:schemeClr val="tx2">
+                    <a:lumMod val="90000"/>
+                  </a:schemeClr>
+                </a:solidFill>
+                <a:latin typeface="Adobe 黑体 Std R" panose="020B0400000000000000" pitchFamily="34" charset="-128"/>
+                <a:ea typeface="Adobe 黑体 Std R" panose="020B0400000000000000" pitchFamily="34" charset="-128"/>
+              </a:rPr>
+              <a:t>ome Page</a:t>
+            </a:r>
+            <a:endParaRPr lang="zh-TW" altLang="en-US" sz="11500" dirty="0">
+              <a:solidFill>
+                <a:schemeClr val="tx2">
+                  <a:lumMod val="90000"/>
+                </a:schemeClr>
+              </a:solidFill>
+              <a:latin typeface="Adobe 黑体 Std R" panose="020B0400000000000000" pitchFamily="34" charset="-128"/>
+              <a:ea typeface="Adobe 黑体 Std R" panose="020B0400000000000000" pitchFamily="34" charset="-128"/>
+            </a:endParaRPr>
+          </a:p>
+        </p:txBody>
+      </p:sp>
+      <p:sp>
+        <p:nvSpPr>
+          <p:cNvPr id="6" name="矩形: 圓角 5">
+            <a:extLst>
+              <a:ext uri="{FF2B5EF4-FFF2-40B4-BE49-F238E27FC236}">
+                <a16:creationId xmlns:a16="http://schemas.microsoft.com/office/drawing/2014/main" id="{53EBDDEB-FB97-4AAF-83F4-907E8E332E6A}"/>
+              </a:ext>
+            </a:extLst>
+          </p:cNvPr>
+          <p:cNvSpPr/>
+          <p:nvPr/>
+        </p:nvSpPr>
+        <p:spPr>
+          <a:xfrm>
+            <a:off x="1384617" y="310853"/>
+            <a:ext cx="45719" cy="933855"/>
+          </a:xfrm>
+          <a:prstGeom prst="roundRect">
+            <a:avLst/>
+          </a:prstGeom>
+          <a:solidFill>
+            <a:srgbClr val="9765E9"/>
+          </a:solidFill>
+        </p:spPr>
+        <p:style>
+          <a:lnRef idx="2">
+            <a:schemeClr val="accent1">
+              <a:shade val="50000"/>
+            </a:schemeClr>
+          </a:lnRef>
+          <a:fillRef idx="1">
+            <a:schemeClr val="accent1"/>
+          </a:fillRef>
+          <a:effectRef idx="0">
+            <a:schemeClr val="accent1"/>
+          </a:effectRef>
+          <a:fontRef idx="minor">
+            <a:schemeClr val="lt1"/>
+          </a:fontRef>
+        </p:style>
+        <p:txBody>
+          <a:bodyPr rtlCol="0" anchor="ctr"/>
+          <a:lstStyle/>
+          <a:p>
+            <a:pPr algn="ctr"/>
+            <a:endParaRPr lang="zh-TW" altLang="en-US"/>
+          </a:p>
+        </p:txBody>
+      </p:sp>
+      <p:sp>
+        <p:nvSpPr>
+          <p:cNvPr id="5" name="文字方塊 4">
+            <a:extLst>
+              <a:ext uri="{FF2B5EF4-FFF2-40B4-BE49-F238E27FC236}">
+                <a16:creationId xmlns:a16="http://schemas.microsoft.com/office/drawing/2014/main" id="{08DEF679-9A65-4B1E-A4C8-A335D183D885}"/>
+              </a:ext>
+            </a:extLst>
+          </p:cNvPr>
+          <p:cNvSpPr txBox="1"/>
+          <p:nvPr/>
+        </p:nvSpPr>
+        <p:spPr>
+          <a:xfrm>
+            <a:off x="11476641" y="6411194"/>
+            <a:ext cx="314510" cy="369332"/>
+          </a:xfrm>
+          <a:prstGeom prst="rect">
+            <a:avLst/>
+          </a:prstGeom>
+          <a:noFill/>
+        </p:spPr>
+        <p:txBody>
+          <a:bodyPr wrap="none" rtlCol="0">
+            <a:spAutoFit/>
+          </a:bodyPr>
+          <a:lstStyle/>
+          <a:p>
+            <a:r>
+              <a:rPr lang="en-US" altLang="zh-TW" dirty="0">
+                <a:latin typeface="Adobe 黑体 Std R" panose="020B0400000000000000" pitchFamily="34" charset="-128"/>
+                <a:ea typeface="Adobe 黑体 Std R" panose="020B0400000000000000" pitchFamily="34" charset="-128"/>
+              </a:rPr>
+              <a:t>3</a:t>
+            </a:r>
+            <a:endParaRPr lang="zh-TW" altLang="en-US" dirty="0">
+              <a:latin typeface="Adobe 黑体 Std R" panose="020B0400000000000000" pitchFamily="34" charset="-128"/>
+              <a:ea typeface="Adobe 黑体 Std R" panose="020B0400000000000000" pitchFamily="34" charset="-128"/>
+            </a:endParaRPr>
+          </a:p>
+        </p:txBody>
+      </p:sp>
+      <p:pic>
+        <p:nvPicPr>
+          <p:cNvPr id="4" name="圖片 3" descr="一張含有 文字, 螢幕擷取畫面, 電子用品 的圖片&#10;&#10;自動產生的描述">
+            <a:extLst>
+              <a:ext uri="{FF2B5EF4-FFF2-40B4-BE49-F238E27FC236}">
+                <a16:creationId xmlns:a16="http://schemas.microsoft.com/office/drawing/2014/main" id="{2A09B06C-AA8E-489A-9F95-5764CDF4C06D}"/>
+              </a:ext>
+            </a:extLst>
+          </p:cNvPr>
+          <p:cNvPicPr>
+            <a:picLocks noChangeAspect="1"/>
+          </p:cNvPicPr>
+          <p:nvPr/>
+        </p:nvPicPr>
+        <p:blipFill>
+          <a:blip r:embed="rId2">
+            <a:extLst>
+              <a:ext uri="{28A0092B-C50C-407E-A947-70E740481C1C}">
+                <a14:useLocalDpi xmlns:a14="http://schemas.microsoft.com/office/drawing/2010/main" val="0"/>
+              </a:ext>
+            </a:extLst>
+          </a:blip>
+          <a:stretch>
+            <a:fillRect/>
+          </a:stretch>
+        </p:blipFill>
+        <p:spPr>
+          <a:xfrm>
+            <a:off x="1384617" y="1742716"/>
+            <a:ext cx="9163977" cy="5115284"/>
+          </a:xfrm>
+          <a:prstGeom prst="rect">
+            <a:avLst/>
+          </a:prstGeom>
+        </p:spPr>
+      </p:pic>
+    </p:spTree>
+    <p:extLst>
+      <p:ext uri="{BB962C8B-B14F-4D97-AF65-F5344CB8AC3E}">
+        <p14:creationId xmlns:p14="http://schemas.microsoft.com/office/powerpoint/2010/main" val="350050460"/>
+      </p:ext>
+    </p:extLst>
+  </p:cSld>
+  <p:clrMapOvr>
+    <a:masterClrMapping/>
+  </p:clrMapOvr>
+  <mc:AlternateContent xmlns:mc="http://schemas.openxmlformats.org/markup-compatibility/2006" xmlns:p14="http://schemas.microsoft.com/office/powerpoint/2010/main">
+    <mc:Choice Requires="p14">
+      <p:transition spd="med" p14:dur="700">
+        <p:fade/>
+      </p:transition>
+    </mc:Choice>
+    <mc:Fallback xmlns="">
+      <p:transition spd="med">
+        <p:fade/>
+      </p:transition>
+    </mc:Fallback>
+  </mc:AlternateContent>
+</p:sld>
+</file>
+
+<file path=ppt/slides/slide4.xml><?xml version="1.0" encoding="utf-8"?>
+<p:sld xmlns:a="http://schemas.openxmlformats.org/drawingml/2006/main" xmlns:r="http://schemas.openxmlformats.org/officeDocument/2006/relationships" xmlns:p="http://schemas.openxmlformats.org/presentationml/2006/main">
+  <p:cSld>
+    <p:spTree>
+      <p:nvGrpSpPr>
+        <p:cNvPr id="1" name=""/>
+        <p:cNvGrpSpPr/>
+        <p:nvPr/>
+      </p:nvGrpSpPr>
+      <p:grpSpPr>
+        <a:xfrm>
+          <a:off x="0" y="0"/>
+          <a:ext cx="0" cy="0"/>
+          <a:chOff x="0" y="0"/>
+          <a:chExt cx="0" cy="0"/>
+        </a:xfrm>
+      </p:grpSpPr>
+      <p:sp>
+        <p:nvSpPr>
+          <p:cNvPr id="2" name="標題 1">
+            <a:extLst>
+              <a:ext uri="{FF2B5EF4-FFF2-40B4-BE49-F238E27FC236}">
+                <a16:creationId xmlns:a16="http://schemas.microsoft.com/office/drawing/2014/main" id="{78E40BCE-5B5D-4B68-93B0-A1D9218F9B99}"/>
+              </a:ext>
+            </a:extLst>
+          </p:cNvPr>
+          <p:cNvSpPr>
+            <a:spLocks noGrp="1"/>
+          </p:cNvSpPr>
+          <p:nvPr>
+            <p:ph type="ctrTitle"/>
+          </p:nvPr>
+        </p:nvSpPr>
+        <p:spPr>
+          <a:xfrm>
+            <a:off x="1495187" y="310853"/>
+            <a:ext cx="7690549" cy="1012343"/>
+          </a:xfrm>
+        </p:spPr>
+        <p:txBody>
+          <a:bodyPr anchor="b">
+            <a:noAutofit/>
+          </a:bodyPr>
+          <a:lstStyle/>
+          <a:p>
+            <a:pPr algn="l"/>
+            <a:r>
+              <a:rPr lang="en-US" altLang="zh-TW" sz="5400" b="0" i="0" u="none" strike="noStrike" baseline="0" dirty="0">
+                <a:latin typeface="Adobe 黑体 Std R" panose="020B0400000000000000" pitchFamily="34" charset="-128"/>
+                <a:ea typeface="Adobe 黑体 Std R" panose="020B0400000000000000" pitchFamily="34" charset="-128"/>
+              </a:rPr>
+              <a:t>PyQt6 </a:t>
+            </a:r>
+            <a:r>
+              <a:rPr lang="en-US" altLang="zh-TW" sz="5400" b="0" i="0" u="none" strike="noStrike" baseline="0" dirty="0">
+                <a:solidFill>
+                  <a:schemeClr val="tx2">
+                    <a:lumMod val="90000"/>
+                  </a:schemeClr>
+                </a:solidFill>
+                <a:latin typeface="Adobe 黑体 Std R" panose="020B0400000000000000" pitchFamily="34" charset="-128"/>
+                <a:ea typeface="Adobe 黑体 Std R" panose="020B0400000000000000" pitchFamily="34" charset="-128"/>
+              </a:rPr>
+              <a:t>– </a:t>
+            </a:r>
+            <a:r>
+              <a:rPr lang="en-US" altLang="zh-TW" sz="5400" dirty="0">
+                <a:solidFill>
+                  <a:schemeClr val="tx2">
+                    <a:lumMod val="90000"/>
+                  </a:schemeClr>
+                </a:solidFill>
+                <a:latin typeface="Adobe 黑体 Std R" panose="020B0400000000000000" pitchFamily="34" charset="-128"/>
+                <a:ea typeface="Adobe 黑体 Std R" panose="020B0400000000000000" pitchFamily="34" charset="-128"/>
+              </a:rPr>
+              <a:t>Video</a:t>
+            </a:r>
+            <a:r>
+              <a:rPr lang="en-US" altLang="zh-TW" sz="5400" b="0" i="0" u="none" strike="noStrike" baseline="0" dirty="0">
+                <a:solidFill>
+                  <a:schemeClr val="tx2">
+                    <a:lumMod val="90000"/>
+                  </a:schemeClr>
+                </a:solidFill>
+                <a:latin typeface="Adobe 黑体 Std R" panose="020B0400000000000000" pitchFamily="34" charset="-128"/>
+                <a:ea typeface="Adobe 黑体 Std R" panose="020B0400000000000000" pitchFamily="34" charset="-128"/>
+              </a:rPr>
+              <a:t> Page</a:t>
+            </a:r>
+            <a:endParaRPr lang="zh-TW" altLang="en-US" sz="11500" dirty="0">
+              <a:solidFill>
+                <a:schemeClr val="tx2">
+                  <a:lumMod val="90000"/>
+                </a:schemeClr>
+              </a:solidFill>
+              <a:latin typeface="Adobe 黑体 Std R" panose="020B0400000000000000" pitchFamily="34" charset="-128"/>
+              <a:ea typeface="Adobe 黑体 Std R" panose="020B0400000000000000" pitchFamily="34" charset="-128"/>
+            </a:endParaRPr>
+          </a:p>
+        </p:txBody>
+      </p:sp>
+      <p:sp>
+        <p:nvSpPr>
+          <p:cNvPr id="6" name="矩形: 圓角 5">
+            <a:extLst>
+              <a:ext uri="{FF2B5EF4-FFF2-40B4-BE49-F238E27FC236}">
+                <a16:creationId xmlns:a16="http://schemas.microsoft.com/office/drawing/2014/main" id="{53EBDDEB-FB97-4AAF-83F4-907E8E332E6A}"/>
+              </a:ext>
+            </a:extLst>
+          </p:cNvPr>
+          <p:cNvSpPr/>
+          <p:nvPr/>
+        </p:nvSpPr>
+        <p:spPr>
+          <a:xfrm>
+            <a:off x="1384617" y="310853"/>
+            <a:ext cx="45719" cy="933855"/>
+          </a:xfrm>
+          <a:prstGeom prst="roundRect">
+            <a:avLst/>
+          </a:prstGeom>
+          <a:solidFill>
+            <a:srgbClr val="9765E9"/>
+          </a:solidFill>
+        </p:spPr>
+        <p:style>
+          <a:lnRef idx="2">
+            <a:schemeClr val="accent1">
+              <a:shade val="50000"/>
+            </a:schemeClr>
+          </a:lnRef>
+          <a:fillRef idx="1">
+            <a:schemeClr val="accent1"/>
+          </a:fillRef>
+          <a:effectRef idx="0">
+            <a:schemeClr val="accent1"/>
+          </a:effectRef>
+          <a:fontRef idx="minor">
+            <a:schemeClr val="lt1"/>
+          </a:fontRef>
+        </p:style>
+        <p:txBody>
+          <a:bodyPr rtlCol="0" anchor="ctr"/>
+          <a:lstStyle/>
+          <a:p>
+            <a:pPr algn="ctr"/>
+            <a:endParaRPr lang="zh-TW" altLang="en-US"/>
+          </a:p>
+        </p:txBody>
+      </p:sp>
+      <p:sp>
+        <p:nvSpPr>
+          <p:cNvPr id="7" name="文字方塊 6">
+            <a:extLst>
+              <a:ext uri="{FF2B5EF4-FFF2-40B4-BE49-F238E27FC236}">
+                <a16:creationId xmlns:a16="http://schemas.microsoft.com/office/drawing/2014/main" id="{466494F7-B29F-47C7-B243-4198DC937323}"/>
+              </a:ext>
+            </a:extLst>
+          </p:cNvPr>
+          <p:cNvSpPr txBox="1"/>
+          <p:nvPr/>
+        </p:nvSpPr>
+        <p:spPr>
+          <a:xfrm>
+            <a:off x="11476641" y="6411194"/>
+            <a:ext cx="314510" cy="369332"/>
+          </a:xfrm>
+          <a:prstGeom prst="rect">
+            <a:avLst/>
+          </a:prstGeom>
+          <a:noFill/>
+        </p:spPr>
+        <p:txBody>
+          <a:bodyPr wrap="none" rtlCol="0">
+            <a:spAutoFit/>
+          </a:bodyPr>
+          <a:lstStyle/>
+          <a:p>
+            <a:r>
+              <a:rPr lang="en-US" altLang="zh-TW" dirty="0">
+                <a:latin typeface="Adobe 黑体 Std R" panose="020B0400000000000000" pitchFamily="34" charset="-128"/>
+                <a:ea typeface="Adobe 黑体 Std R" panose="020B0400000000000000" pitchFamily="34" charset="-128"/>
+              </a:rPr>
+              <a:t>4</a:t>
+            </a:r>
+            <a:endParaRPr lang="zh-TW" altLang="en-US" dirty="0">
+              <a:latin typeface="Adobe 黑体 Std R" panose="020B0400000000000000" pitchFamily="34" charset="-128"/>
+              <a:ea typeface="Adobe 黑体 Std R" panose="020B0400000000000000" pitchFamily="34" charset="-128"/>
+            </a:endParaRPr>
+          </a:p>
+        </p:txBody>
+      </p:sp>
+      <p:pic>
+        <p:nvPicPr>
+          <p:cNvPr id="5" name="圖片 4">
+            <a:extLst>
+              <a:ext uri="{FF2B5EF4-FFF2-40B4-BE49-F238E27FC236}">
+                <a16:creationId xmlns:a16="http://schemas.microsoft.com/office/drawing/2014/main" id="{E0DABF0D-D1F4-4D92-BB4C-DD46827F4CB0}"/>
+              </a:ext>
+            </a:extLst>
+          </p:cNvPr>
+          <p:cNvPicPr>
+            <a:picLocks noChangeAspect="1"/>
+          </p:cNvPicPr>
+          <p:nvPr/>
+        </p:nvPicPr>
+        <p:blipFill>
+          <a:blip r:embed="rId2">
+            <a:extLst>
+              <a:ext uri="{28A0092B-C50C-407E-A947-70E740481C1C}">
+                <a14:useLocalDpi xmlns:a14="http://schemas.microsoft.com/office/drawing/2010/main" val="0"/>
+              </a:ext>
+            </a:extLst>
+          </a:blip>
+          <a:stretch>
+            <a:fillRect/>
+          </a:stretch>
+        </p:blipFill>
+        <p:spPr>
+          <a:xfrm>
+            <a:off x="1407476" y="1450791"/>
+            <a:ext cx="8181888" cy="5365086"/>
+          </a:xfrm>
+          <a:prstGeom prst="rect">
+            <a:avLst/>
+          </a:prstGeom>
+        </p:spPr>
+      </p:pic>
+    </p:spTree>
+    <p:extLst>
+      <p:ext uri="{BB962C8B-B14F-4D97-AF65-F5344CB8AC3E}">
+        <p14:creationId xmlns:p14="http://schemas.microsoft.com/office/powerpoint/2010/main" val="1896164806"/>
+      </p:ext>
+    </p:extLst>
+  </p:cSld>
+  <p:clrMapOvr>
+    <a:masterClrMapping/>
+  </p:clrMapOvr>
+  <mc:AlternateContent xmlns:mc="http://schemas.openxmlformats.org/markup-compatibility/2006" xmlns:p14="http://schemas.microsoft.com/office/powerpoint/2010/main">
+    <mc:Choice Requires="p14">
+      <p:transition spd="med" p14:dur="700">
+        <p:fade/>
+      </p:transition>
+    </mc:Choice>
+    <mc:Fallback xmlns="">
+      <p:transition spd="med">
+        <p:fade/>
+      </p:transition>
+    </mc:Fallback>
+  </mc:AlternateContent>
+</p:sld>
+</file>
+
+<file path=ppt/slides/slide5.xml><?xml version="1.0" encoding="utf-8"?>
+<p:sld xmlns:a="http://schemas.openxmlformats.org/drawingml/2006/main" xmlns:r="http://schemas.openxmlformats.org/officeDocument/2006/relationships" xmlns:p="http://schemas.openxmlformats.org/presentationml/2006/main">
+  <p:cSld>
+    <p:spTree>
+      <p:nvGrpSpPr>
+        <p:cNvPr id="1" name=""/>
+        <p:cNvGrpSpPr/>
+        <p:nvPr/>
+      </p:nvGrpSpPr>
+      <p:grpSpPr>
+        <a:xfrm>
+          <a:off x="0" y="0"/>
+          <a:ext cx="0" cy="0"/>
+          <a:chOff x="0" y="0"/>
+          <a:chExt cx="0" cy="0"/>
+        </a:xfrm>
+      </p:grpSpPr>
+      <p:sp>
+        <p:nvSpPr>
+          <p:cNvPr id="2" name="標題 1">
+            <a:extLst>
+              <a:ext uri="{FF2B5EF4-FFF2-40B4-BE49-F238E27FC236}">
+                <a16:creationId xmlns:a16="http://schemas.microsoft.com/office/drawing/2014/main" id="{78E40BCE-5B5D-4B68-93B0-A1D9218F9B99}"/>
+              </a:ext>
+            </a:extLst>
+          </p:cNvPr>
+          <p:cNvSpPr>
+            <a:spLocks noGrp="1"/>
+          </p:cNvSpPr>
+          <p:nvPr>
+            <p:ph type="ctrTitle"/>
+          </p:nvPr>
+        </p:nvSpPr>
+        <p:spPr>
+          <a:xfrm>
+            <a:off x="1495187" y="310853"/>
+            <a:ext cx="7690549" cy="1012343"/>
+          </a:xfrm>
+        </p:spPr>
+        <p:txBody>
+          <a:bodyPr anchor="b">
+            <a:noAutofit/>
+          </a:bodyPr>
+          <a:lstStyle/>
+          <a:p>
+            <a:pPr algn="l"/>
+            <a:r>
+              <a:rPr lang="en-US" altLang="zh-TW" sz="5400" b="0" i="0" u="none" strike="noStrike" baseline="0" dirty="0">
+                <a:latin typeface="Adobe 黑体 Std R" panose="020B0400000000000000" pitchFamily="34" charset="-128"/>
+                <a:ea typeface="Adobe 黑体 Std R" panose="020B0400000000000000" pitchFamily="34" charset="-128"/>
+              </a:rPr>
+              <a:t>PyQt6 </a:t>
+            </a:r>
+            <a:r>
+              <a:rPr lang="en-US" altLang="zh-TW" sz="5400" b="0" i="0" u="none" strike="noStrike" baseline="0" dirty="0">
+                <a:solidFill>
+                  <a:schemeClr val="tx2">
+                    <a:lumMod val="90000"/>
+                  </a:schemeClr>
+                </a:solidFill>
+                <a:latin typeface="Adobe 黑体 Std R" panose="020B0400000000000000" pitchFamily="34" charset="-128"/>
+                <a:ea typeface="Adobe 黑体 Std R" panose="020B0400000000000000" pitchFamily="34" charset="-128"/>
+              </a:rPr>
+              <a:t>– </a:t>
+            </a:r>
+            <a:r>
+              <a:rPr lang="en-US" altLang="zh-TW" sz="5400" dirty="0">
+                <a:solidFill>
+                  <a:schemeClr val="tx2">
+                    <a:lumMod val="90000"/>
+                  </a:schemeClr>
+                </a:solidFill>
+                <a:latin typeface="Adobe 黑体 Std R" panose="020B0400000000000000" pitchFamily="34" charset="-128"/>
+                <a:ea typeface="Adobe 黑体 Std R" panose="020B0400000000000000" pitchFamily="34" charset="-128"/>
+              </a:rPr>
+              <a:t>Account</a:t>
+            </a:r>
+            <a:endParaRPr lang="zh-TW" altLang="en-US" sz="11500" dirty="0">
+              <a:solidFill>
+                <a:schemeClr val="tx2">
+                  <a:lumMod val="90000"/>
+                </a:schemeClr>
+              </a:solidFill>
+              <a:latin typeface="Adobe 黑体 Std R" panose="020B0400000000000000" pitchFamily="34" charset="-128"/>
+              <a:ea typeface="Adobe 黑体 Std R" panose="020B0400000000000000" pitchFamily="34" charset="-128"/>
+            </a:endParaRPr>
+          </a:p>
+        </p:txBody>
+      </p:sp>
+      <p:sp>
+        <p:nvSpPr>
+          <p:cNvPr id="6" name="矩形: 圓角 5">
+            <a:extLst>
+              <a:ext uri="{FF2B5EF4-FFF2-40B4-BE49-F238E27FC236}">
+                <a16:creationId xmlns:a16="http://schemas.microsoft.com/office/drawing/2014/main" id="{53EBDDEB-FB97-4AAF-83F4-907E8E332E6A}"/>
+              </a:ext>
+            </a:extLst>
+          </p:cNvPr>
+          <p:cNvSpPr/>
+          <p:nvPr/>
+        </p:nvSpPr>
+        <p:spPr>
+          <a:xfrm>
+            <a:off x="1384617" y="310853"/>
+            <a:ext cx="45719" cy="933855"/>
+          </a:xfrm>
+          <a:prstGeom prst="roundRect">
+            <a:avLst/>
+          </a:prstGeom>
+          <a:solidFill>
+            <a:srgbClr val="9765E9"/>
+          </a:solidFill>
+        </p:spPr>
+        <p:style>
+          <a:lnRef idx="2">
+            <a:schemeClr val="accent1">
+              <a:shade val="50000"/>
+            </a:schemeClr>
+          </a:lnRef>
+          <a:fillRef idx="1">
+            <a:schemeClr val="accent1"/>
+          </a:fillRef>
+          <a:effectRef idx="0">
+            <a:schemeClr val="accent1"/>
+          </a:effectRef>
+          <a:fontRef idx="minor">
+            <a:schemeClr val="lt1"/>
+          </a:fontRef>
+        </p:style>
+        <p:txBody>
+          <a:bodyPr rtlCol="0" anchor="ctr"/>
+          <a:lstStyle/>
+          <a:p>
+            <a:pPr algn="ctr"/>
+            <a:endParaRPr lang="zh-TW" altLang="en-US"/>
+          </a:p>
+        </p:txBody>
+      </p:sp>
+      <p:sp>
+        <p:nvSpPr>
+          <p:cNvPr id="7" name="文字方塊 6">
+            <a:extLst>
+              <a:ext uri="{FF2B5EF4-FFF2-40B4-BE49-F238E27FC236}">
+                <a16:creationId xmlns:a16="http://schemas.microsoft.com/office/drawing/2014/main" id="{A0B5279A-E817-4EA2-9DE1-D11583D8DF6B}"/>
+              </a:ext>
+            </a:extLst>
+          </p:cNvPr>
+          <p:cNvSpPr txBox="1"/>
+          <p:nvPr/>
+        </p:nvSpPr>
+        <p:spPr>
+          <a:xfrm>
+            <a:off x="11476641" y="6411194"/>
+            <a:ext cx="314510" cy="369332"/>
+          </a:xfrm>
+          <a:prstGeom prst="rect">
+            <a:avLst/>
+          </a:prstGeom>
+          <a:noFill/>
+        </p:spPr>
+        <p:txBody>
+          <a:bodyPr wrap="none" rtlCol="0">
+            <a:spAutoFit/>
+          </a:bodyPr>
+          <a:lstStyle/>
+          <a:p>
+            <a:r>
+              <a:rPr lang="en-US" altLang="zh-TW" dirty="0">
+                <a:latin typeface="Adobe 黑体 Std R" panose="020B0400000000000000" pitchFamily="34" charset="-128"/>
+                <a:ea typeface="Adobe 黑体 Std R" panose="020B0400000000000000" pitchFamily="34" charset="-128"/>
+              </a:rPr>
+              <a:t>5</a:t>
+            </a:r>
+            <a:endParaRPr lang="zh-TW" altLang="en-US" dirty="0">
+              <a:latin typeface="Adobe 黑体 Std R" panose="020B0400000000000000" pitchFamily="34" charset="-128"/>
+              <a:ea typeface="Adobe 黑体 Std R" panose="020B0400000000000000" pitchFamily="34" charset="-128"/>
+            </a:endParaRPr>
+          </a:p>
+        </p:txBody>
+      </p:sp>
+      <p:pic>
+        <p:nvPicPr>
+          <p:cNvPr id="4" name="圖片 3" descr="一張含有 文字 的圖片&#10;&#10;自動產生的描述">
+            <a:extLst>
+              <a:ext uri="{FF2B5EF4-FFF2-40B4-BE49-F238E27FC236}">
+                <a16:creationId xmlns:a16="http://schemas.microsoft.com/office/drawing/2014/main" id="{D1290639-2DAA-4412-BA66-338E42AE6E88}"/>
+              </a:ext>
+            </a:extLst>
+          </p:cNvPr>
+          <p:cNvPicPr>
+            <a:picLocks noChangeAspect="1"/>
+          </p:cNvPicPr>
+          <p:nvPr/>
+        </p:nvPicPr>
+        <p:blipFill>
+          <a:blip r:embed="rId2">
+            <a:extLst>
+              <a:ext uri="{28A0092B-C50C-407E-A947-70E740481C1C}">
+                <a14:useLocalDpi xmlns:a14="http://schemas.microsoft.com/office/drawing/2010/main" val="0"/>
+              </a:ext>
+            </a:extLst>
+          </a:blip>
+          <a:stretch>
+            <a:fillRect/>
+          </a:stretch>
+        </p:blipFill>
+        <p:spPr>
+          <a:xfrm>
+            <a:off x="1288934" y="1905429"/>
+            <a:ext cx="8920295" cy="4952571"/>
+          </a:xfrm>
+          <a:prstGeom prst="rect">
+            <a:avLst/>
+          </a:prstGeom>
+        </p:spPr>
+      </p:pic>
+      <p:pic>
+        <p:nvPicPr>
+          <p:cNvPr id="8" name="圖片 7" descr="一張含有 文字 的圖片&#10;&#10;自動產生的描述">
+            <a:extLst>
+              <a:ext uri="{FF2B5EF4-FFF2-40B4-BE49-F238E27FC236}">
+                <a16:creationId xmlns:a16="http://schemas.microsoft.com/office/drawing/2014/main" id="{D681BEFF-E3E3-4C5F-A801-67F15D2D7C4B}"/>
+              </a:ext>
+            </a:extLst>
+          </p:cNvPr>
+          <p:cNvPicPr>
+            <a:picLocks noChangeAspect="1"/>
+          </p:cNvPicPr>
+          <p:nvPr/>
+        </p:nvPicPr>
+        <p:blipFill rotWithShape="1">
+          <a:blip r:embed="rId2">
+            <a:extLst>
+              <a:ext uri="{28A0092B-C50C-407E-A947-70E740481C1C}">
+                <a14:useLocalDpi xmlns:a14="http://schemas.microsoft.com/office/drawing/2010/main" val="0"/>
+              </a:ext>
+            </a:extLst>
+          </a:blip>
+          <a:srcRect l="80960" b="52852"/>
+          <a:stretch/>
+        </p:blipFill>
+        <p:spPr>
+          <a:xfrm>
+            <a:off x="4298623" y="1672843"/>
+            <a:ext cx="2875175" cy="3952972"/>
+          </a:xfrm>
+          <a:prstGeom prst="rect">
+            <a:avLst/>
+          </a:prstGeom>
+          <a:ln w="57150">
+            <a:solidFill>
+              <a:srgbClr val="FFC000"/>
+            </a:solidFill>
+          </a:ln>
+        </p:spPr>
+      </p:pic>
+      <p:cxnSp>
+        <p:nvCxnSpPr>
+          <p:cNvPr id="10" name="直線單箭頭接點 9">
+            <a:extLst>
+              <a:ext uri="{FF2B5EF4-FFF2-40B4-BE49-F238E27FC236}">
+                <a16:creationId xmlns:a16="http://schemas.microsoft.com/office/drawing/2014/main" id="{FE3D3141-1353-4A98-B65D-B4BABBA6F3EC}"/>
+              </a:ext>
+            </a:extLst>
+          </p:cNvPr>
+          <p:cNvCxnSpPr>
+            <a:cxnSpLocks/>
+          </p:cNvCxnSpPr>
+          <p:nvPr/>
+        </p:nvCxnSpPr>
+        <p:spPr>
+          <a:xfrm flipH="1" flipV="1">
+            <a:off x="7296347" y="3165048"/>
+            <a:ext cx="1253764" cy="263952"/>
+          </a:xfrm>
+          <a:prstGeom prst="straightConnector1">
+            <a:avLst/>
+          </a:prstGeom>
+          <a:ln w="76200">
+            <a:tailEnd type="triangle"/>
+          </a:ln>
+        </p:spPr>
+        <p:style>
+          <a:lnRef idx="1">
+            <a:schemeClr val="accent4"/>
+          </a:lnRef>
+          <a:fillRef idx="0">
+            <a:schemeClr val="accent4"/>
+          </a:fillRef>
+          <a:effectRef idx="0">
+            <a:schemeClr val="accent4"/>
+          </a:effectRef>
+          <a:fontRef idx="minor">
+            <a:schemeClr val="tx1"/>
+          </a:fontRef>
+        </p:style>
+      </p:cxnSp>
+      <p:sp>
+        <p:nvSpPr>
+          <p:cNvPr id="12" name="矩形: 圓角 11">
+            <a:extLst>
+              <a:ext uri="{FF2B5EF4-FFF2-40B4-BE49-F238E27FC236}">
+                <a16:creationId xmlns:a16="http://schemas.microsoft.com/office/drawing/2014/main" id="{F41B1304-BBD4-4A90-93AD-C01FA5E78C9C}"/>
+              </a:ext>
+            </a:extLst>
+          </p:cNvPr>
+          <p:cNvSpPr/>
+          <p:nvPr/>
+        </p:nvSpPr>
+        <p:spPr>
+          <a:xfrm>
+            <a:off x="8550111" y="2422689"/>
+            <a:ext cx="1659118" cy="1838226"/>
+          </a:xfrm>
+          <a:prstGeom prst="roundRect">
+            <a:avLst/>
+          </a:prstGeom>
+          <a:noFill/>
+          <a:ln w="38100">
+            <a:solidFill>
+              <a:srgbClr val="FFC000"/>
+            </a:solidFill>
+          </a:ln>
+        </p:spPr>
+        <p:style>
+          <a:lnRef idx="2">
+            <a:schemeClr val="accent1">
+              <a:shade val="50000"/>
+            </a:schemeClr>
+          </a:lnRef>
+          <a:fillRef idx="1">
+            <a:schemeClr val="accent1"/>
+          </a:fillRef>
+          <a:effectRef idx="0">
+            <a:schemeClr val="accent1"/>
+          </a:effectRef>
+          <a:fontRef idx="minor">
+            <a:schemeClr val="lt1"/>
+          </a:fontRef>
+        </p:style>
+        <p:txBody>
+          <a:bodyPr rtlCol="0" anchor="ctr"/>
+          <a:lstStyle/>
+          <a:p>
+            <a:pPr algn="ctr"/>
+            <a:endParaRPr lang="zh-TW" altLang="en-US">
+              <a:ln>
+                <a:solidFill>
+                  <a:schemeClr val="bg2">
+                    <a:lumMod val="75000"/>
+                  </a:schemeClr>
+                </a:solidFill>
+              </a:ln>
+              <a:noFill/>
+            </a:endParaRPr>
+          </a:p>
+        </p:txBody>
+      </p:sp>
+    </p:spTree>
+    <p:extLst>
+      <p:ext uri="{BB962C8B-B14F-4D97-AF65-F5344CB8AC3E}">
+        <p14:creationId xmlns:p14="http://schemas.microsoft.com/office/powerpoint/2010/main" val="379167241"/>
+      </p:ext>
+    </p:extLst>
+  </p:cSld>
+  <p:clrMapOvr>
+    <a:masterClrMapping/>
+  </p:clrMapOvr>
+  <mc:AlternateContent xmlns:mc="http://schemas.openxmlformats.org/markup-compatibility/2006" xmlns:p14="http://schemas.microsoft.com/office/powerpoint/2010/main">
+    <mc:Choice Requires="p14">
+      <p:transition spd="med" p14:dur="700">
+        <p:fade/>
+      </p:transition>
+    </mc:Choice>
+    <mc:Fallback xmlns="">
+      <p:transition spd="med">
+        <p:fade/>
+      </p:transition>
+    </mc:Fallback>
+  </mc:AlternateContent>
+</p:sld>
+</file>
+
+<file path=ppt/slides/slide6.xml><?xml version="1.0" encoding="utf-8"?>
+<p:sld xmlns:a="http://schemas.openxmlformats.org/drawingml/2006/main" xmlns:r="http://schemas.openxmlformats.org/officeDocument/2006/relationships" xmlns:p="http://schemas.openxmlformats.org/presentationml/2006/main">
+  <p:cSld>
+    <p:spTree>
+      <p:nvGrpSpPr>
+        <p:cNvPr id="1" name=""/>
+        <p:cNvGrpSpPr/>
+        <p:nvPr/>
+      </p:nvGrpSpPr>
+      <p:grpSpPr>
+        <a:xfrm>
+          <a:off x="0" y="0"/>
+          <a:ext cx="0" cy="0"/>
+          <a:chOff x="0" y="0"/>
+          <a:chExt cx="0" cy="0"/>
+        </a:xfrm>
+      </p:grpSpPr>
+      <p:sp>
+        <p:nvSpPr>
+          <p:cNvPr id="2" name="標題 1">
+            <a:extLst>
+              <a:ext uri="{FF2B5EF4-FFF2-40B4-BE49-F238E27FC236}">
+                <a16:creationId xmlns:a16="http://schemas.microsoft.com/office/drawing/2014/main" id="{78E40BCE-5B5D-4B68-93B0-A1D9218F9B99}"/>
+              </a:ext>
+            </a:extLst>
+          </p:cNvPr>
+          <p:cNvSpPr>
+            <a:spLocks noGrp="1"/>
+          </p:cNvSpPr>
+          <p:nvPr>
+            <p:ph type="ctrTitle"/>
+          </p:nvPr>
+        </p:nvSpPr>
+        <p:spPr>
+          <a:xfrm>
+            <a:off x="739463" y="321013"/>
+            <a:ext cx="7690549" cy="1012343"/>
+          </a:xfrm>
+        </p:spPr>
+        <p:txBody>
+          <a:bodyPr anchor="b">
+            <a:noAutofit/>
+          </a:bodyPr>
+          <a:lstStyle/>
+          <a:p>
+            <a:pPr algn="l"/>
+            <a:r>
+              <a:rPr lang="en-US" altLang="zh-TW" sz="5400" b="0" i="0" u="none" strike="noStrike" baseline="0" dirty="0">
+                <a:latin typeface="Adobe 黑体 Std R" panose="020B0400000000000000" pitchFamily="34" charset="-128"/>
+                <a:ea typeface="Adobe 黑体 Std R" panose="020B0400000000000000" pitchFamily="34" charset="-128"/>
+              </a:rPr>
+              <a:t>System Architecture</a:t>
+            </a:r>
+            <a:endParaRPr lang="zh-TW" altLang="en-US" sz="11500" dirty="0">
+              <a:solidFill>
+                <a:schemeClr val="tx2"/>
+              </a:solidFill>
+              <a:latin typeface="Adobe 黑体 Std R" panose="020B0400000000000000" pitchFamily="34" charset="-128"/>
+              <a:ea typeface="Adobe 黑体 Std R" panose="020B0400000000000000" pitchFamily="34" charset="-128"/>
+            </a:endParaRPr>
+          </a:p>
+        </p:txBody>
+      </p:sp>
+      <p:sp>
+        <p:nvSpPr>
+          <p:cNvPr id="6" name="矩形: 圓角 5">
+            <a:extLst>
+              <a:ext uri="{FF2B5EF4-FFF2-40B4-BE49-F238E27FC236}">
+                <a16:creationId xmlns:a16="http://schemas.microsoft.com/office/drawing/2014/main" id="{53EBDDEB-FB97-4AAF-83F4-907E8E332E6A}"/>
+              </a:ext>
+            </a:extLst>
+          </p:cNvPr>
+          <p:cNvSpPr/>
+          <p:nvPr/>
+        </p:nvSpPr>
+        <p:spPr>
+          <a:xfrm>
+            <a:off x="628893" y="321013"/>
+            <a:ext cx="45719" cy="933855"/>
+          </a:xfrm>
+          <a:prstGeom prst="roundRect">
+            <a:avLst/>
+          </a:prstGeom>
+          <a:solidFill>
+            <a:srgbClr val="9765E9"/>
+          </a:solidFill>
+        </p:spPr>
+        <p:style>
+          <a:lnRef idx="2">
+            <a:schemeClr val="accent1">
+              <a:shade val="50000"/>
+            </a:schemeClr>
+          </a:lnRef>
+          <a:fillRef idx="1">
+            <a:schemeClr val="accent1"/>
+          </a:fillRef>
+          <a:effectRef idx="0">
+            <a:schemeClr val="accent1"/>
+          </a:effectRef>
+          <a:fontRef idx="minor">
+            <a:schemeClr val="lt1"/>
+          </a:fontRef>
+        </p:style>
+        <p:txBody>
+          <a:bodyPr rtlCol="0" anchor="ctr"/>
+          <a:lstStyle/>
+          <a:p>
+            <a:pPr algn="ctr"/>
+            <a:endParaRPr lang="zh-TW" altLang="en-US"/>
+          </a:p>
+        </p:txBody>
+      </p:sp>
+      <p:pic>
+        <p:nvPicPr>
+          <p:cNvPr id="20" name="圖片 19">
+            <a:extLst>
+              <a:ext uri="{FF2B5EF4-FFF2-40B4-BE49-F238E27FC236}">
+                <a16:creationId xmlns:a16="http://schemas.microsoft.com/office/drawing/2014/main" id="{BCB50928-1F29-4D80-975B-0591E3710A60}"/>
+              </a:ext>
+            </a:extLst>
+          </p:cNvPr>
+          <p:cNvPicPr>
+            <a:picLocks noChangeAspect="1"/>
+          </p:cNvPicPr>
+          <p:nvPr/>
+        </p:nvPicPr>
+        <p:blipFill rotWithShape="1">
+          <a:blip r:embed="rId2">
+            <a:extLst>
+              <a:ext uri="{28A0092B-C50C-407E-A947-70E740481C1C}">
+                <a14:useLocalDpi xmlns:a14="http://schemas.microsoft.com/office/drawing/2010/main" val="0"/>
+              </a:ext>
+            </a:extLst>
+          </a:blip>
+          <a:srcRect b="59204"/>
+          <a:stretch/>
+        </p:blipFill>
+        <p:spPr>
+          <a:xfrm>
+            <a:off x="1489298" y="2159108"/>
+            <a:ext cx="9355871" cy="3124091"/>
+          </a:xfrm>
+          <a:prstGeom prst="rect">
+            <a:avLst/>
+          </a:prstGeom>
+        </p:spPr>
+      </p:pic>
+      <p:sp>
+        <p:nvSpPr>
+          <p:cNvPr id="18" name="矩形 17">
+            <a:extLst>
+              <a:ext uri="{FF2B5EF4-FFF2-40B4-BE49-F238E27FC236}">
+                <a16:creationId xmlns:a16="http://schemas.microsoft.com/office/drawing/2014/main" id="{F8E12EEF-03F9-4171-B114-A71C33F53CBB}"/>
+              </a:ext>
+            </a:extLst>
+          </p:cNvPr>
+          <p:cNvSpPr/>
+          <p:nvPr/>
+        </p:nvSpPr>
+        <p:spPr>
+          <a:xfrm>
+            <a:off x="6228193" y="4850130"/>
+            <a:ext cx="1428361" cy="433069"/>
+          </a:xfrm>
+          <a:prstGeom prst="rect">
+            <a:avLst/>
+          </a:prstGeom>
+          <a:solidFill>
+            <a:schemeClr val="tx1"/>
+          </a:solidFill>
+          <a:ln>
+            <a:solidFill>
+              <a:schemeClr val="tx1"/>
+            </a:solidFill>
+          </a:ln>
+        </p:spPr>
+        <p:style>
+          <a:lnRef idx="2">
+            <a:schemeClr val="accent1">
+              <a:shade val="50000"/>
+            </a:schemeClr>
+          </a:lnRef>
+          <a:fillRef idx="1">
+            <a:schemeClr val="accent1"/>
+          </a:fillRef>
+          <a:effectRef idx="0">
+            <a:schemeClr val="accent1"/>
+          </a:effectRef>
+          <a:fontRef idx="minor">
+            <a:schemeClr val="lt1"/>
+          </a:fontRef>
+        </p:style>
+        <p:txBody>
+          <a:bodyPr rtlCol="0" anchor="ctr"/>
+          <a:lstStyle/>
+          <a:p>
+            <a:pPr algn="ctr"/>
+            <a:endParaRPr lang="zh-TW" altLang="en-US"/>
+          </a:p>
+        </p:txBody>
+      </p:sp>
+      <p:sp>
+        <p:nvSpPr>
+          <p:cNvPr id="7" name="文字方塊 6">
+            <a:extLst>
+              <a:ext uri="{FF2B5EF4-FFF2-40B4-BE49-F238E27FC236}">
+                <a16:creationId xmlns:a16="http://schemas.microsoft.com/office/drawing/2014/main" id="{1C7B8506-6618-4100-8378-842B7B6DA002}"/>
+              </a:ext>
+            </a:extLst>
+          </p:cNvPr>
+          <p:cNvSpPr txBox="1"/>
+          <p:nvPr/>
+        </p:nvSpPr>
+        <p:spPr>
+          <a:xfrm>
+            <a:off x="11476641" y="6411194"/>
+            <a:ext cx="314510" cy="369332"/>
+          </a:xfrm>
+          <a:prstGeom prst="rect">
+            <a:avLst/>
+          </a:prstGeom>
+          <a:noFill/>
+        </p:spPr>
+        <p:txBody>
+          <a:bodyPr wrap="none" rtlCol="0">
+            <a:spAutoFit/>
+          </a:bodyPr>
+          <a:lstStyle/>
+          <a:p>
+            <a:r>
+              <a:rPr lang="en-US" altLang="zh-TW" dirty="0">
+                <a:latin typeface="Adobe 黑体 Std R" panose="020B0400000000000000" pitchFamily="34" charset="-128"/>
+                <a:ea typeface="Adobe 黑体 Std R" panose="020B0400000000000000" pitchFamily="34" charset="-128"/>
+              </a:rPr>
+              <a:t>6</a:t>
+            </a:r>
+            <a:endParaRPr lang="zh-TW" altLang="en-US" dirty="0">
+              <a:latin typeface="Adobe 黑体 Std R" panose="020B0400000000000000" pitchFamily="34" charset="-128"/>
+              <a:ea typeface="Adobe 黑体 Std R" panose="020B0400000000000000" pitchFamily="34" charset="-128"/>
+            </a:endParaRPr>
+          </a:p>
+        </p:txBody>
+      </p:sp>
+    </p:spTree>
+    <p:extLst>
+      <p:ext uri="{BB962C8B-B14F-4D97-AF65-F5344CB8AC3E}">
+        <p14:creationId xmlns:p14="http://schemas.microsoft.com/office/powerpoint/2010/main" val="2318518020"/>
+      </p:ext>
+    </p:extLst>
+  </p:cSld>
+  <p:clrMapOvr>
+    <a:masterClrMapping/>
+  </p:clrMapOvr>
+  <mc:AlternateContent xmlns:mc="http://schemas.openxmlformats.org/markup-compatibility/2006" xmlns:p14="http://schemas.microsoft.com/office/powerpoint/2010/main">
+    <mc:Choice Requires="p14">
+      <p:transition spd="med" p14:dur="700">
+        <p:fade/>
+      </p:transition>
+    </mc:Choice>
+    <mc:Fallback xmlns="">
+      <p:transition spd="med">
+        <p:fade/>
+      </p:transition>
+    </mc:Fallback>
+  </mc:AlternateContent>
+</p:sld>
+</file>
+
+<file path=ppt/slides/slide7.xml><?xml version="1.0" encoding="utf-8"?>
+<p:sld xmlns:a="http://schemas.openxmlformats.org/drawingml/2006/main" xmlns:r="http://schemas.openxmlformats.org/officeDocument/2006/relationships" xmlns:p="http://schemas.openxmlformats.org/presentationml/2006/main">
+  <p:cSld>
+    <p:spTree>
+      <p:nvGrpSpPr>
+        <p:cNvPr id="1" name=""/>
+        <p:cNvGrpSpPr/>
+        <p:nvPr/>
+      </p:nvGrpSpPr>
+      <p:grpSpPr>
+        <a:xfrm>
+          <a:off x="0" y="0"/>
+          <a:ext cx="0" cy="0"/>
+          <a:chOff x="0" y="0"/>
+          <a:chExt cx="0" cy="0"/>
+        </a:xfrm>
+      </p:grpSpPr>
+      <p:sp>
+        <p:nvSpPr>
+          <p:cNvPr id="2" name="標題 1">
+            <a:extLst>
+              <a:ext uri="{FF2B5EF4-FFF2-40B4-BE49-F238E27FC236}">
+                <a16:creationId xmlns:a16="http://schemas.microsoft.com/office/drawing/2014/main" id="{78E40BCE-5B5D-4B68-93B0-A1D9218F9B99}"/>
+              </a:ext>
+            </a:extLst>
+          </p:cNvPr>
+          <p:cNvSpPr>
+            <a:spLocks noGrp="1"/>
+          </p:cNvSpPr>
+          <p:nvPr>
+            <p:ph type="ctrTitle"/>
+          </p:nvPr>
+        </p:nvSpPr>
+        <p:spPr>
+          <a:xfrm>
+            <a:off x="739463" y="321013"/>
+            <a:ext cx="7690549" cy="1012343"/>
+          </a:xfrm>
+        </p:spPr>
+        <p:txBody>
+          <a:bodyPr anchor="b">
+            <a:noAutofit/>
+          </a:bodyPr>
+          <a:lstStyle/>
+          <a:p>
+            <a:pPr algn="l"/>
+            <a:r>
+              <a:rPr lang="en-US" altLang="zh-TW" sz="5400" dirty="0">
+                <a:solidFill>
+                  <a:schemeClr val="tx2"/>
+                </a:solidFill>
+                <a:latin typeface="Adobe 黑体 Std R" panose="020B0400000000000000" pitchFamily="34" charset="-128"/>
+                <a:ea typeface="Adobe 黑体 Std R" panose="020B0400000000000000" pitchFamily="34" charset="-128"/>
+              </a:rPr>
+              <a:t>RS</a:t>
+            </a:r>
+            <a:r>
+              <a:rPr lang="zh-TW" altLang="en-US" sz="5400" dirty="0">
+                <a:solidFill>
+                  <a:schemeClr val="tx2"/>
+                </a:solidFill>
+                <a:latin typeface="Adobe 黑体 Std R" panose="020B0400000000000000" pitchFamily="34" charset="-128"/>
+                <a:ea typeface="Adobe 黑体 Std R" panose="020B0400000000000000" pitchFamily="34" charset="-128"/>
+              </a:rPr>
+              <a:t> </a:t>
+            </a:r>
+            <a:endParaRPr lang="zh-TW" altLang="en-US" sz="11500" dirty="0">
+              <a:solidFill>
+                <a:schemeClr val="tx2"/>
+              </a:solidFill>
+              <a:latin typeface="Adobe 黑体 Std R" panose="020B0400000000000000" pitchFamily="34" charset="-128"/>
+              <a:ea typeface="Adobe 黑体 Std R" panose="020B0400000000000000" pitchFamily="34" charset="-128"/>
+            </a:endParaRPr>
+          </a:p>
+        </p:txBody>
+      </p:sp>
+      <p:sp>
+        <p:nvSpPr>
+          <p:cNvPr id="6" name="矩形: 圓角 5">
+            <a:extLst>
+              <a:ext uri="{FF2B5EF4-FFF2-40B4-BE49-F238E27FC236}">
+                <a16:creationId xmlns:a16="http://schemas.microsoft.com/office/drawing/2014/main" id="{53EBDDEB-FB97-4AAF-83F4-907E8E332E6A}"/>
+              </a:ext>
+            </a:extLst>
+          </p:cNvPr>
+          <p:cNvSpPr/>
+          <p:nvPr/>
+        </p:nvSpPr>
+        <p:spPr>
+          <a:xfrm>
+            <a:off x="628893" y="321013"/>
+            <a:ext cx="45719" cy="933855"/>
+          </a:xfrm>
+          <a:prstGeom prst="roundRect">
+            <a:avLst/>
+          </a:prstGeom>
+          <a:solidFill>
+            <a:srgbClr val="9765E9"/>
+          </a:solidFill>
+        </p:spPr>
+        <p:style>
+          <a:lnRef idx="2">
+            <a:schemeClr val="accent1">
+              <a:shade val="50000"/>
+            </a:schemeClr>
+          </a:lnRef>
+          <a:fillRef idx="1">
+            <a:schemeClr val="accent1"/>
+          </a:fillRef>
+          <a:effectRef idx="0">
+            <a:schemeClr val="accent1"/>
+          </a:effectRef>
+          <a:fontRef idx="minor">
+            <a:schemeClr val="lt1"/>
+          </a:fontRef>
+        </p:style>
+        <p:txBody>
+          <a:bodyPr rtlCol="0" anchor="ctr"/>
+          <a:lstStyle/>
+          <a:p>
+            <a:pPr algn="ctr"/>
+            <a:endParaRPr lang="zh-TW" altLang="en-US"/>
+          </a:p>
+        </p:txBody>
+      </p:sp>
+      <p:pic>
+        <p:nvPicPr>
+          <p:cNvPr id="9" name="圖片 8">
+            <a:extLst>
+              <a:ext uri="{FF2B5EF4-FFF2-40B4-BE49-F238E27FC236}">
+                <a16:creationId xmlns:a16="http://schemas.microsoft.com/office/drawing/2014/main" id="{E78F777A-89EA-402F-A3DE-6DF52CD4F1F4}"/>
+              </a:ext>
+            </a:extLst>
+          </p:cNvPr>
+          <p:cNvPicPr>
+            <a:picLocks noChangeAspect="1"/>
+          </p:cNvPicPr>
+          <p:nvPr/>
+        </p:nvPicPr>
+        <p:blipFill>
+          <a:blip r:embed="rId2"/>
+          <a:stretch>
+            <a:fillRect/>
+          </a:stretch>
+        </p:blipFill>
+        <p:spPr>
+          <a:xfrm>
+            <a:off x="2121285" y="321013"/>
+            <a:ext cx="9441822" cy="5769582"/>
+          </a:xfrm>
+          <a:prstGeom prst="rect">
+            <a:avLst/>
+          </a:prstGeom>
+        </p:spPr>
+      </p:pic>
+      <p:sp>
+        <p:nvSpPr>
+          <p:cNvPr id="5" name="文字方塊 4">
+            <a:extLst>
+              <a:ext uri="{FF2B5EF4-FFF2-40B4-BE49-F238E27FC236}">
+                <a16:creationId xmlns:a16="http://schemas.microsoft.com/office/drawing/2014/main" id="{0BE13FC0-6036-4D5D-9131-7AA78607497A}"/>
+              </a:ext>
+            </a:extLst>
+          </p:cNvPr>
+          <p:cNvSpPr txBox="1"/>
+          <p:nvPr/>
+        </p:nvSpPr>
+        <p:spPr>
+          <a:xfrm>
+            <a:off x="11476641" y="6411194"/>
+            <a:ext cx="314510" cy="369332"/>
+          </a:xfrm>
+          <a:prstGeom prst="rect">
+            <a:avLst/>
+          </a:prstGeom>
+          <a:noFill/>
+        </p:spPr>
+        <p:txBody>
+          <a:bodyPr wrap="none" rtlCol="0">
+            <a:spAutoFit/>
+          </a:bodyPr>
+          <a:lstStyle/>
+          <a:p>
+            <a:r>
+              <a:rPr lang="en-US" altLang="zh-TW" dirty="0">
+                <a:latin typeface="Adobe 黑体 Std R" panose="020B0400000000000000" pitchFamily="34" charset="-128"/>
+                <a:ea typeface="Adobe 黑体 Std R" panose="020B0400000000000000" pitchFamily="34" charset="-128"/>
+              </a:rPr>
+              <a:t>7</a:t>
+            </a:r>
+            <a:endParaRPr lang="zh-TW" altLang="en-US" dirty="0">
+              <a:latin typeface="Adobe 黑体 Std R" panose="020B0400000000000000" pitchFamily="34" charset="-128"/>
+              <a:ea typeface="Adobe 黑体 Std R" panose="020B0400000000000000" pitchFamily="34" charset="-128"/>
+            </a:endParaRPr>
+          </a:p>
+        </p:txBody>
+      </p:sp>
+    </p:spTree>
+    <p:extLst>
+      <p:ext uri="{BB962C8B-B14F-4D97-AF65-F5344CB8AC3E}">
+        <p14:creationId xmlns:p14="http://schemas.microsoft.com/office/powerpoint/2010/main" val="1983485954"/>
+      </p:ext>
+    </p:extLst>
+  </p:cSld>
+  <p:clrMapOvr>
+    <a:masterClrMapping/>
+  </p:clrMapOvr>
+  <mc:AlternateContent xmlns:mc="http://schemas.openxmlformats.org/markup-compatibility/2006" xmlns:p14="http://schemas.microsoft.com/office/powerpoint/2010/main">
+    <mc:Choice Requires="p14">
+      <p:transition spd="med" p14:dur="700">
+        <p:fade/>
+      </p:transition>
+    </mc:Choice>
+    <mc:Fallback xmlns="">
+      <p:transition spd="med">
+        <p:fade/>
+      </p:transition>
+    </mc:Fallback>
+  </mc:AlternateContent>
+</p:sld>
+</file>
+
+<file path=ppt/slides/slide8.xml><?xml version="1.0" encoding="utf-8"?>
+<p:sld xmlns:a="http://schemas.openxmlformats.org/drawingml/2006/main" xmlns:r="http://schemas.openxmlformats.org/officeDocument/2006/relationships" xmlns:p="http://schemas.openxmlformats.org/presentationml/2006/main">
+  <p:cSld>
+    <p:spTree>
+      <p:nvGrpSpPr>
+        <p:cNvPr id="1" name=""/>
+        <p:cNvGrpSpPr/>
+        <p:nvPr/>
+      </p:nvGrpSpPr>
+      <p:grpSpPr>
+        <a:xfrm>
+          <a:off x="0" y="0"/>
+          <a:ext cx="0" cy="0"/>
+          <a:chOff x="0" y="0"/>
+          <a:chExt cx="0" cy="0"/>
+        </a:xfrm>
+      </p:grpSpPr>
+      <p:sp>
+        <p:nvSpPr>
+          <p:cNvPr id="2" name="標題 1">
+            <a:extLst>
+              <a:ext uri="{FF2B5EF4-FFF2-40B4-BE49-F238E27FC236}">
+                <a16:creationId xmlns:a16="http://schemas.microsoft.com/office/drawing/2014/main" id="{78E40BCE-5B5D-4B68-93B0-A1D9218F9B99}"/>
+              </a:ext>
+            </a:extLst>
+          </p:cNvPr>
+          <p:cNvSpPr>
+            <a:spLocks noGrp="1"/>
+          </p:cNvSpPr>
+          <p:nvPr>
+            <p:ph type="ctrTitle"/>
+          </p:nvPr>
+        </p:nvSpPr>
+        <p:spPr>
+          <a:xfrm>
+            <a:off x="739463" y="321013"/>
+            <a:ext cx="7690549" cy="1012343"/>
+          </a:xfrm>
+        </p:spPr>
+        <p:txBody>
+          <a:bodyPr anchor="b">
+            <a:noAutofit/>
+          </a:bodyPr>
+          <a:lstStyle/>
+          <a:p>
+            <a:pPr algn="l"/>
+            <a:r>
+              <a:rPr lang="en-US" altLang="zh-TW" sz="5400" dirty="0">
+                <a:solidFill>
+                  <a:schemeClr val="tx2"/>
+                </a:solidFill>
+                <a:latin typeface="Adobe 黑体 Std R" panose="020B0400000000000000" pitchFamily="34" charset="-128"/>
+                <a:ea typeface="Adobe 黑体 Std R" panose="020B0400000000000000" pitchFamily="34" charset="-128"/>
+              </a:rPr>
+              <a:t>The Movie Dataset</a:t>
+            </a:r>
+            <a:endParaRPr lang="zh-TW" altLang="en-US" sz="11500" dirty="0">
+              <a:solidFill>
+                <a:schemeClr val="tx2"/>
+              </a:solidFill>
+              <a:latin typeface="Adobe 黑体 Std R" panose="020B0400000000000000" pitchFamily="34" charset="-128"/>
+              <a:ea typeface="Adobe 黑体 Std R" panose="020B0400000000000000" pitchFamily="34" charset="-128"/>
+            </a:endParaRPr>
+          </a:p>
+        </p:txBody>
+      </p:sp>
+      <p:sp>
+        <p:nvSpPr>
+          <p:cNvPr id="6" name="矩形: 圓角 5">
+            <a:extLst>
+              <a:ext uri="{FF2B5EF4-FFF2-40B4-BE49-F238E27FC236}">
+                <a16:creationId xmlns:a16="http://schemas.microsoft.com/office/drawing/2014/main" id="{53EBDDEB-FB97-4AAF-83F4-907E8E332E6A}"/>
+              </a:ext>
+            </a:extLst>
+          </p:cNvPr>
+          <p:cNvSpPr/>
+          <p:nvPr/>
+        </p:nvSpPr>
+        <p:spPr>
+          <a:xfrm>
+            <a:off x="628893" y="321013"/>
+            <a:ext cx="45719" cy="933855"/>
+          </a:xfrm>
+          <a:prstGeom prst="roundRect">
+            <a:avLst/>
+          </a:prstGeom>
+          <a:solidFill>
+            <a:srgbClr val="9765E9"/>
+          </a:solidFill>
+        </p:spPr>
+        <p:style>
+          <a:lnRef idx="2">
+            <a:schemeClr val="accent1">
+              <a:shade val="50000"/>
+            </a:schemeClr>
+          </a:lnRef>
+          <a:fillRef idx="1">
+            <a:schemeClr val="accent1"/>
+          </a:fillRef>
+          <a:effectRef idx="0">
+            <a:schemeClr val="accent1"/>
+          </a:effectRef>
+          <a:fontRef idx="minor">
+            <a:schemeClr val="lt1"/>
+          </a:fontRef>
+        </p:style>
+        <p:txBody>
+          <a:bodyPr rtlCol="0" anchor="ctr"/>
+          <a:lstStyle/>
+          <a:p>
+            <a:pPr algn="ctr"/>
+            <a:endParaRPr lang="zh-TW" altLang="en-US"/>
+          </a:p>
+        </p:txBody>
+      </p:sp>
+      <p:sp>
+        <p:nvSpPr>
+          <p:cNvPr id="7" name="文字方塊 6">
+            <a:extLst>
+              <a:ext uri="{FF2B5EF4-FFF2-40B4-BE49-F238E27FC236}">
+                <a16:creationId xmlns:a16="http://schemas.microsoft.com/office/drawing/2014/main" id="{C51A3E71-75D6-468B-A9A8-CC83722B419F}"/>
+              </a:ext>
+            </a:extLst>
+          </p:cNvPr>
+          <p:cNvSpPr txBox="1"/>
+          <p:nvPr/>
+        </p:nvSpPr>
+        <p:spPr>
+          <a:xfrm>
+            <a:off x="662626" y="2351782"/>
+            <a:ext cx="10866747" cy="1077218"/>
+          </a:xfrm>
+          <a:prstGeom prst="rect">
+            <a:avLst/>
+          </a:prstGeom>
+          <a:noFill/>
+        </p:spPr>
+        <p:txBody>
+          <a:bodyPr wrap="square">
+            <a:spAutoFit/>
+          </a:bodyPr>
+          <a:lstStyle/>
+          <a:p>
+            <a:r>
+              <a:rPr lang="en-US" altLang="zh-TW" sz="3200" dirty="0"/>
+              <a:t>Data from:</a:t>
+            </a:r>
+          </a:p>
+          <a:p>
+            <a:r>
+              <a:rPr lang="zh-TW" altLang="en-US" sz="3200" dirty="0"/>
+              <a:t>https://www.kaggle.com/rounakbanik/the-movies-dataset</a:t>
+            </a:r>
+          </a:p>
+        </p:txBody>
+      </p:sp>
+      <p:sp>
+        <p:nvSpPr>
+          <p:cNvPr id="9" name="文字方塊 8">
+            <a:extLst>
+              <a:ext uri="{FF2B5EF4-FFF2-40B4-BE49-F238E27FC236}">
+                <a16:creationId xmlns:a16="http://schemas.microsoft.com/office/drawing/2014/main" id="{A7EE0707-BC89-45A5-BBBB-0667C38335EF}"/>
+              </a:ext>
+            </a:extLst>
+          </p:cNvPr>
+          <p:cNvSpPr txBox="1"/>
+          <p:nvPr/>
+        </p:nvSpPr>
+        <p:spPr>
+          <a:xfrm>
+            <a:off x="662626" y="3404590"/>
+            <a:ext cx="6094428" cy="369332"/>
+          </a:xfrm>
+          <a:prstGeom prst="rect">
+            <a:avLst/>
+          </a:prstGeom>
+          <a:noFill/>
+        </p:spPr>
+        <p:txBody>
+          <a:bodyPr wrap="square">
+            <a:spAutoFit/>
+          </a:bodyPr>
+          <a:lstStyle/>
+          <a:p>
+            <a:r>
+              <a:rPr lang="en-US" altLang="zh-TW" b="0" i="0" dirty="0">
+                <a:solidFill>
+                  <a:srgbClr val="CEB6F4"/>
+                </a:solidFill>
+                <a:effectLst/>
+                <a:latin typeface="Inter"/>
+              </a:rPr>
+              <a:t>The dataset consists of movies released on or before July 2017</a:t>
+            </a:r>
+            <a:endParaRPr lang="zh-TW" altLang="en-US" dirty="0">
+              <a:solidFill>
+                <a:srgbClr val="CEB6F4"/>
+              </a:solidFill>
+            </a:endParaRPr>
+          </a:p>
+        </p:txBody>
+      </p:sp>
+      <p:pic>
+        <p:nvPicPr>
+          <p:cNvPr id="11" name="圖片 10">
+            <a:extLst>
+              <a:ext uri="{FF2B5EF4-FFF2-40B4-BE49-F238E27FC236}">
+                <a16:creationId xmlns:a16="http://schemas.microsoft.com/office/drawing/2014/main" id="{450F262D-0C7A-4764-BCBA-CB939509BEC3}"/>
+              </a:ext>
+            </a:extLst>
+          </p:cNvPr>
+          <p:cNvPicPr>
+            <a:picLocks noChangeAspect="1"/>
+          </p:cNvPicPr>
+          <p:nvPr/>
+        </p:nvPicPr>
+        <p:blipFill>
+          <a:blip r:embed="rId2"/>
+          <a:stretch>
+            <a:fillRect/>
+          </a:stretch>
+        </p:blipFill>
+        <p:spPr>
+          <a:xfrm>
+            <a:off x="0" y="4872590"/>
+            <a:ext cx="12192000" cy="2092974"/>
+          </a:xfrm>
+          <a:prstGeom prst="rect">
+            <a:avLst/>
+          </a:prstGeom>
+        </p:spPr>
+      </p:pic>
+      <p:sp>
+        <p:nvSpPr>
+          <p:cNvPr id="8" name="文字方塊 7">
+            <a:extLst>
+              <a:ext uri="{FF2B5EF4-FFF2-40B4-BE49-F238E27FC236}">
+                <a16:creationId xmlns:a16="http://schemas.microsoft.com/office/drawing/2014/main" id="{50DFFB96-660F-4D97-8237-A0DE79BBA48E}"/>
+              </a:ext>
+            </a:extLst>
+          </p:cNvPr>
+          <p:cNvSpPr txBox="1"/>
+          <p:nvPr/>
+        </p:nvSpPr>
+        <p:spPr>
+          <a:xfrm>
+            <a:off x="11476641" y="6411194"/>
+            <a:ext cx="314510" cy="369332"/>
+          </a:xfrm>
+          <a:prstGeom prst="rect">
+            <a:avLst/>
+          </a:prstGeom>
+          <a:noFill/>
+        </p:spPr>
+        <p:txBody>
+          <a:bodyPr wrap="none" rtlCol="0">
+            <a:spAutoFit/>
+          </a:bodyPr>
+          <a:lstStyle/>
+          <a:p>
+            <a:r>
+              <a:rPr lang="en-US" altLang="zh-TW" dirty="0">
+                <a:latin typeface="Adobe 黑体 Std R" panose="020B0400000000000000" pitchFamily="34" charset="-128"/>
+                <a:ea typeface="Adobe 黑体 Std R" panose="020B0400000000000000" pitchFamily="34" charset="-128"/>
+              </a:rPr>
+              <a:t>8</a:t>
+            </a:r>
+            <a:endParaRPr lang="zh-TW" altLang="en-US" dirty="0">
+              <a:latin typeface="Adobe 黑体 Std R" panose="020B0400000000000000" pitchFamily="34" charset="-128"/>
+              <a:ea typeface="Adobe 黑体 Std R" panose="020B0400000000000000" pitchFamily="34" charset="-128"/>
+            </a:endParaRPr>
+          </a:p>
+        </p:txBody>
+      </p:sp>
+    </p:spTree>
+    <p:extLst>
+      <p:ext uri="{BB962C8B-B14F-4D97-AF65-F5344CB8AC3E}">
+        <p14:creationId xmlns:p14="http://schemas.microsoft.com/office/powerpoint/2010/main" val="3931204909"/>
+      </p:ext>
+    </p:extLst>
+  </p:cSld>
+  <p:clrMapOvr>
+    <a:masterClrMapping/>
+  </p:clrMapOvr>
+  <mc:AlternateContent xmlns:mc="http://schemas.openxmlformats.org/markup-compatibility/2006" xmlns:p14="http://schemas.microsoft.com/office/powerpoint/2010/main">
+    <mc:Choice Requires="p14">
+      <p:transition spd="med" p14:dur="700">
+        <p:fade/>
+      </p:transition>
+    </mc:Choice>
+    <mc:Fallback xmlns="">
+      <p:transition spd="med">
+        <p:fade/>
+      </p:transition>
+    </mc:Fallback>
+  </mc:AlternateContent>
+</p:sld>
+</file>
+
+<file path=ppt/slides/slide9.xml><?xml version="1.0" encoding="utf-8"?>
 <p:sld xmlns:a="http://schemas.openxmlformats.org/drawingml/2006/main" xmlns:r="http://schemas.openxmlformats.org/officeDocument/2006/relationships" xmlns:p="http://schemas.openxmlformats.org/presentationml/2006/main">
   <p:cSld>
     <p:spTree>
@@ -7009,7 +10395,7 @@
                 <a:latin typeface="Adobe 黑体 Std R" panose="020B0400000000000000" pitchFamily="34" charset="-128"/>
                 <a:ea typeface="Adobe 黑体 Std R" panose="020B0400000000000000" pitchFamily="34" charset="-128"/>
               </a:rPr>
-              <a:t>3</a:t>
+              <a:t>9</a:t>
             </a:r>
             <a:endParaRPr lang="zh-TW" altLang="en-US" dirty="0">
               <a:latin typeface="Adobe 黑体 Std R" panose="020B0400000000000000" pitchFamily="34" charset="-128"/>
@@ -7022,3160 +10408,6 @@
     <p:extLst>
       <p:ext uri="{BB962C8B-B14F-4D97-AF65-F5344CB8AC3E}">
         <p14:creationId xmlns:p14="http://schemas.microsoft.com/office/powerpoint/2010/main" val="299498175"/>
-      </p:ext>
-    </p:extLst>
-  </p:cSld>
-  <p:clrMapOvr>
-    <a:masterClrMapping/>
-  </p:clrMapOvr>
-  <mc:AlternateContent xmlns:mc="http://schemas.openxmlformats.org/markup-compatibility/2006" xmlns:p14="http://schemas.microsoft.com/office/powerpoint/2010/main">
-    <mc:Choice Requires="p14">
-      <p:transition spd="med" p14:dur="700">
-        <p:fade/>
-      </p:transition>
-    </mc:Choice>
-    <mc:Fallback xmlns="">
-      <p:transition spd="med">
-        <p:fade/>
-      </p:transition>
-    </mc:Fallback>
-  </mc:AlternateContent>
-</p:sld>
-</file>
-
-<file path=ppt/slides/slide4.xml><?xml version="1.0" encoding="utf-8"?>
-<p:sld xmlns:a="http://schemas.openxmlformats.org/drawingml/2006/main" xmlns:r="http://schemas.openxmlformats.org/officeDocument/2006/relationships" xmlns:p="http://schemas.openxmlformats.org/presentationml/2006/main">
-  <p:cSld>
-    <p:spTree>
-      <p:nvGrpSpPr>
-        <p:cNvPr id="1" name=""/>
-        <p:cNvGrpSpPr/>
-        <p:nvPr/>
-      </p:nvGrpSpPr>
-      <p:grpSpPr>
-        <a:xfrm>
-          <a:off x="0" y="0"/>
-          <a:ext cx="0" cy="0"/>
-          <a:chOff x="0" y="0"/>
-          <a:chExt cx="0" cy="0"/>
-        </a:xfrm>
-      </p:grpSpPr>
-      <p:sp>
-        <p:nvSpPr>
-          <p:cNvPr id="2" name="標題 1">
-            <a:extLst>
-              <a:ext uri="{FF2B5EF4-FFF2-40B4-BE49-F238E27FC236}">
-                <a16:creationId xmlns:a16="http://schemas.microsoft.com/office/drawing/2014/main" id="{78E40BCE-5B5D-4B68-93B0-A1D9218F9B99}"/>
-              </a:ext>
-            </a:extLst>
-          </p:cNvPr>
-          <p:cNvSpPr>
-            <a:spLocks noGrp="1"/>
-          </p:cNvSpPr>
-          <p:nvPr>
-            <p:ph type="ctrTitle"/>
-          </p:nvPr>
-        </p:nvSpPr>
-        <p:spPr>
-          <a:xfrm>
-            <a:off x="739463" y="321013"/>
-            <a:ext cx="7690549" cy="1012343"/>
-          </a:xfrm>
-        </p:spPr>
-        <p:txBody>
-          <a:bodyPr anchor="b">
-            <a:noAutofit/>
-          </a:bodyPr>
-          <a:lstStyle/>
-          <a:p>
-            <a:pPr algn="l"/>
-            <a:r>
-              <a:rPr lang="en-US" altLang="zh-TW" sz="5400" b="0" i="0" u="none" strike="noStrike" baseline="0" dirty="0">
-                <a:latin typeface="Adobe 黑体 Std R" panose="020B0400000000000000" pitchFamily="34" charset="-128"/>
-                <a:ea typeface="Adobe 黑体 Std R" panose="020B0400000000000000" pitchFamily="34" charset="-128"/>
-              </a:rPr>
-              <a:t>Content Based Filtering</a:t>
-            </a:r>
-            <a:endParaRPr lang="zh-TW" altLang="en-US" sz="11500" dirty="0">
-              <a:solidFill>
-                <a:schemeClr val="tx2"/>
-              </a:solidFill>
-              <a:latin typeface="Adobe 黑体 Std R" panose="020B0400000000000000" pitchFamily="34" charset="-128"/>
-              <a:ea typeface="Adobe 黑体 Std R" panose="020B0400000000000000" pitchFamily="34" charset="-128"/>
-            </a:endParaRPr>
-          </a:p>
-        </p:txBody>
-      </p:sp>
-      <p:sp>
-        <p:nvSpPr>
-          <p:cNvPr id="6" name="矩形: 圓角 5">
-            <a:extLst>
-              <a:ext uri="{FF2B5EF4-FFF2-40B4-BE49-F238E27FC236}">
-                <a16:creationId xmlns:a16="http://schemas.microsoft.com/office/drawing/2014/main" id="{53EBDDEB-FB97-4AAF-83F4-907E8E332E6A}"/>
-              </a:ext>
-            </a:extLst>
-          </p:cNvPr>
-          <p:cNvSpPr/>
-          <p:nvPr/>
-        </p:nvSpPr>
-        <p:spPr>
-          <a:xfrm>
-            <a:off x="628893" y="321013"/>
-            <a:ext cx="45719" cy="933855"/>
-          </a:xfrm>
-          <a:prstGeom prst="roundRect">
-            <a:avLst/>
-          </a:prstGeom>
-          <a:solidFill>
-            <a:srgbClr val="9765E9"/>
-          </a:solidFill>
-        </p:spPr>
-        <p:style>
-          <a:lnRef idx="2">
-            <a:schemeClr val="accent1">
-              <a:shade val="50000"/>
-            </a:schemeClr>
-          </a:lnRef>
-          <a:fillRef idx="1">
-            <a:schemeClr val="accent1"/>
-          </a:fillRef>
-          <a:effectRef idx="0">
-            <a:schemeClr val="accent1"/>
-          </a:effectRef>
-          <a:fontRef idx="minor">
-            <a:schemeClr val="lt1"/>
-          </a:fontRef>
-        </p:style>
-        <p:txBody>
-          <a:bodyPr rtlCol="0" anchor="ctr"/>
-          <a:lstStyle/>
-          <a:p>
-            <a:pPr algn="ctr"/>
-            <a:endParaRPr lang="zh-TW" altLang="en-US"/>
-          </a:p>
-        </p:txBody>
-      </p:sp>
-      <p:pic>
-        <p:nvPicPr>
-          <p:cNvPr id="4" name="圖片 3">
-            <a:extLst>
-              <a:ext uri="{FF2B5EF4-FFF2-40B4-BE49-F238E27FC236}">
-                <a16:creationId xmlns:a16="http://schemas.microsoft.com/office/drawing/2014/main" id="{268A7006-D92D-4D3D-BB55-6836D504FB5D}"/>
-              </a:ext>
-            </a:extLst>
-          </p:cNvPr>
-          <p:cNvPicPr>
-            <a:picLocks noChangeAspect="1"/>
-          </p:cNvPicPr>
-          <p:nvPr/>
-        </p:nvPicPr>
-        <p:blipFill>
-          <a:blip r:embed="rId2"/>
-          <a:stretch>
-            <a:fillRect/>
-          </a:stretch>
-        </p:blipFill>
-        <p:spPr>
-          <a:xfrm>
-            <a:off x="272102" y="3099488"/>
-            <a:ext cx="1889163" cy="1437894"/>
-          </a:xfrm>
-          <a:prstGeom prst="rect">
-            <a:avLst/>
-          </a:prstGeom>
-        </p:spPr>
-      </p:pic>
-      <p:pic>
-        <p:nvPicPr>
-          <p:cNvPr id="8" name="圖片 7">
-            <a:extLst>
-              <a:ext uri="{FF2B5EF4-FFF2-40B4-BE49-F238E27FC236}">
-                <a16:creationId xmlns:a16="http://schemas.microsoft.com/office/drawing/2014/main" id="{734EFDC3-D29E-4DBE-B8B3-8634DD8502CF}"/>
-              </a:ext>
-            </a:extLst>
-          </p:cNvPr>
-          <p:cNvPicPr>
-            <a:picLocks noChangeAspect="1"/>
-          </p:cNvPicPr>
-          <p:nvPr/>
-        </p:nvPicPr>
-        <p:blipFill>
-          <a:blip r:embed="rId3"/>
-          <a:stretch>
-            <a:fillRect/>
-          </a:stretch>
-        </p:blipFill>
-        <p:spPr>
-          <a:xfrm>
-            <a:off x="2259483" y="3213191"/>
-            <a:ext cx="3646151" cy="1357326"/>
-          </a:xfrm>
-          <a:prstGeom prst="rect">
-            <a:avLst/>
-          </a:prstGeom>
-        </p:spPr>
-      </p:pic>
-      <p:sp>
-        <p:nvSpPr>
-          <p:cNvPr id="9" name="矩形: 圓角 8">
-            <a:extLst>
-              <a:ext uri="{FF2B5EF4-FFF2-40B4-BE49-F238E27FC236}">
-                <a16:creationId xmlns:a16="http://schemas.microsoft.com/office/drawing/2014/main" id="{08BF8892-B709-46BA-872C-E3CE3DAAAD46}"/>
-              </a:ext>
-            </a:extLst>
-          </p:cNvPr>
-          <p:cNvSpPr/>
-          <p:nvPr/>
-        </p:nvSpPr>
-        <p:spPr>
-          <a:xfrm>
-            <a:off x="6096000" y="1645969"/>
-            <a:ext cx="5812872" cy="1012344"/>
-          </a:xfrm>
-          <a:prstGeom prst="roundRect">
-            <a:avLst/>
-          </a:prstGeom>
-          <a:solidFill>
-            <a:schemeClr val="bg1"/>
-          </a:solidFill>
-          <a:ln w="28575">
-            <a:solidFill>
-              <a:schemeClr val="accent2">
-                <a:lumMod val="40000"/>
-                <a:lumOff val="60000"/>
-              </a:schemeClr>
-            </a:solidFill>
-          </a:ln>
-        </p:spPr>
-        <p:style>
-          <a:lnRef idx="2">
-            <a:schemeClr val="accent1">
-              <a:shade val="50000"/>
-            </a:schemeClr>
-          </a:lnRef>
-          <a:fillRef idx="1">
-            <a:schemeClr val="accent1"/>
-          </a:fillRef>
-          <a:effectRef idx="0">
-            <a:schemeClr val="accent1"/>
-          </a:effectRef>
-          <a:fontRef idx="minor">
-            <a:schemeClr val="lt1"/>
-          </a:fontRef>
-        </p:style>
-        <p:txBody>
-          <a:bodyPr rtlCol="0" anchor="ctr"/>
-          <a:lstStyle/>
-          <a:p>
-            <a:pPr algn="ctr"/>
-            <a:r>
-              <a:rPr lang="zh-TW" altLang="en-US" sz="2000" b="0" dirty="0">
-                <a:effectLst/>
-                <a:latin typeface="Adobe 黑体 Std R" panose="020B0400000000000000" pitchFamily="34" charset="-128"/>
-                <a:ea typeface="Adobe 黑体 Std R" panose="020B0400000000000000" pitchFamily="34" charset="-128"/>
-              </a:rPr>
-              <a:t>文本數據預處理 </a:t>
-            </a:r>
-            <a:r>
-              <a:rPr lang="en-US" altLang="zh-TW" sz="2000" b="0" dirty="0">
-                <a:effectLst/>
-                <a:latin typeface="Adobe 黑体 Std R" panose="020B0400000000000000" pitchFamily="34" charset="-128"/>
-                <a:ea typeface="Adobe 黑体 Std R" panose="020B0400000000000000" pitchFamily="34" charset="-128"/>
-              </a:rPr>
-              <a:t>- </a:t>
-            </a:r>
-            <a:r>
-              <a:rPr lang="zh-TW" altLang="en-US" sz="2000" b="0" dirty="0">
-                <a:effectLst/>
-                <a:latin typeface="Adobe 黑体 Std R" panose="020B0400000000000000" pitchFamily="34" charset="-128"/>
-                <a:ea typeface="Adobe 黑体 Std R" panose="020B0400000000000000" pitchFamily="34" charset="-128"/>
-              </a:rPr>
-              <a:t>詞頻、資訊檢索與文本挖掘</a:t>
-            </a:r>
-            <a:endParaRPr lang="en-US" altLang="zh-TW" sz="2000" b="0" dirty="0">
-              <a:effectLst/>
-              <a:latin typeface="Adobe 黑体 Std R" panose="020B0400000000000000" pitchFamily="34" charset="-128"/>
-              <a:ea typeface="Adobe 黑体 Std R" panose="020B0400000000000000" pitchFamily="34" charset="-128"/>
-            </a:endParaRPr>
-          </a:p>
-          <a:p>
-            <a:pPr algn="ctr"/>
-            <a:r>
-              <a:rPr lang="en-US" altLang="zh-TW" sz="1600" b="0" dirty="0" err="1">
-                <a:solidFill>
-                  <a:schemeClr val="tx2">
-                    <a:lumMod val="90000"/>
-                  </a:schemeClr>
-                </a:solidFill>
-                <a:effectLst/>
-                <a:latin typeface="Adobe 黑体 Std R" panose="020B0400000000000000" pitchFamily="34" charset="-128"/>
-                <a:ea typeface="Adobe 黑体 Std R" panose="020B0400000000000000" pitchFamily="34" charset="-128"/>
-              </a:rPr>
-              <a:t>Sklearn</a:t>
-            </a:r>
-            <a:r>
-              <a:rPr lang="en-US" altLang="zh-TW" sz="1600" b="0" dirty="0">
-                <a:solidFill>
-                  <a:schemeClr val="tx2">
-                    <a:lumMod val="90000"/>
-                  </a:schemeClr>
-                </a:solidFill>
-                <a:effectLst/>
-                <a:latin typeface="Adobe 黑体 Std R" panose="020B0400000000000000" pitchFamily="34" charset="-128"/>
-                <a:ea typeface="Adobe 黑体 Std R" panose="020B0400000000000000" pitchFamily="34" charset="-128"/>
-              </a:rPr>
-              <a:t> – </a:t>
-            </a:r>
-            <a:r>
-              <a:rPr lang="en-US" altLang="zh-TW" sz="1600" b="0" i="0" dirty="0" err="1">
-                <a:solidFill>
-                  <a:schemeClr val="tx2">
-                    <a:lumMod val="90000"/>
-                  </a:schemeClr>
-                </a:solidFill>
-                <a:effectLst/>
-                <a:latin typeface="Adobe 黑体 Std R" panose="020B0400000000000000" pitchFamily="34" charset="-128"/>
-                <a:ea typeface="Adobe 黑体 Std R" panose="020B0400000000000000" pitchFamily="34" charset="-128"/>
-              </a:rPr>
-              <a:t>CountVectorizer</a:t>
-            </a:r>
-            <a:r>
-              <a:rPr lang="zh-TW" altLang="en-US" sz="1600" dirty="0">
-                <a:solidFill>
-                  <a:schemeClr val="tx2">
-                    <a:lumMod val="90000"/>
-                  </a:schemeClr>
-                </a:solidFill>
-                <a:latin typeface="Adobe 黑体 Std R" panose="020B0400000000000000" pitchFamily="34" charset="-128"/>
-                <a:ea typeface="Adobe 黑体 Std R" panose="020B0400000000000000" pitchFamily="34" charset="-128"/>
-              </a:rPr>
-              <a:t>、</a:t>
-            </a:r>
-            <a:r>
-              <a:rPr lang="en-US" altLang="zh-TW" sz="1600" b="0" i="0" dirty="0" err="1">
-                <a:solidFill>
-                  <a:schemeClr val="tx2">
-                    <a:lumMod val="90000"/>
-                  </a:schemeClr>
-                </a:solidFill>
-                <a:effectLst/>
-                <a:latin typeface="Adobe 黑体 Std R" panose="020B0400000000000000" pitchFamily="34" charset="-128"/>
-                <a:ea typeface="Adobe 黑体 Std R" panose="020B0400000000000000" pitchFamily="34" charset="-128"/>
-              </a:rPr>
-              <a:t>TfidfTransformer</a:t>
-            </a:r>
-            <a:r>
-              <a:rPr lang="en-US" altLang="zh-TW" sz="1600" b="0" i="0" dirty="0">
-                <a:solidFill>
-                  <a:schemeClr val="tx2">
-                    <a:lumMod val="90000"/>
-                  </a:schemeClr>
-                </a:solidFill>
-                <a:effectLst/>
-                <a:latin typeface="Adobe 黑体 Std R" panose="020B0400000000000000" pitchFamily="34" charset="-128"/>
-                <a:ea typeface="Adobe 黑体 Std R" panose="020B0400000000000000" pitchFamily="34" charset="-128"/>
-              </a:rPr>
-              <a:t> </a:t>
-            </a:r>
-            <a:endParaRPr lang="en-US" altLang="zh-TW" sz="1600" b="1" i="0" dirty="0">
-              <a:solidFill>
-                <a:schemeClr val="tx2">
-                  <a:lumMod val="90000"/>
-                </a:schemeClr>
-              </a:solidFill>
-              <a:effectLst/>
-              <a:latin typeface="Adobe 黑体 Std R" panose="020B0400000000000000" pitchFamily="34" charset="-128"/>
-              <a:ea typeface="Adobe 黑体 Std R" panose="020B0400000000000000" pitchFamily="34" charset="-128"/>
-            </a:endParaRPr>
-          </a:p>
-        </p:txBody>
-      </p:sp>
-      <p:sp>
-        <p:nvSpPr>
-          <p:cNvPr id="12" name="矩形: 圓角 11">
-            <a:extLst>
-              <a:ext uri="{FF2B5EF4-FFF2-40B4-BE49-F238E27FC236}">
-                <a16:creationId xmlns:a16="http://schemas.microsoft.com/office/drawing/2014/main" id="{9BF95477-CB35-4DEF-B5C7-C7E75991C905}"/>
-              </a:ext>
-            </a:extLst>
-          </p:cNvPr>
-          <p:cNvSpPr/>
-          <p:nvPr/>
-        </p:nvSpPr>
-        <p:spPr>
-          <a:xfrm>
-            <a:off x="6096000" y="3444469"/>
-            <a:ext cx="5812872" cy="1012344"/>
-          </a:xfrm>
-          <a:prstGeom prst="roundRect">
-            <a:avLst/>
-          </a:prstGeom>
-          <a:solidFill>
-            <a:schemeClr val="bg1"/>
-          </a:solidFill>
-          <a:ln w="28575">
-            <a:solidFill>
-              <a:schemeClr val="accent2">
-                <a:lumMod val="40000"/>
-                <a:lumOff val="60000"/>
-              </a:schemeClr>
-            </a:solidFill>
-          </a:ln>
-        </p:spPr>
-        <p:style>
-          <a:lnRef idx="2">
-            <a:schemeClr val="accent1">
-              <a:shade val="50000"/>
-            </a:schemeClr>
-          </a:lnRef>
-          <a:fillRef idx="1">
-            <a:schemeClr val="accent1"/>
-          </a:fillRef>
-          <a:effectRef idx="0">
-            <a:schemeClr val="accent1"/>
-          </a:effectRef>
-          <a:fontRef idx="minor">
-            <a:schemeClr val="lt1"/>
-          </a:fontRef>
-        </p:style>
-        <p:txBody>
-          <a:bodyPr rtlCol="0" anchor="ctr"/>
-          <a:lstStyle/>
-          <a:p>
-            <a:pPr algn="ctr"/>
-            <a:r>
-              <a:rPr lang="en-US" altLang="zh-TW" sz="2000" b="0" dirty="0">
-                <a:effectLst/>
-                <a:latin typeface="Adobe 黑体 Std R" panose="020B0400000000000000" pitchFamily="34" charset="-128"/>
-                <a:ea typeface="Adobe 黑体 Std R" panose="020B0400000000000000" pitchFamily="34" charset="-128"/>
-              </a:rPr>
-              <a:t>Sorted</a:t>
-            </a:r>
-            <a:r>
-              <a:rPr lang="en-US" altLang="zh-TW" sz="2000" b="0" dirty="0">
-                <a:solidFill>
-                  <a:schemeClr val="tx2"/>
-                </a:solidFill>
-                <a:effectLst/>
-                <a:latin typeface="Consolas" panose="020B0609020204030204" pitchFamily="49" charset="0"/>
-                <a:ea typeface="Adobe 黑体 Std R" panose="020B0400000000000000" pitchFamily="34" charset="-128"/>
-              </a:rPr>
-              <a:t> </a:t>
-            </a:r>
-            <a:r>
-              <a:rPr lang="en-US" altLang="zh-TW" sz="2000" b="0" dirty="0">
-                <a:effectLst/>
-                <a:latin typeface="Adobe 黑体 Std R" panose="020B0400000000000000" pitchFamily="34" charset="-128"/>
-                <a:ea typeface="Adobe 黑体 Std R" panose="020B0400000000000000" pitchFamily="34" charset="-128"/>
-              </a:rPr>
-              <a:t>Cosine Similarity</a:t>
-            </a:r>
-            <a:endParaRPr lang="en-US" altLang="zh-TW" sz="1600" b="1" i="0" dirty="0">
-              <a:solidFill>
-                <a:schemeClr val="tx2">
-                  <a:lumMod val="90000"/>
-                </a:schemeClr>
-              </a:solidFill>
-              <a:effectLst/>
-              <a:latin typeface="Adobe 黑体 Std R" panose="020B0400000000000000" pitchFamily="34" charset="-128"/>
-              <a:ea typeface="Adobe 黑体 Std R" panose="020B0400000000000000" pitchFamily="34" charset="-128"/>
-            </a:endParaRPr>
-          </a:p>
-        </p:txBody>
-      </p:sp>
-      <p:sp>
-        <p:nvSpPr>
-          <p:cNvPr id="13" name="矩形: 圓角 12">
-            <a:extLst>
-              <a:ext uri="{FF2B5EF4-FFF2-40B4-BE49-F238E27FC236}">
-                <a16:creationId xmlns:a16="http://schemas.microsoft.com/office/drawing/2014/main" id="{D0EA1D8E-0C87-4F4A-8CB0-E16B99541FD2}"/>
-              </a:ext>
-            </a:extLst>
-          </p:cNvPr>
-          <p:cNvSpPr/>
-          <p:nvPr/>
-        </p:nvSpPr>
-        <p:spPr>
-          <a:xfrm>
-            <a:off x="6096000" y="5242969"/>
-            <a:ext cx="5812872" cy="1012344"/>
-          </a:xfrm>
-          <a:prstGeom prst="roundRect">
-            <a:avLst/>
-          </a:prstGeom>
-          <a:solidFill>
-            <a:schemeClr val="bg1"/>
-          </a:solidFill>
-          <a:ln w="28575">
-            <a:solidFill>
-              <a:schemeClr val="accent2">
-                <a:lumMod val="40000"/>
-                <a:lumOff val="60000"/>
-              </a:schemeClr>
-            </a:solidFill>
-          </a:ln>
-        </p:spPr>
-        <p:style>
-          <a:lnRef idx="2">
-            <a:schemeClr val="accent1">
-              <a:shade val="50000"/>
-            </a:schemeClr>
-          </a:lnRef>
-          <a:fillRef idx="1">
-            <a:schemeClr val="accent1"/>
-          </a:fillRef>
-          <a:effectRef idx="0">
-            <a:schemeClr val="accent1"/>
-          </a:effectRef>
-          <a:fontRef idx="minor">
-            <a:schemeClr val="lt1"/>
-          </a:fontRef>
-        </p:style>
-        <p:txBody>
-          <a:bodyPr rtlCol="0" anchor="ctr"/>
-          <a:lstStyle/>
-          <a:p>
-            <a:pPr algn="ctr"/>
-            <a:r>
-              <a:rPr lang="en-US" altLang="zh-TW" sz="2000" b="0" dirty="0">
-                <a:effectLst/>
-                <a:latin typeface="Adobe 黑体 Std R" panose="020B0400000000000000" pitchFamily="34" charset="-128"/>
-                <a:ea typeface="Adobe 黑体 Std R" panose="020B0400000000000000" pitchFamily="34" charset="-128"/>
-              </a:rPr>
-              <a:t>Sorted Weighted Rating</a:t>
-            </a:r>
-            <a:endParaRPr lang="en-US" altLang="zh-TW" sz="2000" b="0" dirty="0">
-              <a:solidFill>
-                <a:schemeClr val="tx2"/>
-              </a:solidFill>
-              <a:effectLst/>
-              <a:latin typeface="Consolas" panose="020B0609020204030204" pitchFamily="49" charset="0"/>
-            </a:endParaRPr>
-          </a:p>
-          <a:p>
-            <a:pPr algn="ctr"/>
-            <a:r>
-              <a:rPr lang="en-US" altLang="zh-TW" sz="1600" b="0" dirty="0">
-                <a:solidFill>
-                  <a:schemeClr val="tx2"/>
-                </a:solidFill>
-                <a:effectLst/>
-                <a:latin typeface="Consolas" panose="020B0609020204030204" pitchFamily="49" charset="0"/>
-              </a:rPr>
-              <a:t>IMDB formula of weighted rating (WR)(</a:t>
-            </a:r>
-            <a:r>
-              <a:rPr lang="en-US" altLang="zh-TW" sz="1600" b="0" i="0" dirty="0">
-                <a:solidFill>
-                  <a:schemeClr val="tx2"/>
-                </a:solidFill>
-                <a:effectLst/>
-                <a:latin typeface="arial" panose="020B0604020202020204" pitchFamily="34" charset="0"/>
-              </a:rPr>
-              <a:t> from 1 to 10)</a:t>
-            </a:r>
-            <a:endParaRPr lang="en-US" altLang="zh-TW" sz="1600" b="0" dirty="0">
-              <a:solidFill>
-                <a:schemeClr val="tx2"/>
-              </a:solidFill>
-              <a:effectLst/>
-              <a:latin typeface="Adobe 黑体 Std R" panose="020B0400000000000000" pitchFamily="34" charset="-128"/>
-              <a:ea typeface="Adobe 黑体 Std R" panose="020B0400000000000000" pitchFamily="34" charset="-128"/>
-            </a:endParaRPr>
-          </a:p>
-        </p:txBody>
-      </p:sp>
-      <p:cxnSp>
-        <p:nvCxnSpPr>
-          <p:cNvPr id="11" name="直線單箭頭接點 10">
-            <a:extLst>
-              <a:ext uri="{FF2B5EF4-FFF2-40B4-BE49-F238E27FC236}">
-                <a16:creationId xmlns:a16="http://schemas.microsoft.com/office/drawing/2014/main" id="{19DCC7F3-B5A7-4179-9A13-7B1231376FB4}"/>
-              </a:ext>
-            </a:extLst>
-          </p:cNvPr>
-          <p:cNvCxnSpPr>
-            <a:stCxn id="9" idx="2"/>
-            <a:endCxn id="12" idx="0"/>
-          </p:cNvCxnSpPr>
-          <p:nvPr/>
-        </p:nvCxnSpPr>
-        <p:spPr>
-          <a:xfrm>
-            <a:off x="9002436" y="2658313"/>
-            <a:ext cx="0" cy="786156"/>
-          </a:xfrm>
-          <a:prstGeom prst="straightConnector1">
-            <a:avLst/>
-          </a:prstGeom>
-          <a:ln w="38100">
-            <a:solidFill>
-              <a:schemeClr val="accent2">
-                <a:lumMod val="40000"/>
-                <a:lumOff val="60000"/>
-              </a:schemeClr>
-            </a:solidFill>
-            <a:tailEnd type="triangle"/>
-          </a:ln>
-        </p:spPr>
-        <p:style>
-          <a:lnRef idx="1">
-            <a:schemeClr val="accent1"/>
-          </a:lnRef>
-          <a:fillRef idx="0">
-            <a:schemeClr val="accent1"/>
-          </a:fillRef>
-          <a:effectRef idx="0">
-            <a:schemeClr val="accent1"/>
-          </a:effectRef>
-          <a:fontRef idx="minor">
-            <a:schemeClr val="tx1"/>
-          </a:fontRef>
-        </p:style>
-      </p:cxnSp>
-      <p:cxnSp>
-        <p:nvCxnSpPr>
-          <p:cNvPr id="16" name="直線單箭頭接點 15">
-            <a:extLst>
-              <a:ext uri="{FF2B5EF4-FFF2-40B4-BE49-F238E27FC236}">
-                <a16:creationId xmlns:a16="http://schemas.microsoft.com/office/drawing/2014/main" id="{492334C6-7D23-4F63-9A42-D7A382BFE4CE}"/>
-              </a:ext>
-            </a:extLst>
-          </p:cNvPr>
-          <p:cNvCxnSpPr/>
-          <p:nvPr/>
-        </p:nvCxnSpPr>
-        <p:spPr>
-          <a:xfrm>
-            <a:off x="9002436" y="4456813"/>
-            <a:ext cx="0" cy="786156"/>
-          </a:xfrm>
-          <a:prstGeom prst="straightConnector1">
-            <a:avLst/>
-          </a:prstGeom>
-          <a:ln w="38100">
-            <a:solidFill>
-              <a:schemeClr val="accent2">
-                <a:lumMod val="40000"/>
-                <a:lumOff val="60000"/>
-              </a:schemeClr>
-            </a:solidFill>
-            <a:tailEnd type="triangle"/>
-          </a:ln>
-        </p:spPr>
-        <p:style>
-          <a:lnRef idx="1">
-            <a:schemeClr val="accent1"/>
-          </a:lnRef>
-          <a:fillRef idx="0">
-            <a:schemeClr val="accent1"/>
-          </a:fillRef>
-          <a:effectRef idx="0">
-            <a:schemeClr val="accent1"/>
-          </a:effectRef>
-          <a:fontRef idx="minor">
-            <a:schemeClr val="tx1"/>
-          </a:fontRef>
-        </p:style>
-      </p:cxnSp>
-      <p:sp>
-        <p:nvSpPr>
-          <p:cNvPr id="19" name="文字方塊 18">
-            <a:extLst>
-              <a:ext uri="{FF2B5EF4-FFF2-40B4-BE49-F238E27FC236}">
-                <a16:creationId xmlns:a16="http://schemas.microsoft.com/office/drawing/2014/main" id="{9FB61E9D-B5B6-420F-903A-B898E750A211}"/>
-              </a:ext>
-            </a:extLst>
-          </p:cNvPr>
-          <p:cNvSpPr txBox="1"/>
-          <p:nvPr/>
-        </p:nvSpPr>
-        <p:spPr>
-          <a:xfrm>
-            <a:off x="1641541" y="2984992"/>
-            <a:ext cx="4454459" cy="276999"/>
-          </a:xfrm>
-          <a:prstGeom prst="rect">
-            <a:avLst/>
-          </a:prstGeom>
-          <a:noFill/>
-        </p:spPr>
-        <p:txBody>
-          <a:bodyPr wrap="square">
-            <a:spAutoFit/>
-          </a:bodyPr>
-          <a:lstStyle/>
-          <a:p>
-            <a:pPr algn="ctr"/>
-            <a:r>
-              <a:rPr lang="en-US" altLang="zh-TW" sz="1200" b="0" dirty="0">
-                <a:solidFill>
-                  <a:schemeClr val="accent1">
-                    <a:lumMod val="20000"/>
-                    <a:lumOff val="80000"/>
-                  </a:schemeClr>
-                </a:solidFill>
-                <a:effectLst/>
-                <a:latin typeface="Adobe 黑体 Std R" panose="020B0400000000000000" pitchFamily="34" charset="-128"/>
-                <a:ea typeface="Adobe 黑体 Std R" panose="020B0400000000000000" pitchFamily="34" charset="-128"/>
-              </a:rPr>
-              <a:t>Cosine Similarity</a:t>
-            </a:r>
-            <a:endParaRPr lang="en-US" altLang="zh-TW" sz="1050" b="1" i="0" dirty="0">
-              <a:solidFill>
-                <a:schemeClr val="accent1">
-                  <a:lumMod val="20000"/>
-                  <a:lumOff val="80000"/>
-                </a:schemeClr>
-              </a:solidFill>
-              <a:effectLst/>
-              <a:latin typeface="Adobe 黑体 Std R" panose="020B0400000000000000" pitchFamily="34" charset="-128"/>
-              <a:ea typeface="Adobe 黑体 Std R" panose="020B0400000000000000" pitchFamily="34" charset="-128"/>
-            </a:endParaRPr>
-          </a:p>
-        </p:txBody>
-      </p:sp>
-      <p:pic>
-        <p:nvPicPr>
-          <p:cNvPr id="5" name="圖片 4">
-            <a:extLst>
-              <a:ext uri="{FF2B5EF4-FFF2-40B4-BE49-F238E27FC236}">
-                <a16:creationId xmlns:a16="http://schemas.microsoft.com/office/drawing/2014/main" id="{1726D401-D4FF-4F7D-A402-B377B848EABD}"/>
-              </a:ext>
-            </a:extLst>
-          </p:cNvPr>
-          <p:cNvPicPr>
-            <a:picLocks noChangeAspect="1"/>
-          </p:cNvPicPr>
-          <p:nvPr/>
-        </p:nvPicPr>
-        <p:blipFill>
-          <a:blip r:embed="rId4"/>
-          <a:stretch>
-            <a:fillRect/>
-          </a:stretch>
-        </p:blipFill>
-        <p:spPr>
-          <a:xfrm>
-            <a:off x="2247558" y="5028123"/>
-            <a:ext cx="3658076" cy="1508864"/>
-          </a:xfrm>
-          <a:prstGeom prst="rect">
-            <a:avLst/>
-          </a:prstGeom>
-        </p:spPr>
-      </p:pic>
-      <p:sp>
-        <p:nvSpPr>
-          <p:cNvPr id="15" name="文字方塊 14">
-            <a:extLst>
-              <a:ext uri="{FF2B5EF4-FFF2-40B4-BE49-F238E27FC236}">
-                <a16:creationId xmlns:a16="http://schemas.microsoft.com/office/drawing/2014/main" id="{C163FD2B-4F47-4EC0-84E2-3C47AF6B0EC6}"/>
-              </a:ext>
-            </a:extLst>
-          </p:cNvPr>
-          <p:cNvSpPr txBox="1"/>
-          <p:nvPr/>
-        </p:nvSpPr>
-        <p:spPr>
-          <a:xfrm>
-            <a:off x="11476641" y="6411194"/>
-            <a:ext cx="314510" cy="369332"/>
-          </a:xfrm>
-          <a:prstGeom prst="rect">
-            <a:avLst/>
-          </a:prstGeom>
-          <a:noFill/>
-        </p:spPr>
-        <p:txBody>
-          <a:bodyPr wrap="none" rtlCol="0">
-            <a:spAutoFit/>
-          </a:bodyPr>
-          <a:lstStyle/>
-          <a:p>
-            <a:r>
-              <a:rPr lang="en-US" altLang="zh-TW" dirty="0">
-                <a:latin typeface="Adobe 黑体 Std R" panose="020B0400000000000000" pitchFamily="34" charset="-128"/>
-                <a:ea typeface="Adobe 黑体 Std R" panose="020B0400000000000000" pitchFamily="34" charset="-128"/>
-              </a:rPr>
-              <a:t>4</a:t>
-            </a:r>
-            <a:endParaRPr lang="zh-TW" altLang="en-US" dirty="0">
-              <a:latin typeface="Adobe 黑体 Std R" panose="020B0400000000000000" pitchFamily="34" charset="-128"/>
-              <a:ea typeface="Adobe 黑体 Std R" panose="020B0400000000000000" pitchFamily="34" charset="-128"/>
-            </a:endParaRPr>
-          </a:p>
-        </p:txBody>
-      </p:sp>
-    </p:spTree>
-    <p:extLst>
-      <p:ext uri="{BB962C8B-B14F-4D97-AF65-F5344CB8AC3E}">
-        <p14:creationId xmlns:p14="http://schemas.microsoft.com/office/powerpoint/2010/main" val="3153007233"/>
-      </p:ext>
-    </p:extLst>
-  </p:cSld>
-  <p:clrMapOvr>
-    <a:masterClrMapping/>
-  </p:clrMapOvr>
-  <mc:AlternateContent xmlns:mc="http://schemas.openxmlformats.org/markup-compatibility/2006" xmlns:p14="http://schemas.microsoft.com/office/powerpoint/2010/main">
-    <mc:Choice Requires="p14">
-      <p:transition spd="med" p14:dur="700">
-        <p:fade/>
-      </p:transition>
-    </mc:Choice>
-    <mc:Fallback xmlns="">
-      <p:transition spd="med">
-        <p:fade/>
-      </p:transition>
-    </mc:Fallback>
-  </mc:AlternateContent>
-</p:sld>
-</file>
-
-<file path=ppt/slides/slide5.xml><?xml version="1.0" encoding="utf-8"?>
-<p:sld xmlns:a="http://schemas.openxmlformats.org/drawingml/2006/main" xmlns:r="http://schemas.openxmlformats.org/officeDocument/2006/relationships" xmlns:p="http://schemas.openxmlformats.org/presentationml/2006/main">
-  <p:cSld>
-    <p:spTree>
-      <p:nvGrpSpPr>
-        <p:cNvPr id="1" name=""/>
-        <p:cNvGrpSpPr/>
-        <p:nvPr/>
-      </p:nvGrpSpPr>
-      <p:grpSpPr>
-        <a:xfrm>
-          <a:off x="0" y="0"/>
-          <a:ext cx="0" cy="0"/>
-          <a:chOff x="0" y="0"/>
-          <a:chExt cx="0" cy="0"/>
-        </a:xfrm>
-      </p:grpSpPr>
-      <p:pic>
-        <p:nvPicPr>
-          <p:cNvPr id="10" name="圖片 9">
-            <a:extLst>
-              <a:ext uri="{FF2B5EF4-FFF2-40B4-BE49-F238E27FC236}">
-                <a16:creationId xmlns:a16="http://schemas.microsoft.com/office/drawing/2014/main" id="{D361A6A2-F3B6-44F0-BE4A-FF1EB674C5AD}"/>
-              </a:ext>
-            </a:extLst>
-          </p:cNvPr>
-          <p:cNvPicPr>
-            <a:picLocks noChangeAspect="1"/>
-          </p:cNvPicPr>
-          <p:nvPr/>
-        </p:nvPicPr>
-        <p:blipFill>
-          <a:blip r:embed="rId2"/>
-          <a:stretch>
-            <a:fillRect/>
-          </a:stretch>
-        </p:blipFill>
-        <p:spPr>
-          <a:xfrm>
-            <a:off x="1724344" y="4985464"/>
-            <a:ext cx="9000876" cy="1822072"/>
-          </a:xfrm>
-          <a:prstGeom prst="rect">
-            <a:avLst/>
-          </a:prstGeom>
-        </p:spPr>
-      </p:pic>
-      <p:sp>
-        <p:nvSpPr>
-          <p:cNvPr id="20" name="文字方塊 19">
-            <a:extLst>
-              <a:ext uri="{FF2B5EF4-FFF2-40B4-BE49-F238E27FC236}">
-                <a16:creationId xmlns:a16="http://schemas.microsoft.com/office/drawing/2014/main" id="{1A9ABAF0-F28F-49D4-A6CC-7CD8D1130D4C}"/>
-              </a:ext>
-            </a:extLst>
-          </p:cNvPr>
-          <p:cNvSpPr txBox="1"/>
-          <p:nvPr/>
-        </p:nvSpPr>
-        <p:spPr>
-          <a:xfrm>
-            <a:off x="3023648" y="93188"/>
-            <a:ext cx="6141562" cy="369332"/>
-          </a:xfrm>
-          <a:prstGeom prst="rect">
-            <a:avLst/>
-          </a:prstGeom>
-          <a:noFill/>
-        </p:spPr>
-        <p:txBody>
-          <a:bodyPr wrap="square">
-            <a:spAutoFit/>
-          </a:bodyPr>
-          <a:lstStyle/>
-          <a:p>
-            <a:pPr algn="ctr"/>
-            <a:r>
-              <a:rPr lang="en-US" altLang="zh-TW" sz="1800" b="0" dirty="0">
-                <a:effectLst/>
-                <a:latin typeface="Adobe 黑体 Std R" panose="020B0400000000000000" pitchFamily="34" charset="-128"/>
-                <a:ea typeface="Adobe 黑体 Std R" panose="020B0400000000000000" pitchFamily="34" charset="-128"/>
-              </a:rPr>
-              <a:t>Sorted</a:t>
-            </a:r>
-            <a:r>
-              <a:rPr lang="en-US" altLang="zh-TW" sz="1800" b="0" dirty="0">
-                <a:solidFill>
-                  <a:schemeClr val="tx2"/>
-                </a:solidFill>
-                <a:effectLst/>
-                <a:latin typeface="Consolas" panose="020B0609020204030204" pitchFamily="49" charset="0"/>
-                <a:ea typeface="Adobe 黑体 Std R" panose="020B0400000000000000" pitchFamily="34" charset="-128"/>
-              </a:rPr>
-              <a:t> </a:t>
-            </a:r>
-            <a:r>
-              <a:rPr lang="en-US" altLang="zh-TW" sz="1800" b="0" dirty="0">
-                <a:effectLst/>
-                <a:latin typeface="Adobe 黑体 Std R" panose="020B0400000000000000" pitchFamily="34" charset="-128"/>
-                <a:ea typeface="Adobe 黑体 Std R" panose="020B0400000000000000" pitchFamily="34" charset="-128"/>
-              </a:rPr>
-              <a:t>Cosine Similarity</a:t>
-            </a:r>
-            <a:endParaRPr lang="en-US" altLang="zh-TW" sz="1400" b="1" i="0" dirty="0">
-              <a:solidFill>
-                <a:schemeClr val="tx2">
-                  <a:lumMod val="90000"/>
-                </a:schemeClr>
-              </a:solidFill>
-              <a:effectLst/>
-              <a:latin typeface="Adobe 黑体 Std R" panose="020B0400000000000000" pitchFamily="34" charset="-128"/>
-              <a:ea typeface="Adobe 黑体 Std R" panose="020B0400000000000000" pitchFamily="34" charset="-128"/>
-            </a:endParaRPr>
-          </a:p>
-        </p:txBody>
-      </p:sp>
-      <p:sp>
-        <p:nvSpPr>
-          <p:cNvPr id="21" name="文字方塊 20">
-            <a:extLst>
-              <a:ext uri="{FF2B5EF4-FFF2-40B4-BE49-F238E27FC236}">
-                <a16:creationId xmlns:a16="http://schemas.microsoft.com/office/drawing/2014/main" id="{98DAE493-A0ED-40C7-86A5-A5DD5529660F}"/>
-              </a:ext>
-            </a:extLst>
-          </p:cNvPr>
-          <p:cNvSpPr txBox="1"/>
-          <p:nvPr/>
-        </p:nvSpPr>
-        <p:spPr>
-          <a:xfrm>
-            <a:off x="2117496" y="4357045"/>
-            <a:ext cx="7953865" cy="646331"/>
-          </a:xfrm>
-          <a:prstGeom prst="rect">
-            <a:avLst/>
-          </a:prstGeom>
-          <a:noFill/>
-        </p:spPr>
-        <p:txBody>
-          <a:bodyPr wrap="square">
-            <a:spAutoFit/>
-          </a:bodyPr>
-          <a:lstStyle/>
-          <a:p>
-            <a:pPr algn="ctr"/>
-            <a:r>
-              <a:rPr lang="en-US" altLang="zh-TW" b="0" dirty="0">
-                <a:effectLst/>
-                <a:latin typeface="Adobe 黑体 Std R" panose="020B0400000000000000" pitchFamily="34" charset="-128"/>
-                <a:ea typeface="Adobe 黑体 Std R" panose="020B0400000000000000" pitchFamily="34" charset="-128"/>
-              </a:rPr>
-              <a:t>Sorted Weighted Rating</a:t>
-            </a:r>
-            <a:endParaRPr lang="en-US" altLang="zh-TW" b="0" dirty="0">
-              <a:solidFill>
-                <a:schemeClr val="tx2"/>
-              </a:solidFill>
-              <a:effectLst/>
-              <a:latin typeface="Consolas" panose="020B0609020204030204" pitchFamily="49" charset="0"/>
-            </a:endParaRPr>
-          </a:p>
-          <a:p>
-            <a:pPr algn="ctr"/>
-            <a:r>
-              <a:rPr lang="en-US" altLang="zh-TW" b="0" dirty="0">
-                <a:solidFill>
-                  <a:schemeClr val="tx2"/>
-                </a:solidFill>
-                <a:effectLst/>
-                <a:latin typeface="Consolas" panose="020B0609020204030204" pitchFamily="49" charset="0"/>
-              </a:rPr>
-              <a:t>IMDB formula of weighted rating (WR)(</a:t>
-            </a:r>
-            <a:r>
-              <a:rPr lang="en-US" altLang="zh-TW" b="0" i="0" dirty="0">
-                <a:solidFill>
-                  <a:schemeClr val="tx2"/>
-                </a:solidFill>
-                <a:effectLst/>
-                <a:latin typeface="arial" panose="020B0604020202020204" pitchFamily="34" charset="0"/>
-              </a:rPr>
-              <a:t> from 1 to 10)</a:t>
-            </a:r>
-            <a:endParaRPr lang="en-US" altLang="zh-TW" b="0" dirty="0">
-              <a:solidFill>
-                <a:schemeClr val="tx2"/>
-              </a:solidFill>
-              <a:effectLst/>
-              <a:latin typeface="Adobe 黑体 Std R" panose="020B0400000000000000" pitchFamily="34" charset="-128"/>
-              <a:ea typeface="Adobe 黑体 Std R" panose="020B0400000000000000" pitchFamily="34" charset="-128"/>
-            </a:endParaRPr>
-          </a:p>
-        </p:txBody>
-      </p:sp>
-      <p:pic>
-        <p:nvPicPr>
-          <p:cNvPr id="25" name="圖片 24">
-            <a:extLst>
-              <a:ext uri="{FF2B5EF4-FFF2-40B4-BE49-F238E27FC236}">
-                <a16:creationId xmlns:a16="http://schemas.microsoft.com/office/drawing/2014/main" id="{3C85E5FD-393C-4B9A-A928-B13F1118A8F5}"/>
-              </a:ext>
-            </a:extLst>
-          </p:cNvPr>
-          <p:cNvPicPr>
-            <a:picLocks noChangeAspect="1"/>
-          </p:cNvPicPr>
-          <p:nvPr/>
-        </p:nvPicPr>
-        <p:blipFill>
-          <a:blip r:embed="rId3"/>
-          <a:stretch>
-            <a:fillRect/>
-          </a:stretch>
-        </p:blipFill>
-        <p:spPr>
-          <a:xfrm>
-            <a:off x="2917143" y="462520"/>
-            <a:ext cx="6357714" cy="3641723"/>
-          </a:xfrm>
-          <a:prstGeom prst="rect">
-            <a:avLst/>
-          </a:prstGeom>
-        </p:spPr>
-      </p:pic>
-      <p:sp>
-        <p:nvSpPr>
-          <p:cNvPr id="27" name="文字方塊 26">
-            <a:extLst>
-              <a:ext uri="{FF2B5EF4-FFF2-40B4-BE49-F238E27FC236}">
-                <a16:creationId xmlns:a16="http://schemas.microsoft.com/office/drawing/2014/main" id="{85D5B803-213D-4B8C-9240-6867DC4FFF3D}"/>
-              </a:ext>
-            </a:extLst>
-          </p:cNvPr>
-          <p:cNvSpPr txBox="1"/>
-          <p:nvPr/>
-        </p:nvSpPr>
-        <p:spPr>
-          <a:xfrm>
-            <a:off x="11476641" y="6411194"/>
-            <a:ext cx="314510" cy="369332"/>
-          </a:xfrm>
-          <a:prstGeom prst="rect">
-            <a:avLst/>
-          </a:prstGeom>
-          <a:noFill/>
-        </p:spPr>
-        <p:txBody>
-          <a:bodyPr wrap="none" rtlCol="0">
-            <a:spAutoFit/>
-          </a:bodyPr>
-          <a:lstStyle/>
-          <a:p>
-            <a:r>
-              <a:rPr lang="en-US" altLang="zh-TW" dirty="0">
-                <a:latin typeface="Adobe 黑体 Std R" panose="020B0400000000000000" pitchFamily="34" charset="-128"/>
-                <a:ea typeface="Adobe 黑体 Std R" panose="020B0400000000000000" pitchFamily="34" charset="-128"/>
-              </a:rPr>
-              <a:t>5</a:t>
-            </a:r>
-            <a:endParaRPr lang="zh-TW" altLang="en-US" dirty="0">
-              <a:latin typeface="Adobe 黑体 Std R" panose="020B0400000000000000" pitchFamily="34" charset="-128"/>
-              <a:ea typeface="Adobe 黑体 Std R" panose="020B0400000000000000" pitchFamily="34" charset="-128"/>
-            </a:endParaRPr>
-          </a:p>
-        </p:txBody>
-      </p:sp>
-    </p:spTree>
-    <p:extLst>
-      <p:ext uri="{BB962C8B-B14F-4D97-AF65-F5344CB8AC3E}">
-        <p14:creationId xmlns:p14="http://schemas.microsoft.com/office/powerpoint/2010/main" val="3003694382"/>
-      </p:ext>
-    </p:extLst>
-  </p:cSld>
-  <p:clrMapOvr>
-    <a:masterClrMapping/>
-  </p:clrMapOvr>
-  <mc:AlternateContent xmlns:mc="http://schemas.openxmlformats.org/markup-compatibility/2006" xmlns:p14="http://schemas.microsoft.com/office/powerpoint/2010/main">
-    <mc:Choice Requires="p14">
-      <p:transition spd="med" p14:dur="700">
-        <p:fade/>
-      </p:transition>
-    </mc:Choice>
-    <mc:Fallback xmlns="">
-      <p:transition spd="med">
-        <p:fade/>
-      </p:transition>
-    </mc:Fallback>
-  </mc:AlternateContent>
-</p:sld>
-</file>
-
-<file path=ppt/slides/slide6.xml><?xml version="1.0" encoding="utf-8"?>
-<p:sld xmlns:a="http://schemas.openxmlformats.org/drawingml/2006/main" xmlns:r="http://schemas.openxmlformats.org/officeDocument/2006/relationships" xmlns:p="http://schemas.openxmlformats.org/presentationml/2006/main">
-  <p:cSld>
-    <p:spTree>
-      <p:nvGrpSpPr>
-        <p:cNvPr id="1" name=""/>
-        <p:cNvGrpSpPr/>
-        <p:nvPr/>
-      </p:nvGrpSpPr>
-      <p:grpSpPr>
-        <a:xfrm>
-          <a:off x="0" y="0"/>
-          <a:ext cx="0" cy="0"/>
-          <a:chOff x="0" y="0"/>
-          <a:chExt cx="0" cy="0"/>
-        </a:xfrm>
-      </p:grpSpPr>
-      <p:sp>
-        <p:nvSpPr>
-          <p:cNvPr id="2" name="標題 1">
-            <a:extLst>
-              <a:ext uri="{FF2B5EF4-FFF2-40B4-BE49-F238E27FC236}">
-                <a16:creationId xmlns:a16="http://schemas.microsoft.com/office/drawing/2014/main" id="{78E40BCE-5B5D-4B68-93B0-A1D9218F9B99}"/>
-              </a:ext>
-            </a:extLst>
-          </p:cNvPr>
-          <p:cNvSpPr>
-            <a:spLocks noGrp="1"/>
-          </p:cNvSpPr>
-          <p:nvPr>
-            <p:ph type="ctrTitle"/>
-          </p:nvPr>
-        </p:nvSpPr>
-        <p:spPr>
-          <a:xfrm>
-            <a:off x="739463" y="321013"/>
-            <a:ext cx="7690549" cy="1012343"/>
-          </a:xfrm>
-        </p:spPr>
-        <p:txBody>
-          <a:bodyPr anchor="b">
-            <a:noAutofit/>
-          </a:bodyPr>
-          <a:lstStyle/>
-          <a:p>
-            <a:pPr algn="l"/>
-            <a:r>
-              <a:rPr lang="en-US" altLang="zh-TW" sz="5400" b="0" i="0" u="none" strike="noStrike" baseline="0" dirty="0">
-                <a:latin typeface="Adobe 黑体 Std R" panose="020B0400000000000000" pitchFamily="34" charset="-128"/>
-                <a:ea typeface="Adobe 黑体 Std R" panose="020B0400000000000000" pitchFamily="34" charset="-128"/>
-              </a:rPr>
-              <a:t>Collaborative Filtering</a:t>
-            </a:r>
-            <a:endParaRPr lang="zh-TW" altLang="en-US" sz="11500" dirty="0">
-              <a:solidFill>
-                <a:schemeClr val="tx2"/>
-              </a:solidFill>
-              <a:latin typeface="Adobe 黑体 Std R" panose="020B0400000000000000" pitchFamily="34" charset="-128"/>
-              <a:ea typeface="Adobe 黑体 Std R" panose="020B0400000000000000" pitchFamily="34" charset="-128"/>
-            </a:endParaRPr>
-          </a:p>
-        </p:txBody>
-      </p:sp>
-      <p:sp>
-        <p:nvSpPr>
-          <p:cNvPr id="6" name="矩形: 圓角 5">
-            <a:extLst>
-              <a:ext uri="{FF2B5EF4-FFF2-40B4-BE49-F238E27FC236}">
-                <a16:creationId xmlns:a16="http://schemas.microsoft.com/office/drawing/2014/main" id="{53EBDDEB-FB97-4AAF-83F4-907E8E332E6A}"/>
-              </a:ext>
-            </a:extLst>
-          </p:cNvPr>
-          <p:cNvSpPr/>
-          <p:nvPr/>
-        </p:nvSpPr>
-        <p:spPr>
-          <a:xfrm>
-            <a:off x="628893" y="321013"/>
-            <a:ext cx="45719" cy="933855"/>
-          </a:xfrm>
-          <a:prstGeom prst="roundRect">
-            <a:avLst/>
-          </a:prstGeom>
-          <a:solidFill>
-            <a:srgbClr val="9765E9"/>
-          </a:solidFill>
-        </p:spPr>
-        <p:style>
-          <a:lnRef idx="2">
-            <a:schemeClr val="accent1">
-              <a:shade val="50000"/>
-            </a:schemeClr>
-          </a:lnRef>
-          <a:fillRef idx="1">
-            <a:schemeClr val="accent1"/>
-          </a:fillRef>
-          <a:effectRef idx="0">
-            <a:schemeClr val="accent1"/>
-          </a:effectRef>
-          <a:fontRef idx="minor">
-            <a:schemeClr val="lt1"/>
-          </a:fontRef>
-        </p:style>
-        <p:txBody>
-          <a:bodyPr rtlCol="0" anchor="ctr"/>
-          <a:lstStyle/>
-          <a:p>
-            <a:pPr algn="ctr"/>
-            <a:endParaRPr lang="zh-TW" altLang="en-US"/>
-          </a:p>
-        </p:txBody>
-      </p:sp>
-      <p:sp>
-        <p:nvSpPr>
-          <p:cNvPr id="4" name="文字方塊 3">
-            <a:extLst>
-              <a:ext uri="{FF2B5EF4-FFF2-40B4-BE49-F238E27FC236}">
-                <a16:creationId xmlns:a16="http://schemas.microsoft.com/office/drawing/2014/main" id="{A3041F23-BB2A-4884-AD1E-31300FE37EC3}"/>
-              </a:ext>
-            </a:extLst>
-          </p:cNvPr>
-          <p:cNvSpPr txBox="1"/>
-          <p:nvPr/>
-        </p:nvSpPr>
-        <p:spPr>
-          <a:xfrm>
-            <a:off x="6998862" y="1812053"/>
-            <a:ext cx="3021832" cy="461665"/>
-          </a:xfrm>
-          <a:prstGeom prst="rect">
-            <a:avLst/>
-          </a:prstGeom>
-          <a:noFill/>
-        </p:spPr>
-        <p:txBody>
-          <a:bodyPr wrap="square">
-            <a:spAutoFit/>
-          </a:bodyPr>
-          <a:lstStyle/>
-          <a:p>
-            <a:r>
-              <a:rPr lang="en-US" altLang="zh-TW" sz="2400" dirty="0">
-                <a:latin typeface="Adobe 黑体 Std R" panose="020B0400000000000000" pitchFamily="34" charset="-128"/>
-                <a:ea typeface="Adobe 黑体 Std R" panose="020B0400000000000000" pitchFamily="34" charset="-128"/>
-              </a:rPr>
-              <a:t>SVD</a:t>
-            </a:r>
-            <a:r>
-              <a:rPr lang="zh-TW" altLang="en-US" sz="2400" b="0" i="0" dirty="0">
-                <a:effectLst/>
-                <a:latin typeface="Adobe 黑体 Std R" panose="020B0400000000000000" pitchFamily="34" charset="-128"/>
-                <a:ea typeface="Adobe 黑体 Std R" panose="020B0400000000000000" pitchFamily="34" charset="-128"/>
-              </a:rPr>
-              <a:t>對矩陣進行拆分</a:t>
-            </a:r>
-            <a:endParaRPr lang="zh-TW" altLang="en-US" sz="2400" dirty="0">
-              <a:latin typeface="Adobe 黑体 Std R" panose="020B0400000000000000" pitchFamily="34" charset="-128"/>
-              <a:ea typeface="Adobe 黑体 Std R" panose="020B0400000000000000" pitchFamily="34" charset="-128"/>
-            </a:endParaRPr>
-          </a:p>
-        </p:txBody>
-      </p:sp>
-      <p:pic>
-        <p:nvPicPr>
-          <p:cNvPr id="8" name="圖片 7">
-            <a:extLst>
-              <a:ext uri="{FF2B5EF4-FFF2-40B4-BE49-F238E27FC236}">
-                <a16:creationId xmlns:a16="http://schemas.microsoft.com/office/drawing/2014/main" id="{90D0FF43-5AA1-4B7D-8A87-E14D477450FA}"/>
-              </a:ext>
-            </a:extLst>
-          </p:cNvPr>
-          <p:cNvPicPr>
-            <a:picLocks noChangeAspect="1"/>
-          </p:cNvPicPr>
-          <p:nvPr/>
-        </p:nvPicPr>
-        <p:blipFill>
-          <a:blip r:embed="rId2"/>
-          <a:stretch>
-            <a:fillRect/>
-          </a:stretch>
-        </p:blipFill>
-        <p:spPr>
-          <a:xfrm>
-            <a:off x="373878" y="2676175"/>
-            <a:ext cx="5291723" cy="3611504"/>
-          </a:xfrm>
-          <a:prstGeom prst="rect">
-            <a:avLst/>
-          </a:prstGeom>
-        </p:spPr>
-      </p:pic>
-      <p:pic>
-        <p:nvPicPr>
-          <p:cNvPr id="10" name="圖片 9">
-            <a:extLst>
-              <a:ext uri="{FF2B5EF4-FFF2-40B4-BE49-F238E27FC236}">
-                <a16:creationId xmlns:a16="http://schemas.microsoft.com/office/drawing/2014/main" id="{2337ACDA-D8A3-4A42-9F98-A7312301CB10}"/>
-              </a:ext>
-            </a:extLst>
-          </p:cNvPr>
-          <p:cNvPicPr>
-            <a:picLocks noChangeAspect="1"/>
-          </p:cNvPicPr>
-          <p:nvPr/>
-        </p:nvPicPr>
-        <p:blipFill>
-          <a:blip r:embed="rId3"/>
-          <a:stretch>
-            <a:fillRect/>
-          </a:stretch>
-        </p:blipFill>
-        <p:spPr>
-          <a:xfrm>
-            <a:off x="5974526" y="2327383"/>
-            <a:ext cx="5413054" cy="2779676"/>
-          </a:xfrm>
-          <a:prstGeom prst="rect">
-            <a:avLst/>
-          </a:prstGeom>
-        </p:spPr>
-      </p:pic>
-      <p:pic>
-        <p:nvPicPr>
-          <p:cNvPr id="12" name="圖片 11">
-            <a:extLst>
-              <a:ext uri="{FF2B5EF4-FFF2-40B4-BE49-F238E27FC236}">
-                <a16:creationId xmlns:a16="http://schemas.microsoft.com/office/drawing/2014/main" id="{3FF5E94D-423A-41D6-AB5F-AE9F054FF484}"/>
-              </a:ext>
-            </a:extLst>
-          </p:cNvPr>
-          <p:cNvPicPr>
-            <a:picLocks noChangeAspect="1"/>
-          </p:cNvPicPr>
-          <p:nvPr/>
-        </p:nvPicPr>
-        <p:blipFill>
-          <a:blip r:embed="rId4"/>
-          <a:stretch>
-            <a:fillRect/>
-          </a:stretch>
-        </p:blipFill>
-        <p:spPr>
-          <a:xfrm>
-            <a:off x="5974526" y="5160724"/>
-            <a:ext cx="5414495" cy="1504027"/>
-          </a:xfrm>
-          <a:prstGeom prst="rect">
-            <a:avLst/>
-          </a:prstGeom>
-        </p:spPr>
-      </p:pic>
-      <p:sp>
-        <p:nvSpPr>
-          <p:cNvPr id="9" name="文字方塊 8">
-            <a:extLst>
-              <a:ext uri="{FF2B5EF4-FFF2-40B4-BE49-F238E27FC236}">
-                <a16:creationId xmlns:a16="http://schemas.microsoft.com/office/drawing/2014/main" id="{8B738F56-BAC0-48B4-9FC4-67215892016E}"/>
-              </a:ext>
-            </a:extLst>
-          </p:cNvPr>
-          <p:cNvSpPr txBox="1"/>
-          <p:nvPr/>
-        </p:nvSpPr>
-        <p:spPr>
-          <a:xfrm>
-            <a:off x="11476641" y="6411194"/>
-            <a:ext cx="314510" cy="369332"/>
-          </a:xfrm>
-          <a:prstGeom prst="rect">
-            <a:avLst/>
-          </a:prstGeom>
-          <a:noFill/>
-        </p:spPr>
-        <p:txBody>
-          <a:bodyPr wrap="none" rtlCol="0">
-            <a:spAutoFit/>
-          </a:bodyPr>
-          <a:lstStyle/>
-          <a:p>
-            <a:r>
-              <a:rPr lang="en-US" altLang="zh-TW" dirty="0">
-                <a:latin typeface="Adobe 黑体 Std R" panose="020B0400000000000000" pitchFamily="34" charset="-128"/>
-                <a:ea typeface="Adobe 黑体 Std R" panose="020B0400000000000000" pitchFamily="34" charset="-128"/>
-              </a:rPr>
-              <a:t>6</a:t>
-            </a:r>
-            <a:endParaRPr lang="zh-TW" altLang="en-US" dirty="0">
-              <a:latin typeface="Adobe 黑体 Std R" panose="020B0400000000000000" pitchFamily="34" charset="-128"/>
-              <a:ea typeface="Adobe 黑体 Std R" panose="020B0400000000000000" pitchFamily="34" charset="-128"/>
-            </a:endParaRPr>
-          </a:p>
-        </p:txBody>
-      </p:sp>
-    </p:spTree>
-    <p:extLst>
-      <p:ext uri="{BB962C8B-B14F-4D97-AF65-F5344CB8AC3E}">
-        <p14:creationId xmlns:p14="http://schemas.microsoft.com/office/powerpoint/2010/main" val="4102902815"/>
-      </p:ext>
-    </p:extLst>
-  </p:cSld>
-  <p:clrMapOvr>
-    <a:masterClrMapping/>
-  </p:clrMapOvr>
-  <mc:AlternateContent xmlns:mc="http://schemas.openxmlformats.org/markup-compatibility/2006" xmlns:p14="http://schemas.microsoft.com/office/powerpoint/2010/main">
-    <mc:Choice Requires="p14">
-      <p:transition spd="med" p14:dur="700">
-        <p:fade/>
-      </p:transition>
-    </mc:Choice>
-    <mc:Fallback xmlns="">
-      <p:transition spd="med">
-        <p:fade/>
-      </p:transition>
-    </mc:Fallback>
-  </mc:AlternateContent>
-</p:sld>
-</file>
-
-<file path=ppt/slides/slide7.xml><?xml version="1.0" encoding="utf-8"?>
-<p:sld xmlns:a="http://schemas.openxmlformats.org/drawingml/2006/main" xmlns:r="http://schemas.openxmlformats.org/officeDocument/2006/relationships" xmlns:p="http://schemas.openxmlformats.org/presentationml/2006/main">
-  <p:cSld>
-    <p:spTree>
-      <p:nvGrpSpPr>
-        <p:cNvPr id="1" name=""/>
-        <p:cNvGrpSpPr/>
-        <p:nvPr/>
-      </p:nvGrpSpPr>
-      <p:grpSpPr>
-        <a:xfrm>
-          <a:off x="0" y="0"/>
-          <a:ext cx="0" cy="0"/>
-          <a:chOff x="0" y="0"/>
-          <a:chExt cx="0" cy="0"/>
-        </a:xfrm>
-      </p:grpSpPr>
-      <p:sp>
-        <p:nvSpPr>
-          <p:cNvPr id="2" name="標題 1">
-            <a:extLst>
-              <a:ext uri="{FF2B5EF4-FFF2-40B4-BE49-F238E27FC236}">
-                <a16:creationId xmlns:a16="http://schemas.microsoft.com/office/drawing/2014/main" id="{78E40BCE-5B5D-4B68-93B0-A1D9218F9B99}"/>
-              </a:ext>
-            </a:extLst>
-          </p:cNvPr>
-          <p:cNvSpPr>
-            <a:spLocks noGrp="1"/>
-          </p:cNvSpPr>
-          <p:nvPr>
-            <p:ph type="ctrTitle"/>
-          </p:nvPr>
-        </p:nvSpPr>
-        <p:spPr>
-          <a:xfrm>
-            <a:off x="739463" y="321013"/>
-            <a:ext cx="8498805" cy="1012343"/>
-          </a:xfrm>
-        </p:spPr>
-        <p:txBody>
-          <a:bodyPr anchor="b">
-            <a:noAutofit/>
-          </a:bodyPr>
-          <a:lstStyle/>
-          <a:p>
-            <a:pPr algn="l"/>
-            <a:r>
-              <a:rPr lang="en-US" altLang="zh-TW" sz="5400" b="0" i="0" u="none" strike="noStrike" baseline="0" dirty="0">
-                <a:latin typeface="Adobe 黑体 Std R" panose="020B0400000000000000" pitchFamily="34" charset="-128"/>
-                <a:ea typeface="Adobe 黑体 Std R" panose="020B0400000000000000" pitchFamily="34" charset="-128"/>
-              </a:rPr>
-              <a:t>Hybrid Approach</a:t>
-            </a:r>
-            <a:r>
-              <a:rPr lang="zh-TW" altLang="en-US" sz="5400" b="0" i="0" u="none" strike="noStrike" baseline="0" dirty="0">
-                <a:latin typeface="Adobe 黑体 Std R" panose="020B0400000000000000" pitchFamily="34" charset="-128"/>
-                <a:ea typeface="Adobe 黑体 Std R" panose="020B0400000000000000" pitchFamily="34" charset="-128"/>
-              </a:rPr>
-              <a:t> </a:t>
-            </a:r>
-            <a:r>
-              <a:rPr lang="en-US" altLang="zh-TW" sz="5400" b="0" i="0" u="none" strike="noStrike" baseline="0" dirty="0">
-                <a:latin typeface="Adobe 黑体 Std R" panose="020B0400000000000000" pitchFamily="34" charset="-128"/>
-                <a:ea typeface="Adobe 黑体 Std R" panose="020B0400000000000000" pitchFamily="34" charset="-128"/>
-              </a:rPr>
-              <a:t>(Cascade)</a:t>
-            </a:r>
-            <a:endParaRPr lang="zh-TW" altLang="en-US" sz="11500" dirty="0">
-              <a:solidFill>
-                <a:schemeClr val="tx2"/>
-              </a:solidFill>
-              <a:latin typeface="Adobe 黑体 Std R" panose="020B0400000000000000" pitchFamily="34" charset="-128"/>
-              <a:ea typeface="Adobe 黑体 Std R" panose="020B0400000000000000" pitchFamily="34" charset="-128"/>
-            </a:endParaRPr>
-          </a:p>
-        </p:txBody>
-      </p:sp>
-      <p:sp>
-        <p:nvSpPr>
-          <p:cNvPr id="6" name="矩形: 圓角 5">
-            <a:extLst>
-              <a:ext uri="{FF2B5EF4-FFF2-40B4-BE49-F238E27FC236}">
-                <a16:creationId xmlns:a16="http://schemas.microsoft.com/office/drawing/2014/main" id="{53EBDDEB-FB97-4AAF-83F4-907E8E332E6A}"/>
-              </a:ext>
-            </a:extLst>
-          </p:cNvPr>
-          <p:cNvSpPr/>
-          <p:nvPr/>
-        </p:nvSpPr>
-        <p:spPr>
-          <a:xfrm>
-            <a:off x="628893" y="321013"/>
-            <a:ext cx="45719" cy="933855"/>
-          </a:xfrm>
-          <a:prstGeom prst="roundRect">
-            <a:avLst/>
-          </a:prstGeom>
-          <a:solidFill>
-            <a:srgbClr val="9765E9"/>
-          </a:solidFill>
-        </p:spPr>
-        <p:style>
-          <a:lnRef idx="2">
-            <a:schemeClr val="accent1">
-              <a:shade val="50000"/>
-            </a:schemeClr>
-          </a:lnRef>
-          <a:fillRef idx="1">
-            <a:schemeClr val="accent1"/>
-          </a:fillRef>
-          <a:effectRef idx="0">
-            <a:schemeClr val="accent1"/>
-          </a:effectRef>
-          <a:fontRef idx="minor">
-            <a:schemeClr val="lt1"/>
-          </a:fontRef>
-        </p:style>
-        <p:txBody>
-          <a:bodyPr rtlCol="0" anchor="ctr"/>
-          <a:lstStyle/>
-          <a:p>
-            <a:pPr algn="ctr"/>
-            <a:endParaRPr lang="zh-TW" altLang="en-US"/>
-          </a:p>
-        </p:txBody>
-      </p:sp>
-      <p:sp>
-        <p:nvSpPr>
-          <p:cNvPr id="15" name="矩形: 圓角 14">
-            <a:extLst>
-              <a:ext uri="{FF2B5EF4-FFF2-40B4-BE49-F238E27FC236}">
-                <a16:creationId xmlns:a16="http://schemas.microsoft.com/office/drawing/2014/main" id="{76F88673-22EE-4057-8454-2CB4D9F1FEE7}"/>
-              </a:ext>
-            </a:extLst>
-          </p:cNvPr>
-          <p:cNvSpPr/>
-          <p:nvPr/>
-        </p:nvSpPr>
-        <p:spPr>
-          <a:xfrm>
-            <a:off x="1598507" y="2550690"/>
-            <a:ext cx="1828800" cy="810705"/>
-          </a:xfrm>
-          <a:prstGeom prst="roundRect">
-            <a:avLst/>
-          </a:prstGeom>
-          <a:solidFill>
-            <a:schemeClr val="bg1"/>
-          </a:solidFill>
-          <a:ln w="57150">
-            <a:solidFill>
-              <a:schemeClr val="accent1">
-                <a:lumMod val="40000"/>
-                <a:lumOff val="60000"/>
-              </a:schemeClr>
-            </a:solidFill>
-          </a:ln>
-        </p:spPr>
-        <p:style>
-          <a:lnRef idx="2">
-            <a:schemeClr val="accent1">
-              <a:shade val="50000"/>
-            </a:schemeClr>
-          </a:lnRef>
-          <a:fillRef idx="1">
-            <a:schemeClr val="accent1"/>
-          </a:fillRef>
-          <a:effectRef idx="0">
-            <a:schemeClr val="accent1"/>
-          </a:effectRef>
-          <a:fontRef idx="minor">
-            <a:schemeClr val="lt1"/>
-          </a:fontRef>
-        </p:style>
-        <p:txBody>
-          <a:bodyPr rtlCol="0" anchor="ctr"/>
-          <a:lstStyle/>
-          <a:p>
-            <a:pPr algn="ctr"/>
-            <a:r>
-              <a:rPr lang="en-US" altLang="zh-TW" dirty="0"/>
-              <a:t>Content Based</a:t>
-            </a:r>
-            <a:endParaRPr lang="zh-TW" altLang="en-US" dirty="0"/>
-          </a:p>
-        </p:txBody>
-      </p:sp>
-      <p:sp>
-        <p:nvSpPr>
-          <p:cNvPr id="16" name="矩形: 圓角 15">
-            <a:extLst>
-              <a:ext uri="{FF2B5EF4-FFF2-40B4-BE49-F238E27FC236}">
-                <a16:creationId xmlns:a16="http://schemas.microsoft.com/office/drawing/2014/main" id="{0394D59A-C473-46BF-AFCB-AACA74860067}"/>
-              </a:ext>
-            </a:extLst>
-          </p:cNvPr>
-          <p:cNvSpPr/>
-          <p:nvPr/>
-        </p:nvSpPr>
-        <p:spPr>
-          <a:xfrm>
-            <a:off x="4861442" y="4343480"/>
-            <a:ext cx="2652074" cy="810705"/>
-          </a:xfrm>
-          <a:prstGeom prst="roundRect">
-            <a:avLst/>
-          </a:prstGeom>
-          <a:solidFill>
-            <a:schemeClr val="bg1"/>
-          </a:solidFill>
-          <a:ln w="57150">
-            <a:solidFill>
-              <a:schemeClr val="accent1">
-                <a:lumMod val="40000"/>
-                <a:lumOff val="60000"/>
-              </a:schemeClr>
-            </a:solidFill>
-          </a:ln>
-        </p:spPr>
-        <p:style>
-          <a:lnRef idx="2">
-            <a:schemeClr val="accent1">
-              <a:shade val="50000"/>
-            </a:schemeClr>
-          </a:lnRef>
-          <a:fillRef idx="1">
-            <a:schemeClr val="accent1"/>
-          </a:fillRef>
-          <a:effectRef idx="0">
-            <a:schemeClr val="accent1"/>
-          </a:effectRef>
-          <a:fontRef idx="minor">
-            <a:schemeClr val="lt1"/>
-          </a:fontRef>
-        </p:style>
-        <p:txBody>
-          <a:bodyPr rtlCol="0" anchor="ctr"/>
-          <a:lstStyle/>
-          <a:p>
-            <a:pPr algn="ctr"/>
-            <a:r>
-              <a:rPr lang="en-US" altLang="zh-TW" dirty="0"/>
-              <a:t>Model Based</a:t>
-            </a:r>
-          </a:p>
-          <a:p>
-            <a:pPr algn="ctr"/>
-            <a:r>
-              <a:rPr lang="en-US" altLang="zh-TW" dirty="0"/>
-              <a:t>Collaborative Filtering</a:t>
-            </a:r>
-            <a:endParaRPr lang="zh-TW" altLang="en-US" dirty="0"/>
-          </a:p>
-        </p:txBody>
-      </p:sp>
-      <p:pic>
-        <p:nvPicPr>
-          <p:cNvPr id="18" name="圖形 17" descr="連線 以實心填滿">
-            <a:extLst>
-              <a:ext uri="{FF2B5EF4-FFF2-40B4-BE49-F238E27FC236}">
-                <a16:creationId xmlns:a16="http://schemas.microsoft.com/office/drawing/2014/main" id="{D88A9E86-F93F-441F-8DD3-2C0AC6A54884}"/>
-              </a:ext>
-            </a:extLst>
-          </p:cNvPr>
-          <p:cNvPicPr>
-            <a:picLocks noChangeAspect="1"/>
-          </p:cNvPicPr>
-          <p:nvPr/>
-        </p:nvPicPr>
-        <p:blipFill>
-          <a:blip r:embed="rId2">
-            <a:extLst>
-              <a:ext uri="{28A0092B-C50C-407E-A947-70E740481C1C}">
-                <a14:useLocalDpi xmlns:a14="http://schemas.microsoft.com/office/drawing/2010/main" val="0"/>
-              </a:ext>
-              <a:ext uri="{96DAC541-7B7A-43D3-8B79-37D633B846F1}">
-                <asvg:svgBlip xmlns:asvg="http://schemas.microsoft.com/office/drawing/2016/SVG/main" r:embed="rId3"/>
-              </a:ext>
-            </a:extLst>
-          </a:blip>
-          <a:stretch>
-            <a:fillRect/>
-          </a:stretch>
-        </p:blipFill>
-        <p:spPr>
-          <a:xfrm>
-            <a:off x="3851380" y="4333110"/>
-            <a:ext cx="914400" cy="914400"/>
-          </a:xfrm>
-          <a:prstGeom prst="rect">
-            <a:avLst/>
-          </a:prstGeom>
-        </p:spPr>
-      </p:pic>
-      <p:pic>
-        <p:nvPicPr>
-          <p:cNvPr id="20" name="圖形 19" descr="場記板 以實心填滿">
-            <a:extLst>
-              <a:ext uri="{FF2B5EF4-FFF2-40B4-BE49-F238E27FC236}">
-                <a16:creationId xmlns:a16="http://schemas.microsoft.com/office/drawing/2014/main" id="{8D5B5185-9303-4FBB-9E40-57F2D6E2E4C9}"/>
-              </a:ext>
-            </a:extLst>
-          </p:cNvPr>
-          <p:cNvPicPr>
-            <a:picLocks noChangeAspect="1"/>
-          </p:cNvPicPr>
-          <p:nvPr/>
-        </p:nvPicPr>
-        <p:blipFill>
-          <a:blip r:embed="rId4">
-            <a:extLst>
-              <a:ext uri="{28A0092B-C50C-407E-A947-70E740481C1C}">
-                <a14:useLocalDpi xmlns:a14="http://schemas.microsoft.com/office/drawing/2010/main" val="0"/>
-              </a:ext>
-              <a:ext uri="{96DAC541-7B7A-43D3-8B79-37D633B846F1}">
-                <asvg:svgBlip xmlns:asvg="http://schemas.microsoft.com/office/drawing/2016/SVG/main" r:embed="rId5"/>
-              </a:ext>
-            </a:extLst>
-          </a:blip>
-          <a:stretch>
-            <a:fillRect/>
-          </a:stretch>
-        </p:blipFill>
-        <p:spPr>
-          <a:xfrm>
-            <a:off x="167825" y="2557861"/>
-            <a:ext cx="687140" cy="687140"/>
-          </a:xfrm>
-          <a:prstGeom prst="rect">
-            <a:avLst/>
-          </a:prstGeom>
-        </p:spPr>
-      </p:pic>
-      <p:pic>
-        <p:nvPicPr>
-          <p:cNvPr id="22" name="圖形 21" descr="影片膠片 以實心填滿">
-            <a:extLst>
-              <a:ext uri="{FF2B5EF4-FFF2-40B4-BE49-F238E27FC236}">
-                <a16:creationId xmlns:a16="http://schemas.microsoft.com/office/drawing/2014/main" id="{AEE247DE-0632-4DEB-AE65-29B0D81056CE}"/>
-              </a:ext>
-            </a:extLst>
-          </p:cNvPr>
-          <p:cNvPicPr>
-            <a:picLocks noChangeAspect="1"/>
-          </p:cNvPicPr>
-          <p:nvPr/>
-        </p:nvPicPr>
-        <p:blipFill>
-          <a:blip r:embed="rId6">
-            <a:extLst>
-              <a:ext uri="{28A0092B-C50C-407E-A947-70E740481C1C}">
-                <a14:useLocalDpi xmlns:a14="http://schemas.microsoft.com/office/drawing/2010/main" val="0"/>
-              </a:ext>
-              <a:ext uri="{96DAC541-7B7A-43D3-8B79-37D633B846F1}">
-                <asvg:svgBlip xmlns:asvg="http://schemas.microsoft.com/office/drawing/2016/SVG/main" r:embed="rId7"/>
-              </a:ext>
-            </a:extLst>
-          </a:blip>
-          <a:stretch>
-            <a:fillRect/>
-          </a:stretch>
-        </p:blipFill>
-        <p:spPr>
-          <a:xfrm rot="1292930">
-            <a:off x="890247" y="2647755"/>
-            <a:ext cx="616575" cy="616575"/>
-          </a:xfrm>
-          <a:prstGeom prst="rect">
-            <a:avLst/>
-          </a:prstGeom>
-        </p:spPr>
-      </p:pic>
-      <p:pic>
-        <p:nvPicPr>
-          <p:cNvPr id="24" name="圖形 23" descr="優先順序 以實心填滿">
-            <a:extLst>
-              <a:ext uri="{FF2B5EF4-FFF2-40B4-BE49-F238E27FC236}">
-                <a16:creationId xmlns:a16="http://schemas.microsoft.com/office/drawing/2014/main" id="{4C4A6D08-6D96-4B3E-A1F7-56F8D9934A08}"/>
-              </a:ext>
-            </a:extLst>
-          </p:cNvPr>
-          <p:cNvPicPr>
-            <a:picLocks noChangeAspect="1"/>
-          </p:cNvPicPr>
-          <p:nvPr/>
-        </p:nvPicPr>
-        <p:blipFill>
-          <a:blip r:embed="rId8">
-            <a:extLst>
-              <a:ext uri="{28A0092B-C50C-407E-A947-70E740481C1C}">
-                <a14:useLocalDpi xmlns:a14="http://schemas.microsoft.com/office/drawing/2010/main" val="0"/>
-              </a:ext>
-              <a:ext uri="{96DAC541-7B7A-43D3-8B79-37D633B846F1}">
-                <asvg:svgBlip xmlns:asvg="http://schemas.microsoft.com/office/drawing/2016/SVG/main" r:embed="rId9"/>
-              </a:ext>
-            </a:extLst>
-          </a:blip>
-          <a:stretch>
-            <a:fillRect/>
-          </a:stretch>
-        </p:blipFill>
-        <p:spPr>
-          <a:xfrm>
-            <a:off x="8222131" y="4754765"/>
-            <a:ext cx="914400" cy="914400"/>
-          </a:xfrm>
-          <a:prstGeom prst="rect">
-            <a:avLst/>
-          </a:prstGeom>
-        </p:spPr>
-      </p:pic>
-      <p:pic>
-        <p:nvPicPr>
-          <p:cNvPr id="26" name="圖形 25" descr="夾紙板 (打勾) 以實心填滿">
-            <a:extLst>
-              <a:ext uri="{FF2B5EF4-FFF2-40B4-BE49-F238E27FC236}">
-                <a16:creationId xmlns:a16="http://schemas.microsoft.com/office/drawing/2014/main" id="{A7711BBF-C1E7-4E21-AF07-92CE22D389A6}"/>
-              </a:ext>
-            </a:extLst>
-          </p:cNvPr>
-          <p:cNvPicPr>
-            <a:picLocks noChangeAspect="1"/>
-          </p:cNvPicPr>
-          <p:nvPr/>
-        </p:nvPicPr>
-        <p:blipFill>
-          <a:blip r:embed="rId10">
-            <a:extLst>
-              <a:ext uri="{28A0092B-C50C-407E-A947-70E740481C1C}">
-                <a14:useLocalDpi xmlns:a14="http://schemas.microsoft.com/office/drawing/2010/main" val="0"/>
-              </a:ext>
-              <a:ext uri="{96DAC541-7B7A-43D3-8B79-37D633B846F1}">
-                <asvg:svgBlip xmlns:asvg="http://schemas.microsoft.com/office/drawing/2016/SVG/main" r:embed="rId11"/>
-              </a:ext>
-            </a:extLst>
-          </a:blip>
-          <a:stretch>
-            <a:fillRect/>
-          </a:stretch>
-        </p:blipFill>
-        <p:spPr>
-          <a:xfrm>
-            <a:off x="10372716" y="4291632"/>
-            <a:ext cx="914400" cy="914400"/>
-          </a:xfrm>
-          <a:prstGeom prst="rect">
-            <a:avLst/>
-          </a:prstGeom>
-        </p:spPr>
-      </p:pic>
-      <p:cxnSp>
-        <p:nvCxnSpPr>
-          <p:cNvPr id="28" name="直線單箭頭接點 27">
-            <a:extLst>
-              <a:ext uri="{FF2B5EF4-FFF2-40B4-BE49-F238E27FC236}">
-                <a16:creationId xmlns:a16="http://schemas.microsoft.com/office/drawing/2014/main" id="{F911CF3D-BDFD-4E6E-BCE5-5B8E2CD22E4F}"/>
-              </a:ext>
-            </a:extLst>
-          </p:cNvPr>
-          <p:cNvCxnSpPr>
-            <a:cxnSpLocks/>
-            <a:stCxn id="15" idx="3"/>
-            <a:endCxn id="35" idx="1"/>
-          </p:cNvCxnSpPr>
-          <p:nvPr/>
-        </p:nvCxnSpPr>
-        <p:spPr>
-          <a:xfrm>
-            <a:off x="3427307" y="2956043"/>
-            <a:ext cx="2302972" cy="15837"/>
-          </a:xfrm>
-          <a:prstGeom prst="straightConnector1">
-            <a:avLst/>
-          </a:prstGeom>
-          <a:ln w="38100">
-            <a:solidFill>
-              <a:schemeClr val="accent1">
-                <a:lumMod val="20000"/>
-                <a:lumOff val="80000"/>
-              </a:schemeClr>
-            </a:solidFill>
-            <a:tailEnd type="triangle"/>
-          </a:ln>
-        </p:spPr>
-        <p:style>
-          <a:lnRef idx="1">
-            <a:schemeClr val="accent1"/>
-          </a:lnRef>
-          <a:fillRef idx="0">
-            <a:schemeClr val="accent1"/>
-          </a:fillRef>
-          <a:effectRef idx="0">
-            <a:schemeClr val="accent1"/>
-          </a:effectRef>
-          <a:fontRef idx="minor">
-            <a:schemeClr val="tx1"/>
-          </a:fontRef>
-        </p:style>
-      </p:cxnSp>
-      <p:cxnSp>
-        <p:nvCxnSpPr>
-          <p:cNvPr id="29" name="直線單箭頭接點 28">
-            <a:extLst>
-              <a:ext uri="{FF2B5EF4-FFF2-40B4-BE49-F238E27FC236}">
-                <a16:creationId xmlns:a16="http://schemas.microsoft.com/office/drawing/2014/main" id="{DC0E1534-8F26-4B97-A90B-D3B2C02D4D7B}"/>
-              </a:ext>
-            </a:extLst>
-          </p:cNvPr>
-          <p:cNvCxnSpPr>
-            <a:cxnSpLocks/>
-            <a:stCxn id="16" idx="3"/>
-            <a:endCxn id="26" idx="1"/>
-          </p:cNvCxnSpPr>
-          <p:nvPr/>
-        </p:nvCxnSpPr>
-        <p:spPr>
-          <a:xfrm flipV="1">
-            <a:off x="7513516" y="4748832"/>
-            <a:ext cx="2859200" cy="1"/>
-          </a:xfrm>
-          <a:prstGeom prst="straightConnector1">
-            <a:avLst/>
-          </a:prstGeom>
-          <a:ln w="38100">
-            <a:solidFill>
-              <a:schemeClr val="accent1">
-                <a:lumMod val="20000"/>
-                <a:lumOff val="80000"/>
-              </a:schemeClr>
-            </a:solidFill>
-            <a:tailEnd type="triangle"/>
-          </a:ln>
-        </p:spPr>
-        <p:style>
-          <a:lnRef idx="1">
-            <a:schemeClr val="accent1"/>
-          </a:lnRef>
-          <a:fillRef idx="0">
-            <a:schemeClr val="accent1"/>
-          </a:fillRef>
-          <a:effectRef idx="0">
-            <a:schemeClr val="accent1"/>
-          </a:effectRef>
-          <a:fontRef idx="minor">
-            <a:schemeClr val="tx1"/>
-          </a:fontRef>
-        </p:style>
-      </p:cxnSp>
-      <p:sp>
-        <p:nvSpPr>
-          <p:cNvPr id="31" name="文字方塊 30">
-            <a:extLst>
-              <a:ext uri="{FF2B5EF4-FFF2-40B4-BE49-F238E27FC236}">
-                <a16:creationId xmlns:a16="http://schemas.microsoft.com/office/drawing/2014/main" id="{74D1DBAD-9219-4645-9F6B-9B6B21ABE1DC}"/>
-              </a:ext>
-            </a:extLst>
-          </p:cNvPr>
-          <p:cNvSpPr txBox="1"/>
-          <p:nvPr/>
-        </p:nvSpPr>
-        <p:spPr>
-          <a:xfrm>
-            <a:off x="3143840" y="1834054"/>
-            <a:ext cx="6094428" cy="646331"/>
-          </a:xfrm>
-          <a:prstGeom prst="rect">
-            <a:avLst/>
-          </a:prstGeom>
-          <a:noFill/>
-        </p:spPr>
-        <p:txBody>
-          <a:bodyPr wrap="square">
-            <a:spAutoFit/>
-          </a:bodyPr>
-          <a:lstStyle/>
-          <a:p>
-            <a:pPr algn="ctr"/>
-            <a:r>
-              <a:rPr lang="en-US" altLang="zh-TW" dirty="0"/>
-              <a:t>A preliminary </a:t>
-            </a:r>
-          </a:p>
-          <a:p>
-            <a:pPr algn="ctr"/>
-            <a:r>
-              <a:rPr lang="en-US" altLang="zh-TW" dirty="0"/>
-              <a:t>output list of recommendations</a:t>
-            </a:r>
-            <a:endParaRPr lang="zh-TW" altLang="en-US" dirty="0"/>
-          </a:p>
-        </p:txBody>
-      </p:sp>
-      <p:pic>
-        <p:nvPicPr>
-          <p:cNvPr id="35" name="圖形 34" descr="夾紙板 (打勾) 以實心填滿">
-            <a:extLst>
-              <a:ext uri="{FF2B5EF4-FFF2-40B4-BE49-F238E27FC236}">
-                <a16:creationId xmlns:a16="http://schemas.microsoft.com/office/drawing/2014/main" id="{2E799A76-7E30-44B6-A512-C5C8C0AC5019}"/>
-              </a:ext>
-            </a:extLst>
-          </p:cNvPr>
-          <p:cNvPicPr>
-            <a:picLocks noChangeAspect="1"/>
-          </p:cNvPicPr>
-          <p:nvPr/>
-        </p:nvPicPr>
-        <p:blipFill>
-          <a:blip r:embed="rId12">
-            <a:extLst>
-              <a:ext uri="{28A0092B-C50C-407E-A947-70E740481C1C}">
-                <a14:useLocalDpi xmlns:a14="http://schemas.microsoft.com/office/drawing/2010/main" val="0"/>
-              </a:ext>
-              <a:ext uri="{96DAC541-7B7A-43D3-8B79-37D633B846F1}">
-                <asvg:svgBlip xmlns:asvg="http://schemas.microsoft.com/office/drawing/2016/SVG/main" r:embed="rId13"/>
-              </a:ext>
-            </a:extLst>
-          </a:blip>
-          <a:stretch>
-            <a:fillRect/>
-          </a:stretch>
-        </p:blipFill>
-        <p:spPr>
-          <a:xfrm>
-            <a:off x="5730279" y="2514680"/>
-            <a:ext cx="914400" cy="914400"/>
-          </a:xfrm>
-          <a:prstGeom prst="rect">
-            <a:avLst/>
-          </a:prstGeom>
-        </p:spPr>
-      </p:pic>
-      <p:sp>
-        <p:nvSpPr>
-          <p:cNvPr id="38" name="文字方塊 37">
-            <a:extLst>
-              <a:ext uri="{FF2B5EF4-FFF2-40B4-BE49-F238E27FC236}">
-                <a16:creationId xmlns:a16="http://schemas.microsoft.com/office/drawing/2014/main" id="{9697067F-D85B-4E7D-9FCF-0AE0E19FEE0E}"/>
-              </a:ext>
-            </a:extLst>
-          </p:cNvPr>
-          <p:cNvSpPr txBox="1"/>
-          <p:nvPr/>
-        </p:nvSpPr>
-        <p:spPr>
-          <a:xfrm>
-            <a:off x="9726675" y="5195662"/>
-            <a:ext cx="2206481" cy="646331"/>
-          </a:xfrm>
-          <a:prstGeom prst="rect">
-            <a:avLst/>
-          </a:prstGeom>
-          <a:noFill/>
-        </p:spPr>
-        <p:txBody>
-          <a:bodyPr wrap="square">
-            <a:spAutoFit/>
-          </a:bodyPr>
-          <a:lstStyle/>
-          <a:p>
-            <a:pPr algn="ctr"/>
-            <a:r>
-              <a:rPr lang="en-US" altLang="zh-TW" dirty="0"/>
-              <a:t>Refined</a:t>
-            </a:r>
-          </a:p>
-          <a:p>
-            <a:pPr algn="ctr"/>
-            <a:r>
-              <a:rPr lang="en-US" altLang="zh-TW" dirty="0"/>
-              <a:t>Recommendations</a:t>
-            </a:r>
-            <a:endParaRPr lang="zh-TW" altLang="en-US" dirty="0"/>
-          </a:p>
-        </p:txBody>
-      </p:sp>
-      <p:cxnSp>
-        <p:nvCxnSpPr>
-          <p:cNvPr id="39" name="直線單箭頭接點 38">
-            <a:extLst>
-              <a:ext uri="{FF2B5EF4-FFF2-40B4-BE49-F238E27FC236}">
-                <a16:creationId xmlns:a16="http://schemas.microsoft.com/office/drawing/2014/main" id="{C1F3ADA8-9192-4663-898B-1D7EF318322D}"/>
-              </a:ext>
-            </a:extLst>
-          </p:cNvPr>
-          <p:cNvCxnSpPr>
-            <a:cxnSpLocks/>
-            <a:stCxn id="35" idx="2"/>
-            <a:endCxn id="16" idx="0"/>
-          </p:cNvCxnSpPr>
-          <p:nvPr/>
-        </p:nvCxnSpPr>
-        <p:spPr>
-          <a:xfrm>
-            <a:off x="6187479" y="3429080"/>
-            <a:ext cx="0" cy="914400"/>
-          </a:xfrm>
-          <a:prstGeom prst="straightConnector1">
-            <a:avLst/>
-          </a:prstGeom>
-          <a:ln w="38100">
-            <a:solidFill>
-              <a:schemeClr val="accent1">
-                <a:lumMod val="20000"/>
-                <a:lumOff val="80000"/>
-              </a:schemeClr>
-            </a:solidFill>
-            <a:tailEnd type="triangle"/>
-          </a:ln>
-        </p:spPr>
-        <p:style>
-          <a:lnRef idx="1">
-            <a:schemeClr val="accent1"/>
-          </a:lnRef>
-          <a:fillRef idx="0">
-            <a:schemeClr val="accent1"/>
-          </a:fillRef>
-          <a:effectRef idx="0">
-            <a:schemeClr val="accent1"/>
-          </a:effectRef>
-          <a:fontRef idx="minor">
-            <a:schemeClr val="tx1"/>
-          </a:fontRef>
-        </p:style>
-      </p:cxnSp>
-      <p:sp>
-        <p:nvSpPr>
-          <p:cNvPr id="46" name="文字方塊 45">
-            <a:extLst>
-              <a:ext uri="{FF2B5EF4-FFF2-40B4-BE49-F238E27FC236}">
-                <a16:creationId xmlns:a16="http://schemas.microsoft.com/office/drawing/2014/main" id="{D9A5143B-4E60-4E10-87BD-0E69C08D5BD2}"/>
-              </a:ext>
-            </a:extLst>
-          </p:cNvPr>
-          <p:cNvSpPr txBox="1"/>
-          <p:nvPr/>
-        </p:nvSpPr>
-        <p:spPr>
-          <a:xfrm>
-            <a:off x="7609178" y="3928536"/>
-            <a:ext cx="2403654" cy="861774"/>
-          </a:xfrm>
-          <a:prstGeom prst="rect">
-            <a:avLst/>
-          </a:prstGeom>
-          <a:noFill/>
-        </p:spPr>
-        <p:txBody>
-          <a:bodyPr wrap="square">
-            <a:spAutoFit/>
-          </a:bodyPr>
-          <a:lstStyle/>
-          <a:p>
-            <a:pPr algn="ctr"/>
-            <a:r>
-              <a:rPr lang="en-US" altLang="zh-TW" dirty="0">
-                <a:latin typeface="Adobe 黑体 Std R" panose="020B0400000000000000" pitchFamily="34" charset="-128"/>
-                <a:ea typeface="Adobe 黑体 Std R" panose="020B0400000000000000" pitchFamily="34" charset="-128"/>
-              </a:rPr>
-              <a:t>Further Sorting</a:t>
-            </a:r>
-          </a:p>
-          <a:p>
-            <a:pPr algn="ctr"/>
-            <a:r>
-              <a:rPr lang="en-US" altLang="zh-TW" dirty="0">
-                <a:latin typeface="Adobe 黑体 Std R" panose="020B0400000000000000" pitchFamily="34" charset="-128"/>
-                <a:ea typeface="Adobe 黑体 Std R" panose="020B0400000000000000" pitchFamily="34" charset="-128"/>
-              </a:rPr>
-              <a:t>Based on</a:t>
-            </a:r>
-            <a:r>
-              <a:rPr lang="zh-TW" altLang="en-US" dirty="0">
-                <a:latin typeface="Adobe 黑体 Std R" panose="020B0400000000000000" pitchFamily="34" charset="-128"/>
-                <a:ea typeface="Adobe 黑体 Std R" panose="020B0400000000000000" pitchFamily="34" charset="-128"/>
-              </a:rPr>
-              <a:t> </a:t>
-            </a:r>
-            <a:r>
-              <a:rPr lang="en-US" altLang="zh-TW" dirty="0">
-                <a:latin typeface="Adobe 黑体 Std R" panose="020B0400000000000000" pitchFamily="34" charset="-128"/>
-                <a:ea typeface="Adobe 黑体 Std R" panose="020B0400000000000000" pitchFamily="34" charset="-128"/>
-              </a:rPr>
-              <a:t>Predictions</a:t>
-            </a:r>
-          </a:p>
-          <a:p>
-            <a:pPr algn="ctr"/>
-            <a:r>
-              <a:rPr lang="en-US" altLang="zh-TW" sz="1400" dirty="0">
-                <a:solidFill>
-                  <a:srgbClr val="CEB6F4"/>
-                </a:solidFill>
-                <a:latin typeface="Adobe 黑体 Std R" panose="020B0400000000000000" pitchFamily="34" charset="-128"/>
-                <a:ea typeface="Adobe 黑体 Std R" panose="020B0400000000000000" pitchFamily="34" charset="-128"/>
-              </a:rPr>
-              <a:t>(SVD - </a:t>
-            </a:r>
-            <a:r>
-              <a:rPr lang="en-US" altLang="zh-TW" sz="1400" b="0" dirty="0">
-                <a:solidFill>
-                  <a:srgbClr val="CEB6F4"/>
-                </a:solidFill>
-                <a:effectLst/>
-                <a:latin typeface="Adobe 黑体 Std R" panose="020B0400000000000000" pitchFamily="34" charset="-128"/>
-                <a:ea typeface="Adobe 黑体 Std R" panose="020B0400000000000000" pitchFamily="34" charset="-128"/>
-              </a:rPr>
-              <a:t>Estimate Scores)</a:t>
-            </a:r>
-          </a:p>
-        </p:txBody>
-      </p:sp>
-      <p:sp>
-        <p:nvSpPr>
-          <p:cNvPr id="19" name="文字方塊 18">
-            <a:extLst>
-              <a:ext uri="{FF2B5EF4-FFF2-40B4-BE49-F238E27FC236}">
-                <a16:creationId xmlns:a16="http://schemas.microsoft.com/office/drawing/2014/main" id="{676D328A-1492-4F80-8BC3-1C75AAD5C3D3}"/>
-              </a:ext>
-            </a:extLst>
-          </p:cNvPr>
-          <p:cNvSpPr txBox="1"/>
-          <p:nvPr/>
-        </p:nvSpPr>
-        <p:spPr>
-          <a:xfrm>
-            <a:off x="2965350" y="2694586"/>
-            <a:ext cx="3222129" cy="307777"/>
-          </a:xfrm>
-          <a:prstGeom prst="rect">
-            <a:avLst/>
-          </a:prstGeom>
-          <a:noFill/>
-        </p:spPr>
-        <p:txBody>
-          <a:bodyPr wrap="square">
-            <a:spAutoFit/>
-          </a:bodyPr>
-          <a:lstStyle/>
-          <a:p>
-            <a:pPr algn="ctr"/>
-            <a:r>
-              <a:rPr lang="en-US" altLang="zh-TW" sz="1400" dirty="0">
-                <a:latin typeface="Adobe 黑体 Std R" panose="020B0400000000000000" pitchFamily="34" charset="-128"/>
-                <a:ea typeface="Adobe 黑体 Std R" panose="020B0400000000000000" pitchFamily="34" charset="-128"/>
-              </a:rPr>
-              <a:t>Sorted Cosine Similarity</a:t>
-            </a:r>
-            <a:endParaRPr lang="en-US" altLang="zh-TW" sz="1100" b="0" dirty="0">
-              <a:solidFill>
-                <a:srgbClr val="CEB6F4"/>
-              </a:solidFill>
-              <a:effectLst/>
-              <a:latin typeface="Adobe 黑体 Std R" panose="020B0400000000000000" pitchFamily="34" charset="-128"/>
-              <a:ea typeface="Adobe 黑体 Std R" panose="020B0400000000000000" pitchFamily="34" charset="-128"/>
-            </a:endParaRPr>
-          </a:p>
-        </p:txBody>
-      </p:sp>
-      <p:sp>
-        <p:nvSpPr>
-          <p:cNvPr id="23" name="文字方塊 22">
-            <a:extLst>
-              <a:ext uri="{FF2B5EF4-FFF2-40B4-BE49-F238E27FC236}">
-                <a16:creationId xmlns:a16="http://schemas.microsoft.com/office/drawing/2014/main" id="{6BF3B2AA-F096-4703-973B-E599B624FB0A}"/>
-              </a:ext>
-            </a:extLst>
-          </p:cNvPr>
-          <p:cNvSpPr txBox="1"/>
-          <p:nvPr/>
-        </p:nvSpPr>
-        <p:spPr>
-          <a:xfrm>
-            <a:off x="11476641" y="6411194"/>
-            <a:ext cx="314510" cy="369332"/>
-          </a:xfrm>
-          <a:prstGeom prst="rect">
-            <a:avLst/>
-          </a:prstGeom>
-          <a:noFill/>
-        </p:spPr>
-        <p:txBody>
-          <a:bodyPr wrap="none" rtlCol="0">
-            <a:spAutoFit/>
-          </a:bodyPr>
-          <a:lstStyle/>
-          <a:p>
-            <a:r>
-              <a:rPr lang="en-US" altLang="zh-TW" dirty="0">
-                <a:latin typeface="Adobe 黑体 Std R" panose="020B0400000000000000" pitchFamily="34" charset="-128"/>
-                <a:ea typeface="Adobe 黑体 Std R" panose="020B0400000000000000" pitchFamily="34" charset="-128"/>
-              </a:rPr>
-              <a:t>7</a:t>
-            </a:r>
-            <a:endParaRPr lang="zh-TW" altLang="en-US" dirty="0">
-              <a:latin typeface="Adobe 黑体 Std R" panose="020B0400000000000000" pitchFamily="34" charset="-128"/>
-              <a:ea typeface="Adobe 黑体 Std R" panose="020B0400000000000000" pitchFamily="34" charset="-128"/>
-            </a:endParaRPr>
-          </a:p>
-        </p:txBody>
-      </p:sp>
-    </p:spTree>
-    <p:extLst>
-      <p:ext uri="{BB962C8B-B14F-4D97-AF65-F5344CB8AC3E}">
-        <p14:creationId xmlns:p14="http://schemas.microsoft.com/office/powerpoint/2010/main" val="2073006211"/>
-      </p:ext>
-    </p:extLst>
-  </p:cSld>
-  <p:clrMapOvr>
-    <a:masterClrMapping/>
-  </p:clrMapOvr>
-  <mc:AlternateContent xmlns:mc="http://schemas.openxmlformats.org/markup-compatibility/2006" xmlns:p14="http://schemas.microsoft.com/office/powerpoint/2010/main">
-    <mc:Choice Requires="p14">
-      <p:transition spd="med" p14:dur="700">
-        <p:fade/>
-      </p:transition>
-    </mc:Choice>
-    <mc:Fallback xmlns="">
-      <p:transition spd="med">
-        <p:fade/>
-      </p:transition>
-    </mc:Fallback>
-  </mc:AlternateContent>
-</p:sld>
-</file>
-
-<file path=ppt/slides/slide8.xml><?xml version="1.0" encoding="utf-8"?>
-<p:sld xmlns:a="http://schemas.openxmlformats.org/drawingml/2006/main" xmlns:r="http://schemas.openxmlformats.org/officeDocument/2006/relationships" xmlns:p="http://schemas.openxmlformats.org/presentationml/2006/main">
-  <p:cSld>
-    <p:spTree>
-      <p:nvGrpSpPr>
-        <p:cNvPr id="1" name=""/>
-        <p:cNvGrpSpPr/>
-        <p:nvPr/>
-      </p:nvGrpSpPr>
-      <p:grpSpPr>
-        <a:xfrm>
-          <a:off x="0" y="0"/>
-          <a:ext cx="0" cy="0"/>
-          <a:chOff x="0" y="0"/>
-          <a:chExt cx="0" cy="0"/>
-        </a:xfrm>
-      </p:grpSpPr>
-      <p:sp>
-        <p:nvSpPr>
-          <p:cNvPr id="20" name="文字方塊 19">
-            <a:extLst>
-              <a:ext uri="{FF2B5EF4-FFF2-40B4-BE49-F238E27FC236}">
-                <a16:creationId xmlns:a16="http://schemas.microsoft.com/office/drawing/2014/main" id="{1A9ABAF0-F28F-49D4-A6CC-7CD8D1130D4C}"/>
-              </a:ext>
-            </a:extLst>
-          </p:cNvPr>
-          <p:cNvSpPr txBox="1"/>
-          <p:nvPr/>
-        </p:nvSpPr>
-        <p:spPr>
-          <a:xfrm>
-            <a:off x="3023648" y="93188"/>
-            <a:ext cx="6141562" cy="369332"/>
-          </a:xfrm>
-          <a:prstGeom prst="rect">
-            <a:avLst/>
-          </a:prstGeom>
-          <a:noFill/>
-        </p:spPr>
-        <p:txBody>
-          <a:bodyPr wrap="square">
-            <a:spAutoFit/>
-          </a:bodyPr>
-          <a:lstStyle/>
-          <a:p>
-            <a:pPr algn="ctr"/>
-            <a:r>
-              <a:rPr lang="en-US" altLang="zh-TW" sz="1800" b="0" i="0" u="none" strike="noStrike" baseline="0" dirty="0">
-                <a:latin typeface="Adobe 黑体 Std R" panose="020B0400000000000000" pitchFamily="34" charset="-128"/>
-                <a:ea typeface="Adobe 黑体 Std R" panose="020B0400000000000000" pitchFamily="34" charset="-128"/>
-              </a:rPr>
-              <a:t>Hybrid Approach</a:t>
-            </a:r>
-            <a:r>
-              <a:rPr lang="zh-TW" altLang="en-US" sz="1800" b="0" i="0" u="none" strike="noStrike" baseline="0" dirty="0">
-                <a:latin typeface="Adobe 黑体 Std R" panose="020B0400000000000000" pitchFamily="34" charset="-128"/>
-                <a:ea typeface="Adobe 黑体 Std R" panose="020B0400000000000000" pitchFamily="34" charset="-128"/>
-              </a:rPr>
-              <a:t> </a:t>
-            </a:r>
-            <a:r>
-              <a:rPr lang="en-US" altLang="zh-TW" sz="1800" b="0" i="0" u="none" strike="noStrike" baseline="0" dirty="0">
-                <a:latin typeface="Adobe 黑体 Std R" panose="020B0400000000000000" pitchFamily="34" charset="-128"/>
-                <a:ea typeface="Adobe 黑体 Std R" panose="020B0400000000000000" pitchFamily="34" charset="-128"/>
-              </a:rPr>
-              <a:t>(Cascade)</a:t>
-            </a:r>
-            <a:endParaRPr lang="en-US" altLang="zh-TW" sz="1400" b="1" i="0" dirty="0">
-              <a:solidFill>
-                <a:schemeClr val="tx2">
-                  <a:lumMod val="90000"/>
-                </a:schemeClr>
-              </a:solidFill>
-              <a:effectLst/>
-              <a:latin typeface="Adobe 黑体 Std R" panose="020B0400000000000000" pitchFamily="34" charset="-128"/>
-              <a:ea typeface="Adobe 黑体 Std R" panose="020B0400000000000000" pitchFamily="34" charset="-128"/>
-            </a:endParaRPr>
-          </a:p>
-        </p:txBody>
-      </p:sp>
-      <p:grpSp>
-        <p:nvGrpSpPr>
-          <p:cNvPr id="24" name="群組 23">
-            <a:extLst>
-              <a:ext uri="{FF2B5EF4-FFF2-40B4-BE49-F238E27FC236}">
-                <a16:creationId xmlns:a16="http://schemas.microsoft.com/office/drawing/2014/main" id="{F12D3A85-9A06-45D5-AB3A-7630CF434964}"/>
-              </a:ext>
-            </a:extLst>
-          </p:cNvPr>
-          <p:cNvGrpSpPr/>
-          <p:nvPr/>
-        </p:nvGrpSpPr>
-        <p:grpSpPr>
-          <a:xfrm>
-            <a:off x="312692" y="669303"/>
-            <a:ext cx="11959701" cy="5995448"/>
-            <a:chOff x="190144" y="136000"/>
-            <a:chExt cx="12664503" cy="6383250"/>
-          </a:xfrm>
-        </p:grpSpPr>
-        <p:pic>
-          <p:nvPicPr>
-            <p:cNvPr id="13" name="圖片 12">
-              <a:extLst>
-                <a:ext uri="{FF2B5EF4-FFF2-40B4-BE49-F238E27FC236}">
-                  <a16:creationId xmlns:a16="http://schemas.microsoft.com/office/drawing/2014/main" id="{6EA1E0E5-0564-45D0-B90A-928F0E9C8BDA}"/>
-                </a:ext>
-              </a:extLst>
-            </p:cNvPr>
-            <p:cNvPicPr>
-              <a:picLocks noChangeAspect="1"/>
-            </p:cNvPicPr>
-            <p:nvPr/>
-          </p:nvPicPr>
-          <p:blipFill>
-            <a:blip r:embed="rId2"/>
-            <a:stretch>
-              <a:fillRect/>
-            </a:stretch>
-          </p:blipFill>
-          <p:spPr>
-            <a:xfrm>
-              <a:off x="190144" y="659875"/>
-              <a:ext cx="10075645" cy="5859375"/>
-            </a:xfrm>
-            <a:prstGeom prst="rect">
-              <a:avLst/>
-            </a:prstGeom>
-          </p:spPr>
-        </p:pic>
-        <p:sp>
-          <p:nvSpPr>
-            <p:cNvPr id="14" name="矩形: 圓角 13">
-              <a:extLst>
-                <a:ext uri="{FF2B5EF4-FFF2-40B4-BE49-F238E27FC236}">
-                  <a16:creationId xmlns:a16="http://schemas.microsoft.com/office/drawing/2014/main" id="{5B7A6FD9-A541-4A32-B081-1BFC31D75711}"/>
-                </a:ext>
-              </a:extLst>
-            </p:cNvPr>
-            <p:cNvSpPr/>
-            <p:nvPr/>
-          </p:nvSpPr>
-          <p:spPr>
-            <a:xfrm>
-              <a:off x="9266548" y="1395167"/>
-              <a:ext cx="886120" cy="518474"/>
-            </a:xfrm>
-            <a:prstGeom prst="roundRect">
-              <a:avLst/>
-            </a:prstGeom>
-            <a:noFill/>
-            <a:ln w="28575">
-              <a:solidFill>
-                <a:srgbClr val="FF0000"/>
-              </a:solidFill>
-            </a:ln>
-          </p:spPr>
-          <p:style>
-            <a:lnRef idx="2">
-              <a:schemeClr val="accent1">
-                <a:shade val="50000"/>
-              </a:schemeClr>
-            </a:lnRef>
-            <a:fillRef idx="1">
-              <a:schemeClr val="accent1"/>
-            </a:fillRef>
-            <a:effectRef idx="0">
-              <a:schemeClr val="accent1"/>
-            </a:effectRef>
-            <a:fontRef idx="minor">
-              <a:schemeClr val="lt1"/>
-            </a:fontRef>
-          </p:style>
-          <p:txBody>
-            <a:bodyPr rtlCol="0" anchor="ctr"/>
-            <a:lstStyle/>
-            <a:p>
-              <a:pPr algn="ctr"/>
-              <a:endParaRPr lang="zh-TW" altLang="en-US" dirty="0"/>
-            </a:p>
-          </p:txBody>
-        </p:sp>
-        <p:sp>
-          <p:nvSpPr>
-            <p:cNvPr id="15" name="矩形: 圓角 14">
-              <a:extLst>
-                <a:ext uri="{FF2B5EF4-FFF2-40B4-BE49-F238E27FC236}">
-                  <a16:creationId xmlns:a16="http://schemas.microsoft.com/office/drawing/2014/main" id="{A084F1DA-A3B5-477F-BF69-4D21ABCD9421}"/>
-                </a:ext>
-              </a:extLst>
-            </p:cNvPr>
-            <p:cNvSpPr/>
-            <p:nvPr/>
-          </p:nvSpPr>
-          <p:spPr>
-            <a:xfrm>
-              <a:off x="9266548" y="1913641"/>
-              <a:ext cx="886120" cy="4605609"/>
-            </a:xfrm>
-            <a:prstGeom prst="roundRect">
-              <a:avLst/>
-            </a:prstGeom>
-            <a:noFill/>
-            <a:ln w="28575">
-              <a:solidFill>
-                <a:srgbClr val="FFC000"/>
-              </a:solidFill>
-            </a:ln>
-          </p:spPr>
-          <p:style>
-            <a:lnRef idx="2">
-              <a:schemeClr val="accent1">
-                <a:shade val="50000"/>
-              </a:schemeClr>
-            </a:lnRef>
-            <a:fillRef idx="1">
-              <a:schemeClr val="accent1"/>
-            </a:fillRef>
-            <a:effectRef idx="0">
-              <a:schemeClr val="accent1"/>
-            </a:effectRef>
-            <a:fontRef idx="minor">
-              <a:schemeClr val="lt1"/>
-            </a:fontRef>
-          </p:style>
-          <p:txBody>
-            <a:bodyPr rtlCol="0" anchor="ctr"/>
-            <a:lstStyle/>
-            <a:p>
-              <a:pPr algn="ctr"/>
-              <a:endParaRPr lang="zh-TW" altLang="en-US"/>
-            </a:p>
-          </p:txBody>
-        </p:sp>
-        <p:sp>
-          <p:nvSpPr>
-            <p:cNvPr id="19" name="文字方塊 18">
-              <a:extLst>
-                <a:ext uri="{FF2B5EF4-FFF2-40B4-BE49-F238E27FC236}">
-                  <a16:creationId xmlns:a16="http://schemas.microsoft.com/office/drawing/2014/main" id="{75FC0A0C-8E0B-4808-82AA-50403A784C4C}"/>
-                </a:ext>
-              </a:extLst>
-            </p:cNvPr>
-            <p:cNvSpPr txBox="1"/>
-            <p:nvPr/>
-          </p:nvSpPr>
-          <p:spPr>
-            <a:xfrm>
-              <a:off x="10219280" y="1257760"/>
-              <a:ext cx="2635366" cy="688137"/>
-            </a:xfrm>
-            <a:prstGeom prst="rect">
-              <a:avLst/>
-            </a:prstGeom>
-            <a:noFill/>
-          </p:spPr>
-          <p:txBody>
-            <a:bodyPr wrap="square">
-              <a:spAutoFit/>
-            </a:bodyPr>
-            <a:lstStyle/>
-            <a:p>
-              <a:pPr algn="ctr"/>
-              <a:r>
-                <a:rPr lang="en-US" altLang="zh-TW" sz="1200" dirty="0">
-                  <a:solidFill>
-                    <a:srgbClr val="FF0000"/>
-                  </a:solidFill>
-                  <a:latin typeface="Adobe 黑体 Std R" panose="020B0400000000000000" pitchFamily="34" charset="-128"/>
-                  <a:ea typeface="Adobe 黑体 Std R" panose="020B0400000000000000" pitchFamily="34" charset="-128"/>
-                </a:rPr>
-                <a:t>Keep top-2 preliminary </a:t>
-              </a:r>
-            </a:p>
-            <a:p>
-              <a:pPr algn="ctr"/>
-              <a:r>
-                <a:rPr lang="en-US" altLang="zh-TW" sz="1200" dirty="0">
-                  <a:solidFill>
-                    <a:srgbClr val="FF0000"/>
-                  </a:solidFill>
-                  <a:latin typeface="Adobe 黑体 Std R" panose="020B0400000000000000" pitchFamily="34" charset="-128"/>
-                  <a:ea typeface="Adobe 黑体 Std R" panose="020B0400000000000000" pitchFamily="34" charset="-128"/>
-                </a:rPr>
-                <a:t>Output list of recommendations</a:t>
-              </a:r>
-            </a:p>
-            <a:p>
-              <a:pPr algn="ctr"/>
-              <a:r>
-                <a:rPr lang="en-US" altLang="zh-TW" sz="1200" dirty="0">
-                  <a:solidFill>
-                    <a:srgbClr val="FF0000"/>
-                  </a:solidFill>
-                  <a:latin typeface="Adobe 黑体 Std R" panose="020B0400000000000000" pitchFamily="34" charset="-128"/>
-                  <a:ea typeface="Adobe 黑体 Std R" panose="020B0400000000000000" pitchFamily="34" charset="-128"/>
-                </a:rPr>
-                <a:t>Based on content based filtering</a:t>
-              </a:r>
-              <a:endParaRPr lang="zh-TW" altLang="en-US" sz="1200" dirty="0">
-                <a:solidFill>
-                  <a:srgbClr val="FF0000"/>
-                </a:solidFill>
-                <a:latin typeface="Adobe 黑体 Std R" panose="020B0400000000000000" pitchFamily="34" charset="-128"/>
-                <a:ea typeface="Adobe 黑体 Std R" panose="020B0400000000000000" pitchFamily="34" charset="-128"/>
-              </a:endParaRPr>
-            </a:p>
-          </p:txBody>
-        </p:sp>
-        <p:sp>
-          <p:nvSpPr>
-            <p:cNvPr id="22" name="文字方塊 21">
-              <a:extLst>
-                <a:ext uri="{FF2B5EF4-FFF2-40B4-BE49-F238E27FC236}">
-                  <a16:creationId xmlns:a16="http://schemas.microsoft.com/office/drawing/2014/main" id="{9C58E559-5D26-40D3-B246-80DFDE85D954}"/>
-                </a:ext>
-              </a:extLst>
-            </p:cNvPr>
-            <p:cNvSpPr txBox="1"/>
-            <p:nvPr/>
-          </p:nvSpPr>
-          <p:spPr>
-            <a:xfrm>
-              <a:off x="10219281" y="3688485"/>
-              <a:ext cx="2635366" cy="1277970"/>
-            </a:xfrm>
-            <a:prstGeom prst="rect">
-              <a:avLst/>
-            </a:prstGeom>
-            <a:noFill/>
-          </p:spPr>
-          <p:txBody>
-            <a:bodyPr wrap="square">
-              <a:spAutoFit/>
-            </a:bodyPr>
-            <a:lstStyle/>
-            <a:p>
-              <a:pPr algn="ctr"/>
-              <a:r>
-                <a:rPr lang="en-US" altLang="zh-TW" sz="1200" dirty="0">
-                  <a:solidFill>
-                    <a:srgbClr val="FFC000"/>
-                  </a:solidFill>
-                  <a:latin typeface="Adobe 黑体 Std R" panose="020B0400000000000000" pitchFamily="34" charset="-128"/>
-                  <a:ea typeface="Adobe 黑体 Std R" panose="020B0400000000000000" pitchFamily="34" charset="-128"/>
-                </a:rPr>
-                <a:t>Further sort the </a:t>
-              </a:r>
-            </a:p>
-            <a:p>
-              <a:pPr algn="ctr"/>
-              <a:r>
-                <a:rPr lang="en-US" altLang="zh-TW" sz="1200" dirty="0">
-                  <a:solidFill>
-                    <a:srgbClr val="FFC000"/>
-                  </a:solidFill>
-                  <a:latin typeface="Adobe 黑体 Std R" panose="020B0400000000000000" pitchFamily="34" charset="-128"/>
-                  <a:ea typeface="Adobe 黑体 Std R" panose="020B0400000000000000" pitchFamily="34" charset="-128"/>
-                </a:rPr>
-                <a:t>preliminary output </a:t>
-              </a:r>
-            </a:p>
-            <a:p>
-              <a:pPr algn="ctr"/>
-              <a:r>
-                <a:rPr lang="en-US" altLang="zh-TW" sz="1200" dirty="0">
-                  <a:solidFill>
-                    <a:srgbClr val="FFC000"/>
-                  </a:solidFill>
-                  <a:latin typeface="Adobe 黑体 Std R" panose="020B0400000000000000" pitchFamily="34" charset="-128"/>
-                  <a:ea typeface="Adobe 黑体 Std R" panose="020B0400000000000000" pitchFamily="34" charset="-128"/>
-                </a:rPr>
-                <a:t>Based on</a:t>
-              </a:r>
-              <a:r>
-                <a:rPr lang="zh-TW" altLang="en-US" sz="1200" dirty="0">
-                  <a:solidFill>
-                    <a:srgbClr val="FFC000"/>
-                  </a:solidFill>
-                  <a:latin typeface="Adobe 黑体 Std R" panose="020B0400000000000000" pitchFamily="34" charset="-128"/>
-                  <a:ea typeface="Adobe 黑体 Std R" panose="020B0400000000000000" pitchFamily="34" charset="-128"/>
-                </a:rPr>
-                <a:t> </a:t>
-              </a:r>
-              <a:r>
-                <a:rPr lang="en-US" altLang="zh-TW" sz="1200" dirty="0">
-                  <a:solidFill>
-                    <a:srgbClr val="FFC000"/>
-                  </a:solidFill>
-                  <a:latin typeface="Adobe 黑体 Std R" panose="020B0400000000000000" pitchFamily="34" charset="-128"/>
-                  <a:ea typeface="Adobe 黑体 Std R" panose="020B0400000000000000" pitchFamily="34" charset="-128"/>
-                </a:rPr>
-                <a:t>Predictions</a:t>
-              </a:r>
-            </a:p>
-            <a:p>
-              <a:pPr algn="ctr"/>
-              <a:r>
-                <a:rPr lang="en-US" altLang="zh-TW" sz="1200" dirty="0">
-                  <a:solidFill>
-                    <a:srgbClr val="FFC000"/>
-                  </a:solidFill>
-                  <a:latin typeface="Adobe 黑体 Std R" panose="020B0400000000000000" pitchFamily="34" charset="-128"/>
-                  <a:ea typeface="Adobe 黑体 Std R" panose="020B0400000000000000" pitchFamily="34" charset="-128"/>
-                </a:rPr>
-                <a:t>(collaborative filtering)</a:t>
-              </a:r>
-            </a:p>
-            <a:p>
-              <a:pPr algn="ctr"/>
-              <a:endParaRPr lang="en-US" altLang="zh-TW" sz="1200" dirty="0">
-                <a:solidFill>
-                  <a:srgbClr val="FFC000"/>
-                </a:solidFill>
-                <a:latin typeface="Adobe 黑体 Std R" panose="020B0400000000000000" pitchFamily="34" charset="-128"/>
-                <a:ea typeface="Adobe 黑体 Std R" panose="020B0400000000000000" pitchFamily="34" charset="-128"/>
-              </a:endParaRPr>
-            </a:p>
-            <a:p>
-              <a:pPr algn="ctr"/>
-              <a:r>
-                <a:rPr lang="en-US" altLang="zh-TW" sz="1200" dirty="0">
-                  <a:solidFill>
-                    <a:srgbClr val="FFC000"/>
-                  </a:solidFill>
-                  <a:latin typeface="Adobe 黑体 Std R" panose="020B0400000000000000" pitchFamily="34" charset="-128"/>
-                  <a:ea typeface="Adobe 黑体 Std R" panose="020B0400000000000000" pitchFamily="34" charset="-128"/>
-                </a:rPr>
-                <a:t>The outcome varies by user ID</a:t>
-              </a:r>
-            </a:p>
-          </p:txBody>
-        </p:sp>
-        <p:pic>
-          <p:nvPicPr>
-            <p:cNvPr id="23" name="圖片 22">
-              <a:extLst>
-                <a:ext uri="{FF2B5EF4-FFF2-40B4-BE49-F238E27FC236}">
-                  <a16:creationId xmlns:a16="http://schemas.microsoft.com/office/drawing/2014/main" id="{DCE7286F-4255-4632-B68E-165A7BE03B26}"/>
-                </a:ext>
-              </a:extLst>
-            </p:cNvPr>
-            <p:cNvPicPr>
-              <a:picLocks noChangeAspect="1"/>
-            </p:cNvPicPr>
-            <p:nvPr/>
-          </p:nvPicPr>
-          <p:blipFill>
-            <a:blip r:embed="rId3"/>
-            <a:stretch>
-              <a:fillRect/>
-            </a:stretch>
-          </p:blipFill>
-          <p:spPr>
-            <a:xfrm>
-              <a:off x="190144" y="136000"/>
-              <a:ext cx="2476500" cy="523875"/>
-            </a:xfrm>
-            <a:prstGeom prst="rect">
-              <a:avLst/>
-            </a:prstGeom>
-          </p:spPr>
-        </p:pic>
-      </p:grpSp>
-      <p:sp>
-        <p:nvSpPr>
-          <p:cNvPr id="25" name="文字方塊 24">
-            <a:extLst>
-              <a:ext uri="{FF2B5EF4-FFF2-40B4-BE49-F238E27FC236}">
-                <a16:creationId xmlns:a16="http://schemas.microsoft.com/office/drawing/2014/main" id="{CC334416-E594-46E1-A88C-40ABB687F341}"/>
-              </a:ext>
-            </a:extLst>
-          </p:cNvPr>
-          <p:cNvSpPr txBox="1"/>
-          <p:nvPr/>
-        </p:nvSpPr>
-        <p:spPr>
-          <a:xfrm>
-            <a:off x="11476641" y="6411194"/>
-            <a:ext cx="314510" cy="369332"/>
-          </a:xfrm>
-          <a:prstGeom prst="rect">
-            <a:avLst/>
-          </a:prstGeom>
-          <a:noFill/>
-        </p:spPr>
-        <p:txBody>
-          <a:bodyPr wrap="none" rtlCol="0">
-            <a:spAutoFit/>
-          </a:bodyPr>
-          <a:lstStyle/>
-          <a:p>
-            <a:r>
-              <a:rPr lang="en-US" altLang="zh-TW" dirty="0">
-                <a:latin typeface="Adobe 黑体 Std R" panose="020B0400000000000000" pitchFamily="34" charset="-128"/>
-                <a:ea typeface="Adobe 黑体 Std R" panose="020B0400000000000000" pitchFamily="34" charset="-128"/>
-              </a:rPr>
-              <a:t>8</a:t>
-            </a:r>
-            <a:endParaRPr lang="zh-TW" altLang="en-US" dirty="0">
-              <a:latin typeface="Adobe 黑体 Std R" panose="020B0400000000000000" pitchFamily="34" charset="-128"/>
-              <a:ea typeface="Adobe 黑体 Std R" panose="020B0400000000000000" pitchFamily="34" charset="-128"/>
-            </a:endParaRPr>
-          </a:p>
-        </p:txBody>
-      </p:sp>
-    </p:spTree>
-    <p:extLst>
-      <p:ext uri="{BB962C8B-B14F-4D97-AF65-F5344CB8AC3E}">
-        <p14:creationId xmlns:p14="http://schemas.microsoft.com/office/powerpoint/2010/main" val="3794507617"/>
-      </p:ext>
-    </p:extLst>
-  </p:cSld>
-  <p:clrMapOvr>
-    <a:masterClrMapping/>
-  </p:clrMapOvr>
-  <mc:AlternateContent xmlns:mc="http://schemas.openxmlformats.org/markup-compatibility/2006" xmlns:p14="http://schemas.microsoft.com/office/powerpoint/2010/main">
-    <mc:Choice Requires="p14">
-      <p:transition spd="med" p14:dur="700">
-        <p:fade/>
-      </p:transition>
-    </mc:Choice>
-    <mc:Fallback xmlns="">
-      <p:transition spd="med">
-        <p:fade/>
-      </p:transition>
-    </mc:Fallback>
-  </mc:AlternateContent>
-</p:sld>
-</file>
-
-<file path=ppt/slides/slide9.xml><?xml version="1.0" encoding="utf-8"?>
-<p:sld xmlns:a="http://schemas.openxmlformats.org/drawingml/2006/main" xmlns:r="http://schemas.openxmlformats.org/officeDocument/2006/relationships" xmlns:p="http://schemas.openxmlformats.org/presentationml/2006/main">
-  <p:cSld>
-    <p:spTree>
-      <p:nvGrpSpPr>
-        <p:cNvPr id="1" name=""/>
-        <p:cNvGrpSpPr/>
-        <p:nvPr/>
-      </p:nvGrpSpPr>
-      <p:grpSpPr>
-        <a:xfrm>
-          <a:off x="0" y="0"/>
-          <a:ext cx="0" cy="0"/>
-          <a:chOff x="0" y="0"/>
-          <a:chExt cx="0" cy="0"/>
-        </a:xfrm>
-      </p:grpSpPr>
-      <p:sp>
-        <p:nvSpPr>
-          <p:cNvPr id="2" name="標題 1">
-            <a:extLst>
-              <a:ext uri="{FF2B5EF4-FFF2-40B4-BE49-F238E27FC236}">
-                <a16:creationId xmlns:a16="http://schemas.microsoft.com/office/drawing/2014/main" id="{78E40BCE-5B5D-4B68-93B0-A1D9218F9B99}"/>
-              </a:ext>
-            </a:extLst>
-          </p:cNvPr>
-          <p:cNvSpPr>
-            <a:spLocks noGrp="1"/>
-          </p:cNvSpPr>
-          <p:nvPr>
-            <p:ph type="ctrTitle"/>
-          </p:nvPr>
-        </p:nvSpPr>
-        <p:spPr>
-          <a:xfrm>
-            <a:off x="739463" y="321013"/>
-            <a:ext cx="7690549" cy="1012343"/>
-          </a:xfrm>
-        </p:spPr>
-        <p:txBody>
-          <a:bodyPr anchor="b">
-            <a:noAutofit/>
-          </a:bodyPr>
-          <a:lstStyle/>
-          <a:p>
-            <a:pPr algn="l"/>
-            <a:r>
-              <a:rPr lang="en-US" altLang="zh-TW" sz="5400" dirty="0">
-                <a:solidFill>
-                  <a:schemeClr val="tx2"/>
-                </a:solidFill>
-                <a:latin typeface="Adobe 黑体 Std R" panose="020B0400000000000000" pitchFamily="34" charset="-128"/>
-                <a:ea typeface="Adobe 黑体 Std R" panose="020B0400000000000000" pitchFamily="34" charset="-128"/>
-              </a:rPr>
-              <a:t>The Movie Dataset</a:t>
-            </a:r>
-            <a:endParaRPr lang="zh-TW" altLang="en-US" sz="11500" dirty="0">
-              <a:solidFill>
-                <a:schemeClr val="tx2"/>
-              </a:solidFill>
-              <a:latin typeface="Adobe 黑体 Std R" panose="020B0400000000000000" pitchFamily="34" charset="-128"/>
-              <a:ea typeface="Adobe 黑体 Std R" panose="020B0400000000000000" pitchFamily="34" charset="-128"/>
-            </a:endParaRPr>
-          </a:p>
-        </p:txBody>
-      </p:sp>
-      <p:sp>
-        <p:nvSpPr>
-          <p:cNvPr id="6" name="矩形: 圓角 5">
-            <a:extLst>
-              <a:ext uri="{FF2B5EF4-FFF2-40B4-BE49-F238E27FC236}">
-                <a16:creationId xmlns:a16="http://schemas.microsoft.com/office/drawing/2014/main" id="{53EBDDEB-FB97-4AAF-83F4-907E8E332E6A}"/>
-              </a:ext>
-            </a:extLst>
-          </p:cNvPr>
-          <p:cNvSpPr/>
-          <p:nvPr/>
-        </p:nvSpPr>
-        <p:spPr>
-          <a:xfrm>
-            <a:off x="628893" y="321013"/>
-            <a:ext cx="45719" cy="933855"/>
-          </a:xfrm>
-          <a:prstGeom prst="roundRect">
-            <a:avLst/>
-          </a:prstGeom>
-          <a:solidFill>
-            <a:srgbClr val="9765E9"/>
-          </a:solidFill>
-        </p:spPr>
-        <p:style>
-          <a:lnRef idx="2">
-            <a:schemeClr val="accent1">
-              <a:shade val="50000"/>
-            </a:schemeClr>
-          </a:lnRef>
-          <a:fillRef idx="1">
-            <a:schemeClr val="accent1"/>
-          </a:fillRef>
-          <a:effectRef idx="0">
-            <a:schemeClr val="accent1"/>
-          </a:effectRef>
-          <a:fontRef idx="minor">
-            <a:schemeClr val="lt1"/>
-          </a:fontRef>
-        </p:style>
-        <p:txBody>
-          <a:bodyPr rtlCol="0" anchor="ctr"/>
-          <a:lstStyle/>
-          <a:p>
-            <a:pPr algn="ctr"/>
-            <a:endParaRPr lang="zh-TW" altLang="en-US"/>
-          </a:p>
-        </p:txBody>
-      </p:sp>
-      <p:sp>
-        <p:nvSpPr>
-          <p:cNvPr id="7" name="文字方塊 6">
-            <a:extLst>
-              <a:ext uri="{FF2B5EF4-FFF2-40B4-BE49-F238E27FC236}">
-                <a16:creationId xmlns:a16="http://schemas.microsoft.com/office/drawing/2014/main" id="{C51A3E71-75D6-468B-A9A8-CC83722B419F}"/>
-              </a:ext>
-            </a:extLst>
-          </p:cNvPr>
-          <p:cNvSpPr txBox="1"/>
-          <p:nvPr/>
-        </p:nvSpPr>
-        <p:spPr>
-          <a:xfrm>
-            <a:off x="662626" y="2351782"/>
-            <a:ext cx="10866747" cy="1077218"/>
-          </a:xfrm>
-          <a:prstGeom prst="rect">
-            <a:avLst/>
-          </a:prstGeom>
-          <a:noFill/>
-        </p:spPr>
-        <p:txBody>
-          <a:bodyPr wrap="square">
-            <a:spAutoFit/>
-          </a:bodyPr>
-          <a:lstStyle/>
-          <a:p>
-            <a:r>
-              <a:rPr lang="en-US" altLang="zh-TW" sz="3200" dirty="0"/>
-              <a:t>Data from:</a:t>
-            </a:r>
-          </a:p>
-          <a:p>
-            <a:r>
-              <a:rPr lang="zh-TW" altLang="en-US" sz="3200" dirty="0"/>
-              <a:t>https://www.kaggle.com/rounakbanik/the-movies-dataset</a:t>
-            </a:r>
-          </a:p>
-        </p:txBody>
-      </p:sp>
-      <p:sp>
-        <p:nvSpPr>
-          <p:cNvPr id="9" name="文字方塊 8">
-            <a:extLst>
-              <a:ext uri="{FF2B5EF4-FFF2-40B4-BE49-F238E27FC236}">
-                <a16:creationId xmlns:a16="http://schemas.microsoft.com/office/drawing/2014/main" id="{A7EE0707-BC89-45A5-BBBB-0667C38335EF}"/>
-              </a:ext>
-            </a:extLst>
-          </p:cNvPr>
-          <p:cNvSpPr txBox="1"/>
-          <p:nvPr/>
-        </p:nvSpPr>
-        <p:spPr>
-          <a:xfrm>
-            <a:off x="662626" y="3404590"/>
-            <a:ext cx="6094428" cy="369332"/>
-          </a:xfrm>
-          <a:prstGeom prst="rect">
-            <a:avLst/>
-          </a:prstGeom>
-          <a:noFill/>
-        </p:spPr>
-        <p:txBody>
-          <a:bodyPr wrap="square">
-            <a:spAutoFit/>
-          </a:bodyPr>
-          <a:lstStyle/>
-          <a:p>
-            <a:r>
-              <a:rPr lang="en-US" altLang="zh-TW" b="0" i="0" dirty="0">
-                <a:solidFill>
-                  <a:srgbClr val="CEB6F4"/>
-                </a:solidFill>
-                <a:effectLst/>
-                <a:latin typeface="Inter"/>
-              </a:rPr>
-              <a:t>The dataset consists of movies released on or before July 2017</a:t>
-            </a:r>
-            <a:endParaRPr lang="zh-TW" altLang="en-US" dirty="0">
-              <a:solidFill>
-                <a:srgbClr val="CEB6F4"/>
-              </a:solidFill>
-            </a:endParaRPr>
-          </a:p>
-        </p:txBody>
-      </p:sp>
-      <p:pic>
-        <p:nvPicPr>
-          <p:cNvPr id="11" name="圖片 10">
-            <a:extLst>
-              <a:ext uri="{FF2B5EF4-FFF2-40B4-BE49-F238E27FC236}">
-                <a16:creationId xmlns:a16="http://schemas.microsoft.com/office/drawing/2014/main" id="{450F262D-0C7A-4764-BCBA-CB939509BEC3}"/>
-              </a:ext>
-            </a:extLst>
-          </p:cNvPr>
-          <p:cNvPicPr>
-            <a:picLocks noChangeAspect="1"/>
-          </p:cNvPicPr>
-          <p:nvPr/>
-        </p:nvPicPr>
-        <p:blipFill>
-          <a:blip r:embed="rId2"/>
-          <a:stretch>
-            <a:fillRect/>
-          </a:stretch>
-        </p:blipFill>
-        <p:spPr>
-          <a:xfrm>
-            <a:off x="0" y="4872590"/>
-            <a:ext cx="12192000" cy="2092974"/>
-          </a:xfrm>
-          <a:prstGeom prst="rect">
-            <a:avLst/>
-          </a:prstGeom>
-        </p:spPr>
-      </p:pic>
-      <p:sp>
-        <p:nvSpPr>
-          <p:cNvPr id="8" name="文字方塊 7">
-            <a:extLst>
-              <a:ext uri="{FF2B5EF4-FFF2-40B4-BE49-F238E27FC236}">
-                <a16:creationId xmlns:a16="http://schemas.microsoft.com/office/drawing/2014/main" id="{50DFFB96-660F-4D97-8237-A0DE79BBA48E}"/>
-              </a:ext>
-            </a:extLst>
-          </p:cNvPr>
-          <p:cNvSpPr txBox="1"/>
-          <p:nvPr/>
-        </p:nvSpPr>
-        <p:spPr>
-          <a:xfrm>
-            <a:off x="11476641" y="6411194"/>
-            <a:ext cx="314510" cy="369332"/>
-          </a:xfrm>
-          <a:prstGeom prst="rect">
-            <a:avLst/>
-          </a:prstGeom>
-          <a:noFill/>
-        </p:spPr>
-        <p:txBody>
-          <a:bodyPr wrap="none" rtlCol="0">
-            <a:spAutoFit/>
-          </a:bodyPr>
-          <a:lstStyle/>
-          <a:p>
-            <a:r>
-              <a:rPr lang="en-US" altLang="zh-TW" dirty="0">
-                <a:latin typeface="Adobe 黑体 Std R" panose="020B0400000000000000" pitchFamily="34" charset="-128"/>
-                <a:ea typeface="Adobe 黑体 Std R" panose="020B0400000000000000" pitchFamily="34" charset="-128"/>
-              </a:rPr>
-              <a:t>9</a:t>
-            </a:r>
-            <a:endParaRPr lang="zh-TW" altLang="en-US" dirty="0">
-              <a:latin typeface="Adobe 黑体 Std R" panose="020B0400000000000000" pitchFamily="34" charset="-128"/>
-              <a:ea typeface="Adobe 黑体 Std R" panose="020B0400000000000000" pitchFamily="34" charset="-128"/>
-            </a:endParaRPr>
-          </a:p>
-        </p:txBody>
-      </p:sp>
-    </p:spTree>
-    <p:extLst>
-      <p:ext uri="{BB962C8B-B14F-4D97-AF65-F5344CB8AC3E}">
-        <p14:creationId xmlns:p14="http://schemas.microsoft.com/office/powerpoint/2010/main" val="3823831135"/>
       </p:ext>
     </p:extLst>
   </p:cSld>

--- a/報告資料/期末報告Python_Movie_RecommerSystem.pptx
+++ b/報告資料/期末報告Python_Movie_RecommerSystem.pptx
@@ -4,6 +4,9 @@
   <p:sldMasterIdLst>
     <p:sldMasterId id="2147483925" r:id="rId1"/>
   </p:sldMasterIdLst>
+  <p:notesMasterIdLst>
+    <p:notesMasterId r:id="rId19"/>
+  </p:notesMasterIdLst>
   <p:sldIdLst>
     <p:sldId id="256" r:id="rId2"/>
     <p:sldId id="257" r:id="rId3"/>
@@ -151,108 +154,6 @@
 
 <file path=ppt/changesInfos/changesInfo1.xml><?xml version="1.0" encoding="utf-8"?>
 <pc:chgInfo xmlns:a="http://schemas.openxmlformats.org/drawingml/2006/main" xmlns:r="http://schemas.openxmlformats.org/officeDocument/2006/relationships" xmlns:ac="http://schemas.microsoft.com/office/drawing/2013/main/command" xmlns:pc="http://schemas.microsoft.com/office/powerpoint/2013/main/command">
-  <pc:docChgLst>
-    <pc:chgData name="謝尚泓" userId="10a1449e-84f2-4b15-a3e3-ff9bf5a03ee1" providerId="ADAL" clId="{E1148309-F924-4E41-9662-EC98BC74992C}"/>
-    <pc:docChg chg="custSel modSld">
-      <pc:chgData name="謝尚泓" userId="10a1449e-84f2-4b15-a3e3-ff9bf5a03ee1" providerId="ADAL" clId="{E1148309-F924-4E41-9662-EC98BC74992C}" dt="2021-06-18T14:03:41.884" v="55" actId="14100"/>
-      <pc:docMkLst>
-        <pc:docMk/>
-      </pc:docMkLst>
-      <pc:sldChg chg="addSp delSp modSp mod">
-        <pc:chgData name="謝尚泓" userId="10a1449e-84f2-4b15-a3e3-ff9bf5a03ee1" providerId="ADAL" clId="{E1148309-F924-4E41-9662-EC98BC74992C}" dt="2021-06-18T14:00:23.626" v="11" actId="1076"/>
-        <pc:sldMkLst>
-          <pc:docMk/>
-          <pc:sldMk cId="3326525695" sldId="262"/>
-        </pc:sldMkLst>
-        <pc:picChg chg="add mod">
-          <ac:chgData name="謝尚泓" userId="10a1449e-84f2-4b15-a3e3-ff9bf5a03ee1" providerId="ADAL" clId="{E1148309-F924-4E41-9662-EC98BC74992C}" dt="2021-06-18T14:00:23.626" v="11" actId="1076"/>
-          <ac:picMkLst>
-            <pc:docMk/>
-            <pc:sldMk cId="3326525695" sldId="262"/>
-            <ac:picMk id="4" creationId="{2A09B06C-AA8E-489A-9F95-5764CDF4C06D}"/>
-          </ac:picMkLst>
-        </pc:picChg>
-        <pc:picChg chg="del">
-          <ac:chgData name="謝尚泓" userId="10a1449e-84f2-4b15-a3e3-ff9bf5a03ee1" providerId="ADAL" clId="{E1148309-F924-4E41-9662-EC98BC74992C}" dt="2021-06-18T13:59:38.271" v="0" actId="478"/>
-          <ac:picMkLst>
-            <pc:docMk/>
-            <pc:sldMk cId="3326525695" sldId="262"/>
-            <ac:picMk id="7" creationId="{F4DF5176-5971-4774-86DE-7B6E0C3820F8}"/>
-          </ac:picMkLst>
-        </pc:picChg>
-      </pc:sldChg>
-      <pc:sldChg chg="addSp delSp modSp mod">
-        <pc:chgData name="謝尚泓" userId="10a1449e-84f2-4b15-a3e3-ff9bf5a03ee1" providerId="ADAL" clId="{E1148309-F924-4E41-9662-EC98BC74992C}" dt="2021-06-18T14:00:55.691" v="21" actId="1076"/>
-        <pc:sldMkLst>
-          <pc:docMk/>
-          <pc:sldMk cId="3489292648" sldId="263"/>
-        </pc:sldMkLst>
-        <pc:picChg chg="add mod">
-          <ac:chgData name="謝尚泓" userId="10a1449e-84f2-4b15-a3e3-ff9bf5a03ee1" providerId="ADAL" clId="{E1148309-F924-4E41-9662-EC98BC74992C}" dt="2021-06-18T14:00:55.691" v="21" actId="1076"/>
-          <ac:picMkLst>
-            <pc:docMk/>
-            <pc:sldMk cId="3489292648" sldId="263"/>
-            <ac:picMk id="4" creationId="{4E4AE825-8596-4F58-8884-E2EF78E4C7B8}"/>
-          </ac:picMkLst>
-        </pc:picChg>
-        <pc:picChg chg="del">
-          <ac:chgData name="謝尚泓" userId="10a1449e-84f2-4b15-a3e3-ff9bf5a03ee1" providerId="ADAL" clId="{E1148309-F924-4E41-9662-EC98BC74992C}" dt="2021-06-18T14:00:32.225" v="12" actId="478"/>
-          <ac:picMkLst>
-            <pc:docMk/>
-            <pc:sldMk cId="3489292648" sldId="263"/>
-            <ac:picMk id="5" creationId="{61447875-22E5-4AB4-B94D-C736BB99F207}"/>
-          </ac:picMkLst>
-        </pc:picChg>
-      </pc:sldChg>
-      <pc:sldChg chg="addSp delSp modSp mod">
-        <pc:chgData name="謝尚泓" userId="10a1449e-84f2-4b15-a3e3-ff9bf5a03ee1" providerId="ADAL" clId="{E1148309-F924-4E41-9662-EC98BC74992C}" dt="2021-06-18T14:03:41.884" v="55" actId="14100"/>
-        <pc:sldMkLst>
-          <pc:docMk/>
-          <pc:sldMk cId="2554308271" sldId="264"/>
-        </pc:sldMkLst>
-        <pc:spChg chg="add mod">
-          <ac:chgData name="謝尚泓" userId="10a1449e-84f2-4b15-a3e3-ff9bf5a03ee1" providerId="ADAL" clId="{E1148309-F924-4E41-9662-EC98BC74992C}" dt="2021-06-18T14:03:35.570" v="54" actId="208"/>
-          <ac:spMkLst>
-            <pc:docMk/>
-            <pc:sldMk cId="2554308271" sldId="264"/>
-            <ac:spMk id="12" creationId="{F41B1304-BBD4-4A90-93AD-C01FA5E78C9C}"/>
-          </ac:spMkLst>
-        </pc:spChg>
-        <pc:picChg chg="add mod">
-          <ac:chgData name="謝尚泓" userId="10a1449e-84f2-4b15-a3e3-ff9bf5a03ee1" providerId="ADAL" clId="{E1148309-F924-4E41-9662-EC98BC74992C}" dt="2021-06-18T14:01:26.955" v="29" actId="1076"/>
-          <ac:picMkLst>
-            <pc:docMk/>
-            <pc:sldMk cId="2554308271" sldId="264"/>
-            <ac:picMk id="4" creationId="{D1290639-2DAA-4412-BA66-338E42AE6E88}"/>
-          </ac:picMkLst>
-        </pc:picChg>
-        <pc:picChg chg="del">
-          <ac:chgData name="謝尚泓" userId="10a1449e-84f2-4b15-a3e3-ff9bf5a03ee1" providerId="ADAL" clId="{E1148309-F924-4E41-9662-EC98BC74992C}" dt="2021-06-18T14:01:03.180" v="22" actId="478"/>
-          <ac:picMkLst>
-            <pc:docMk/>
-            <pc:sldMk cId="2554308271" sldId="264"/>
-            <ac:picMk id="5" creationId="{61447875-22E5-4AB4-B94D-C736BB99F207}"/>
-          </ac:picMkLst>
-        </pc:picChg>
-        <pc:picChg chg="add mod modCrop">
-          <ac:chgData name="謝尚泓" userId="10a1449e-84f2-4b15-a3e3-ff9bf5a03ee1" providerId="ADAL" clId="{E1148309-F924-4E41-9662-EC98BC74992C}" dt="2021-06-18T14:03:41.884" v="55" actId="14100"/>
-          <ac:picMkLst>
-            <pc:docMk/>
-            <pc:sldMk cId="2554308271" sldId="264"/>
-            <ac:picMk id="8" creationId="{D681BEFF-E3E3-4C5F-A801-67F15D2D7C4B}"/>
-          </ac:picMkLst>
-        </pc:picChg>
-        <pc:cxnChg chg="add mod">
-          <ac:chgData name="謝尚泓" userId="10a1449e-84f2-4b15-a3e3-ff9bf5a03ee1" providerId="ADAL" clId="{E1148309-F924-4E41-9662-EC98BC74992C}" dt="2021-06-18T14:02:53.639" v="46" actId="14100"/>
-          <ac:cxnSpMkLst>
-            <pc:docMk/>
-            <pc:sldMk cId="2554308271" sldId="264"/>
-            <ac:cxnSpMk id="10" creationId="{FE3D3141-1353-4A98-B65D-B4BABBA6F3EC}"/>
-          </ac:cxnSpMkLst>
-        </pc:cxnChg>
-      </pc:sldChg>
-    </pc:docChg>
-  </pc:docChgLst>
   <pc:docChgLst>
     <pc:chgData name="謝尚泓" userId="10a1449e-84f2-4b15-a3e3-ff9bf5a03ee1" providerId="ADAL" clId="{59D8694B-E68E-4256-A32C-06AA420CABDF}"/>
     <pc:docChg chg="addSld delSld modSld">
@@ -484,7 +385,559 @@
       </pc:sldChg>
     </pc:docChg>
   </pc:docChgLst>
+  <pc:docChgLst>
+    <pc:chgData name="謝尚泓" userId="10a1449e-84f2-4b15-a3e3-ff9bf5a03ee1" providerId="ADAL" clId="{E1148309-F924-4E41-9662-EC98BC74992C}"/>
+    <pc:docChg chg="custSel modSld">
+      <pc:chgData name="謝尚泓" userId="10a1449e-84f2-4b15-a3e3-ff9bf5a03ee1" providerId="ADAL" clId="{E1148309-F924-4E41-9662-EC98BC74992C}" dt="2021-06-18T14:03:41.884" v="55" actId="14100"/>
+      <pc:docMkLst>
+        <pc:docMk/>
+      </pc:docMkLst>
+      <pc:sldChg chg="addSp delSp modSp mod">
+        <pc:chgData name="謝尚泓" userId="10a1449e-84f2-4b15-a3e3-ff9bf5a03ee1" providerId="ADAL" clId="{E1148309-F924-4E41-9662-EC98BC74992C}" dt="2021-06-18T14:00:23.626" v="11" actId="1076"/>
+        <pc:sldMkLst>
+          <pc:docMk/>
+          <pc:sldMk cId="3326525695" sldId="262"/>
+        </pc:sldMkLst>
+        <pc:picChg chg="add mod">
+          <ac:chgData name="謝尚泓" userId="10a1449e-84f2-4b15-a3e3-ff9bf5a03ee1" providerId="ADAL" clId="{E1148309-F924-4E41-9662-EC98BC74992C}" dt="2021-06-18T14:00:23.626" v="11" actId="1076"/>
+          <ac:picMkLst>
+            <pc:docMk/>
+            <pc:sldMk cId="3326525695" sldId="262"/>
+            <ac:picMk id="4" creationId="{2A09B06C-AA8E-489A-9F95-5764CDF4C06D}"/>
+          </ac:picMkLst>
+        </pc:picChg>
+        <pc:picChg chg="del">
+          <ac:chgData name="謝尚泓" userId="10a1449e-84f2-4b15-a3e3-ff9bf5a03ee1" providerId="ADAL" clId="{E1148309-F924-4E41-9662-EC98BC74992C}" dt="2021-06-18T13:59:38.271" v="0" actId="478"/>
+          <ac:picMkLst>
+            <pc:docMk/>
+            <pc:sldMk cId="3326525695" sldId="262"/>
+            <ac:picMk id="7" creationId="{F4DF5176-5971-4774-86DE-7B6E0C3820F8}"/>
+          </ac:picMkLst>
+        </pc:picChg>
+      </pc:sldChg>
+      <pc:sldChg chg="addSp delSp modSp mod">
+        <pc:chgData name="謝尚泓" userId="10a1449e-84f2-4b15-a3e3-ff9bf5a03ee1" providerId="ADAL" clId="{E1148309-F924-4E41-9662-EC98BC74992C}" dt="2021-06-18T14:00:55.691" v="21" actId="1076"/>
+        <pc:sldMkLst>
+          <pc:docMk/>
+          <pc:sldMk cId="3489292648" sldId="263"/>
+        </pc:sldMkLst>
+        <pc:picChg chg="add mod">
+          <ac:chgData name="謝尚泓" userId="10a1449e-84f2-4b15-a3e3-ff9bf5a03ee1" providerId="ADAL" clId="{E1148309-F924-4E41-9662-EC98BC74992C}" dt="2021-06-18T14:00:55.691" v="21" actId="1076"/>
+          <ac:picMkLst>
+            <pc:docMk/>
+            <pc:sldMk cId="3489292648" sldId="263"/>
+            <ac:picMk id="4" creationId="{4E4AE825-8596-4F58-8884-E2EF78E4C7B8}"/>
+          </ac:picMkLst>
+        </pc:picChg>
+        <pc:picChg chg="del">
+          <ac:chgData name="謝尚泓" userId="10a1449e-84f2-4b15-a3e3-ff9bf5a03ee1" providerId="ADAL" clId="{E1148309-F924-4E41-9662-EC98BC74992C}" dt="2021-06-18T14:00:32.225" v="12" actId="478"/>
+          <ac:picMkLst>
+            <pc:docMk/>
+            <pc:sldMk cId="3489292648" sldId="263"/>
+            <ac:picMk id="5" creationId="{61447875-22E5-4AB4-B94D-C736BB99F207}"/>
+          </ac:picMkLst>
+        </pc:picChg>
+      </pc:sldChg>
+      <pc:sldChg chg="addSp delSp modSp mod">
+        <pc:chgData name="謝尚泓" userId="10a1449e-84f2-4b15-a3e3-ff9bf5a03ee1" providerId="ADAL" clId="{E1148309-F924-4E41-9662-EC98BC74992C}" dt="2021-06-18T14:03:41.884" v="55" actId="14100"/>
+        <pc:sldMkLst>
+          <pc:docMk/>
+          <pc:sldMk cId="2554308271" sldId="264"/>
+        </pc:sldMkLst>
+        <pc:spChg chg="add mod">
+          <ac:chgData name="謝尚泓" userId="10a1449e-84f2-4b15-a3e3-ff9bf5a03ee1" providerId="ADAL" clId="{E1148309-F924-4E41-9662-EC98BC74992C}" dt="2021-06-18T14:03:35.570" v="54" actId="208"/>
+          <ac:spMkLst>
+            <pc:docMk/>
+            <pc:sldMk cId="2554308271" sldId="264"/>
+            <ac:spMk id="12" creationId="{F41B1304-BBD4-4A90-93AD-C01FA5E78C9C}"/>
+          </ac:spMkLst>
+        </pc:spChg>
+        <pc:picChg chg="add mod">
+          <ac:chgData name="謝尚泓" userId="10a1449e-84f2-4b15-a3e3-ff9bf5a03ee1" providerId="ADAL" clId="{E1148309-F924-4E41-9662-EC98BC74992C}" dt="2021-06-18T14:01:26.955" v="29" actId="1076"/>
+          <ac:picMkLst>
+            <pc:docMk/>
+            <pc:sldMk cId="2554308271" sldId="264"/>
+            <ac:picMk id="4" creationId="{D1290639-2DAA-4412-BA66-338E42AE6E88}"/>
+          </ac:picMkLst>
+        </pc:picChg>
+        <pc:picChg chg="del">
+          <ac:chgData name="謝尚泓" userId="10a1449e-84f2-4b15-a3e3-ff9bf5a03ee1" providerId="ADAL" clId="{E1148309-F924-4E41-9662-EC98BC74992C}" dt="2021-06-18T14:01:03.180" v="22" actId="478"/>
+          <ac:picMkLst>
+            <pc:docMk/>
+            <pc:sldMk cId="2554308271" sldId="264"/>
+            <ac:picMk id="5" creationId="{61447875-22E5-4AB4-B94D-C736BB99F207}"/>
+          </ac:picMkLst>
+        </pc:picChg>
+        <pc:picChg chg="add mod modCrop">
+          <ac:chgData name="謝尚泓" userId="10a1449e-84f2-4b15-a3e3-ff9bf5a03ee1" providerId="ADAL" clId="{E1148309-F924-4E41-9662-EC98BC74992C}" dt="2021-06-18T14:03:41.884" v="55" actId="14100"/>
+          <ac:picMkLst>
+            <pc:docMk/>
+            <pc:sldMk cId="2554308271" sldId="264"/>
+            <ac:picMk id="8" creationId="{D681BEFF-E3E3-4C5F-A801-67F15D2D7C4B}"/>
+          </ac:picMkLst>
+        </pc:picChg>
+        <pc:cxnChg chg="add mod">
+          <ac:chgData name="謝尚泓" userId="10a1449e-84f2-4b15-a3e3-ff9bf5a03ee1" providerId="ADAL" clId="{E1148309-F924-4E41-9662-EC98BC74992C}" dt="2021-06-18T14:02:53.639" v="46" actId="14100"/>
+          <ac:cxnSpMkLst>
+            <pc:docMk/>
+            <pc:sldMk cId="2554308271" sldId="264"/>
+            <ac:cxnSpMk id="10" creationId="{FE3D3141-1353-4A98-B65D-B4BABBA6F3EC}"/>
+          </ac:cxnSpMkLst>
+        </pc:cxnChg>
+      </pc:sldChg>
+    </pc:docChg>
+  </pc:docChgLst>
 </pc:chgInfo>
+</file>
+
+<file path=ppt/notesMasters/notesMaster1.xml><?xml version="1.0" encoding="utf-8"?>
+<p:notesMaster xmlns:a="http://schemas.openxmlformats.org/drawingml/2006/main" xmlns:r="http://schemas.openxmlformats.org/officeDocument/2006/relationships" xmlns:p="http://schemas.openxmlformats.org/presentationml/2006/main">
+  <p:cSld>
+    <p:bg>
+      <p:bgRef idx="1001">
+        <a:schemeClr val="bg1"/>
+      </p:bgRef>
+    </p:bg>
+    <p:spTree>
+      <p:nvGrpSpPr>
+        <p:cNvPr id="1" name=""/>
+        <p:cNvGrpSpPr/>
+        <p:nvPr/>
+      </p:nvGrpSpPr>
+      <p:grpSpPr>
+        <a:xfrm>
+          <a:off x="0" y="0"/>
+          <a:ext cx="0" cy="0"/>
+          <a:chOff x="0" y="0"/>
+          <a:chExt cx="0" cy="0"/>
+        </a:xfrm>
+      </p:grpSpPr>
+      <p:sp>
+        <p:nvSpPr>
+          <p:cNvPr id="2" name="頁首版面配置區 1"/>
+          <p:cNvSpPr>
+            <a:spLocks noGrp="1"/>
+          </p:cNvSpPr>
+          <p:nvPr>
+            <p:ph type="hdr" sz="quarter"/>
+          </p:nvPr>
+        </p:nvSpPr>
+        <p:spPr>
+          <a:xfrm>
+            <a:off x="0" y="0"/>
+            <a:ext cx="2971800" cy="458788"/>
+          </a:xfrm>
+          <a:prstGeom prst="rect">
+            <a:avLst/>
+          </a:prstGeom>
+        </p:spPr>
+        <p:txBody>
+          <a:bodyPr vert="horz" lIns="91440" tIns="45720" rIns="91440" bIns="45720" rtlCol="0"/>
+          <a:lstStyle>
+            <a:lvl1pPr algn="l">
+              <a:defRPr sz="1200"/>
+            </a:lvl1pPr>
+          </a:lstStyle>
+          <a:p>
+            <a:endParaRPr lang="zh-TW" altLang="en-US"/>
+          </a:p>
+        </p:txBody>
+      </p:sp>
+      <p:sp>
+        <p:nvSpPr>
+          <p:cNvPr id="3" name="日期版面配置區 2"/>
+          <p:cNvSpPr>
+            <a:spLocks noGrp="1"/>
+          </p:cNvSpPr>
+          <p:nvPr>
+            <p:ph type="dt" idx="1"/>
+          </p:nvPr>
+        </p:nvSpPr>
+        <p:spPr>
+          <a:xfrm>
+            <a:off x="3884613" y="0"/>
+            <a:ext cx="2971800" cy="458788"/>
+          </a:xfrm>
+          <a:prstGeom prst="rect">
+            <a:avLst/>
+          </a:prstGeom>
+        </p:spPr>
+        <p:txBody>
+          <a:bodyPr vert="horz" lIns="91440" tIns="45720" rIns="91440" bIns="45720" rtlCol="0"/>
+          <a:lstStyle>
+            <a:lvl1pPr algn="r">
+              <a:defRPr sz="1200"/>
+            </a:lvl1pPr>
+          </a:lstStyle>
+          <a:p>
+            <a:fld id="{87D1BF43-CD60-4BB6-A88B-E90A78BF9EDB}" type="datetimeFigureOut">
+              <a:rPr lang="zh-TW" altLang="en-US" smtClean="0"/>
+              <a:t>2021/6/19</a:t>
+            </a:fld>
+            <a:endParaRPr lang="zh-TW" altLang="en-US"/>
+          </a:p>
+        </p:txBody>
+      </p:sp>
+      <p:sp>
+        <p:nvSpPr>
+          <p:cNvPr id="4" name="投影片影像版面配置區 3"/>
+          <p:cNvSpPr>
+            <a:spLocks noGrp="1" noRot="1" noChangeAspect="1"/>
+          </p:cNvSpPr>
+          <p:nvPr>
+            <p:ph type="sldImg" idx="2"/>
+          </p:nvPr>
+        </p:nvSpPr>
+        <p:spPr>
+          <a:xfrm>
+            <a:off x="685800" y="1143000"/>
+            <a:ext cx="5486400" cy="3086100"/>
+          </a:xfrm>
+          <a:prstGeom prst="rect">
+            <a:avLst/>
+          </a:prstGeom>
+          <a:noFill/>
+          <a:ln w="12700">
+            <a:solidFill>
+              <a:prstClr val="black"/>
+            </a:solidFill>
+          </a:ln>
+        </p:spPr>
+        <p:txBody>
+          <a:bodyPr vert="horz" lIns="91440" tIns="45720" rIns="91440" bIns="45720" rtlCol="0" anchor="ctr"/>
+          <a:lstStyle/>
+          <a:p>
+            <a:endParaRPr lang="zh-TW" altLang="en-US"/>
+          </a:p>
+        </p:txBody>
+      </p:sp>
+      <p:sp>
+        <p:nvSpPr>
+          <p:cNvPr id="5" name="備忘稿版面配置區 4"/>
+          <p:cNvSpPr>
+            <a:spLocks noGrp="1"/>
+          </p:cNvSpPr>
+          <p:nvPr>
+            <p:ph type="body" sz="quarter" idx="3"/>
+          </p:nvPr>
+        </p:nvSpPr>
+        <p:spPr>
+          <a:xfrm>
+            <a:off x="685800" y="4400550"/>
+            <a:ext cx="5486400" cy="3600450"/>
+          </a:xfrm>
+          <a:prstGeom prst="rect">
+            <a:avLst/>
+          </a:prstGeom>
+        </p:spPr>
+        <p:txBody>
+          <a:bodyPr vert="horz" lIns="91440" tIns="45720" rIns="91440" bIns="45720" rtlCol="0"/>
+          <a:lstStyle/>
+          <a:p>
+            <a:pPr lvl="0"/>
+            <a:r>
+              <a:rPr lang="zh-TW" altLang="en-US"/>
+              <a:t>按一下以編輯母片文字樣式</a:t>
+            </a:r>
+          </a:p>
+          <a:p>
+            <a:pPr lvl="1"/>
+            <a:r>
+              <a:rPr lang="zh-TW" altLang="en-US"/>
+              <a:t>第二層</a:t>
+            </a:r>
+          </a:p>
+          <a:p>
+            <a:pPr lvl="2"/>
+            <a:r>
+              <a:rPr lang="zh-TW" altLang="en-US"/>
+              <a:t>第三層</a:t>
+            </a:r>
+          </a:p>
+          <a:p>
+            <a:pPr lvl="3"/>
+            <a:r>
+              <a:rPr lang="zh-TW" altLang="en-US"/>
+              <a:t>第四層</a:t>
+            </a:r>
+          </a:p>
+          <a:p>
+            <a:pPr lvl="4"/>
+            <a:r>
+              <a:rPr lang="zh-TW" altLang="en-US"/>
+              <a:t>第五層</a:t>
+            </a:r>
+          </a:p>
+        </p:txBody>
+      </p:sp>
+      <p:sp>
+        <p:nvSpPr>
+          <p:cNvPr id="6" name="頁尾版面配置區 5"/>
+          <p:cNvSpPr>
+            <a:spLocks noGrp="1"/>
+          </p:cNvSpPr>
+          <p:nvPr>
+            <p:ph type="ftr" sz="quarter" idx="4"/>
+          </p:nvPr>
+        </p:nvSpPr>
+        <p:spPr>
+          <a:xfrm>
+            <a:off x="0" y="8685213"/>
+            <a:ext cx="2971800" cy="458787"/>
+          </a:xfrm>
+          <a:prstGeom prst="rect">
+            <a:avLst/>
+          </a:prstGeom>
+        </p:spPr>
+        <p:txBody>
+          <a:bodyPr vert="horz" lIns="91440" tIns="45720" rIns="91440" bIns="45720" rtlCol="0" anchor="b"/>
+          <a:lstStyle>
+            <a:lvl1pPr algn="l">
+              <a:defRPr sz="1200"/>
+            </a:lvl1pPr>
+          </a:lstStyle>
+          <a:p>
+            <a:endParaRPr lang="zh-TW" altLang="en-US"/>
+          </a:p>
+        </p:txBody>
+      </p:sp>
+      <p:sp>
+        <p:nvSpPr>
+          <p:cNvPr id="7" name="投影片編號版面配置區 6"/>
+          <p:cNvSpPr>
+            <a:spLocks noGrp="1"/>
+          </p:cNvSpPr>
+          <p:nvPr>
+            <p:ph type="sldNum" sz="quarter" idx="5"/>
+          </p:nvPr>
+        </p:nvSpPr>
+        <p:spPr>
+          <a:xfrm>
+            <a:off x="3884613" y="8685213"/>
+            <a:ext cx="2971800" cy="458787"/>
+          </a:xfrm>
+          <a:prstGeom prst="rect">
+            <a:avLst/>
+          </a:prstGeom>
+        </p:spPr>
+        <p:txBody>
+          <a:bodyPr vert="horz" lIns="91440" tIns="45720" rIns="91440" bIns="45720" rtlCol="0" anchor="b"/>
+          <a:lstStyle>
+            <a:lvl1pPr algn="r">
+              <a:defRPr sz="1200"/>
+            </a:lvl1pPr>
+          </a:lstStyle>
+          <a:p>
+            <a:fld id="{BF575BD5-432F-4E72-8F68-035A95A754E3}" type="slidenum">
+              <a:rPr lang="zh-TW" altLang="en-US" smtClean="0"/>
+              <a:t>‹#›</a:t>
+            </a:fld>
+            <a:endParaRPr lang="zh-TW" altLang="en-US"/>
+          </a:p>
+        </p:txBody>
+      </p:sp>
+    </p:spTree>
+    <p:extLst>
+      <p:ext uri="{BB962C8B-B14F-4D97-AF65-F5344CB8AC3E}">
+        <p14:creationId xmlns:p14="http://schemas.microsoft.com/office/powerpoint/2010/main" val="4280449680"/>
+      </p:ext>
+    </p:extLst>
+  </p:cSld>
+  <p:clrMap bg1="lt1" tx1="dk1" bg2="lt2" tx2="dk2" accent1="accent1" accent2="accent2" accent3="accent3" accent4="accent4" accent5="accent5" accent6="accent6" hlink="hlink" folHlink="folHlink"/>
+  <p:notesStyle>
+    <a:lvl1pPr marL="0" algn="l" defTabSz="914400" rtl="0" eaLnBrk="1" latinLnBrk="0" hangingPunct="1">
+      <a:defRPr sz="1200" kern="1200">
+        <a:solidFill>
+          <a:schemeClr val="tx1"/>
+        </a:solidFill>
+        <a:latin typeface="+mn-lt"/>
+        <a:ea typeface="+mn-ea"/>
+        <a:cs typeface="+mn-cs"/>
+      </a:defRPr>
+    </a:lvl1pPr>
+    <a:lvl2pPr marL="457200" algn="l" defTabSz="914400" rtl="0" eaLnBrk="1" latinLnBrk="0" hangingPunct="1">
+      <a:defRPr sz="1200" kern="1200">
+        <a:solidFill>
+          <a:schemeClr val="tx1"/>
+        </a:solidFill>
+        <a:latin typeface="+mn-lt"/>
+        <a:ea typeface="+mn-ea"/>
+        <a:cs typeface="+mn-cs"/>
+      </a:defRPr>
+    </a:lvl2pPr>
+    <a:lvl3pPr marL="914400" algn="l" defTabSz="914400" rtl="0" eaLnBrk="1" latinLnBrk="0" hangingPunct="1">
+      <a:defRPr sz="1200" kern="1200">
+        <a:solidFill>
+          <a:schemeClr val="tx1"/>
+        </a:solidFill>
+        <a:latin typeface="+mn-lt"/>
+        <a:ea typeface="+mn-ea"/>
+        <a:cs typeface="+mn-cs"/>
+      </a:defRPr>
+    </a:lvl3pPr>
+    <a:lvl4pPr marL="1371600" algn="l" defTabSz="914400" rtl="0" eaLnBrk="1" latinLnBrk="0" hangingPunct="1">
+      <a:defRPr sz="1200" kern="1200">
+        <a:solidFill>
+          <a:schemeClr val="tx1"/>
+        </a:solidFill>
+        <a:latin typeface="+mn-lt"/>
+        <a:ea typeface="+mn-ea"/>
+        <a:cs typeface="+mn-cs"/>
+      </a:defRPr>
+    </a:lvl4pPr>
+    <a:lvl5pPr marL="1828800" algn="l" defTabSz="914400" rtl="0" eaLnBrk="1" latinLnBrk="0" hangingPunct="1">
+      <a:defRPr sz="1200" kern="1200">
+        <a:solidFill>
+          <a:schemeClr val="tx1"/>
+        </a:solidFill>
+        <a:latin typeface="+mn-lt"/>
+        <a:ea typeface="+mn-ea"/>
+        <a:cs typeface="+mn-cs"/>
+      </a:defRPr>
+    </a:lvl5pPr>
+    <a:lvl6pPr marL="2286000" algn="l" defTabSz="914400" rtl="0" eaLnBrk="1" latinLnBrk="0" hangingPunct="1">
+      <a:defRPr sz="1200" kern="1200">
+        <a:solidFill>
+          <a:schemeClr val="tx1"/>
+        </a:solidFill>
+        <a:latin typeface="+mn-lt"/>
+        <a:ea typeface="+mn-ea"/>
+        <a:cs typeface="+mn-cs"/>
+      </a:defRPr>
+    </a:lvl6pPr>
+    <a:lvl7pPr marL="2743200" algn="l" defTabSz="914400" rtl="0" eaLnBrk="1" latinLnBrk="0" hangingPunct="1">
+      <a:defRPr sz="1200" kern="1200">
+        <a:solidFill>
+          <a:schemeClr val="tx1"/>
+        </a:solidFill>
+        <a:latin typeface="+mn-lt"/>
+        <a:ea typeface="+mn-ea"/>
+        <a:cs typeface="+mn-cs"/>
+      </a:defRPr>
+    </a:lvl7pPr>
+    <a:lvl8pPr marL="3200400" algn="l" defTabSz="914400" rtl="0" eaLnBrk="1" latinLnBrk="0" hangingPunct="1">
+      <a:defRPr sz="1200" kern="1200">
+        <a:solidFill>
+          <a:schemeClr val="tx1"/>
+        </a:solidFill>
+        <a:latin typeface="+mn-lt"/>
+        <a:ea typeface="+mn-ea"/>
+        <a:cs typeface="+mn-cs"/>
+      </a:defRPr>
+    </a:lvl8pPr>
+    <a:lvl9pPr marL="3657600" algn="l" defTabSz="914400" rtl="0" eaLnBrk="1" latinLnBrk="0" hangingPunct="1">
+      <a:defRPr sz="1200" kern="1200">
+        <a:solidFill>
+          <a:schemeClr val="tx1"/>
+        </a:solidFill>
+        <a:latin typeface="+mn-lt"/>
+        <a:ea typeface="+mn-ea"/>
+        <a:cs typeface="+mn-cs"/>
+      </a:defRPr>
+    </a:lvl9pPr>
+  </p:notesStyle>
+</p:notesMaster>
+</file>
+
+<file path=ppt/notesSlides/notesSlide1.xml><?xml version="1.0" encoding="utf-8"?>
+<p:notes xmlns:a="http://schemas.openxmlformats.org/drawingml/2006/main" xmlns:r="http://schemas.openxmlformats.org/officeDocument/2006/relationships" xmlns:p="http://schemas.openxmlformats.org/presentationml/2006/main">
+  <p:cSld>
+    <p:spTree>
+      <p:nvGrpSpPr>
+        <p:cNvPr id="1" name=""/>
+        <p:cNvGrpSpPr/>
+        <p:nvPr/>
+      </p:nvGrpSpPr>
+      <p:grpSpPr>
+        <a:xfrm>
+          <a:off x="0" y="0"/>
+          <a:ext cx="0" cy="0"/>
+          <a:chOff x="0" y="0"/>
+          <a:chExt cx="0" cy="0"/>
+        </a:xfrm>
+      </p:grpSpPr>
+      <p:sp>
+        <p:nvSpPr>
+          <p:cNvPr id="2" name="投影片影像版面配置區 1"/>
+          <p:cNvSpPr>
+            <a:spLocks noGrp="1" noRot="1" noChangeAspect="1"/>
+          </p:cNvSpPr>
+          <p:nvPr>
+            <p:ph type="sldImg"/>
+          </p:nvPr>
+        </p:nvSpPr>
+        <p:spPr/>
+      </p:sp>
+      <p:sp>
+        <p:nvSpPr>
+          <p:cNvPr id="3" name="備忘稿版面配置區 2"/>
+          <p:cNvSpPr>
+            <a:spLocks noGrp="1"/>
+          </p:cNvSpPr>
+          <p:nvPr>
+            <p:ph type="body" idx="1"/>
+          </p:nvPr>
+        </p:nvSpPr>
+        <p:spPr/>
+        <p:txBody>
+          <a:bodyPr/>
+          <a:lstStyle/>
+          <a:p>
+            <a:r>
+              <a:rPr lang="zh-TW" altLang="en-US" dirty="0"/>
+              <a:t>資訊太多</a:t>
+            </a:r>
+            <a:endParaRPr lang="en-US" altLang="zh-TW" dirty="0"/>
+          </a:p>
+          <a:p>
+            <a:r>
+              <a:rPr lang="zh-TW" altLang="en-US" dirty="0"/>
+              <a:t>使用者觀看</a:t>
+            </a:r>
+            <a:endParaRPr lang="en-US" altLang="zh-TW" dirty="0"/>
+          </a:p>
+          <a:p>
+            <a:r>
+              <a:rPr lang="zh-TW" altLang="en-US" dirty="0"/>
+              <a:t>片商</a:t>
+            </a:r>
+          </a:p>
+        </p:txBody>
+      </p:sp>
+      <p:sp>
+        <p:nvSpPr>
+          <p:cNvPr id="4" name="投影片編號版面配置區 3"/>
+          <p:cNvSpPr>
+            <a:spLocks noGrp="1"/>
+          </p:cNvSpPr>
+          <p:nvPr>
+            <p:ph type="sldNum" sz="quarter" idx="5"/>
+          </p:nvPr>
+        </p:nvSpPr>
+        <p:spPr/>
+        <p:txBody>
+          <a:bodyPr/>
+          <a:lstStyle/>
+          <a:p>
+            <a:fld id="{BF575BD5-432F-4E72-8F68-035A95A754E3}" type="slidenum">
+              <a:rPr lang="zh-TW" altLang="en-US" smtClean="0"/>
+              <a:t>2</a:t>
+            </a:fld>
+            <a:endParaRPr lang="zh-TW" altLang="en-US"/>
+          </a:p>
+        </p:txBody>
+      </p:sp>
+    </p:spTree>
+    <p:extLst>
+      <p:ext uri="{BB962C8B-B14F-4D97-AF65-F5344CB8AC3E}">
+        <p14:creationId xmlns:p14="http://schemas.microsoft.com/office/powerpoint/2010/main" val="3055331390"/>
+      </p:ext>
+    </p:extLst>
+  </p:cSld>
+  <p:clrMapOvr>
+    <a:masterClrMapping/>
+  </p:clrMapOvr>
+</p:notes>
 </file>
 
 <file path=ppt/slideLayouts/slideLayout1.xml><?xml version="1.0" encoding="utf-8"?>
@@ -3464,8 +3917,8 @@
         </p:nvSpPr>
         <p:spPr>
           <a:xfrm>
-            <a:off x="400849" y="446806"/>
-            <a:ext cx="11390302" cy="1012343"/>
+            <a:off x="1026434" y="953651"/>
+            <a:ext cx="10607462" cy="958789"/>
           </a:xfrm>
         </p:spPr>
         <p:txBody>
@@ -3476,7 +3929,7 @@
           <a:p>
             <a:pPr algn="l"/>
             <a:r>
-              <a:rPr lang="en-US" altLang="zh-TW" sz="6600" dirty="0">
+              <a:rPr lang="en-US" altLang="zh-TW" dirty="0">
                 <a:solidFill>
                   <a:schemeClr val="tx2"/>
                 </a:solidFill>
@@ -3485,7 +3938,7 @@
               </a:rPr>
               <a:t>Movie Recommender System</a:t>
             </a:r>
-            <a:endParaRPr lang="zh-TW" altLang="en-US" sz="6600" dirty="0">
+            <a:endParaRPr lang="zh-TW" altLang="en-US" dirty="0">
               <a:solidFill>
                 <a:schemeClr val="tx2"/>
               </a:solidFill>
@@ -6558,8 +7011,8 @@
         </p:nvSpPr>
         <p:spPr>
           <a:xfrm>
-            <a:off x="3535880" y="1470582"/>
-            <a:ext cx="5438437" cy="2959799"/>
+            <a:off x="3198529" y="1807933"/>
+            <a:ext cx="6123025" cy="2959799"/>
           </a:xfrm>
           <a:prstGeom prst="rect">
             <a:avLst/>
@@ -6623,8 +7076,8 @@
         </p:nvSpPr>
         <p:spPr>
           <a:xfrm>
-            <a:off x="3622292" y="1470582"/>
-            <a:ext cx="5438437" cy="2959799"/>
+            <a:off x="3284941" y="1807933"/>
+            <a:ext cx="6640294" cy="2959799"/>
           </a:xfrm>
           <a:prstGeom prst="rect">
             <a:avLst/>
@@ -10688,4 +11141,299 @@
     </a:ext>
   </a:extLst>
 </a:theme>
+</file>
+
+<file path=ppt/theme/theme2.xml><?xml version="1.0" encoding="utf-8"?>
+<a:theme xmlns:a="http://schemas.openxmlformats.org/drawingml/2006/main" name="Office 佈景主題">
+  <a:themeElements>
+    <a:clrScheme name="Office">
+      <a:dk1>
+        <a:sysClr val="windowText" lastClr="000000"/>
+      </a:dk1>
+      <a:lt1>
+        <a:sysClr val="window" lastClr="FFFFFF"/>
+      </a:lt1>
+      <a:dk2>
+        <a:srgbClr val="44546A"/>
+      </a:dk2>
+      <a:lt2>
+        <a:srgbClr val="E7E6E6"/>
+      </a:lt2>
+      <a:accent1>
+        <a:srgbClr val="4472C4"/>
+      </a:accent1>
+      <a:accent2>
+        <a:srgbClr val="ED7D31"/>
+      </a:accent2>
+      <a:accent3>
+        <a:srgbClr val="A5A5A5"/>
+      </a:accent3>
+      <a:accent4>
+        <a:srgbClr val="FFC000"/>
+      </a:accent4>
+      <a:accent5>
+        <a:srgbClr val="5B9BD5"/>
+      </a:accent5>
+      <a:accent6>
+        <a:srgbClr val="70AD47"/>
+      </a:accent6>
+      <a:hlink>
+        <a:srgbClr val="0563C1"/>
+      </a:hlink>
+      <a:folHlink>
+        <a:srgbClr val="954F72"/>
+      </a:folHlink>
+    </a:clrScheme>
+    <a:fontScheme name="Office">
+      <a:majorFont>
+        <a:latin typeface="Calibri Light" panose="020F0302020204030204"/>
+        <a:ea typeface=""/>
+        <a:cs typeface=""/>
+        <a:font script="Jpan" typeface="游ゴシック Light"/>
+        <a:font script="Hang" typeface="맑은 고딕"/>
+        <a:font script="Hans" typeface="等线 Light"/>
+        <a:font script="Hant" typeface="新細明體"/>
+        <a:font script="Arab" typeface="Times New Roman"/>
+        <a:font script="Hebr" typeface="Times New Roman"/>
+        <a:font script="Thai" typeface="Angsana New"/>
+        <a:font script="Ethi" typeface="Nyala"/>
+        <a:font script="Beng" typeface="Vrinda"/>
+        <a:font script="Gujr" typeface="Shruti"/>
+        <a:font script="Khmr" typeface="MoolBoran"/>
+        <a:font script="Knda" typeface="Tunga"/>
+        <a:font script="Guru" typeface="Raavi"/>
+        <a:font script="Cans" typeface="Euphemia"/>
+        <a:font script="Cher" typeface="Plantagenet Cherokee"/>
+        <a:font script="Yiii" typeface="Microsoft Yi Baiti"/>
+        <a:font script="Tibt" typeface="Microsoft Himalaya"/>
+        <a:font script="Thaa" typeface="MV Boli"/>
+        <a:font script="Deva" typeface="Mangal"/>
+        <a:font script="Telu" typeface="Gautami"/>
+        <a:font script="Taml" typeface="Latha"/>
+        <a:font script="Syrc" typeface="Estrangelo Edessa"/>
+        <a:font script="Orya" typeface="Kalinga"/>
+        <a:font script="Mlym" typeface="Kartika"/>
+        <a:font script="Laoo" typeface="DokChampa"/>
+        <a:font script="Sinh" typeface="Iskoola Pota"/>
+        <a:font script="Mong" typeface="Mongolian Baiti"/>
+        <a:font script="Viet" typeface="Times New Roman"/>
+        <a:font script="Uigh" typeface="Microsoft Uighur"/>
+        <a:font script="Geor" typeface="Sylfaen"/>
+        <a:font script="Armn" typeface="Arial"/>
+        <a:font script="Bugi" typeface="Leelawadee UI"/>
+        <a:font script="Bopo" typeface="Microsoft JhengHei"/>
+        <a:font script="Java" typeface="Javanese Text"/>
+        <a:font script="Lisu" typeface="Segoe UI"/>
+        <a:font script="Mymr" typeface="Myanmar Text"/>
+        <a:font script="Nkoo" typeface="Ebrima"/>
+        <a:font script="Olck" typeface="Nirmala UI"/>
+        <a:font script="Osma" typeface="Ebrima"/>
+        <a:font script="Phag" typeface="Phagspa"/>
+        <a:font script="Syrn" typeface="Estrangelo Edessa"/>
+        <a:font script="Syrj" typeface="Estrangelo Edessa"/>
+        <a:font script="Syre" typeface="Estrangelo Edessa"/>
+        <a:font script="Sora" typeface="Nirmala UI"/>
+        <a:font script="Tale" typeface="Microsoft Tai Le"/>
+        <a:font script="Talu" typeface="Microsoft New Tai Lue"/>
+        <a:font script="Tfng" typeface="Ebrima"/>
+      </a:majorFont>
+      <a:minorFont>
+        <a:latin typeface="Calibri" panose="020F0502020204030204"/>
+        <a:ea typeface=""/>
+        <a:cs typeface=""/>
+        <a:font script="Jpan" typeface="游ゴシック"/>
+        <a:font script="Hang" typeface="맑은 고딕"/>
+        <a:font script="Hans" typeface="等线"/>
+        <a:font script="Hant" typeface="新細明體"/>
+        <a:font script="Arab" typeface="Arial"/>
+        <a:font script="Hebr" typeface="Arial"/>
+        <a:font script="Thai" typeface="Cordia New"/>
+        <a:font script="Ethi" typeface="Nyala"/>
+        <a:font script="Beng" typeface="Vrinda"/>
+        <a:font script="Gujr" typeface="Shruti"/>
+        <a:font script="Khmr" typeface="DaunPenh"/>
+        <a:font script="Knda" typeface="Tunga"/>
+        <a:font script="Guru" typeface="Raavi"/>
+        <a:font script="Cans" typeface="Euphemia"/>
+        <a:font script="Cher" typeface="Plantagenet Cherokee"/>
+        <a:font script="Yiii" typeface="Microsoft Yi Baiti"/>
+        <a:font script="Tibt" typeface="Microsoft Himalaya"/>
+        <a:font script="Thaa" typeface="MV Boli"/>
+        <a:font script="Deva" typeface="Mangal"/>
+        <a:font script="Telu" typeface="Gautami"/>
+        <a:font script="Taml" typeface="Latha"/>
+        <a:font script="Syrc" typeface="Estrangelo Edessa"/>
+        <a:font script="Orya" typeface="Kalinga"/>
+        <a:font script="Mlym" typeface="Kartika"/>
+        <a:font script="Laoo" typeface="DokChampa"/>
+        <a:font script="Sinh" typeface="Iskoola Pota"/>
+        <a:font script="Mong" typeface="Mongolian Baiti"/>
+        <a:font script="Viet" typeface="Arial"/>
+        <a:font script="Uigh" typeface="Microsoft Uighur"/>
+        <a:font script="Geor" typeface="Sylfaen"/>
+        <a:font script="Armn" typeface="Arial"/>
+        <a:font script="Bugi" typeface="Leelawadee UI"/>
+        <a:font script="Bopo" typeface="Microsoft JhengHei"/>
+        <a:font script="Java" typeface="Javanese Text"/>
+        <a:font script="Lisu" typeface="Segoe UI"/>
+        <a:font script="Mymr" typeface="Myanmar Text"/>
+        <a:font script="Nkoo" typeface="Ebrima"/>
+        <a:font script="Olck" typeface="Nirmala UI"/>
+        <a:font script="Osma" typeface="Ebrima"/>
+        <a:font script="Phag" typeface="Phagspa"/>
+        <a:font script="Syrn" typeface="Estrangelo Edessa"/>
+        <a:font script="Syrj" typeface="Estrangelo Edessa"/>
+        <a:font script="Syre" typeface="Estrangelo Edessa"/>
+        <a:font script="Sora" typeface="Nirmala UI"/>
+        <a:font script="Tale" typeface="Microsoft Tai Le"/>
+        <a:font script="Talu" typeface="Microsoft New Tai Lue"/>
+        <a:font script="Tfng" typeface="Ebrima"/>
+      </a:minorFont>
+    </a:fontScheme>
+    <a:fmtScheme name="Office">
+      <a:fillStyleLst>
+        <a:solidFill>
+          <a:schemeClr val="phClr"/>
+        </a:solidFill>
+        <a:gradFill rotWithShape="1">
+          <a:gsLst>
+            <a:gs pos="0">
+              <a:schemeClr val="phClr">
+                <a:lumMod val="110000"/>
+                <a:satMod val="105000"/>
+                <a:tint val="67000"/>
+              </a:schemeClr>
+            </a:gs>
+            <a:gs pos="50000">
+              <a:schemeClr val="phClr">
+                <a:lumMod val="105000"/>
+                <a:satMod val="103000"/>
+                <a:tint val="73000"/>
+              </a:schemeClr>
+            </a:gs>
+            <a:gs pos="100000">
+              <a:schemeClr val="phClr">
+                <a:lumMod val="105000"/>
+                <a:satMod val="109000"/>
+                <a:tint val="81000"/>
+              </a:schemeClr>
+            </a:gs>
+          </a:gsLst>
+          <a:lin ang="5400000" scaled="0"/>
+        </a:gradFill>
+        <a:gradFill rotWithShape="1">
+          <a:gsLst>
+            <a:gs pos="0">
+              <a:schemeClr val="phClr">
+                <a:satMod val="103000"/>
+                <a:lumMod val="102000"/>
+                <a:tint val="94000"/>
+              </a:schemeClr>
+            </a:gs>
+            <a:gs pos="50000">
+              <a:schemeClr val="phClr">
+                <a:satMod val="110000"/>
+                <a:lumMod val="100000"/>
+                <a:shade val="100000"/>
+              </a:schemeClr>
+            </a:gs>
+            <a:gs pos="100000">
+              <a:schemeClr val="phClr">
+                <a:lumMod val="99000"/>
+                <a:satMod val="120000"/>
+                <a:shade val="78000"/>
+              </a:schemeClr>
+            </a:gs>
+          </a:gsLst>
+          <a:lin ang="5400000" scaled="0"/>
+        </a:gradFill>
+      </a:fillStyleLst>
+      <a:lnStyleLst>
+        <a:ln w="6350" cap="flat" cmpd="sng" algn="ctr">
+          <a:solidFill>
+            <a:schemeClr val="phClr"/>
+          </a:solidFill>
+          <a:prstDash val="solid"/>
+          <a:miter lim="800000"/>
+        </a:ln>
+        <a:ln w="12700" cap="flat" cmpd="sng" algn="ctr">
+          <a:solidFill>
+            <a:schemeClr val="phClr"/>
+          </a:solidFill>
+          <a:prstDash val="solid"/>
+          <a:miter lim="800000"/>
+        </a:ln>
+        <a:ln w="19050" cap="flat" cmpd="sng" algn="ctr">
+          <a:solidFill>
+            <a:schemeClr val="phClr"/>
+          </a:solidFill>
+          <a:prstDash val="solid"/>
+          <a:miter lim="800000"/>
+        </a:ln>
+      </a:lnStyleLst>
+      <a:effectStyleLst>
+        <a:effectStyle>
+          <a:effectLst/>
+        </a:effectStyle>
+        <a:effectStyle>
+          <a:effectLst/>
+        </a:effectStyle>
+        <a:effectStyle>
+          <a:effectLst>
+            <a:outerShdw blurRad="57150" dist="19050" dir="5400000" algn="ctr" rotWithShape="0">
+              <a:srgbClr val="000000">
+                <a:alpha val="63000"/>
+              </a:srgbClr>
+            </a:outerShdw>
+          </a:effectLst>
+        </a:effectStyle>
+      </a:effectStyleLst>
+      <a:bgFillStyleLst>
+        <a:solidFill>
+          <a:schemeClr val="phClr"/>
+        </a:solidFill>
+        <a:solidFill>
+          <a:schemeClr val="phClr">
+            <a:tint val="95000"/>
+            <a:satMod val="170000"/>
+          </a:schemeClr>
+        </a:solidFill>
+        <a:gradFill rotWithShape="1">
+          <a:gsLst>
+            <a:gs pos="0">
+              <a:schemeClr val="phClr">
+                <a:tint val="93000"/>
+                <a:satMod val="150000"/>
+                <a:shade val="98000"/>
+                <a:lumMod val="102000"/>
+              </a:schemeClr>
+            </a:gs>
+            <a:gs pos="50000">
+              <a:schemeClr val="phClr">
+                <a:tint val="98000"/>
+                <a:satMod val="130000"/>
+                <a:shade val="90000"/>
+                <a:lumMod val="103000"/>
+              </a:schemeClr>
+            </a:gs>
+            <a:gs pos="100000">
+              <a:schemeClr val="phClr">
+                <a:shade val="63000"/>
+                <a:satMod val="120000"/>
+              </a:schemeClr>
+            </a:gs>
+          </a:gsLst>
+          <a:lin ang="5400000" scaled="0"/>
+        </a:gradFill>
+      </a:bgFillStyleLst>
+    </a:fmtScheme>
+  </a:themeElements>
+  <a:objectDefaults/>
+  <a:extraClrSchemeLst/>
+  <a:extLst>
+    <a:ext uri="{05A4C25C-085E-4340-85A3-A5531E510DB2}">
+      <thm15:themeFamily xmlns:thm15="http://schemas.microsoft.com/office/thememl/2012/main" name="Office Theme" id="{62F939B6-93AF-4DB8-9C6B-D6C7DFDC589F}" vid="{4A3C46E8-61CC-4603-A589-7422A47A8E4A}"/>
+    </a:ext>
+  </a:extLst>
+</a:theme>
 </file>
--- a/報告資料/期末報告Python_Movie_RecommerSystem.pptx
+++ b/報告資料/期末報告Python_Movie_RecommerSystem.pptx
@@ -5,7 +5,7 @@
     <p:sldMasterId id="2147483925" r:id="rId1"/>
   </p:sldMasterIdLst>
   <p:notesMasterIdLst>
-    <p:notesMasterId r:id="rId19"/>
+    <p:notesMasterId r:id="rId20"/>
   </p:notesMasterIdLst>
   <p:sldIdLst>
     <p:sldId id="256" r:id="rId2"/>
@@ -25,6 +25,7 @@
     <p:sldId id="266" r:id="rId16"/>
     <p:sldId id="265" r:id="rId17"/>
     <p:sldId id="267" r:id="rId18"/>
+    <p:sldId id="274" r:id="rId19"/>
   </p:sldIdLst>
   <p:sldSz cx="12192000" cy="6858000"/>
   <p:notesSz cx="6858000" cy="9144000"/>
@@ -572,7 +573,7 @@
           <a:p>
             <a:fld id="{87D1BF43-CD60-4BB6-A88B-E90A78BF9EDB}" type="datetimeFigureOut">
               <a:rPr lang="zh-TW" altLang="en-US" smtClean="0"/>
-              <a:t>2021/6/19</a:t>
+              <a:t>2021/6/21</a:t>
             </a:fld>
             <a:endParaRPr lang="zh-TW" altLang="en-US"/>
           </a:p>
@@ -1073,7 +1074,7 @@
             <a:fld id="{53BEF823-48A5-43FC-BE03-E79964288B41}" type="datetimeFigureOut">
               <a:rPr lang="en-US" smtClean="0"/>
               <a:pPr algn="r"/>
-              <a:t>6/19/2021</a:t>
+              <a:t>6/21/2021</a:t>
             </a:fld>
             <a:endParaRPr lang="en-US" dirty="0"/>
           </a:p>
@@ -1248,7 +1249,7 @@
             <a:fld id="{53BEF823-48A5-43FC-BE03-E79964288B41}" type="datetimeFigureOut">
               <a:rPr lang="en-US" smtClean="0"/>
               <a:pPr algn="r"/>
-              <a:t>6/19/2021</a:t>
+              <a:t>6/21/2021</a:t>
             </a:fld>
             <a:endParaRPr lang="en-US" dirty="0"/>
           </a:p>
@@ -1433,7 +1434,7 @@
             <a:fld id="{53BEF823-48A5-43FC-BE03-E79964288B41}" type="datetimeFigureOut">
               <a:rPr lang="en-US" smtClean="0"/>
               <a:pPr algn="r"/>
-              <a:t>6/19/2021</a:t>
+              <a:t>6/21/2021</a:t>
             </a:fld>
             <a:endParaRPr lang="en-US" dirty="0"/>
           </a:p>
@@ -1608,7 +1609,7 @@
             <a:fld id="{53BEF823-48A5-43FC-BE03-E79964288B41}" type="datetimeFigureOut">
               <a:rPr lang="en-US" smtClean="0"/>
               <a:pPr algn="r"/>
-              <a:t>6/19/2021</a:t>
+              <a:t>6/21/2021</a:t>
             </a:fld>
             <a:endParaRPr lang="en-US" dirty="0"/>
           </a:p>
@@ -1859,7 +1860,7 @@
             <a:fld id="{53BEF823-48A5-43FC-BE03-E79964288B41}" type="datetimeFigureOut">
               <a:rPr lang="en-US" smtClean="0"/>
               <a:pPr algn="r"/>
-              <a:t>6/19/2021</a:t>
+              <a:t>6/21/2021</a:t>
             </a:fld>
             <a:endParaRPr lang="en-US" dirty="0"/>
           </a:p>
@@ -2096,7 +2097,7 @@
             <a:fld id="{53BEF823-48A5-43FC-BE03-E79964288B41}" type="datetimeFigureOut">
               <a:rPr lang="en-US" smtClean="0"/>
               <a:pPr algn="r"/>
-              <a:t>6/19/2021</a:t>
+              <a:t>6/21/2021</a:t>
             </a:fld>
             <a:endParaRPr lang="en-US" dirty="0"/>
           </a:p>
@@ -2468,7 +2469,7 @@
             <a:fld id="{53BEF823-48A5-43FC-BE03-E79964288B41}" type="datetimeFigureOut">
               <a:rPr lang="en-US" smtClean="0"/>
               <a:pPr algn="r"/>
-              <a:t>6/19/2021</a:t>
+              <a:t>6/21/2021</a:t>
             </a:fld>
             <a:endParaRPr lang="en-US" dirty="0"/>
           </a:p>
@@ -2591,7 +2592,7 @@
             <a:fld id="{53BEF823-48A5-43FC-BE03-E79964288B41}" type="datetimeFigureOut">
               <a:rPr lang="en-US" smtClean="0"/>
               <a:pPr algn="r"/>
-              <a:t>6/19/2021</a:t>
+              <a:t>6/21/2021</a:t>
             </a:fld>
             <a:endParaRPr lang="en-US" dirty="0"/>
           </a:p>
@@ -2691,7 +2692,7 @@
             <a:fld id="{53BEF823-48A5-43FC-BE03-E79964288B41}" type="datetimeFigureOut">
               <a:rPr lang="en-US" smtClean="0"/>
               <a:pPr algn="r"/>
-              <a:t>6/19/2021</a:t>
+              <a:t>6/21/2021</a:t>
             </a:fld>
             <a:endParaRPr lang="en-US" dirty="0"/>
           </a:p>
@@ -2973,7 +2974,7 @@
             <a:fld id="{53BEF823-48A5-43FC-BE03-E79964288B41}" type="datetimeFigureOut">
               <a:rPr lang="en-US" smtClean="0"/>
               <a:pPr algn="r"/>
-              <a:t>6/19/2021</a:t>
+              <a:t>6/21/2021</a:t>
             </a:fld>
             <a:endParaRPr lang="en-US" dirty="0"/>
           </a:p>
@@ -3235,7 +3236,7 @@
             <a:fld id="{53BEF823-48A5-43FC-BE03-E79964288B41}" type="datetimeFigureOut">
               <a:rPr lang="en-US" smtClean="0"/>
               <a:pPr algn="r"/>
-              <a:t>6/19/2021</a:t>
+              <a:t>6/21/2021</a:t>
             </a:fld>
             <a:endParaRPr lang="en-US" dirty="0"/>
           </a:p>
@@ -3453,7 +3454,7 @@
             <a:fld id="{53BEF823-48A5-43FC-BE03-E79964288B41}" type="datetimeFigureOut">
               <a:rPr lang="en-US" smtClean="0"/>
               <a:pPr algn="r"/>
-              <a:t>6/19/2021</a:t>
+              <a:t>6/21/2021</a:t>
             </a:fld>
             <a:endParaRPr lang="en-US" dirty="0"/>
           </a:p>
@@ -8123,20 +8124,8 @@
                 <a:latin typeface="Adobe 黑体 Std R" panose="020B0400000000000000" pitchFamily="34" charset="-128"/>
                 <a:ea typeface="Adobe 黑体 Std R" panose="020B0400000000000000" pitchFamily="34" charset="-128"/>
               </a:rPr>
-              <a:t>………………</a:t>
-            </a:r>
-          </a:p>
-          <a:p>
-            <a:pPr marL="0" indent="0">
-              <a:buNone/>
-            </a:pPr>
-            <a:endParaRPr lang="en-US" altLang="zh-TW" sz="2000" dirty="0">
-              <a:solidFill>
-                <a:schemeClr val="tx2"/>
-              </a:solidFill>
-              <a:latin typeface="Adobe 黑体 Std R" panose="020B0400000000000000" pitchFamily="34" charset="-128"/>
-              <a:ea typeface="Adobe 黑体 Std R" panose="020B0400000000000000" pitchFamily="34" charset="-128"/>
-            </a:endParaRPr>
+              <a:t>https://www.youtube.com/watch?v=aSEBuPXpsd4</a:t>
+            </a:r>
           </a:p>
         </p:txBody>
       </p:sp>
@@ -8192,6 +8181,445 @@
   <p:clrMapOvr>
     <a:masterClrMapping/>
   </p:clrMapOvr>
+</p:sld>
+</file>
+
+<file path=ppt/slides/slide18.xml><?xml version="1.0" encoding="utf-8"?>
+<p:sld xmlns:a="http://schemas.openxmlformats.org/drawingml/2006/main" xmlns:r="http://schemas.openxmlformats.org/officeDocument/2006/relationships" xmlns:p="http://schemas.openxmlformats.org/presentationml/2006/main">
+  <p:cSld>
+    <p:spTree>
+      <p:nvGrpSpPr>
+        <p:cNvPr id="1" name=""/>
+        <p:cNvGrpSpPr/>
+        <p:nvPr/>
+      </p:nvGrpSpPr>
+      <p:grpSpPr>
+        <a:xfrm>
+          <a:off x="0" y="0"/>
+          <a:ext cx="0" cy="0"/>
+          <a:chOff x="0" y="0"/>
+          <a:chExt cx="0" cy="0"/>
+        </a:xfrm>
+      </p:grpSpPr>
+      <p:pic>
+        <p:nvPicPr>
+          <p:cNvPr id="57" name="圖片 56">
+            <a:extLst>
+              <a:ext uri="{FF2B5EF4-FFF2-40B4-BE49-F238E27FC236}">
+                <a16:creationId xmlns:a16="http://schemas.microsoft.com/office/drawing/2014/main" id="{8239ED0D-B77C-4B93-858D-C6B130EB3D65}"/>
+              </a:ext>
+            </a:extLst>
+          </p:cNvPr>
+          <p:cNvPicPr>
+            <a:picLocks noChangeAspect="1"/>
+          </p:cNvPicPr>
+          <p:nvPr/>
+        </p:nvPicPr>
+        <p:blipFill>
+          <a:blip r:embed="rId2"/>
+          <a:stretch>
+            <a:fillRect/>
+          </a:stretch>
+        </p:blipFill>
+        <p:spPr>
+          <a:xfrm>
+            <a:off x="0" y="1001627"/>
+            <a:ext cx="12192000" cy="4378091"/>
+          </a:xfrm>
+          <a:prstGeom prst="rect">
+            <a:avLst/>
+          </a:prstGeom>
+        </p:spPr>
+      </p:pic>
+      <p:sp>
+        <p:nvSpPr>
+          <p:cNvPr id="2" name="標題 1">
+            <a:extLst>
+              <a:ext uri="{FF2B5EF4-FFF2-40B4-BE49-F238E27FC236}">
+                <a16:creationId xmlns:a16="http://schemas.microsoft.com/office/drawing/2014/main" id="{78E40BCE-5B5D-4B68-93B0-A1D9218F9B99}"/>
+              </a:ext>
+            </a:extLst>
+          </p:cNvPr>
+          <p:cNvSpPr>
+            <a:spLocks noGrp="1"/>
+          </p:cNvSpPr>
+          <p:nvPr>
+            <p:ph type="ctrTitle"/>
+          </p:nvPr>
+        </p:nvSpPr>
+        <p:spPr>
+          <a:xfrm>
+            <a:off x="400849" y="446806"/>
+            <a:ext cx="11390302" cy="1012343"/>
+          </a:xfrm>
+        </p:spPr>
+        <p:txBody>
+          <a:bodyPr anchor="b">
+            <a:noAutofit/>
+          </a:bodyPr>
+          <a:lstStyle/>
+          <a:p>
+            <a:pPr algn="l"/>
+            <a:r>
+              <a:rPr lang="en-US" altLang="zh-TW" sz="6600" dirty="0">
+                <a:solidFill>
+                  <a:schemeClr val="tx2"/>
+                </a:solidFill>
+                <a:latin typeface="Adobe 黑体 Std R" panose="020B0400000000000000" pitchFamily="34" charset="-128"/>
+                <a:ea typeface="Adobe 黑体 Std R" panose="020B0400000000000000" pitchFamily="34" charset="-128"/>
+              </a:rPr>
+              <a:t>Movie Recommender System</a:t>
+            </a:r>
+            <a:endParaRPr lang="zh-TW" altLang="en-US" sz="6600" dirty="0">
+              <a:solidFill>
+                <a:schemeClr val="tx2"/>
+              </a:solidFill>
+              <a:latin typeface="Adobe 黑体 Std R" panose="020B0400000000000000" pitchFamily="34" charset="-128"/>
+              <a:ea typeface="Adobe 黑体 Std R" panose="020B0400000000000000" pitchFamily="34" charset="-128"/>
+            </a:endParaRPr>
+          </a:p>
+        </p:txBody>
+      </p:sp>
+      <p:sp>
+        <p:nvSpPr>
+          <p:cNvPr id="6" name="矩形 5">
+            <a:extLst>
+              <a:ext uri="{FF2B5EF4-FFF2-40B4-BE49-F238E27FC236}">
+                <a16:creationId xmlns:a16="http://schemas.microsoft.com/office/drawing/2014/main" id="{032C6BE7-FC98-4E1C-A724-86C48D87922A}"/>
+              </a:ext>
+            </a:extLst>
+          </p:cNvPr>
+          <p:cNvSpPr/>
+          <p:nvPr/>
+        </p:nvSpPr>
+        <p:spPr>
+          <a:xfrm>
+            <a:off x="76198" y="4149278"/>
+            <a:ext cx="12191999" cy="2800767"/>
+          </a:xfrm>
+          <a:prstGeom prst="rect">
+            <a:avLst/>
+          </a:prstGeom>
+          <a:noFill/>
+        </p:spPr>
+        <p:txBody>
+          <a:bodyPr wrap="square" lIns="91440" tIns="45720" rIns="91440" bIns="45720">
+            <a:spAutoFit/>
+          </a:bodyPr>
+          <a:lstStyle/>
+          <a:p>
+            <a:pPr algn="ctr"/>
+            <a:r>
+              <a:rPr lang="zh-TW" altLang="en-US" sz="8800" b="1" cap="none" spc="0" dirty="0">
+                <a:ln w="13462">
+                  <a:solidFill>
+                    <a:schemeClr val="bg1"/>
+                  </a:solidFill>
+                  <a:prstDash val="solid"/>
+                </a:ln>
+                <a:solidFill>
+                  <a:schemeClr val="tx1">
+                    <a:lumMod val="85000"/>
+                    <a:lumOff val="15000"/>
+                  </a:schemeClr>
+                </a:solidFill>
+                <a:effectLst>
+                  <a:outerShdw dist="38100" dir="2700000" algn="bl" rotWithShape="0">
+                    <a:schemeClr val="accent5"/>
+                  </a:outerShdw>
+                </a:effectLst>
+                <a:latin typeface="Adobe 黑体 Std R" panose="020B0400000000000000" pitchFamily="34" charset="-128"/>
+                <a:ea typeface="Adobe 黑体 Std R" panose="020B0400000000000000" pitchFamily="34" charset="-128"/>
+              </a:rPr>
+              <a:t>兩個月完成</a:t>
+            </a:r>
+            <a:endParaRPr lang="en-US" altLang="zh-TW" sz="8800" b="1" cap="none" spc="0" dirty="0">
+              <a:ln w="13462">
+                <a:solidFill>
+                  <a:schemeClr val="bg1"/>
+                </a:solidFill>
+                <a:prstDash val="solid"/>
+              </a:ln>
+              <a:solidFill>
+                <a:schemeClr val="tx1">
+                  <a:lumMod val="85000"/>
+                  <a:lumOff val="15000"/>
+                </a:schemeClr>
+              </a:solidFill>
+              <a:effectLst>
+                <a:outerShdw dist="38100" dir="2700000" algn="bl" rotWithShape="0">
+                  <a:schemeClr val="accent5"/>
+                </a:outerShdw>
+              </a:effectLst>
+              <a:latin typeface="Adobe 黑体 Std R" panose="020B0400000000000000" pitchFamily="34" charset="-128"/>
+              <a:ea typeface="Adobe 黑体 Std R" panose="020B0400000000000000" pitchFamily="34" charset="-128"/>
+            </a:endParaRPr>
+          </a:p>
+          <a:p>
+            <a:pPr algn="ctr"/>
+            <a:r>
+              <a:rPr lang="en-US" altLang="zh-TW" sz="8800" b="1" cap="none" spc="0" dirty="0" err="1">
+                <a:ln w="13462">
+                  <a:solidFill>
+                    <a:schemeClr val="bg1"/>
+                  </a:solidFill>
+                  <a:prstDash val="solid"/>
+                </a:ln>
+                <a:solidFill>
+                  <a:schemeClr val="tx1">
+                    <a:lumMod val="85000"/>
+                    <a:lumOff val="15000"/>
+                  </a:schemeClr>
+                </a:solidFill>
+                <a:effectLst>
+                  <a:outerShdw dist="38100" dir="2700000" algn="bl" rotWithShape="0">
+                    <a:schemeClr val="accent5"/>
+                  </a:outerShdw>
+                </a:effectLst>
+                <a:latin typeface="Adobe 黑体 Std R" panose="020B0400000000000000" pitchFamily="34" charset="-128"/>
+                <a:ea typeface="Adobe 黑体 Std R" panose="020B0400000000000000" pitchFamily="34" charset="-128"/>
+              </a:rPr>
+              <a:t>Netfilix</a:t>
+            </a:r>
+            <a:r>
+              <a:rPr lang="zh-TW" altLang="en-US" sz="8800" b="1" cap="none" spc="0" dirty="0">
+                <a:ln w="13462">
+                  <a:solidFill>
+                    <a:schemeClr val="bg1"/>
+                  </a:solidFill>
+                  <a:prstDash val="solid"/>
+                </a:ln>
+                <a:solidFill>
+                  <a:schemeClr val="tx1">
+                    <a:lumMod val="85000"/>
+                    <a:lumOff val="15000"/>
+                  </a:schemeClr>
+                </a:solidFill>
+                <a:effectLst>
+                  <a:outerShdw dist="38100" dir="2700000" algn="bl" rotWithShape="0">
+                    <a:schemeClr val="accent5"/>
+                  </a:outerShdw>
+                </a:effectLst>
+                <a:latin typeface="Adobe 黑体 Std R" panose="020B0400000000000000" pitchFamily="34" charset="-128"/>
+                <a:ea typeface="Adobe 黑体 Std R" panose="020B0400000000000000" pitchFamily="34" charset="-128"/>
+              </a:rPr>
+              <a:t>電影推薦系統</a:t>
+            </a:r>
+            <a:r>
+              <a:rPr lang="en-US" altLang="zh-TW" sz="8800" b="1" cap="none" spc="0" dirty="0">
+                <a:ln w="13462">
+                  <a:solidFill>
+                    <a:schemeClr val="bg1"/>
+                  </a:solidFill>
+                  <a:prstDash val="solid"/>
+                </a:ln>
+                <a:solidFill>
+                  <a:schemeClr val="tx1">
+                    <a:lumMod val="85000"/>
+                    <a:lumOff val="15000"/>
+                  </a:schemeClr>
+                </a:solidFill>
+                <a:effectLst>
+                  <a:outerShdw dist="38100" dir="2700000" algn="bl" rotWithShape="0">
+                    <a:schemeClr val="accent5"/>
+                  </a:outerShdw>
+                </a:effectLst>
+                <a:latin typeface="Adobe 黑体 Std R" panose="020B0400000000000000" pitchFamily="34" charset="-128"/>
+                <a:ea typeface="Adobe 黑体 Std R" panose="020B0400000000000000" pitchFamily="34" charset="-128"/>
+              </a:rPr>
+              <a:t>!?</a:t>
+            </a:r>
+            <a:endParaRPr lang="zh-TW" altLang="en-US" sz="8800" b="1" cap="none" spc="0" dirty="0">
+              <a:ln w="13462">
+                <a:solidFill>
+                  <a:schemeClr val="bg1"/>
+                </a:solidFill>
+                <a:prstDash val="solid"/>
+              </a:ln>
+              <a:solidFill>
+                <a:schemeClr val="tx1">
+                  <a:lumMod val="85000"/>
+                  <a:lumOff val="15000"/>
+                </a:schemeClr>
+              </a:solidFill>
+              <a:effectLst>
+                <a:outerShdw dist="38100" dir="2700000" algn="bl" rotWithShape="0">
+                  <a:schemeClr val="accent5"/>
+                </a:outerShdw>
+              </a:effectLst>
+            </a:endParaRPr>
+          </a:p>
+        </p:txBody>
+      </p:sp>
+      <p:sp>
+        <p:nvSpPr>
+          <p:cNvPr id="11" name="標題 1">
+            <a:extLst>
+              <a:ext uri="{FF2B5EF4-FFF2-40B4-BE49-F238E27FC236}">
+                <a16:creationId xmlns:a16="http://schemas.microsoft.com/office/drawing/2014/main" id="{DB1BB458-0073-4C12-BB6D-1CA47F89A279}"/>
+              </a:ext>
+            </a:extLst>
+          </p:cNvPr>
+          <p:cNvSpPr txBox="1">
+            <a:spLocks/>
+          </p:cNvSpPr>
+          <p:nvPr/>
+        </p:nvSpPr>
+        <p:spPr>
+          <a:xfrm rot="754703">
+            <a:off x="9284371" y="2676689"/>
+            <a:ext cx="4867753" cy="2371392"/>
+          </a:xfrm>
+          <a:prstGeom prst="rect">
+            <a:avLst/>
+          </a:prstGeom>
+        </p:spPr>
+        <p:txBody>
+          <a:bodyPr vert="horz" lIns="91440" tIns="45720" rIns="91440" bIns="45720" rtlCol="0" anchor="b">
+            <a:noAutofit/>
+          </a:bodyPr>
+          <a:lstStyle>
+            <a:lvl1pPr algn="ctr" defTabSz="914400" rtl="0" eaLnBrk="1" latinLnBrk="0" hangingPunct="1">
+              <a:lnSpc>
+                <a:spcPct val="90000"/>
+              </a:lnSpc>
+              <a:spcBef>
+                <a:spcPct val="0"/>
+              </a:spcBef>
+              <a:buNone/>
+              <a:defRPr sz="6000" kern="1200">
+                <a:solidFill>
+                  <a:schemeClr val="tx1"/>
+                </a:solidFill>
+                <a:latin typeface="+mj-lt"/>
+                <a:ea typeface="+mj-ea"/>
+                <a:cs typeface="+mj-cs"/>
+              </a:defRPr>
+            </a:lvl1pPr>
+          </a:lstStyle>
+          <a:p>
+            <a:pPr algn="l"/>
+            <a:r>
+              <a:rPr lang="en-US" altLang="zh-TW" sz="7200" dirty="0">
+                <a:solidFill>
+                  <a:srgbClr val="FFC000"/>
+                </a:solidFill>
+                <a:latin typeface="Adobe 黑体 Std R" panose="020B0400000000000000" pitchFamily="34" charset="-128"/>
+                <a:ea typeface="Adobe 黑体 Std R" panose="020B0400000000000000" pitchFamily="34" charset="-128"/>
+              </a:rPr>
+              <a:t>Python</a:t>
+            </a:r>
+            <a:endParaRPr lang="zh-TW" altLang="en-US" sz="7200" dirty="0">
+              <a:solidFill>
+                <a:srgbClr val="FFC000"/>
+              </a:solidFill>
+              <a:latin typeface="Adobe 黑体 Std R" panose="020B0400000000000000" pitchFamily="34" charset="-128"/>
+              <a:ea typeface="Adobe 黑体 Std R" panose="020B0400000000000000" pitchFamily="34" charset="-128"/>
+            </a:endParaRPr>
+          </a:p>
+        </p:txBody>
+      </p:sp>
+      <p:sp>
+        <p:nvSpPr>
+          <p:cNvPr id="13" name="標題 1">
+            <a:extLst>
+              <a:ext uri="{FF2B5EF4-FFF2-40B4-BE49-F238E27FC236}">
+                <a16:creationId xmlns:a16="http://schemas.microsoft.com/office/drawing/2014/main" id="{740BE465-B6F4-4F5B-A646-A2EC57467A76}"/>
+              </a:ext>
+            </a:extLst>
+          </p:cNvPr>
+          <p:cNvSpPr txBox="1">
+            <a:spLocks/>
+          </p:cNvSpPr>
+          <p:nvPr/>
+        </p:nvSpPr>
+        <p:spPr>
+          <a:xfrm rot="20548638">
+            <a:off x="-963462" y="2431750"/>
+            <a:ext cx="4759917" cy="2371392"/>
+          </a:xfrm>
+          <a:prstGeom prst="rect">
+            <a:avLst/>
+          </a:prstGeom>
+        </p:spPr>
+        <p:txBody>
+          <a:bodyPr vert="horz" lIns="91440" tIns="45720" rIns="91440" bIns="45720" rtlCol="0" anchor="b">
+            <a:noAutofit/>
+          </a:bodyPr>
+          <a:lstStyle>
+            <a:lvl1pPr algn="ctr" defTabSz="914400" rtl="0" eaLnBrk="1" latinLnBrk="0" hangingPunct="1">
+              <a:lnSpc>
+                <a:spcPct val="90000"/>
+              </a:lnSpc>
+              <a:spcBef>
+                <a:spcPct val="0"/>
+              </a:spcBef>
+              <a:buNone/>
+              <a:defRPr sz="6000" kern="1200">
+                <a:solidFill>
+                  <a:schemeClr val="tx1"/>
+                </a:solidFill>
+                <a:latin typeface="+mj-lt"/>
+                <a:ea typeface="+mj-ea"/>
+                <a:cs typeface="+mj-cs"/>
+              </a:defRPr>
+            </a:lvl1pPr>
+          </a:lstStyle>
+          <a:p>
+            <a:r>
+              <a:rPr lang="en-US" altLang="zh-TW" sz="6600" dirty="0">
+                <a:solidFill>
+                  <a:srgbClr val="FFC000"/>
+                </a:solidFill>
+                <a:latin typeface="Adobe 黑体 Std R" panose="020B0400000000000000" pitchFamily="34" charset="-128"/>
+                <a:ea typeface="Adobe 黑体 Std R" panose="020B0400000000000000" pitchFamily="34" charset="-128"/>
+              </a:rPr>
+              <a:t>AI</a:t>
+            </a:r>
+          </a:p>
+          <a:p>
+            <a:r>
+              <a:rPr lang="en-US" altLang="zh-TW" sz="3200" dirty="0">
+                <a:solidFill>
+                  <a:srgbClr val="FFC000"/>
+                </a:solidFill>
+                <a:latin typeface="Adobe 黑体 Std R" panose="020B0400000000000000" pitchFamily="34" charset="-128"/>
+                <a:ea typeface="Adobe 黑体 Std R" panose="020B0400000000000000" pitchFamily="34" charset="-128"/>
+              </a:rPr>
+              <a:t>Machine Learning</a:t>
+            </a:r>
+            <a:endParaRPr lang="zh-TW" altLang="en-US" sz="3200" dirty="0">
+              <a:solidFill>
+                <a:srgbClr val="FFC000"/>
+              </a:solidFill>
+              <a:latin typeface="Adobe 黑体 Std R" panose="020B0400000000000000" pitchFamily="34" charset="-128"/>
+              <a:ea typeface="Adobe 黑体 Std R" panose="020B0400000000000000" pitchFamily="34" charset="-128"/>
+            </a:endParaRPr>
+          </a:p>
+        </p:txBody>
+      </p:sp>
+    </p:spTree>
+    <p:extLst>
+      <p:ext uri="{BB962C8B-B14F-4D97-AF65-F5344CB8AC3E}">
+        <p14:creationId xmlns:p14="http://schemas.microsoft.com/office/powerpoint/2010/main" val="872130155"/>
+      </p:ext>
+    </p:extLst>
+  </p:cSld>
+  <p:clrMapOvr>
+    <a:masterClrMapping/>
+  </p:clrMapOvr>
+  <mc:AlternateContent xmlns:mc="http://schemas.openxmlformats.org/markup-compatibility/2006" xmlns:p14="http://schemas.microsoft.com/office/powerpoint/2010/main">
+    <mc:Choice Requires="p14">
+      <p:transition spd="med" p14:dur="700">
+        <p:fade/>
+      </p:transition>
+    </mc:Choice>
+    <mc:Fallback xmlns="">
+      <p:transition spd="med">
+        <p:fade/>
+      </p:transition>
+    </mc:Fallback>
+  </mc:AlternateContent>
 </p:sld>
 </file>
 
